--- a/IKT Projekt feladat.pptx
+++ b/IKT Projekt feladat.pptx
@@ -5,11 +5,19 @@
     <p:sldMasterId id="2147483648" r:id="rId1"/>
   </p:sldMasterIdLst>
   <p:notesMasterIdLst>
-    <p:notesMasterId r:id="rId4"/>
+    <p:notesMasterId r:id="rId12"/>
   </p:notesMasterIdLst>
   <p:sldIdLst>
     <p:sldId id="256" r:id="rId2"/>
     <p:sldId id="257" r:id="rId3"/>
+    <p:sldId id="260" r:id="rId4"/>
+    <p:sldId id="261" r:id="rId5"/>
+    <p:sldId id="262" r:id="rId6"/>
+    <p:sldId id="263" r:id="rId7"/>
+    <p:sldId id="258" r:id="rId8"/>
+    <p:sldId id="259" r:id="rId9"/>
+    <p:sldId id="264" r:id="rId10"/>
+    <p:sldId id="265" r:id="rId11"/>
   </p:sldIdLst>
   <p:sldSz cx="12192000" cy="6858000"/>
   <p:notesSz cx="6858000" cy="9144000"/>
@@ -108,6 +116,11 @@
       </a:defRPr>
     </a:lvl9pPr>
   </p:defaultTextStyle>
+  <p:extLst>
+    <p:ext uri="{EFAFB233-063F-42B5-8137-9DF3F51BA10A}">
+      <p15:sldGuideLst xmlns:p15="http://schemas.microsoft.com/office/powerpoint/2012/main"/>
+    </p:ext>
+  </p:extLst>
 </p:presentation>
 </file>
 
@@ -193,7 +206,7 @@
           <a:p>
             <a:fld id="{47028C79-CE99-4F5E-B915-9B4C86903075}" type="datetimeFigureOut">
               <a:rPr lang="hu-HU" smtClean="0"/>
-              <a:t>2022.09.14.</a:t>
+              <a:t>2022.09.15.</a:t>
             </a:fld>
             <a:endParaRPr lang="hu-HU"/>
           </a:p>
@@ -676,7 +689,7 @@
           <a:p>
             <a:fld id="{8A946B64-D034-4954-AA20-D2A99A6A760F}" type="datetimeFigureOut">
               <a:rPr lang="hu-HU" smtClean="0"/>
-              <a:t>2022.09.14.</a:t>
+              <a:t>2022.09.15.</a:t>
             </a:fld>
             <a:endParaRPr lang="hu-HU"/>
           </a:p>
@@ -846,7 +859,7 @@
           <a:p>
             <a:fld id="{8A946B64-D034-4954-AA20-D2A99A6A760F}" type="datetimeFigureOut">
               <a:rPr lang="hu-HU" smtClean="0"/>
-              <a:t>2022.09.14.</a:t>
+              <a:t>2022.09.15.</a:t>
             </a:fld>
             <a:endParaRPr lang="hu-HU"/>
           </a:p>
@@ -1026,7 +1039,7 @@
           <a:p>
             <a:fld id="{8A946B64-D034-4954-AA20-D2A99A6A760F}" type="datetimeFigureOut">
               <a:rPr lang="hu-HU" smtClean="0"/>
-              <a:t>2022.09.14.</a:t>
+              <a:t>2022.09.15.</a:t>
             </a:fld>
             <a:endParaRPr lang="hu-HU"/>
           </a:p>
@@ -1196,7 +1209,7 @@
           <a:p>
             <a:fld id="{8A946B64-D034-4954-AA20-D2A99A6A760F}" type="datetimeFigureOut">
               <a:rPr lang="hu-HU" smtClean="0"/>
-              <a:t>2022.09.14.</a:t>
+              <a:t>2022.09.15.</a:t>
             </a:fld>
             <a:endParaRPr lang="hu-HU"/>
           </a:p>
@@ -1442,7 +1455,7 @@
           <a:p>
             <a:fld id="{8A946B64-D034-4954-AA20-D2A99A6A760F}" type="datetimeFigureOut">
               <a:rPr lang="hu-HU" smtClean="0"/>
-              <a:t>2022.09.14.</a:t>
+              <a:t>2022.09.15.</a:t>
             </a:fld>
             <a:endParaRPr lang="hu-HU"/>
           </a:p>
@@ -1674,7 +1687,7 @@
           <a:p>
             <a:fld id="{8A946B64-D034-4954-AA20-D2A99A6A760F}" type="datetimeFigureOut">
               <a:rPr lang="hu-HU" smtClean="0"/>
-              <a:t>2022.09.14.</a:t>
+              <a:t>2022.09.15.</a:t>
             </a:fld>
             <a:endParaRPr lang="hu-HU"/>
           </a:p>
@@ -2041,7 +2054,7 @@
           <a:p>
             <a:fld id="{8A946B64-D034-4954-AA20-D2A99A6A760F}" type="datetimeFigureOut">
               <a:rPr lang="hu-HU" smtClean="0"/>
-              <a:t>2022.09.14.</a:t>
+              <a:t>2022.09.15.</a:t>
             </a:fld>
             <a:endParaRPr lang="hu-HU"/>
           </a:p>
@@ -2159,7 +2172,7 @@
           <a:p>
             <a:fld id="{8A946B64-D034-4954-AA20-D2A99A6A760F}" type="datetimeFigureOut">
               <a:rPr lang="hu-HU" smtClean="0"/>
-              <a:t>2022.09.14.</a:t>
+              <a:t>2022.09.15.</a:t>
             </a:fld>
             <a:endParaRPr lang="hu-HU"/>
           </a:p>
@@ -2254,7 +2267,7 @@
           <a:p>
             <a:fld id="{8A946B64-D034-4954-AA20-D2A99A6A760F}" type="datetimeFigureOut">
               <a:rPr lang="hu-HU" smtClean="0"/>
-              <a:t>2022.09.14.</a:t>
+              <a:t>2022.09.15.</a:t>
             </a:fld>
             <a:endParaRPr lang="hu-HU"/>
           </a:p>
@@ -2531,7 +2544,7 @@
           <a:p>
             <a:fld id="{8A946B64-D034-4954-AA20-D2A99A6A760F}" type="datetimeFigureOut">
               <a:rPr lang="hu-HU" smtClean="0"/>
-              <a:t>2022.09.14.</a:t>
+              <a:t>2022.09.15.</a:t>
             </a:fld>
             <a:endParaRPr lang="hu-HU"/>
           </a:p>
@@ -2784,7 +2797,7 @@
           <a:p>
             <a:fld id="{8A946B64-D034-4954-AA20-D2A99A6A760F}" type="datetimeFigureOut">
               <a:rPr lang="hu-HU" smtClean="0"/>
-              <a:t>2022.09.14.</a:t>
+              <a:t>2022.09.15.</a:t>
             </a:fld>
             <a:endParaRPr lang="hu-HU"/>
           </a:p>
@@ -2997,7 +3010,7 @@
           <a:p>
             <a:fld id="{8A946B64-D034-4954-AA20-D2A99A6A760F}" type="datetimeFigureOut">
               <a:rPr lang="hu-HU" smtClean="0"/>
-              <a:t>2022.09.14.</a:t>
+              <a:t>2022.09.15.</a:t>
             </a:fld>
             <a:endParaRPr lang="hu-HU"/>
           </a:p>
@@ -3414,19 +3427,30 @@
         </p:nvSpPr>
         <p:spPr>
           <a:xfrm>
-            <a:off x="163551" y="382142"/>
-            <a:ext cx="6627542" cy="934031"/>
+            <a:off x="1060367" y="2263696"/>
+            <a:ext cx="10167410" cy="2167627"/>
           </a:xfrm>
         </p:spPr>
         <p:txBody>
-          <a:bodyPr/>
-          <a:lstStyle/>
-          <a:p>
-            <a:r>
-              <a:rPr lang="hu-HU" dirty="0" smtClean="0"/>
-              <a:t>HTML alapismeretek</a:t>
-            </a:r>
-            <a:endParaRPr lang="hu-HU" dirty="0"/>
+          <a:bodyPr>
+            <a:noAutofit/>
+          </a:bodyPr>
+          <a:lstStyle/>
+          <a:p>
+            <a:pPr>
+              <a:lnSpc>
+                <a:spcPct val="300000"/>
+              </a:lnSpc>
+            </a:pPr>
+            <a:r>
+              <a:rPr lang="hu-HU" sz="9600" dirty="0" err="1" smtClean="0"/>
+              <a:t>Scrum</a:t>
+            </a:r>
+            <a:r>
+              <a:rPr lang="hu-HU" sz="9600" dirty="0" smtClean="0"/>
+              <a:t> bemutatása</a:t>
+            </a:r>
+            <a:endParaRPr lang="hu-HU" sz="9600" dirty="0"/>
           </a:p>
         </p:txBody>
       </p:sp>
@@ -3454,7 +3478,7 @@
           <a:p>
             <a:r>
               <a:rPr lang="hu-HU" sz="4400" dirty="0" smtClean="0"/>
-              <a:t>Üdvözlök mindenkit!</a:t>
+              <a:t>Szevasztok Barik!</a:t>
             </a:r>
             <a:endParaRPr lang="hu-HU" sz="4400" dirty="0"/>
           </a:p>
@@ -3494,6 +3518,191 @@
     <p:extLst>
       <p:ext uri="{BB962C8B-B14F-4D97-AF65-F5344CB8AC3E}">
         <p14:creationId xmlns:p14="http://schemas.microsoft.com/office/powerpoint/2010/main" val="2388926748"/>
+      </p:ext>
+    </p:extLst>
+  </p:cSld>
+  <p:clrMapOvr>
+    <a:masterClrMapping/>
+  </p:clrMapOvr>
+</p:sld>
+</file>
+
+<file path=ppt/slides/slide10.xml><?xml version="1.0" encoding="utf-8"?>
+<p:sld xmlns:a="http://schemas.openxmlformats.org/drawingml/2006/main" xmlns:r="http://schemas.openxmlformats.org/officeDocument/2006/relationships" xmlns:p="http://schemas.openxmlformats.org/presentationml/2006/main">
+  <p:cSld>
+    <p:spTree>
+      <p:nvGrpSpPr>
+        <p:cNvPr id="1" name=""/>
+        <p:cNvGrpSpPr/>
+        <p:nvPr/>
+      </p:nvGrpSpPr>
+      <p:grpSpPr>
+        <a:xfrm>
+          <a:off x="0" y="0"/>
+          <a:ext cx="0" cy="0"/>
+          <a:chOff x="0" y="0"/>
+          <a:chExt cx="0" cy="0"/>
+        </a:xfrm>
+      </p:grpSpPr>
+      <p:sp>
+        <p:nvSpPr>
+          <p:cNvPr id="2" name="Cím 1"/>
+          <p:cNvSpPr>
+            <a:spLocks noGrp="1"/>
+          </p:cNvSpPr>
+          <p:nvPr>
+            <p:ph type="ctrTitle"/>
+          </p:nvPr>
+        </p:nvSpPr>
+        <p:spPr>
+          <a:xfrm>
+            <a:off x="0" y="1600201"/>
+            <a:ext cx="7095392" cy="3464169"/>
+          </a:xfrm>
+        </p:spPr>
+        <p:txBody>
+          <a:bodyPr>
+            <a:normAutofit/>
+          </a:bodyPr>
+          <a:lstStyle/>
+          <a:p>
+            <a:r>
+              <a:rPr lang="hu-HU" dirty="0" smtClean="0"/>
+              <a:t>Kösz mán, hogy végig nézted bástya! Legye’ szé</a:t>
+            </a:r>
+            <a:r>
+              <a:rPr lang="hu-HU" dirty="0"/>
+              <a:t>p</a:t>
+            </a:r>
+            <a:r>
+              <a:rPr lang="hu-HU" dirty="0" smtClean="0"/>
+              <a:t> </a:t>
+            </a:r>
+            <a:r>
+              <a:rPr lang="hu-HU" dirty="0" err="1" smtClean="0"/>
+              <a:t>napeszod</a:t>
+            </a:r>
+            <a:r>
+              <a:rPr lang="hu-HU" dirty="0" smtClean="0"/>
+              <a:t> </a:t>
+            </a:r>
+            <a:r>
+              <a:rPr lang="hu-HU" dirty="0" err="1" smtClean="0"/>
+              <a:t>bareszom</a:t>
+            </a:r>
+            <a:r>
+              <a:rPr lang="hu-HU" dirty="0"/>
+              <a:t>!</a:t>
+            </a:r>
+          </a:p>
+        </p:txBody>
+      </p:sp>
+      <p:sp>
+        <p:nvSpPr>
+          <p:cNvPr id="3" name="Alcím 2"/>
+          <p:cNvSpPr>
+            <a:spLocks noGrp="1"/>
+          </p:cNvSpPr>
+          <p:nvPr>
+            <p:ph type="subTitle" idx="1"/>
+          </p:nvPr>
+        </p:nvSpPr>
+        <p:spPr>
+          <a:xfrm>
+            <a:off x="-835269" y="0"/>
+            <a:ext cx="2971800" cy="650631"/>
+          </a:xfrm>
+        </p:spPr>
+        <p:txBody>
+          <a:bodyPr>
+            <a:normAutofit/>
+          </a:bodyPr>
+          <a:lstStyle/>
+          <a:p>
+            <a:r>
+              <a:rPr lang="hu-HU" sz="1050" dirty="0" err="1" smtClean="0"/>
+              <a:t>Puszcsi</a:t>
+            </a:r>
+            <a:r>
+              <a:rPr lang="hu-HU" sz="1050" dirty="0" smtClean="0"/>
+              <a:t> a </a:t>
+            </a:r>
+            <a:r>
+              <a:rPr lang="hu-HU" sz="1050" dirty="0" err="1" smtClean="0"/>
+              <a:t>poszcsitokra</a:t>
+            </a:r>
+            <a:r>
+              <a:rPr lang="hu-HU" sz="1050" dirty="0" smtClean="0"/>
+              <a:t>!</a:t>
+            </a:r>
+            <a:endParaRPr lang="hu-HU" sz="1050" dirty="0"/>
+          </a:p>
+        </p:txBody>
+      </p:sp>
+      <p:pic>
+        <p:nvPicPr>
+          <p:cNvPr id="4" name="Kép 3"/>
+          <p:cNvPicPr>
+            <a:picLocks noChangeAspect="1"/>
+          </p:cNvPicPr>
+          <p:nvPr/>
+        </p:nvPicPr>
+        <p:blipFill>
+          <a:blip r:embed="rId2" cstate="print">
+            <a:extLst>
+              <a:ext uri="{28A0092B-C50C-407E-A947-70E740481C1C}">
+                <a14:useLocalDpi xmlns:a14="http://schemas.microsoft.com/office/drawing/2010/main" val="0"/>
+              </a:ext>
+            </a:extLst>
+          </a:blip>
+          <a:stretch>
+            <a:fillRect/>
+          </a:stretch>
+        </p:blipFill>
+        <p:spPr>
+          <a:xfrm>
+            <a:off x="1301262" y="18511"/>
+            <a:ext cx="180460" cy="174920"/>
+          </a:xfrm>
+          <a:prstGeom prst="rect">
+            <a:avLst/>
+          </a:prstGeom>
+        </p:spPr>
+      </p:pic>
+      <p:pic>
+        <p:nvPicPr>
+          <p:cNvPr id="5" name="Kép 4"/>
+          <p:cNvPicPr>
+            <a:picLocks noChangeAspect="1"/>
+          </p:cNvPicPr>
+          <p:nvPr/>
+        </p:nvPicPr>
+        <p:blipFill>
+          <a:blip r:embed="rId3">
+            <a:extLst>
+              <a:ext uri="{28A0092B-C50C-407E-A947-70E740481C1C}">
+                <a14:useLocalDpi xmlns:a14="http://schemas.microsoft.com/office/drawing/2010/main" val="0"/>
+              </a:ext>
+            </a:extLst>
+          </a:blip>
+          <a:stretch>
+            <a:fillRect/>
+          </a:stretch>
+        </p:blipFill>
+        <p:spPr>
+          <a:xfrm>
+            <a:off x="6822831" y="1497779"/>
+            <a:ext cx="5369169" cy="5360221"/>
+          </a:xfrm>
+          <a:prstGeom prst="rect">
+            <a:avLst/>
+          </a:prstGeom>
+        </p:spPr>
+      </p:pic>
+    </p:spTree>
+    <p:extLst>
+      <p:ext uri="{BB962C8B-B14F-4D97-AF65-F5344CB8AC3E}">
+        <p14:creationId xmlns:p14="http://schemas.microsoft.com/office/powerpoint/2010/main" val="4153753542"/>
       </p:ext>
     </p:extLst>
   </p:cSld>
@@ -3522,34 +3731,6 @@
       </p:grpSpPr>
       <p:sp>
         <p:nvSpPr>
-          <p:cNvPr id="2" name="Cím 1"/>
-          <p:cNvSpPr>
-            <a:spLocks noGrp="1"/>
-          </p:cNvSpPr>
-          <p:nvPr>
-            <p:ph type="title"/>
-          </p:nvPr>
-        </p:nvSpPr>
-        <p:spPr>
-          <a:xfrm>
-            <a:off x="0" y="5747175"/>
-            <a:ext cx="4090639" cy="1110825"/>
-          </a:xfrm>
-        </p:spPr>
-        <p:txBody>
-          <a:bodyPr/>
-          <a:lstStyle/>
-          <a:p>
-            <a:r>
-              <a:rPr lang="hu-HU" dirty="0" smtClean="0"/>
-              <a:t>Mi is az a HTML?</a:t>
-            </a:r>
-            <a:endParaRPr lang="hu-HU" dirty="0"/>
-          </a:p>
-        </p:txBody>
-      </p:sp>
-      <p:sp>
-        <p:nvSpPr>
           <p:cNvPr id="3" name="Tartalom helye 2"/>
           <p:cNvSpPr>
             <a:spLocks noGrp="1"/>
@@ -3568,17 +3749,972 @@
           <a:bodyPr/>
           <a:lstStyle/>
           <a:p>
-            <a:pPr marL="0" indent="0">
-              <a:buNone/>
-            </a:pPr>
+            <a:r>
+              <a:rPr lang="hu-HU" dirty="0" smtClean="0"/>
+              <a:t>Terméktulajdonos</a:t>
+            </a:r>
+            <a:r>
+              <a:rPr lang="hu-HU" dirty="0"/>
+              <a:t> </a:t>
+            </a:r>
             <a:endParaRPr lang="hu-HU" dirty="0" smtClean="0"/>
           </a:p>
-        </p:txBody>
-      </p:sp>
+          <a:p>
+            <a:pPr lvl="1"/>
+            <a:r>
+              <a:rPr lang="hu-HU" dirty="0" err="1" smtClean="0"/>
+              <a:t>Product</a:t>
+            </a:r>
+            <a:r>
+              <a:rPr lang="hu-HU" dirty="0" smtClean="0"/>
+              <a:t> </a:t>
+            </a:r>
+            <a:r>
+              <a:rPr lang="hu-HU" dirty="0" err="1" smtClean="0"/>
+              <a:t>Owner</a:t>
+            </a:r>
+            <a:endParaRPr lang="hu-HU" dirty="0" smtClean="0"/>
+          </a:p>
+          <a:p>
+            <a:r>
+              <a:rPr lang="hu-HU" dirty="0" smtClean="0"/>
+              <a:t>Fejlesztők</a:t>
+            </a:r>
+          </a:p>
+          <a:p>
+            <a:pPr lvl="1"/>
+            <a:r>
+              <a:rPr lang="hu-HU" dirty="0" err="1" smtClean="0"/>
+              <a:t>Developers</a:t>
+            </a:r>
+            <a:endParaRPr lang="hu-HU" dirty="0"/>
+          </a:p>
+          <a:p>
+            <a:r>
+              <a:rPr lang="hu-HU" dirty="0" err="1" smtClean="0"/>
+              <a:t>Scrum</a:t>
+            </a:r>
+            <a:r>
+              <a:rPr lang="hu-HU" dirty="0" smtClean="0"/>
+              <a:t> Mester</a:t>
+            </a:r>
+          </a:p>
+          <a:p>
+            <a:r>
+              <a:rPr lang="hu-HU" dirty="0" smtClean="0"/>
+              <a:t>Más érintettek</a:t>
+            </a:r>
+          </a:p>
+          <a:p>
+            <a:pPr lvl="1"/>
+            <a:r>
+              <a:rPr lang="hu-HU" dirty="0" smtClean="0"/>
+              <a:t>Felhasználók</a:t>
+            </a:r>
+          </a:p>
+          <a:p>
+            <a:pPr lvl="1"/>
+            <a:r>
+              <a:rPr lang="hu-HU" dirty="0" smtClean="0"/>
+              <a:t>Menedzserek és üzleti szereplők</a:t>
+            </a:r>
+            <a:endParaRPr lang="hu-HU" dirty="0" smtClean="0"/>
+          </a:p>
+          <a:p>
+            <a:pPr lvl="1"/>
+            <a:endParaRPr lang="hu-HU" dirty="0"/>
+          </a:p>
+        </p:txBody>
+      </p:sp>
+      <p:sp>
+        <p:nvSpPr>
+          <p:cNvPr id="4" name="Cím 3"/>
+          <p:cNvSpPr>
+            <a:spLocks noGrp="1"/>
+          </p:cNvSpPr>
+          <p:nvPr>
+            <p:ph type="title"/>
+          </p:nvPr>
+        </p:nvSpPr>
+        <p:spPr>
+          <a:xfrm>
+            <a:off x="0" y="5782774"/>
+            <a:ext cx="3522785" cy="1075226"/>
+          </a:xfrm>
+        </p:spPr>
+        <p:txBody>
+          <a:bodyPr/>
+          <a:lstStyle/>
+          <a:p>
+            <a:r>
+              <a:rPr lang="hu-HU" dirty="0" err="1" smtClean="0"/>
+              <a:t>Scrum</a:t>
+            </a:r>
+            <a:r>
+              <a:rPr lang="hu-HU" dirty="0" smtClean="0"/>
+              <a:t> Csapat</a:t>
+            </a:r>
+            <a:endParaRPr lang="hu-HU" dirty="0"/>
+          </a:p>
+        </p:txBody>
+      </p:sp>
+      <p:pic>
+        <p:nvPicPr>
+          <p:cNvPr id="5" name="Kép 4"/>
+          <p:cNvPicPr>
+            <a:picLocks noChangeAspect="1"/>
+          </p:cNvPicPr>
+          <p:nvPr/>
+        </p:nvPicPr>
+        <p:blipFill>
+          <a:blip r:embed="rId3" cstate="print">
+            <a:extLst>
+              <a:ext uri="{28A0092B-C50C-407E-A947-70E740481C1C}">
+                <a14:useLocalDpi xmlns:a14="http://schemas.microsoft.com/office/drawing/2010/main" val="0"/>
+              </a:ext>
+            </a:extLst>
+          </a:blip>
+          <a:stretch>
+            <a:fillRect/>
+          </a:stretch>
+        </p:blipFill>
+        <p:spPr>
+          <a:xfrm>
+            <a:off x="307731" y="157343"/>
+            <a:ext cx="4984533" cy="3025472"/>
+          </a:xfrm>
+          <a:prstGeom prst="rect">
+            <a:avLst/>
+          </a:prstGeom>
+        </p:spPr>
+      </p:pic>
+      <p:pic>
+        <p:nvPicPr>
+          <p:cNvPr id="6" name="Kép 5"/>
+          <p:cNvPicPr>
+            <a:picLocks noChangeAspect="1"/>
+          </p:cNvPicPr>
+          <p:nvPr/>
+        </p:nvPicPr>
+        <p:blipFill>
+          <a:blip r:embed="rId4">
+            <a:extLst>
+              <a:ext uri="{28A0092B-C50C-407E-A947-70E740481C1C}">
+                <a14:useLocalDpi xmlns:a14="http://schemas.microsoft.com/office/drawing/2010/main" val="0"/>
+              </a:ext>
+            </a:extLst>
+          </a:blip>
+          <a:stretch>
+            <a:fillRect/>
+          </a:stretch>
+        </p:blipFill>
+        <p:spPr>
+          <a:xfrm>
+            <a:off x="0" y="3567019"/>
+            <a:ext cx="5833199" cy="1757729"/>
+          </a:xfrm>
+          <a:prstGeom prst="rect">
+            <a:avLst/>
+          </a:prstGeom>
+        </p:spPr>
+      </p:pic>
     </p:spTree>
     <p:extLst>
       <p:ext uri="{BB962C8B-B14F-4D97-AF65-F5344CB8AC3E}">
         <p14:creationId xmlns:p14="http://schemas.microsoft.com/office/powerpoint/2010/main" val="3640868098"/>
+      </p:ext>
+    </p:extLst>
+  </p:cSld>
+  <p:clrMapOvr>
+    <a:masterClrMapping/>
+  </p:clrMapOvr>
+</p:sld>
+</file>
+
+<file path=ppt/slides/slide3.xml><?xml version="1.0" encoding="utf-8"?>
+<p:sld xmlns:a="http://schemas.openxmlformats.org/drawingml/2006/main" xmlns:r="http://schemas.openxmlformats.org/officeDocument/2006/relationships" xmlns:p="http://schemas.openxmlformats.org/presentationml/2006/main">
+  <p:cSld>
+    <p:spTree>
+      <p:nvGrpSpPr>
+        <p:cNvPr id="1" name=""/>
+        <p:cNvGrpSpPr/>
+        <p:nvPr/>
+      </p:nvGrpSpPr>
+      <p:grpSpPr>
+        <a:xfrm>
+          <a:off x="0" y="0"/>
+          <a:ext cx="0" cy="0"/>
+          <a:chOff x="0" y="0"/>
+          <a:chExt cx="0" cy="0"/>
+        </a:xfrm>
+      </p:grpSpPr>
+      <p:sp>
+        <p:nvSpPr>
+          <p:cNvPr id="2" name="Cím 1"/>
+          <p:cNvSpPr>
+            <a:spLocks noGrp="1"/>
+          </p:cNvSpPr>
+          <p:nvPr>
+            <p:ph type="title"/>
+          </p:nvPr>
+        </p:nvSpPr>
+        <p:spPr/>
+        <p:txBody>
+          <a:bodyPr/>
+          <a:lstStyle/>
+          <a:p>
+            <a:r>
+              <a:rPr lang="hu-HU" dirty="0" smtClean="0"/>
+              <a:t>Terméktulajdonos feladata</a:t>
+            </a:r>
+            <a:endParaRPr lang="hu-HU" dirty="0"/>
+          </a:p>
+        </p:txBody>
+      </p:sp>
+      <p:pic>
+        <p:nvPicPr>
+          <p:cNvPr id="5" name="Tartalom helye 4"/>
+          <p:cNvPicPr>
+            <a:picLocks noGrp="1" noChangeAspect="1"/>
+          </p:cNvPicPr>
+          <p:nvPr>
+            <p:ph sz="half" idx="1"/>
+          </p:nvPr>
+        </p:nvPicPr>
+        <p:blipFill>
+          <a:blip r:embed="rId2">
+            <a:extLst>
+              <a:ext uri="{28A0092B-C50C-407E-A947-70E740481C1C}">
+                <a14:useLocalDpi xmlns:a14="http://schemas.microsoft.com/office/drawing/2010/main" val="0"/>
+              </a:ext>
+            </a:extLst>
+          </a:blip>
+          <a:stretch>
+            <a:fillRect/>
+          </a:stretch>
+        </p:blipFill>
+        <p:spPr>
+          <a:xfrm>
+            <a:off x="161192" y="2120063"/>
+            <a:ext cx="5820138" cy="3041022"/>
+          </a:xfrm>
+        </p:spPr>
+      </p:pic>
+      <p:sp>
+        <p:nvSpPr>
+          <p:cNvPr id="4" name="Tartalom helye 3"/>
+          <p:cNvSpPr>
+            <a:spLocks noGrp="1"/>
+          </p:cNvSpPr>
+          <p:nvPr>
+            <p:ph sz="half" idx="2"/>
+          </p:nvPr>
+        </p:nvSpPr>
+        <p:spPr/>
+        <p:txBody>
+          <a:bodyPr/>
+          <a:lstStyle/>
+          <a:p>
+            <a:endParaRPr lang="hu-HU"/>
+          </a:p>
+        </p:txBody>
+      </p:sp>
+    </p:spTree>
+    <p:extLst>
+      <p:ext uri="{BB962C8B-B14F-4D97-AF65-F5344CB8AC3E}">
+        <p14:creationId xmlns:p14="http://schemas.microsoft.com/office/powerpoint/2010/main" val="1117580574"/>
+      </p:ext>
+    </p:extLst>
+  </p:cSld>
+  <p:clrMapOvr>
+    <a:masterClrMapping/>
+  </p:clrMapOvr>
+</p:sld>
+</file>
+
+<file path=ppt/slides/slide4.xml><?xml version="1.0" encoding="utf-8"?>
+<p:sld xmlns:a="http://schemas.openxmlformats.org/drawingml/2006/main" xmlns:r="http://schemas.openxmlformats.org/officeDocument/2006/relationships" xmlns:p="http://schemas.openxmlformats.org/presentationml/2006/main">
+  <p:cSld>
+    <p:spTree>
+      <p:nvGrpSpPr>
+        <p:cNvPr id="1" name=""/>
+        <p:cNvGrpSpPr/>
+        <p:nvPr/>
+      </p:nvGrpSpPr>
+      <p:grpSpPr>
+        <a:xfrm>
+          <a:off x="0" y="0"/>
+          <a:ext cx="0" cy="0"/>
+          <a:chOff x="0" y="0"/>
+          <a:chExt cx="0" cy="0"/>
+        </a:xfrm>
+      </p:grpSpPr>
+      <p:sp>
+        <p:nvSpPr>
+          <p:cNvPr id="2" name="Cím 1"/>
+          <p:cNvSpPr>
+            <a:spLocks noGrp="1"/>
+          </p:cNvSpPr>
+          <p:nvPr>
+            <p:ph type="title"/>
+          </p:nvPr>
+        </p:nvSpPr>
+        <p:spPr/>
+        <p:txBody>
+          <a:bodyPr/>
+          <a:lstStyle/>
+          <a:p>
+            <a:r>
+              <a:rPr lang="hu-HU" dirty="0" err="1" smtClean="0"/>
+              <a:t>Scrum</a:t>
+            </a:r>
+            <a:r>
+              <a:rPr lang="hu-HU" dirty="0" smtClean="0"/>
+              <a:t> Mester feladata</a:t>
+            </a:r>
+            <a:endParaRPr lang="hu-HU" dirty="0"/>
+          </a:p>
+        </p:txBody>
+      </p:sp>
+      <p:pic>
+        <p:nvPicPr>
+          <p:cNvPr id="5" name="Tartalom helye 4"/>
+          <p:cNvPicPr>
+            <a:picLocks noGrp="1" noChangeAspect="1"/>
+          </p:cNvPicPr>
+          <p:nvPr>
+            <p:ph sz="half" idx="1"/>
+          </p:nvPr>
+        </p:nvPicPr>
+        <p:blipFill>
+          <a:blip r:embed="rId2" cstate="print">
+            <a:extLst>
+              <a:ext uri="{28A0092B-C50C-407E-A947-70E740481C1C}">
+                <a14:useLocalDpi xmlns:a14="http://schemas.microsoft.com/office/drawing/2010/main" val="0"/>
+              </a:ext>
+            </a:extLst>
+          </a:blip>
+          <a:stretch>
+            <a:fillRect/>
+          </a:stretch>
+        </p:blipFill>
+        <p:spPr>
+          <a:xfrm>
+            <a:off x="284285" y="2104353"/>
+            <a:ext cx="5621758" cy="3162239"/>
+          </a:xfrm>
+        </p:spPr>
+      </p:pic>
+      <p:sp>
+        <p:nvSpPr>
+          <p:cNvPr id="4" name="Tartalom helye 3"/>
+          <p:cNvSpPr>
+            <a:spLocks noGrp="1"/>
+          </p:cNvSpPr>
+          <p:nvPr>
+            <p:ph sz="half" idx="2"/>
+          </p:nvPr>
+        </p:nvSpPr>
+        <p:spPr/>
+        <p:txBody>
+          <a:bodyPr/>
+          <a:lstStyle/>
+          <a:p>
+            <a:endParaRPr lang="hu-HU"/>
+          </a:p>
+        </p:txBody>
+      </p:sp>
+    </p:spTree>
+    <p:extLst>
+      <p:ext uri="{BB962C8B-B14F-4D97-AF65-F5344CB8AC3E}">
+        <p14:creationId xmlns:p14="http://schemas.microsoft.com/office/powerpoint/2010/main" val="1100010835"/>
+      </p:ext>
+    </p:extLst>
+  </p:cSld>
+  <p:clrMapOvr>
+    <a:masterClrMapping/>
+  </p:clrMapOvr>
+</p:sld>
+</file>
+
+<file path=ppt/slides/slide5.xml><?xml version="1.0" encoding="utf-8"?>
+<p:sld xmlns:a="http://schemas.openxmlformats.org/drawingml/2006/main" xmlns:r="http://schemas.openxmlformats.org/officeDocument/2006/relationships" xmlns:p="http://schemas.openxmlformats.org/presentationml/2006/main">
+  <p:cSld>
+    <p:spTree>
+      <p:nvGrpSpPr>
+        <p:cNvPr id="1" name=""/>
+        <p:cNvGrpSpPr/>
+        <p:nvPr/>
+      </p:nvGrpSpPr>
+      <p:grpSpPr>
+        <a:xfrm>
+          <a:off x="0" y="0"/>
+          <a:ext cx="0" cy="0"/>
+          <a:chOff x="0" y="0"/>
+          <a:chExt cx="0" cy="0"/>
+        </a:xfrm>
+      </p:grpSpPr>
+      <p:sp>
+        <p:nvSpPr>
+          <p:cNvPr id="2" name="Cím 1"/>
+          <p:cNvSpPr>
+            <a:spLocks noGrp="1"/>
+          </p:cNvSpPr>
+          <p:nvPr>
+            <p:ph type="title"/>
+          </p:nvPr>
+        </p:nvSpPr>
+        <p:spPr/>
+        <p:txBody>
+          <a:bodyPr/>
+          <a:lstStyle/>
+          <a:p>
+            <a:r>
+              <a:rPr lang="hu-HU" dirty="0" smtClean="0"/>
+              <a:t>Fejlesztők feladata</a:t>
+            </a:r>
+            <a:endParaRPr lang="hu-HU" dirty="0"/>
+          </a:p>
+        </p:txBody>
+      </p:sp>
+      <p:sp>
+        <p:nvSpPr>
+          <p:cNvPr id="4" name="Tartalom helye 3"/>
+          <p:cNvSpPr>
+            <a:spLocks noGrp="1"/>
+          </p:cNvSpPr>
+          <p:nvPr>
+            <p:ph sz="half" idx="2"/>
+          </p:nvPr>
+        </p:nvSpPr>
+        <p:spPr/>
+        <p:txBody>
+          <a:bodyPr/>
+          <a:lstStyle/>
+          <a:p>
+            <a:endParaRPr lang="hu-HU"/>
+          </a:p>
+        </p:txBody>
+      </p:sp>
+      <p:pic>
+        <p:nvPicPr>
+          <p:cNvPr id="7" name="Tartalom helye 6"/>
+          <p:cNvPicPr>
+            <a:picLocks noGrp="1" noChangeAspect="1"/>
+          </p:cNvPicPr>
+          <p:nvPr>
+            <p:ph sz="half" idx="1"/>
+          </p:nvPr>
+        </p:nvPicPr>
+        <p:blipFill>
+          <a:blip r:embed="rId2">
+            <a:extLst>
+              <a:ext uri="{28A0092B-C50C-407E-A947-70E740481C1C}">
+                <a14:useLocalDpi xmlns:a14="http://schemas.microsoft.com/office/drawing/2010/main" val="0"/>
+              </a:ext>
+            </a:extLst>
+          </a:blip>
+          <a:stretch>
+            <a:fillRect/>
+          </a:stretch>
+        </p:blipFill>
+        <p:spPr>
+          <a:xfrm>
+            <a:off x="127245" y="2274032"/>
+            <a:ext cx="5880832" cy="2968902"/>
+          </a:xfrm>
+        </p:spPr>
+      </p:pic>
+    </p:spTree>
+    <p:extLst>
+      <p:ext uri="{BB962C8B-B14F-4D97-AF65-F5344CB8AC3E}">
+        <p14:creationId xmlns:p14="http://schemas.microsoft.com/office/powerpoint/2010/main" val="3266299040"/>
+      </p:ext>
+    </p:extLst>
+  </p:cSld>
+  <p:clrMapOvr>
+    <a:masterClrMapping/>
+  </p:clrMapOvr>
+</p:sld>
+</file>
+
+<file path=ppt/slides/slide6.xml><?xml version="1.0" encoding="utf-8"?>
+<p:sld xmlns:a="http://schemas.openxmlformats.org/drawingml/2006/main" xmlns:r="http://schemas.openxmlformats.org/officeDocument/2006/relationships" xmlns:p="http://schemas.openxmlformats.org/presentationml/2006/main">
+  <p:cSld>
+    <p:spTree>
+      <p:nvGrpSpPr>
+        <p:cNvPr id="1" name=""/>
+        <p:cNvGrpSpPr/>
+        <p:nvPr/>
+      </p:nvGrpSpPr>
+      <p:grpSpPr>
+        <a:xfrm>
+          <a:off x="0" y="0"/>
+          <a:ext cx="0" cy="0"/>
+          <a:chOff x="0" y="0"/>
+          <a:chExt cx="0" cy="0"/>
+        </a:xfrm>
+      </p:grpSpPr>
+      <p:sp>
+        <p:nvSpPr>
+          <p:cNvPr id="2" name="Cím 1"/>
+          <p:cNvSpPr>
+            <a:spLocks noGrp="1"/>
+          </p:cNvSpPr>
+          <p:nvPr>
+            <p:ph type="title"/>
+          </p:nvPr>
+        </p:nvSpPr>
+        <p:spPr>
+          <a:xfrm>
+            <a:off x="0" y="5501420"/>
+            <a:ext cx="4806462" cy="1356580"/>
+          </a:xfrm>
+        </p:spPr>
+        <p:txBody>
+          <a:bodyPr>
+            <a:normAutofit fontScale="90000"/>
+          </a:bodyPr>
+          <a:lstStyle/>
+          <a:p>
+            <a:r>
+              <a:rPr lang="hu-HU" dirty="0" smtClean="0"/>
+              <a:t>Egyéb érintett szereplők bemutatása</a:t>
+            </a:r>
+            <a:endParaRPr lang="hu-HU" dirty="0"/>
+          </a:p>
+        </p:txBody>
+      </p:sp>
+      <p:pic>
+        <p:nvPicPr>
+          <p:cNvPr id="5" name="Tartalom helye 4"/>
+          <p:cNvPicPr>
+            <a:picLocks noGrp="1" noChangeAspect="1"/>
+          </p:cNvPicPr>
+          <p:nvPr>
+            <p:ph sz="half" idx="2"/>
+          </p:nvPr>
+        </p:nvPicPr>
+        <p:blipFill>
+          <a:blip r:embed="rId2">
+            <a:extLst>
+              <a:ext uri="{28A0092B-C50C-407E-A947-70E740481C1C}">
+                <a14:useLocalDpi xmlns:a14="http://schemas.microsoft.com/office/drawing/2010/main" val="0"/>
+              </a:ext>
+            </a:extLst>
+          </a:blip>
+          <a:stretch>
+            <a:fillRect/>
+          </a:stretch>
+        </p:blipFill>
+        <p:spPr>
+          <a:xfrm>
+            <a:off x="0" y="0"/>
+            <a:ext cx="2646424" cy="2646424"/>
+          </a:xfrm>
+        </p:spPr>
+      </p:pic>
+      <p:pic>
+        <p:nvPicPr>
+          <p:cNvPr id="6" name="Kép 5"/>
+          <p:cNvPicPr>
+            <a:picLocks noChangeAspect="1"/>
+          </p:cNvPicPr>
+          <p:nvPr/>
+        </p:nvPicPr>
+        <p:blipFill>
+          <a:blip r:embed="rId3">
+            <a:extLst>
+              <a:ext uri="{28A0092B-C50C-407E-A947-70E740481C1C}">
+                <a14:useLocalDpi xmlns:a14="http://schemas.microsoft.com/office/drawing/2010/main" val="0"/>
+              </a:ext>
+            </a:extLst>
+          </a:blip>
+          <a:stretch>
+            <a:fillRect/>
+          </a:stretch>
+        </p:blipFill>
+        <p:spPr>
+          <a:xfrm>
+            <a:off x="0" y="2646424"/>
+            <a:ext cx="1676400" cy="2733675"/>
+          </a:xfrm>
+          <a:prstGeom prst="rect">
+            <a:avLst/>
+          </a:prstGeom>
+        </p:spPr>
+      </p:pic>
+      <p:pic>
+        <p:nvPicPr>
+          <p:cNvPr id="7" name="Kép 6"/>
+          <p:cNvPicPr>
+            <a:picLocks noChangeAspect="1"/>
+          </p:cNvPicPr>
+          <p:nvPr/>
+        </p:nvPicPr>
+        <p:blipFill>
+          <a:blip r:embed="rId4" cstate="print">
+            <a:extLst>
+              <a:ext uri="{28A0092B-C50C-407E-A947-70E740481C1C}">
+                <a14:useLocalDpi xmlns:a14="http://schemas.microsoft.com/office/drawing/2010/main" val="0"/>
+              </a:ext>
+            </a:extLst>
+          </a:blip>
+          <a:stretch>
+            <a:fillRect/>
+          </a:stretch>
+        </p:blipFill>
+        <p:spPr>
+          <a:xfrm>
+            <a:off x="2646424" y="0"/>
+            <a:ext cx="1900969" cy="1900969"/>
+          </a:xfrm>
+          <a:prstGeom prst="rect">
+            <a:avLst/>
+          </a:prstGeom>
+        </p:spPr>
+      </p:pic>
+    </p:spTree>
+    <p:extLst>
+      <p:ext uri="{BB962C8B-B14F-4D97-AF65-F5344CB8AC3E}">
+        <p14:creationId xmlns:p14="http://schemas.microsoft.com/office/powerpoint/2010/main" val="1031953159"/>
+      </p:ext>
+    </p:extLst>
+  </p:cSld>
+  <p:clrMapOvr>
+    <a:masterClrMapping/>
+  </p:clrMapOvr>
+</p:sld>
+</file>
+
+<file path=ppt/slides/slide7.xml><?xml version="1.0" encoding="utf-8"?>
+<p:sld xmlns:a="http://schemas.openxmlformats.org/drawingml/2006/main" xmlns:r="http://schemas.openxmlformats.org/officeDocument/2006/relationships" xmlns:p="http://schemas.openxmlformats.org/presentationml/2006/main">
+  <p:cSld>
+    <p:spTree>
+      <p:nvGrpSpPr>
+        <p:cNvPr id="1" name=""/>
+        <p:cNvGrpSpPr/>
+        <p:nvPr/>
+      </p:nvGrpSpPr>
+      <p:grpSpPr>
+        <a:xfrm>
+          <a:off x="0" y="0"/>
+          <a:ext cx="0" cy="0"/>
+          <a:chOff x="0" y="0"/>
+          <a:chExt cx="0" cy="0"/>
+        </a:xfrm>
+      </p:grpSpPr>
+      <p:sp>
+        <p:nvSpPr>
+          <p:cNvPr id="2" name="Cím 1"/>
+          <p:cNvSpPr>
+            <a:spLocks noGrp="1"/>
+          </p:cNvSpPr>
+          <p:nvPr>
+            <p:ph type="title"/>
+          </p:nvPr>
+        </p:nvSpPr>
+        <p:spPr>
+          <a:xfrm>
+            <a:off x="6849207" y="0"/>
+            <a:ext cx="5342793" cy="1325563"/>
+          </a:xfrm>
+        </p:spPr>
+        <p:txBody>
+          <a:bodyPr/>
+          <a:lstStyle/>
+          <a:p>
+            <a:r>
+              <a:rPr lang="hu-HU" dirty="0" err="1" smtClean="0"/>
+              <a:t>Scrum</a:t>
+            </a:r>
+            <a:r>
+              <a:rPr lang="hu-HU" dirty="0" smtClean="0"/>
+              <a:t> megbeszélések</a:t>
+            </a:r>
+            <a:endParaRPr lang="hu-HU" dirty="0"/>
+          </a:p>
+        </p:txBody>
+      </p:sp>
+      <p:sp>
+        <p:nvSpPr>
+          <p:cNvPr id="3" name="Tartalom helye 2"/>
+          <p:cNvSpPr>
+            <a:spLocks noGrp="1"/>
+          </p:cNvSpPr>
+          <p:nvPr>
+            <p:ph sz="half" idx="1"/>
+          </p:nvPr>
+        </p:nvSpPr>
+        <p:spPr>
+          <a:xfrm>
+            <a:off x="0" y="0"/>
+            <a:ext cx="5181600" cy="4351338"/>
+          </a:xfrm>
+        </p:spPr>
+        <p:txBody>
+          <a:bodyPr/>
+          <a:lstStyle/>
+          <a:p>
+            <a:r>
+              <a:rPr lang="hu-HU" dirty="0" smtClean="0"/>
+              <a:t>Sprint Tervezés (Sprint </a:t>
+            </a:r>
+            <a:r>
+              <a:rPr lang="hu-HU" dirty="0" err="1" smtClean="0"/>
+              <a:t>Planning</a:t>
+            </a:r>
+            <a:r>
+              <a:rPr lang="hu-HU" dirty="0" smtClean="0"/>
+              <a:t>)</a:t>
+            </a:r>
+          </a:p>
+          <a:p>
+            <a:r>
+              <a:rPr lang="hu-HU" dirty="0" smtClean="0"/>
+              <a:t>Napi </a:t>
+            </a:r>
+            <a:r>
+              <a:rPr lang="hu-HU" dirty="0" err="1" smtClean="0"/>
+              <a:t>Scrum</a:t>
+            </a:r>
+            <a:endParaRPr lang="hu-HU" dirty="0"/>
+          </a:p>
+          <a:p>
+            <a:pPr lvl="1"/>
+            <a:r>
+              <a:rPr lang="hu-HU" dirty="0" smtClean="0"/>
+              <a:t>Megbeszélés</a:t>
+            </a:r>
+          </a:p>
+          <a:p>
+            <a:r>
+              <a:rPr lang="hu-HU" dirty="0" smtClean="0"/>
+              <a:t>Sprint Áttekintés (Sprint </a:t>
+            </a:r>
+            <a:r>
+              <a:rPr lang="hu-HU" dirty="0" err="1" smtClean="0"/>
+              <a:t>Demo</a:t>
+            </a:r>
+            <a:r>
+              <a:rPr lang="hu-HU" dirty="0" smtClean="0"/>
+              <a:t>)</a:t>
+            </a:r>
+          </a:p>
+          <a:p>
+            <a:r>
+              <a:rPr lang="hu-HU" dirty="0" smtClean="0"/>
+              <a:t>Sprint </a:t>
+            </a:r>
+            <a:r>
+              <a:rPr lang="hu-HU" dirty="0" err="1" smtClean="0"/>
+              <a:t>Visszatekintás</a:t>
+            </a:r>
+            <a:r>
+              <a:rPr lang="hu-HU" dirty="0" smtClean="0"/>
+              <a:t> (Sprint </a:t>
+            </a:r>
+            <a:r>
+              <a:rPr lang="hu-HU" dirty="0" err="1" smtClean="0"/>
+              <a:t>Retospektív</a:t>
+            </a:r>
+            <a:r>
+              <a:rPr lang="hu-HU" dirty="0" smtClean="0"/>
+              <a:t>)</a:t>
+            </a:r>
+          </a:p>
+        </p:txBody>
+      </p:sp>
+    </p:spTree>
+    <p:extLst>
+      <p:ext uri="{BB962C8B-B14F-4D97-AF65-F5344CB8AC3E}">
+        <p14:creationId xmlns:p14="http://schemas.microsoft.com/office/powerpoint/2010/main" val="2851772427"/>
+      </p:ext>
+    </p:extLst>
+  </p:cSld>
+  <p:clrMapOvr>
+    <a:masterClrMapping/>
+  </p:clrMapOvr>
+</p:sld>
+</file>
+
+<file path=ppt/slides/slide8.xml><?xml version="1.0" encoding="utf-8"?>
+<p:sld xmlns:a="http://schemas.openxmlformats.org/drawingml/2006/main" xmlns:r="http://schemas.openxmlformats.org/officeDocument/2006/relationships" xmlns:p="http://schemas.openxmlformats.org/presentationml/2006/main">
+  <p:cSld>
+    <p:spTree>
+      <p:nvGrpSpPr>
+        <p:cNvPr id="1" name=""/>
+        <p:cNvGrpSpPr/>
+        <p:nvPr/>
+      </p:nvGrpSpPr>
+      <p:grpSpPr>
+        <a:xfrm>
+          <a:off x="0" y="0"/>
+          <a:ext cx="0" cy="0"/>
+          <a:chOff x="0" y="0"/>
+          <a:chExt cx="0" cy="0"/>
+        </a:xfrm>
+      </p:grpSpPr>
+      <p:sp>
+        <p:nvSpPr>
+          <p:cNvPr id="2" name="Cím 1"/>
+          <p:cNvSpPr>
+            <a:spLocks noGrp="1"/>
+          </p:cNvSpPr>
+          <p:nvPr>
+            <p:ph type="title"/>
+          </p:nvPr>
+        </p:nvSpPr>
+        <p:spPr/>
+        <p:txBody>
+          <a:bodyPr/>
+          <a:lstStyle/>
+          <a:p>
+            <a:r>
+              <a:rPr lang="hu-HU" dirty="0" err="1" smtClean="0"/>
+              <a:t>Scrum</a:t>
+            </a:r>
+            <a:r>
+              <a:rPr lang="hu-HU" dirty="0" smtClean="0"/>
+              <a:t> munkaanyagok</a:t>
+            </a:r>
+            <a:endParaRPr lang="hu-HU" dirty="0"/>
+          </a:p>
+        </p:txBody>
+      </p:sp>
+      <p:sp>
+        <p:nvSpPr>
+          <p:cNvPr id="3" name="Tartalom helye 2"/>
+          <p:cNvSpPr>
+            <a:spLocks noGrp="1"/>
+          </p:cNvSpPr>
+          <p:nvPr>
+            <p:ph sz="half" idx="1"/>
+          </p:nvPr>
+        </p:nvSpPr>
+        <p:spPr/>
+        <p:txBody>
+          <a:bodyPr/>
+          <a:lstStyle/>
+          <a:p>
+            <a:endParaRPr lang="hu-HU"/>
+          </a:p>
+        </p:txBody>
+      </p:sp>
+      <p:sp>
+        <p:nvSpPr>
+          <p:cNvPr id="4" name="Tartalom helye 3"/>
+          <p:cNvSpPr>
+            <a:spLocks noGrp="1"/>
+          </p:cNvSpPr>
+          <p:nvPr>
+            <p:ph sz="half" idx="2"/>
+          </p:nvPr>
+        </p:nvSpPr>
+        <p:spPr/>
+        <p:txBody>
+          <a:bodyPr/>
+          <a:lstStyle/>
+          <a:p>
+            <a:endParaRPr lang="hu-HU"/>
+          </a:p>
+        </p:txBody>
+      </p:sp>
+    </p:spTree>
+    <p:extLst>
+      <p:ext uri="{BB962C8B-B14F-4D97-AF65-F5344CB8AC3E}">
+        <p14:creationId xmlns:p14="http://schemas.microsoft.com/office/powerpoint/2010/main" val="1078175993"/>
+      </p:ext>
+    </p:extLst>
+  </p:cSld>
+  <p:clrMapOvr>
+    <a:masterClrMapping/>
+  </p:clrMapOvr>
+</p:sld>
+</file>
+
+<file path=ppt/slides/slide9.xml><?xml version="1.0" encoding="utf-8"?>
+<p:sld xmlns:a="http://schemas.openxmlformats.org/drawingml/2006/main" xmlns:r="http://schemas.openxmlformats.org/officeDocument/2006/relationships" xmlns:p="http://schemas.openxmlformats.org/presentationml/2006/main">
+  <p:cSld>
+    <p:spTree>
+      <p:nvGrpSpPr>
+        <p:cNvPr id="1" name=""/>
+        <p:cNvGrpSpPr/>
+        <p:nvPr/>
+      </p:nvGrpSpPr>
+      <p:grpSpPr>
+        <a:xfrm>
+          <a:off x="0" y="0"/>
+          <a:ext cx="0" cy="0"/>
+          <a:chOff x="0" y="0"/>
+          <a:chExt cx="0" cy="0"/>
+        </a:xfrm>
+      </p:grpSpPr>
+      <p:sp>
+        <p:nvSpPr>
+          <p:cNvPr id="2" name="Cím 1"/>
+          <p:cNvSpPr>
+            <a:spLocks noGrp="1"/>
+          </p:cNvSpPr>
+          <p:nvPr>
+            <p:ph type="title"/>
+          </p:nvPr>
+        </p:nvSpPr>
+        <p:spPr/>
+        <p:txBody>
+          <a:bodyPr/>
+          <a:lstStyle/>
+          <a:p>
+            <a:r>
+              <a:rPr lang="hu-HU" dirty="0" smtClean="0"/>
+              <a:t>Források</a:t>
+            </a:r>
+            <a:endParaRPr lang="hu-HU" dirty="0"/>
+          </a:p>
+        </p:txBody>
+      </p:sp>
+      <p:sp>
+        <p:nvSpPr>
+          <p:cNvPr id="3" name="Tartalom helye 2"/>
+          <p:cNvSpPr>
+            <a:spLocks noGrp="1"/>
+          </p:cNvSpPr>
+          <p:nvPr>
+            <p:ph sz="half" idx="1"/>
+          </p:nvPr>
+        </p:nvSpPr>
+        <p:spPr/>
+        <p:txBody>
+          <a:bodyPr/>
+          <a:lstStyle/>
+          <a:p>
+            <a:endParaRPr lang="hu-HU"/>
+          </a:p>
+        </p:txBody>
+      </p:sp>
+      <p:sp>
+        <p:nvSpPr>
+          <p:cNvPr id="4" name="Tartalom helye 3"/>
+          <p:cNvSpPr>
+            <a:spLocks noGrp="1"/>
+          </p:cNvSpPr>
+          <p:nvPr>
+            <p:ph sz="half" idx="2"/>
+          </p:nvPr>
+        </p:nvSpPr>
+        <p:spPr/>
+        <p:txBody>
+          <a:bodyPr/>
+          <a:lstStyle/>
+          <a:p>
+            <a:endParaRPr lang="hu-HU"/>
+          </a:p>
+        </p:txBody>
+      </p:sp>
+    </p:spTree>
+    <p:extLst>
+      <p:ext uri="{BB962C8B-B14F-4D97-AF65-F5344CB8AC3E}">
+        <p14:creationId xmlns:p14="http://schemas.microsoft.com/office/powerpoint/2010/main" val="2890793772"/>
       </p:ext>
     </p:extLst>
   </p:cSld>

--- a/IKT Projekt feladat.pptx
+++ b/IKT Projekt feladat.pptx
@@ -2,7 +2,7 @@
 <file path=ppt/presentation.xml><?xml version="1.0" encoding="utf-8"?>
 <p:presentation xmlns:a="http://schemas.openxmlformats.org/drawingml/2006/main" xmlns:r="http://schemas.openxmlformats.org/officeDocument/2006/relationships" xmlns:p="http://schemas.openxmlformats.org/presentationml/2006/main" saveSubsetFonts="1">
   <p:sldMasterIdLst>
-    <p:sldMasterId id="2147483648" r:id="rId1"/>
+    <p:sldMasterId id="2147483696" r:id="rId1"/>
   </p:sldMasterIdLst>
   <p:notesMasterIdLst>
     <p:notesMasterId r:id="rId12"/>
@@ -23,9 +23,9 @@
   <p:notesSz cx="6858000" cy="9144000"/>
   <p:defaultTextStyle>
     <a:defPPr>
-      <a:defRPr lang="hu-HU"/>
+      <a:defRPr lang="en-US"/>
     </a:defPPr>
-    <a:lvl1pPr marL="0" algn="l" defTabSz="914400" rtl="0" eaLnBrk="1" latinLnBrk="0" hangingPunct="1">
+    <a:lvl1pPr marL="0" algn="l" defTabSz="457200" rtl="0" eaLnBrk="1" latinLnBrk="0" hangingPunct="1">
       <a:defRPr sz="1800" kern="1200">
         <a:solidFill>
           <a:schemeClr val="tx1"/>
@@ -35,7 +35,7 @@
         <a:cs typeface="+mn-cs"/>
       </a:defRPr>
     </a:lvl1pPr>
-    <a:lvl2pPr marL="457200" algn="l" defTabSz="914400" rtl="0" eaLnBrk="1" latinLnBrk="0" hangingPunct="1">
+    <a:lvl2pPr marL="457200" algn="l" defTabSz="457200" rtl="0" eaLnBrk="1" latinLnBrk="0" hangingPunct="1">
       <a:defRPr sz="1800" kern="1200">
         <a:solidFill>
           <a:schemeClr val="tx1"/>
@@ -45,7 +45,7 @@
         <a:cs typeface="+mn-cs"/>
       </a:defRPr>
     </a:lvl2pPr>
-    <a:lvl3pPr marL="914400" algn="l" defTabSz="914400" rtl="0" eaLnBrk="1" latinLnBrk="0" hangingPunct="1">
+    <a:lvl3pPr marL="914400" algn="l" defTabSz="457200" rtl="0" eaLnBrk="1" latinLnBrk="0" hangingPunct="1">
       <a:defRPr sz="1800" kern="1200">
         <a:solidFill>
           <a:schemeClr val="tx1"/>
@@ -55,7 +55,7 @@
         <a:cs typeface="+mn-cs"/>
       </a:defRPr>
     </a:lvl3pPr>
-    <a:lvl4pPr marL="1371600" algn="l" defTabSz="914400" rtl="0" eaLnBrk="1" latinLnBrk="0" hangingPunct="1">
+    <a:lvl4pPr marL="1371600" algn="l" defTabSz="457200" rtl="0" eaLnBrk="1" latinLnBrk="0" hangingPunct="1">
       <a:defRPr sz="1800" kern="1200">
         <a:solidFill>
           <a:schemeClr val="tx1"/>
@@ -65,7 +65,7 @@
         <a:cs typeface="+mn-cs"/>
       </a:defRPr>
     </a:lvl4pPr>
-    <a:lvl5pPr marL="1828800" algn="l" defTabSz="914400" rtl="0" eaLnBrk="1" latinLnBrk="0" hangingPunct="1">
+    <a:lvl5pPr marL="1828800" algn="l" defTabSz="457200" rtl="0" eaLnBrk="1" latinLnBrk="0" hangingPunct="1">
       <a:defRPr sz="1800" kern="1200">
         <a:solidFill>
           <a:schemeClr val="tx1"/>
@@ -75,7 +75,7 @@
         <a:cs typeface="+mn-cs"/>
       </a:defRPr>
     </a:lvl5pPr>
-    <a:lvl6pPr marL="2286000" algn="l" defTabSz="914400" rtl="0" eaLnBrk="1" latinLnBrk="0" hangingPunct="1">
+    <a:lvl6pPr marL="2286000" algn="l" defTabSz="457200" rtl="0" eaLnBrk="1" latinLnBrk="0" hangingPunct="1">
       <a:defRPr sz="1800" kern="1200">
         <a:solidFill>
           <a:schemeClr val="tx1"/>
@@ -85,7 +85,7 @@
         <a:cs typeface="+mn-cs"/>
       </a:defRPr>
     </a:lvl6pPr>
-    <a:lvl7pPr marL="2743200" algn="l" defTabSz="914400" rtl="0" eaLnBrk="1" latinLnBrk="0" hangingPunct="1">
+    <a:lvl7pPr marL="2743200" algn="l" defTabSz="457200" rtl="0" eaLnBrk="1" latinLnBrk="0" hangingPunct="1">
       <a:defRPr sz="1800" kern="1200">
         <a:solidFill>
           <a:schemeClr val="tx1"/>
@@ -95,7 +95,7 @@
         <a:cs typeface="+mn-cs"/>
       </a:defRPr>
     </a:lvl7pPr>
-    <a:lvl8pPr marL="3200400" algn="l" defTabSz="914400" rtl="0" eaLnBrk="1" latinLnBrk="0" hangingPunct="1">
+    <a:lvl8pPr marL="3200400" algn="l" defTabSz="457200" rtl="0" eaLnBrk="1" latinLnBrk="0" hangingPunct="1">
       <a:defRPr sz="1800" kern="1200">
         <a:solidFill>
           <a:schemeClr val="tx1"/>
@@ -105,7 +105,7 @@
         <a:cs typeface="+mn-cs"/>
       </a:defRPr>
     </a:lvl8pPr>
-    <a:lvl9pPr marL="3657600" algn="l" defTabSz="914400" rtl="0" eaLnBrk="1" latinLnBrk="0" hangingPunct="1">
+    <a:lvl9pPr marL="3657600" algn="l" defTabSz="457200" rtl="0" eaLnBrk="1" latinLnBrk="0" hangingPunct="1">
       <a:defRPr sz="1800" kern="1200">
         <a:solidFill>
           <a:schemeClr val="tx1"/>
@@ -206,7 +206,7 @@
           <a:p>
             <a:fld id="{47028C79-CE99-4F5E-B915-9B4C86903075}" type="datetimeFigureOut">
               <a:rPr lang="hu-HU" smtClean="0"/>
-              <a:t>2022.09.15.</a:t>
+              <a:t>2022.09.20.</a:t>
             </a:fld>
             <a:endParaRPr lang="hu-HU"/>
           </a:p>
@@ -577,7 +577,7 @@
       </p:grpSpPr>
       <p:sp>
         <p:nvSpPr>
-          <p:cNvPr id="2" name="Cím 1"/>
+          <p:cNvPr id="2" name="Title 1"/>
           <p:cNvSpPr>
             <a:spLocks noGrp="1"/>
           </p:cNvSpPr>
@@ -587,15 +587,15 @@
         </p:nvSpPr>
         <p:spPr>
           <a:xfrm>
-            <a:off x="1524000" y="1122363"/>
-            <a:ext cx="9144000" cy="2387600"/>
+            <a:off x="1154955" y="1447800"/>
+            <a:ext cx="8825658" cy="3329581"/>
           </a:xfrm>
         </p:spPr>
         <p:txBody>
           <a:bodyPr anchor="b"/>
           <a:lstStyle>
-            <a:lvl1pPr algn="ctr">
-              <a:defRPr sz="6000"/>
+            <a:lvl1pPr>
+              <a:defRPr sz="7200"/>
             </a:lvl1pPr>
           </a:lstStyle>
           <a:p>
@@ -603,13 +603,13 @@
               <a:rPr lang="hu-HU" smtClean="0"/>
               <a:t>Mintacím szerkesztése</a:t>
             </a:r>
-            <a:endParaRPr lang="hu-HU"/>
-          </a:p>
-        </p:txBody>
-      </p:sp>
-      <p:sp>
-        <p:nvSpPr>
-          <p:cNvPr id="3" name="Alcím 2"/>
+            <a:endParaRPr lang="en-US" dirty="0"/>
+          </a:p>
+        </p:txBody>
+      </p:sp>
+      <p:sp>
+        <p:nvSpPr>
+          <p:cNvPr id="3" name="Subtitle 2"/>
           <p:cNvSpPr>
             <a:spLocks noGrp="1"/>
           </p:cNvSpPr>
@@ -619,48 +619,103 @@
         </p:nvSpPr>
         <p:spPr>
           <a:xfrm>
-            <a:off x="1524000" y="3602038"/>
-            <a:ext cx="9144000" cy="1655762"/>
-          </a:xfrm>
-        </p:spPr>
-        <p:txBody>
-          <a:bodyPr/>
+            <a:off x="1154955" y="4777380"/>
+            <a:ext cx="8825658" cy="861420"/>
+          </a:xfrm>
+        </p:spPr>
+        <p:txBody>
+          <a:bodyPr anchor="t"/>
           <a:lstStyle>
-            <a:lvl1pPr marL="0" indent="0" algn="ctr">
-              <a:buNone/>
-              <a:defRPr sz="2400"/>
+            <a:lvl1pPr marL="0" indent="0" algn="l">
+              <a:buNone/>
+              <a:defRPr cap="all">
+                <a:solidFill>
+                  <a:schemeClr val="bg2">
+                    <a:lumMod val="40000"/>
+                    <a:lumOff val="60000"/>
+                  </a:schemeClr>
+                </a:solidFill>
+              </a:defRPr>
             </a:lvl1pPr>
             <a:lvl2pPr marL="457200" indent="0" algn="ctr">
               <a:buNone/>
-              <a:defRPr sz="2000"/>
+              <a:defRPr>
+                <a:solidFill>
+                  <a:schemeClr val="tx1">
+                    <a:tint val="75000"/>
+                  </a:schemeClr>
+                </a:solidFill>
+              </a:defRPr>
             </a:lvl2pPr>
             <a:lvl3pPr marL="914400" indent="0" algn="ctr">
               <a:buNone/>
-              <a:defRPr sz="1800"/>
+              <a:defRPr>
+                <a:solidFill>
+                  <a:schemeClr val="tx1">
+                    <a:tint val="75000"/>
+                  </a:schemeClr>
+                </a:solidFill>
+              </a:defRPr>
             </a:lvl3pPr>
             <a:lvl4pPr marL="1371600" indent="0" algn="ctr">
               <a:buNone/>
-              <a:defRPr sz="1600"/>
+              <a:defRPr>
+                <a:solidFill>
+                  <a:schemeClr val="tx1">
+                    <a:tint val="75000"/>
+                  </a:schemeClr>
+                </a:solidFill>
+              </a:defRPr>
             </a:lvl4pPr>
             <a:lvl5pPr marL="1828800" indent="0" algn="ctr">
               <a:buNone/>
-              <a:defRPr sz="1600"/>
+              <a:defRPr>
+                <a:solidFill>
+                  <a:schemeClr val="tx1">
+                    <a:tint val="75000"/>
+                  </a:schemeClr>
+                </a:solidFill>
+              </a:defRPr>
             </a:lvl5pPr>
             <a:lvl6pPr marL="2286000" indent="0" algn="ctr">
               <a:buNone/>
-              <a:defRPr sz="1600"/>
+              <a:defRPr>
+                <a:solidFill>
+                  <a:schemeClr val="tx1">
+                    <a:tint val="75000"/>
+                  </a:schemeClr>
+                </a:solidFill>
+              </a:defRPr>
             </a:lvl6pPr>
             <a:lvl7pPr marL="2743200" indent="0" algn="ctr">
               <a:buNone/>
-              <a:defRPr sz="1600"/>
+              <a:defRPr>
+                <a:solidFill>
+                  <a:schemeClr val="tx1">
+                    <a:tint val="75000"/>
+                  </a:schemeClr>
+                </a:solidFill>
+              </a:defRPr>
             </a:lvl7pPr>
             <a:lvl8pPr marL="3200400" indent="0" algn="ctr">
               <a:buNone/>
-              <a:defRPr sz="1600"/>
+              <a:defRPr>
+                <a:solidFill>
+                  <a:schemeClr val="tx1">
+                    <a:tint val="75000"/>
+                  </a:schemeClr>
+                </a:solidFill>
+              </a:defRPr>
             </a:lvl8pPr>
             <a:lvl9pPr marL="3657600" indent="0" algn="ctr">
               <a:buNone/>
-              <a:defRPr sz="1600"/>
+              <a:defRPr>
+                <a:solidFill>
+                  <a:schemeClr val="tx1">
+                    <a:tint val="75000"/>
+                  </a:schemeClr>
+                </a:solidFill>
+              </a:defRPr>
             </a:lvl9pPr>
           </a:lstStyle>
           <a:p>
@@ -668,13 +723,13 @@
               <a:rPr lang="hu-HU" smtClean="0"/>
               <a:t>Kattintson ide az alcím mintájának szerkesztéséhez</a:t>
             </a:r>
-            <a:endParaRPr lang="hu-HU"/>
-          </a:p>
-        </p:txBody>
-      </p:sp>
-      <p:sp>
-        <p:nvSpPr>
-          <p:cNvPr id="4" name="Dátum helye 3"/>
+            <a:endParaRPr lang="en-US" dirty="0"/>
+          </a:p>
+        </p:txBody>
+      </p:sp>
+      <p:sp>
+        <p:nvSpPr>
+          <p:cNvPr id="4" name="Date Placeholder 3"/>
           <p:cNvSpPr>
             <a:spLocks noGrp="1"/>
           </p:cNvSpPr>
@@ -689,7 +744,7 @@
           <a:p>
             <a:fld id="{8A946B64-D034-4954-AA20-D2A99A6A760F}" type="datetimeFigureOut">
               <a:rPr lang="hu-HU" smtClean="0"/>
-              <a:t>2022.09.15.</a:t>
+              <a:t>2022.09.20.</a:t>
             </a:fld>
             <a:endParaRPr lang="hu-HU"/>
           </a:p>
@@ -697,7 +752,7 @@
       </p:sp>
       <p:sp>
         <p:nvSpPr>
-          <p:cNvPr id="5" name="Élőláb helye 4"/>
+          <p:cNvPr id="5" name="Footer Placeholder 4"/>
           <p:cNvSpPr>
             <a:spLocks noGrp="1"/>
           </p:cNvSpPr>
@@ -716,7 +771,7 @@
       </p:sp>
       <p:sp>
         <p:nvSpPr>
-          <p:cNvPr id="6" name="Dia számának helye 5"/>
+          <p:cNvPr id="6" name="Slide Number Placeholder 5"/>
           <p:cNvSpPr>
             <a:spLocks noGrp="1"/>
           </p:cNvSpPr>
@@ -740,7 +795,7 @@
     </p:spTree>
     <p:extLst>
       <p:ext uri="{BB962C8B-B14F-4D97-AF65-F5344CB8AC3E}">
-        <p14:creationId xmlns:p14="http://schemas.microsoft.com/office/powerpoint/2010/main" val="3467943816"/>
+        <p14:creationId xmlns:p14="http://schemas.microsoft.com/office/powerpoint/2010/main" val="2414665875"/>
       </p:ext>
     </p:extLst>
   </p:cSld>
@@ -751,6 +806,2572 @@
 </file>
 
 <file path=ppt/slideLayouts/slideLayout10.xml><?xml version="1.0" encoding="utf-8"?>
+<p:sldLayout xmlns:a="http://schemas.openxmlformats.org/drawingml/2006/main" xmlns:r="http://schemas.openxmlformats.org/officeDocument/2006/relationships" xmlns:p="http://schemas.openxmlformats.org/presentationml/2006/main" preserve="1">
+  <p:cSld name="Panorámakép képaláírással">
+    <p:spTree>
+      <p:nvGrpSpPr>
+        <p:cNvPr id="1" name=""/>
+        <p:cNvGrpSpPr/>
+        <p:nvPr/>
+      </p:nvGrpSpPr>
+      <p:grpSpPr>
+        <a:xfrm>
+          <a:off x="0" y="0"/>
+          <a:ext cx="0" cy="0"/>
+          <a:chOff x="0" y="0"/>
+          <a:chExt cx="0" cy="0"/>
+        </a:xfrm>
+      </p:grpSpPr>
+      <p:sp>
+        <p:nvSpPr>
+          <p:cNvPr id="2" name="Title 1"/>
+          <p:cNvSpPr>
+            <a:spLocks noGrp="1"/>
+          </p:cNvSpPr>
+          <p:nvPr>
+            <p:ph type="title"/>
+          </p:nvPr>
+        </p:nvSpPr>
+        <p:spPr>
+          <a:xfrm>
+            <a:off x="1154956" y="4800587"/>
+            <a:ext cx="8825657" cy="566738"/>
+          </a:xfrm>
+        </p:spPr>
+        <p:txBody>
+          <a:bodyPr anchor="b">
+            <a:normAutofit/>
+          </a:bodyPr>
+          <a:lstStyle>
+            <a:lvl1pPr algn="l">
+              <a:defRPr sz="2400" b="0"/>
+            </a:lvl1pPr>
+          </a:lstStyle>
+          <a:p>
+            <a:r>
+              <a:rPr lang="hu-HU" smtClean="0"/>
+              <a:t>Mintacím szerkesztése</a:t>
+            </a:r>
+            <a:endParaRPr lang="en-US" dirty="0"/>
+          </a:p>
+        </p:txBody>
+      </p:sp>
+      <p:sp>
+        <p:nvSpPr>
+          <p:cNvPr id="3" name="Picture Placeholder 2"/>
+          <p:cNvSpPr>
+            <a:spLocks noGrp="1" noChangeAspect="1"/>
+          </p:cNvSpPr>
+          <p:nvPr>
+            <p:ph type="pic" idx="1"/>
+          </p:nvPr>
+        </p:nvSpPr>
+        <p:spPr>
+          <a:xfrm>
+            <a:off x="1154955" y="685800"/>
+            <a:ext cx="8825658" cy="3640666"/>
+          </a:xfrm>
+          <a:prstGeom prst="roundRect">
+            <a:avLst>
+              <a:gd name="adj" fmla="val 1858"/>
+            </a:avLst>
+          </a:prstGeom>
+          <a:effectLst>
+            <a:outerShdw blurRad="50800" dist="50800" dir="5400000" algn="tl" rotWithShape="0">
+              <a:srgbClr val="000000">
+                <a:alpha val="43000"/>
+              </a:srgbClr>
+            </a:outerShdw>
+          </a:effectLst>
+        </p:spPr>
+        <p:txBody>
+          <a:bodyPr anchor="t">
+            <a:normAutofit/>
+          </a:bodyPr>
+          <a:lstStyle>
+            <a:lvl1pPr marL="0" indent="0" algn="ctr">
+              <a:buNone/>
+              <a:defRPr sz="1600"/>
+            </a:lvl1pPr>
+            <a:lvl2pPr marL="457200" indent="0">
+              <a:buNone/>
+              <a:defRPr sz="1600"/>
+            </a:lvl2pPr>
+            <a:lvl3pPr marL="914400" indent="0">
+              <a:buNone/>
+              <a:defRPr sz="1600"/>
+            </a:lvl3pPr>
+            <a:lvl4pPr marL="1371600" indent="0">
+              <a:buNone/>
+              <a:defRPr sz="1600"/>
+            </a:lvl4pPr>
+            <a:lvl5pPr marL="1828800" indent="0">
+              <a:buNone/>
+              <a:defRPr sz="1600"/>
+            </a:lvl5pPr>
+            <a:lvl6pPr marL="2286000" indent="0">
+              <a:buNone/>
+              <a:defRPr sz="1600"/>
+            </a:lvl6pPr>
+            <a:lvl7pPr marL="2743200" indent="0">
+              <a:buNone/>
+              <a:defRPr sz="1600"/>
+            </a:lvl7pPr>
+            <a:lvl8pPr marL="3200400" indent="0">
+              <a:buNone/>
+              <a:defRPr sz="1600"/>
+            </a:lvl8pPr>
+            <a:lvl9pPr marL="3657600" indent="0">
+              <a:buNone/>
+              <a:defRPr sz="1600"/>
+            </a:lvl9pPr>
+          </a:lstStyle>
+          <a:p>
+            <a:r>
+              <a:rPr lang="hu-HU" smtClean="0"/>
+              <a:t>Kép beszúrásához kattintson az ikonra</a:t>
+            </a:r>
+            <a:endParaRPr lang="en-US" dirty="0"/>
+          </a:p>
+        </p:txBody>
+      </p:sp>
+      <p:sp>
+        <p:nvSpPr>
+          <p:cNvPr id="4" name="Text Placeholder 3"/>
+          <p:cNvSpPr>
+            <a:spLocks noGrp="1"/>
+          </p:cNvSpPr>
+          <p:nvPr>
+            <p:ph type="body" sz="half" idx="2"/>
+          </p:nvPr>
+        </p:nvSpPr>
+        <p:spPr>
+          <a:xfrm>
+            <a:off x="1154956" y="5367325"/>
+            <a:ext cx="8825656" cy="493712"/>
+          </a:xfrm>
+        </p:spPr>
+        <p:txBody>
+          <a:bodyPr>
+            <a:normAutofit/>
+          </a:bodyPr>
+          <a:lstStyle>
+            <a:lvl1pPr marL="0" indent="0">
+              <a:buNone/>
+              <a:defRPr sz="1200"/>
+            </a:lvl1pPr>
+            <a:lvl2pPr marL="457200" indent="0">
+              <a:buNone/>
+              <a:defRPr sz="1200"/>
+            </a:lvl2pPr>
+            <a:lvl3pPr marL="914400" indent="0">
+              <a:buNone/>
+              <a:defRPr sz="1000"/>
+            </a:lvl3pPr>
+            <a:lvl4pPr marL="1371600" indent="0">
+              <a:buNone/>
+              <a:defRPr sz="900"/>
+            </a:lvl4pPr>
+            <a:lvl5pPr marL="1828800" indent="0">
+              <a:buNone/>
+              <a:defRPr sz="900"/>
+            </a:lvl5pPr>
+            <a:lvl6pPr marL="2286000" indent="0">
+              <a:buNone/>
+              <a:defRPr sz="900"/>
+            </a:lvl6pPr>
+            <a:lvl7pPr marL="2743200" indent="0">
+              <a:buNone/>
+              <a:defRPr sz="900"/>
+            </a:lvl7pPr>
+            <a:lvl8pPr marL="3200400" indent="0">
+              <a:buNone/>
+              <a:defRPr sz="900"/>
+            </a:lvl8pPr>
+            <a:lvl9pPr marL="3657600" indent="0">
+              <a:buNone/>
+              <a:defRPr sz="900"/>
+            </a:lvl9pPr>
+          </a:lstStyle>
+          <a:p>
+            <a:pPr lvl="0"/>
+            <a:r>
+              <a:rPr lang="hu-HU" smtClean="0"/>
+              <a:t>Mintaszöveg szerkesztése</a:t>
+            </a:r>
+          </a:p>
+        </p:txBody>
+      </p:sp>
+      <p:sp>
+        <p:nvSpPr>
+          <p:cNvPr id="5" name="Date Placeholder 4"/>
+          <p:cNvSpPr>
+            <a:spLocks noGrp="1"/>
+          </p:cNvSpPr>
+          <p:nvPr>
+            <p:ph type="dt" sz="half" idx="10"/>
+          </p:nvPr>
+        </p:nvSpPr>
+        <p:spPr/>
+        <p:txBody>
+          <a:bodyPr/>
+          <a:lstStyle/>
+          <a:p>
+            <a:fld id="{8A946B64-D034-4954-AA20-D2A99A6A760F}" type="datetimeFigureOut">
+              <a:rPr lang="hu-HU" smtClean="0"/>
+              <a:t>2022.09.20.</a:t>
+            </a:fld>
+            <a:endParaRPr lang="hu-HU"/>
+          </a:p>
+        </p:txBody>
+      </p:sp>
+      <p:sp>
+        <p:nvSpPr>
+          <p:cNvPr id="6" name="Footer Placeholder 5"/>
+          <p:cNvSpPr>
+            <a:spLocks noGrp="1"/>
+          </p:cNvSpPr>
+          <p:nvPr>
+            <p:ph type="ftr" sz="quarter" idx="11"/>
+          </p:nvPr>
+        </p:nvSpPr>
+        <p:spPr/>
+        <p:txBody>
+          <a:bodyPr/>
+          <a:lstStyle/>
+          <a:p>
+            <a:endParaRPr lang="hu-HU"/>
+          </a:p>
+        </p:txBody>
+      </p:sp>
+      <p:sp>
+        <p:nvSpPr>
+          <p:cNvPr id="7" name="Slide Number Placeholder 6"/>
+          <p:cNvSpPr>
+            <a:spLocks noGrp="1"/>
+          </p:cNvSpPr>
+          <p:nvPr>
+            <p:ph type="sldNum" sz="quarter" idx="12"/>
+          </p:nvPr>
+        </p:nvSpPr>
+        <p:spPr/>
+        <p:txBody>
+          <a:bodyPr/>
+          <a:lstStyle/>
+          <a:p>
+            <a:fld id="{B49BCFE7-6D2F-453C-ABA6-692E767B1381}" type="slidenum">
+              <a:rPr lang="hu-HU" smtClean="0"/>
+              <a:t>‹#›</a:t>
+            </a:fld>
+            <a:endParaRPr lang="hu-HU"/>
+          </a:p>
+        </p:txBody>
+      </p:sp>
+    </p:spTree>
+    <p:extLst>
+      <p:ext uri="{BB962C8B-B14F-4D97-AF65-F5344CB8AC3E}">
+        <p14:creationId xmlns:p14="http://schemas.microsoft.com/office/powerpoint/2010/main" val="3622854318"/>
+      </p:ext>
+    </p:extLst>
+  </p:cSld>
+  <p:clrMapOvr>
+    <a:masterClrMapping/>
+  </p:clrMapOvr>
+</p:sldLayout>
+</file>
+
+<file path=ppt/slideLayouts/slideLayout11.xml><?xml version="1.0" encoding="utf-8"?>
+<p:sldLayout xmlns:a="http://schemas.openxmlformats.org/drawingml/2006/main" xmlns:r="http://schemas.openxmlformats.org/officeDocument/2006/relationships" xmlns:p="http://schemas.openxmlformats.org/presentationml/2006/main" preserve="1">
+  <p:cSld name="Cím és képaláírás">
+    <p:spTree>
+      <p:nvGrpSpPr>
+        <p:cNvPr id="1" name=""/>
+        <p:cNvGrpSpPr/>
+        <p:nvPr/>
+      </p:nvGrpSpPr>
+      <p:grpSpPr>
+        <a:xfrm>
+          <a:off x="0" y="0"/>
+          <a:ext cx="0" cy="0"/>
+          <a:chOff x="0" y="0"/>
+          <a:chExt cx="0" cy="0"/>
+        </a:xfrm>
+      </p:grpSpPr>
+      <p:sp>
+        <p:nvSpPr>
+          <p:cNvPr id="2" name="Title 1"/>
+          <p:cNvSpPr>
+            <a:spLocks noGrp="1"/>
+          </p:cNvSpPr>
+          <p:nvPr>
+            <p:ph type="title"/>
+          </p:nvPr>
+        </p:nvSpPr>
+        <p:spPr>
+          <a:xfrm>
+            <a:off x="1154954" y="1447800"/>
+            <a:ext cx="8825659" cy="1981200"/>
+          </a:xfrm>
+        </p:spPr>
+        <p:txBody>
+          <a:bodyPr/>
+          <a:lstStyle>
+            <a:lvl1pPr>
+              <a:defRPr sz="4800"/>
+            </a:lvl1pPr>
+          </a:lstStyle>
+          <a:p>
+            <a:r>
+              <a:rPr lang="hu-HU" smtClean="0"/>
+              <a:t>Mintacím szerkesztése</a:t>
+            </a:r>
+            <a:endParaRPr lang="en-US" dirty="0"/>
+          </a:p>
+        </p:txBody>
+      </p:sp>
+      <p:sp>
+        <p:nvSpPr>
+          <p:cNvPr id="8" name="Text Placeholder 3"/>
+          <p:cNvSpPr>
+            <a:spLocks noGrp="1"/>
+          </p:cNvSpPr>
+          <p:nvPr>
+            <p:ph type="body" sz="half" idx="2"/>
+          </p:nvPr>
+        </p:nvSpPr>
+        <p:spPr>
+          <a:xfrm>
+            <a:off x="1154954" y="3657600"/>
+            <a:ext cx="8825659" cy="2362200"/>
+          </a:xfrm>
+        </p:spPr>
+        <p:txBody>
+          <a:bodyPr anchor="ctr">
+            <a:normAutofit/>
+          </a:bodyPr>
+          <a:lstStyle>
+            <a:lvl1pPr marL="0" indent="0">
+              <a:buNone/>
+              <a:defRPr sz="1800"/>
+            </a:lvl1pPr>
+            <a:lvl2pPr marL="457200" indent="0">
+              <a:buNone/>
+              <a:defRPr sz="1200"/>
+            </a:lvl2pPr>
+            <a:lvl3pPr marL="914400" indent="0">
+              <a:buNone/>
+              <a:defRPr sz="1000"/>
+            </a:lvl3pPr>
+            <a:lvl4pPr marL="1371600" indent="0">
+              <a:buNone/>
+              <a:defRPr sz="900"/>
+            </a:lvl4pPr>
+            <a:lvl5pPr marL="1828800" indent="0">
+              <a:buNone/>
+              <a:defRPr sz="900"/>
+            </a:lvl5pPr>
+            <a:lvl6pPr marL="2286000" indent="0">
+              <a:buNone/>
+              <a:defRPr sz="900"/>
+            </a:lvl6pPr>
+            <a:lvl7pPr marL="2743200" indent="0">
+              <a:buNone/>
+              <a:defRPr sz="900"/>
+            </a:lvl7pPr>
+            <a:lvl8pPr marL="3200400" indent="0">
+              <a:buNone/>
+              <a:defRPr sz="900"/>
+            </a:lvl8pPr>
+            <a:lvl9pPr marL="3657600" indent="0">
+              <a:buNone/>
+              <a:defRPr sz="900"/>
+            </a:lvl9pPr>
+          </a:lstStyle>
+          <a:p>
+            <a:pPr lvl="0"/>
+            <a:r>
+              <a:rPr lang="hu-HU" smtClean="0"/>
+              <a:t>Mintaszöveg szerkesztése</a:t>
+            </a:r>
+          </a:p>
+        </p:txBody>
+      </p:sp>
+      <p:sp>
+        <p:nvSpPr>
+          <p:cNvPr id="4" name="Date Placeholder 3"/>
+          <p:cNvSpPr>
+            <a:spLocks noGrp="1"/>
+          </p:cNvSpPr>
+          <p:nvPr>
+            <p:ph type="dt" sz="half" idx="10"/>
+          </p:nvPr>
+        </p:nvSpPr>
+        <p:spPr/>
+        <p:txBody>
+          <a:bodyPr/>
+          <a:lstStyle/>
+          <a:p>
+            <a:fld id="{8A946B64-D034-4954-AA20-D2A99A6A760F}" type="datetimeFigureOut">
+              <a:rPr lang="hu-HU" smtClean="0"/>
+              <a:t>2022.09.20.</a:t>
+            </a:fld>
+            <a:endParaRPr lang="hu-HU"/>
+          </a:p>
+        </p:txBody>
+      </p:sp>
+      <p:sp>
+        <p:nvSpPr>
+          <p:cNvPr id="5" name="Footer Placeholder 4"/>
+          <p:cNvSpPr>
+            <a:spLocks noGrp="1"/>
+          </p:cNvSpPr>
+          <p:nvPr>
+            <p:ph type="ftr" sz="quarter" idx="11"/>
+          </p:nvPr>
+        </p:nvSpPr>
+        <p:spPr/>
+        <p:txBody>
+          <a:bodyPr/>
+          <a:lstStyle/>
+          <a:p>
+            <a:endParaRPr lang="hu-HU"/>
+          </a:p>
+        </p:txBody>
+      </p:sp>
+      <p:sp>
+        <p:nvSpPr>
+          <p:cNvPr id="6" name="Slide Number Placeholder 5"/>
+          <p:cNvSpPr>
+            <a:spLocks noGrp="1"/>
+          </p:cNvSpPr>
+          <p:nvPr>
+            <p:ph type="sldNum" sz="quarter" idx="12"/>
+          </p:nvPr>
+        </p:nvSpPr>
+        <p:spPr/>
+        <p:txBody>
+          <a:bodyPr/>
+          <a:lstStyle/>
+          <a:p>
+            <a:fld id="{B49BCFE7-6D2F-453C-ABA6-692E767B1381}" type="slidenum">
+              <a:rPr lang="hu-HU" smtClean="0"/>
+              <a:t>‹#›</a:t>
+            </a:fld>
+            <a:endParaRPr lang="hu-HU"/>
+          </a:p>
+        </p:txBody>
+      </p:sp>
+    </p:spTree>
+    <p:extLst>
+      <p:ext uri="{BB962C8B-B14F-4D97-AF65-F5344CB8AC3E}">
+        <p14:creationId xmlns:p14="http://schemas.microsoft.com/office/powerpoint/2010/main" val="3353019178"/>
+      </p:ext>
+    </p:extLst>
+  </p:cSld>
+  <p:clrMapOvr>
+    <a:masterClrMapping/>
+  </p:clrMapOvr>
+</p:sldLayout>
+</file>
+
+<file path=ppt/slideLayouts/slideLayout12.xml><?xml version="1.0" encoding="utf-8"?>
+<p:sldLayout xmlns:a="http://schemas.openxmlformats.org/drawingml/2006/main" xmlns:r="http://schemas.openxmlformats.org/officeDocument/2006/relationships" xmlns:p="http://schemas.openxmlformats.org/presentationml/2006/main" preserve="1">
+  <p:cSld name="Idézet képaláírással">
+    <p:spTree>
+      <p:nvGrpSpPr>
+        <p:cNvPr id="1" name=""/>
+        <p:cNvGrpSpPr/>
+        <p:nvPr/>
+      </p:nvGrpSpPr>
+      <p:grpSpPr>
+        <a:xfrm>
+          <a:off x="0" y="0"/>
+          <a:ext cx="0" cy="0"/>
+          <a:chOff x="0" y="0"/>
+          <a:chExt cx="0" cy="0"/>
+        </a:xfrm>
+      </p:grpSpPr>
+      <p:sp>
+        <p:nvSpPr>
+          <p:cNvPr id="2" name="Title 1"/>
+          <p:cNvSpPr>
+            <a:spLocks noGrp="1"/>
+          </p:cNvSpPr>
+          <p:nvPr>
+            <p:ph type="title"/>
+          </p:nvPr>
+        </p:nvSpPr>
+        <p:spPr>
+          <a:xfrm>
+            <a:off x="1574801" y="1447800"/>
+            <a:ext cx="7999315" cy="2323374"/>
+          </a:xfrm>
+        </p:spPr>
+        <p:txBody>
+          <a:bodyPr/>
+          <a:lstStyle>
+            <a:lvl1pPr>
+              <a:defRPr sz="4800"/>
+            </a:lvl1pPr>
+          </a:lstStyle>
+          <a:p>
+            <a:r>
+              <a:rPr lang="hu-HU" smtClean="0"/>
+              <a:t>Mintacím szerkesztése</a:t>
+            </a:r>
+            <a:endParaRPr lang="en-US" dirty="0"/>
+          </a:p>
+        </p:txBody>
+      </p:sp>
+      <p:sp>
+        <p:nvSpPr>
+          <p:cNvPr id="11" name="Text Placeholder 3"/>
+          <p:cNvSpPr>
+            <a:spLocks noGrp="1"/>
+          </p:cNvSpPr>
+          <p:nvPr>
+            <p:ph type="body" sz="half" idx="14"/>
+          </p:nvPr>
+        </p:nvSpPr>
+        <p:spPr>
+          <a:xfrm>
+            <a:off x="1930400" y="3771174"/>
+            <a:ext cx="7279649" cy="342174"/>
+          </a:xfrm>
+        </p:spPr>
+        <p:txBody>
+          <a:bodyPr vert="horz" lIns="91440" tIns="45720" rIns="91440" bIns="45720" rtlCol="0" anchor="t">
+            <a:normAutofit/>
+          </a:bodyPr>
+          <a:lstStyle>
+            <a:lvl1pPr marL="0" indent="0">
+              <a:buNone/>
+              <a:defRPr lang="en-US" sz="1400" b="0" i="0" kern="1200" cap="small" dirty="0">
+                <a:solidFill>
+                  <a:schemeClr val="bg2">
+                    <a:lumMod val="40000"/>
+                    <a:lumOff val="60000"/>
+                  </a:schemeClr>
+                </a:solidFill>
+                <a:latin typeface="+mj-lt"/>
+                <a:ea typeface="+mj-ea"/>
+                <a:cs typeface="+mj-cs"/>
+              </a:defRPr>
+            </a:lvl1pPr>
+            <a:lvl2pPr marL="457200" indent="0">
+              <a:buNone/>
+              <a:defRPr sz="1200"/>
+            </a:lvl2pPr>
+            <a:lvl3pPr marL="914400" indent="0">
+              <a:buNone/>
+              <a:defRPr sz="1000"/>
+            </a:lvl3pPr>
+            <a:lvl4pPr marL="1371600" indent="0">
+              <a:buNone/>
+              <a:defRPr sz="900"/>
+            </a:lvl4pPr>
+            <a:lvl5pPr marL="1828800" indent="0">
+              <a:buNone/>
+              <a:defRPr sz="900"/>
+            </a:lvl5pPr>
+            <a:lvl6pPr marL="2286000" indent="0">
+              <a:buNone/>
+              <a:defRPr sz="900"/>
+            </a:lvl6pPr>
+            <a:lvl7pPr marL="2743200" indent="0">
+              <a:buNone/>
+              <a:defRPr sz="900"/>
+            </a:lvl7pPr>
+            <a:lvl8pPr marL="3200400" indent="0">
+              <a:buNone/>
+              <a:defRPr sz="900"/>
+            </a:lvl8pPr>
+            <a:lvl9pPr marL="3657600" indent="0">
+              <a:buNone/>
+              <a:defRPr sz="900"/>
+            </a:lvl9pPr>
+          </a:lstStyle>
+          <a:p>
+            <a:pPr marL="0" lvl="0" indent="0">
+              <a:buNone/>
+            </a:pPr>
+            <a:r>
+              <a:rPr lang="hu-HU" smtClean="0"/>
+              <a:t>Mintaszöveg szerkesztése</a:t>
+            </a:r>
+          </a:p>
+        </p:txBody>
+      </p:sp>
+      <p:sp>
+        <p:nvSpPr>
+          <p:cNvPr id="10" name="Text Placeholder 3"/>
+          <p:cNvSpPr>
+            <a:spLocks noGrp="1"/>
+          </p:cNvSpPr>
+          <p:nvPr>
+            <p:ph type="body" sz="half" idx="2"/>
+          </p:nvPr>
+        </p:nvSpPr>
+        <p:spPr>
+          <a:xfrm>
+            <a:off x="1154954" y="4350657"/>
+            <a:ext cx="8825659" cy="1676400"/>
+          </a:xfrm>
+        </p:spPr>
+        <p:txBody>
+          <a:bodyPr anchor="ctr">
+            <a:normAutofit/>
+          </a:bodyPr>
+          <a:lstStyle>
+            <a:lvl1pPr marL="0" indent="0">
+              <a:buNone/>
+              <a:defRPr sz="1800"/>
+            </a:lvl1pPr>
+            <a:lvl2pPr marL="457200" indent="0">
+              <a:buNone/>
+              <a:defRPr sz="1200"/>
+            </a:lvl2pPr>
+            <a:lvl3pPr marL="914400" indent="0">
+              <a:buNone/>
+              <a:defRPr sz="1000"/>
+            </a:lvl3pPr>
+            <a:lvl4pPr marL="1371600" indent="0">
+              <a:buNone/>
+              <a:defRPr sz="900"/>
+            </a:lvl4pPr>
+            <a:lvl5pPr marL="1828800" indent="0">
+              <a:buNone/>
+              <a:defRPr sz="900"/>
+            </a:lvl5pPr>
+            <a:lvl6pPr marL="2286000" indent="0">
+              <a:buNone/>
+              <a:defRPr sz="900"/>
+            </a:lvl6pPr>
+            <a:lvl7pPr marL="2743200" indent="0">
+              <a:buNone/>
+              <a:defRPr sz="900"/>
+            </a:lvl7pPr>
+            <a:lvl8pPr marL="3200400" indent="0">
+              <a:buNone/>
+              <a:defRPr sz="900"/>
+            </a:lvl8pPr>
+            <a:lvl9pPr marL="3657600" indent="0">
+              <a:buNone/>
+              <a:defRPr sz="900"/>
+            </a:lvl9pPr>
+          </a:lstStyle>
+          <a:p>
+            <a:pPr lvl="0"/>
+            <a:r>
+              <a:rPr lang="hu-HU" smtClean="0"/>
+              <a:t>Mintaszöveg szerkesztése</a:t>
+            </a:r>
+          </a:p>
+        </p:txBody>
+      </p:sp>
+      <p:sp>
+        <p:nvSpPr>
+          <p:cNvPr id="4" name="Date Placeholder 3"/>
+          <p:cNvSpPr>
+            <a:spLocks noGrp="1"/>
+          </p:cNvSpPr>
+          <p:nvPr>
+            <p:ph type="dt" sz="half" idx="10"/>
+          </p:nvPr>
+        </p:nvSpPr>
+        <p:spPr/>
+        <p:txBody>
+          <a:bodyPr/>
+          <a:lstStyle/>
+          <a:p>
+            <a:fld id="{8A946B64-D034-4954-AA20-D2A99A6A760F}" type="datetimeFigureOut">
+              <a:rPr lang="hu-HU" smtClean="0"/>
+              <a:t>2022.09.20.</a:t>
+            </a:fld>
+            <a:endParaRPr lang="hu-HU"/>
+          </a:p>
+        </p:txBody>
+      </p:sp>
+      <p:sp>
+        <p:nvSpPr>
+          <p:cNvPr id="5" name="Footer Placeholder 4"/>
+          <p:cNvSpPr>
+            <a:spLocks noGrp="1"/>
+          </p:cNvSpPr>
+          <p:nvPr>
+            <p:ph type="ftr" sz="quarter" idx="11"/>
+          </p:nvPr>
+        </p:nvSpPr>
+        <p:spPr/>
+        <p:txBody>
+          <a:bodyPr/>
+          <a:lstStyle/>
+          <a:p>
+            <a:endParaRPr lang="hu-HU"/>
+          </a:p>
+        </p:txBody>
+      </p:sp>
+      <p:sp>
+        <p:nvSpPr>
+          <p:cNvPr id="6" name="Slide Number Placeholder 5"/>
+          <p:cNvSpPr>
+            <a:spLocks noGrp="1"/>
+          </p:cNvSpPr>
+          <p:nvPr>
+            <p:ph type="sldNum" sz="quarter" idx="12"/>
+          </p:nvPr>
+        </p:nvSpPr>
+        <p:spPr/>
+        <p:txBody>
+          <a:bodyPr/>
+          <a:lstStyle/>
+          <a:p>
+            <a:fld id="{B49BCFE7-6D2F-453C-ABA6-692E767B1381}" type="slidenum">
+              <a:rPr lang="hu-HU" smtClean="0"/>
+              <a:t>‹#›</a:t>
+            </a:fld>
+            <a:endParaRPr lang="hu-HU"/>
+          </a:p>
+        </p:txBody>
+      </p:sp>
+      <p:sp>
+        <p:nvSpPr>
+          <p:cNvPr id="12" name="TextBox 11"/>
+          <p:cNvSpPr txBox="1"/>
+          <p:nvPr/>
+        </p:nvSpPr>
+        <p:spPr>
+          <a:xfrm>
+            <a:off x="898295" y="971253"/>
+            <a:ext cx="801912" cy="1969770"/>
+          </a:xfrm>
+          <a:prstGeom prst="rect">
+            <a:avLst/>
+          </a:prstGeom>
+          <a:noFill/>
+        </p:spPr>
+        <p:txBody>
+          <a:bodyPr wrap="square" rtlCol="0">
+            <a:spAutoFit/>
+          </a:bodyPr>
+          <a:lstStyle>
+            <a:defPPr>
+              <a:defRPr lang="en-US"/>
+            </a:defPPr>
+            <a:lvl1pPr algn="r">
+              <a:defRPr sz="12200" b="0" i="0">
+                <a:solidFill>
+                  <a:schemeClr val="bg2">
+                    <a:lumMod val="40000"/>
+                    <a:lumOff val="60000"/>
+                  </a:schemeClr>
+                </a:solidFill>
+                <a:latin typeface="Arial"/>
+                <a:ea typeface="+mj-ea"/>
+                <a:cs typeface="+mj-cs"/>
+              </a:defRPr>
+            </a:lvl1pPr>
+          </a:lstStyle>
+          <a:p>
+            <a:pPr lvl="0"/>
+            <a:r>
+              <a:rPr lang="en-US" dirty="0"/>
+              <a:t>“</a:t>
+            </a:r>
+          </a:p>
+        </p:txBody>
+      </p:sp>
+      <p:sp>
+        <p:nvSpPr>
+          <p:cNvPr id="15" name="TextBox 14"/>
+          <p:cNvSpPr txBox="1"/>
+          <p:nvPr/>
+        </p:nvSpPr>
+        <p:spPr>
+          <a:xfrm>
+            <a:off x="9330490" y="2613787"/>
+            <a:ext cx="801912" cy="1969770"/>
+          </a:xfrm>
+          <a:prstGeom prst="rect">
+            <a:avLst/>
+          </a:prstGeom>
+          <a:noFill/>
+        </p:spPr>
+        <p:txBody>
+          <a:bodyPr wrap="square" rtlCol="0">
+            <a:spAutoFit/>
+          </a:bodyPr>
+          <a:lstStyle>
+            <a:defPPr>
+              <a:defRPr lang="en-US"/>
+            </a:defPPr>
+            <a:lvl1pPr algn="r">
+              <a:defRPr sz="12200" b="0" i="0">
+                <a:solidFill>
+                  <a:schemeClr val="bg2">
+                    <a:lumMod val="40000"/>
+                    <a:lumOff val="60000"/>
+                  </a:schemeClr>
+                </a:solidFill>
+                <a:latin typeface="Arial"/>
+                <a:ea typeface="+mj-ea"/>
+                <a:cs typeface="+mj-cs"/>
+              </a:defRPr>
+            </a:lvl1pPr>
+          </a:lstStyle>
+          <a:p>
+            <a:pPr lvl="0"/>
+            <a:r>
+              <a:rPr lang="en-US" dirty="0"/>
+              <a:t>”</a:t>
+            </a:r>
+          </a:p>
+        </p:txBody>
+      </p:sp>
+    </p:spTree>
+    <p:extLst>
+      <p:ext uri="{BB962C8B-B14F-4D97-AF65-F5344CB8AC3E}">
+        <p14:creationId xmlns:p14="http://schemas.microsoft.com/office/powerpoint/2010/main" val="1460939968"/>
+      </p:ext>
+    </p:extLst>
+  </p:cSld>
+  <p:clrMapOvr>
+    <a:masterClrMapping/>
+  </p:clrMapOvr>
+</p:sldLayout>
+</file>
+
+<file path=ppt/slideLayouts/slideLayout13.xml><?xml version="1.0" encoding="utf-8"?>
+<p:sldLayout xmlns:a="http://schemas.openxmlformats.org/drawingml/2006/main" xmlns:r="http://schemas.openxmlformats.org/officeDocument/2006/relationships" xmlns:p="http://schemas.openxmlformats.org/presentationml/2006/main" preserve="1">
+  <p:cSld name="Névkártya">
+    <p:spTree>
+      <p:nvGrpSpPr>
+        <p:cNvPr id="1" name=""/>
+        <p:cNvGrpSpPr/>
+        <p:nvPr/>
+      </p:nvGrpSpPr>
+      <p:grpSpPr>
+        <a:xfrm>
+          <a:off x="0" y="0"/>
+          <a:ext cx="0" cy="0"/>
+          <a:chOff x="0" y="0"/>
+          <a:chExt cx="0" cy="0"/>
+        </a:xfrm>
+      </p:grpSpPr>
+      <p:sp>
+        <p:nvSpPr>
+          <p:cNvPr id="2" name="Title 1"/>
+          <p:cNvSpPr>
+            <a:spLocks noGrp="1"/>
+          </p:cNvSpPr>
+          <p:nvPr>
+            <p:ph type="title"/>
+          </p:nvPr>
+        </p:nvSpPr>
+        <p:spPr>
+          <a:xfrm>
+            <a:off x="1154954" y="3124201"/>
+            <a:ext cx="8825660" cy="1653180"/>
+          </a:xfrm>
+        </p:spPr>
+        <p:txBody>
+          <a:bodyPr anchor="b"/>
+          <a:lstStyle>
+            <a:lvl1pPr algn="l">
+              <a:defRPr sz="4000" b="0" cap="none"/>
+            </a:lvl1pPr>
+          </a:lstStyle>
+          <a:p>
+            <a:r>
+              <a:rPr lang="hu-HU" smtClean="0"/>
+              <a:t>Mintacím szerkesztése</a:t>
+            </a:r>
+            <a:endParaRPr lang="en-US" dirty="0"/>
+          </a:p>
+        </p:txBody>
+      </p:sp>
+      <p:sp>
+        <p:nvSpPr>
+          <p:cNvPr id="3" name="Text Placeholder 2"/>
+          <p:cNvSpPr>
+            <a:spLocks noGrp="1"/>
+          </p:cNvSpPr>
+          <p:nvPr>
+            <p:ph type="body" idx="1"/>
+          </p:nvPr>
+        </p:nvSpPr>
+        <p:spPr>
+          <a:xfrm>
+            <a:off x="1154954" y="4777381"/>
+            <a:ext cx="8825659" cy="860400"/>
+          </a:xfrm>
+        </p:spPr>
+        <p:txBody>
+          <a:bodyPr anchor="t"/>
+          <a:lstStyle>
+            <a:lvl1pPr marL="0" indent="0" algn="l">
+              <a:buNone/>
+              <a:defRPr sz="2000" cap="none">
+                <a:solidFill>
+                  <a:schemeClr val="bg2">
+                    <a:lumMod val="40000"/>
+                    <a:lumOff val="60000"/>
+                  </a:schemeClr>
+                </a:solidFill>
+              </a:defRPr>
+            </a:lvl1pPr>
+            <a:lvl2pPr marL="457200" indent="0">
+              <a:buNone/>
+              <a:defRPr sz="1800">
+                <a:solidFill>
+                  <a:schemeClr val="tx1">
+                    <a:tint val="75000"/>
+                  </a:schemeClr>
+                </a:solidFill>
+              </a:defRPr>
+            </a:lvl2pPr>
+            <a:lvl3pPr marL="914400" indent="0">
+              <a:buNone/>
+              <a:defRPr sz="1600">
+                <a:solidFill>
+                  <a:schemeClr val="tx1">
+                    <a:tint val="75000"/>
+                  </a:schemeClr>
+                </a:solidFill>
+              </a:defRPr>
+            </a:lvl3pPr>
+            <a:lvl4pPr marL="1371600" indent="0">
+              <a:buNone/>
+              <a:defRPr sz="1400">
+                <a:solidFill>
+                  <a:schemeClr val="tx1">
+                    <a:tint val="75000"/>
+                  </a:schemeClr>
+                </a:solidFill>
+              </a:defRPr>
+            </a:lvl4pPr>
+            <a:lvl5pPr marL="1828800" indent="0">
+              <a:buNone/>
+              <a:defRPr sz="1400">
+                <a:solidFill>
+                  <a:schemeClr val="tx1">
+                    <a:tint val="75000"/>
+                  </a:schemeClr>
+                </a:solidFill>
+              </a:defRPr>
+            </a:lvl5pPr>
+            <a:lvl6pPr marL="2286000" indent="0">
+              <a:buNone/>
+              <a:defRPr sz="1400">
+                <a:solidFill>
+                  <a:schemeClr val="tx1">
+                    <a:tint val="75000"/>
+                  </a:schemeClr>
+                </a:solidFill>
+              </a:defRPr>
+            </a:lvl6pPr>
+            <a:lvl7pPr marL="2743200" indent="0">
+              <a:buNone/>
+              <a:defRPr sz="1400">
+                <a:solidFill>
+                  <a:schemeClr val="tx1">
+                    <a:tint val="75000"/>
+                  </a:schemeClr>
+                </a:solidFill>
+              </a:defRPr>
+            </a:lvl7pPr>
+            <a:lvl8pPr marL="3200400" indent="0">
+              <a:buNone/>
+              <a:defRPr sz="1400">
+                <a:solidFill>
+                  <a:schemeClr val="tx1">
+                    <a:tint val="75000"/>
+                  </a:schemeClr>
+                </a:solidFill>
+              </a:defRPr>
+            </a:lvl8pPr>
+            <a:lvl9pPr marL="3657600" indent="0">
+              <a:buNone/>
+              <a:defRPr sz="1400">
+                <a:solidFill>
+                  <a:schemeClr val="tx1">
+                    <a:tint val="75000"/>
+                  </a:schemeClr>
+                </a:solidFill>
+              </a:defRPr>
+            </a:lvl9pPr>
+          </a:lstStyle>
+          <a:p>
+            <a:pPr lvl="0"/>
+            <a:r>
+              <a:rPr lang="hu-HU" smtClean="0"/>
+              <a:t>Mintaszöveg szerkesztése</a:t>
+            </a:r>
+          </a:p>
+        </p:txBody>
+      </p:sp>
+      <p:sp>
+        <p:nvSpPr>
+          <p:cNvPr id="4" name="Date Placeholder 3"/>
+          <p:cNvSpPr>
+            <a:spLocks noGrp="1"/>
+          </p:cNvSpPr>
+          <p:nvPr>
+            <p:ph type="dt" sz="half" idx="10"/>
+          </p:nvPr>
+        </p:nvSpPr>
+        <p:spPr/>
+        <p:txBody>
+          <a:bodyPr/>
+          <a:lstStyle/>
+          <a:p>
+            <a:fld id="{8A946B64-D034-4954-AA20-D2A99A6A760F}" type="datetimeFigureOut">
+              <a:rPr lang="hu-HU" smtClean="0"/>
+              <a:t>2022.09.20.</a:t>
+            </a:fld>
+            <a:endParaRPr lang="hu-HU"/>
+          </a:p>
+        </p:txBody>
+      </p:sp>
+      <p:sp>
+        <p:nvSpPr>
+          <p:cNvPr id="5" name="Footer Placeholder 4"/>
+          <p:cNvSpPr>
+            <a:spLocks noGrp="1"/>
+          </p:cNvSpPr>
+          <p:nvPr>
+            <p:ph type="ftr" sz="quarter" idx="11"/>
+          </p:nvPr>
+        </p:nvSpPr>
+        <p:spPr/>
+        <p:txBody>
+          <a:bodyPr/>
+          <a:lstStyle/>
+          <a:p>
+            <a:endParaRPr lang="hu-HU"/>
+          </a:p>
+        </p:txBody>
+      </p:sp>
+      <p:sp>
+        <p:nvSpPr>
+          <p:cNvPr id="6" name="Slide Number Placeholder 5"/>
+          <p:cNvSpPr>
+            <a:spLocks noGrp="1"/>
+          </p:cNvSpPr>
+          <p:nvPr>
+            <p:ph type="sldNum" sz="quarter" idx="12"/>
+          </p:nvPr>
+        </p:nvSpPr>
+        <p:spPr/>
+        <p:txBody>
+          <a:bodyPr/>
+          <a:lstStyle/>
+          <a:p>
+            <a:fld id="{B49BCFE7-6D2F-453C-ABA6-692E767B1381}" type="slidenum">
+              <a:rPr lang="hu-HU" smtClean="0"/>
+              <a:t>‹#›</a:t>
+            </a:fld>
+            <a:endParaRPr lang="hu-HU"/>
+          </a:p>
+        </p:txBody>
+      </p:sp>
+    </p:spTree>
+    <p:extLst>
+      <p:ext uri="{BB962C8B-B14F-4D97-AF65-F5344CB8AC3E}">
+        <p14:creationId xmlns:p14="http://schemas.microsoft.com/office/powerpoint/2010/main" val="4218378529"/>
+      </p:ext>
+    </p:extLst>
+  </p:cSld>
+  <p:clrMapOvr>
+    <a:masterClrMapping/>
+  </p:clrMapOvr>
+</p:sldLayout>
+</file>
+
+<file path=ppt/slideLayouts/slideLayout14.xml><?xml version="1.0" encoding="utf-8"?>
+<p:sldLayout xmlns:a="http://schemas.openxmlformats.org/drawingml/2006/main" xmlns:r="http://schemas.openxmlformats.org/officeDocument/2006/relationships" xmlns:p="http://schemas.openxmlformats.org/presentationml/2006/main" preserve="1">
+  <p:cSld name="3 hasáb">
+    <p:spTree>
+      <p:nvGrpSpPr>
+        <p:cNvPr id="1" name=""/>
+        <p:cNvGrpSpPr/>
+        <p:nvPr/>
+      </p:nvGrpSpPr>
+      <p:grpSpPr>
+        <a:xfrm>
+          <a:off x="0" y="0"/>
+          <a:ext cx="0" cy="0"/>
+          <a:chOff x="0" y="0"/>
+          <a:chExt cx="0" cy="0"/>
+        </a:xfrm>
+      </p:grpSpPr>
+      <p:sp>
+        <p:nvSpPr>
+          <p:cNvPr id="2" name="Title 1"/>
+          <p:cNvSpPr>
+            <a:spLocks noGrp="1"/>
+          </p:cNvSpPr>
+          <p:nvPr>
+            <p:ph type="title"/>
+          </p:nvPr>
+        </p:nvSpPr>
+        <p:spPr/>
+        <p:txBody>
+          <a:bodyPr/>
+          <a:lstStyle>
+            <a:lvl1pPr>
+              <a:defRPr sz="4200"/>
+            </a:lvl1pPr>
+          </a:lstStyle>
+          <a:p>
+            <a:r>
+              <a:rPr lang="hu-HU" smtClean="0"/>
+              <a:t>Mintacím szerkesztése</a:t>
+            </a:r>
+            <a:endParaRPr lang="en-US" dirty="0"/>
+          </a:p>
+        </p:txBody>
+      </p:sp>
+      <p:sp>
+        <p:nvSpPr>
+          <p:cNvPr id="3" name="Text Placeholder 2"/>
+          <p:cNvSpPr>
+            <a:spLocks noGrp="1"/>
+          </p:cNvSpPr>
+          <p:nvPr>
+            <p:ph type="body" idx="1"/>
+          </p:nvPr>
+        </p:nvSpPr>
+        <p:spPr>
+          <a:xfrm>
+            <a:off x="632947" y="1981200"/>
+            <a:ext cx="2946866" cy="576262"/>
+          </a:xfrm>
+        </p:spPr>
+        <p:txBody>
+          <a:bodyPr anchor="b">
+            <a:noAutofit/>
+          </a:bodyPr>
+          <a:lstStyle>
+            <a:lvl1pPr marL="0" indent="0">
+              <a:buNone/>
+              <a:defRPr sz="2400" b="0">
+                <a:solidFill>
+                  <a:schemeClr val="bg2">
+                    <a:lumMod val="40000"/>
+                    <a:lumOff val="60000"/>
+                  </a:schemeClr>
+                </a:solidFill>
+              </a:defRPr>
+            </a:lvl1pPr>
+            <a:lvl2pPr marL="457200" indent="0">
+              <a:buNone/>
+              <a:defRPr sz="2000" b="1"/>
+            </a:lvl2pPr>
+            <a:lvl3pPr marL="914400" indent="0">
+              <a:buNone/>
+              <a:defRPr sz="1800" b="1"/>
+            </a:lvl3pPr>
+            <a:lvl4pPr marL="1371600" indent="0">
+              <a:buNone/>
+              <a:defRPr sz="1600" b="1"/>
+            </a:lvl4pPr>
+            <a:lvl5pPr marL="1828800" indent="0">
+              <a:buNone/>
+              <a:defRPr sz="1600" b="1"/>
+            </a:lvl5pPr>
+            <a:lvl6pPr marL="2286000" indent="0">
+              <a:buNone/>
+              <a:defRPr sz="1600" b="1"/>
+            </a:lvl6pPr>
+            <a:lvl7pPr marL="2743200" indent="0">
+              <a:buNone/>
+              <a:defRPr sz="1600" b="1"/>
+            </a:lvl7pPr>
+            <a:lvl8pPr marL="3200400" indent="0">
+              <a:buNone/>
+              <a:defRPr sz="1600" b="1"/>
+            </a:lvl8pPr>
+            <a:lvl9pPr marL="3657600" indent="0">
+              <a:buNone/>
+              <a:defRPr sz="1600" b="1"/>
+            </a:lvl9pPr>
+          </a:lstStyle>
+          <a:p>
+            <a:pPr lvl="0"/>
+            <a:r>
+              <a:rPr lang="hu-HU" smtClean="0"/>
+              <a:t>Mintaszöveg szerkesztése</a:t>
+            </a:r>
+          </a:p>
+        </p:txBody>
+      </p:sp>
+      <p:sp>
+        <p:nvSpPr>
+          <p:cNvPr id="16" name="Text Placeholder 3"/>
+          <p:cNvSpPr>
+            <a:spLocks noGrp="1"/>
+          </p:cNvSpPr>
+          <p:nvPr>
+            <p:ph type="body" sz="half" idx="15"/>
+          </p:nvPr>
+        </p:nvSpPr>
+        <p:spPr>
+          <a:xfrm>
+            <a:off x="652463" y="2667000"/>
+            <a:ext cx="2927350" cy="3589338"/>
+          </a:xfrm>
+        </p:spPr>
+        <p:txBody>
+          <a:bodyPr anchor="t">
+            <a:normAutofit/>
+          </a:bodyPr>
+          <a:lstStyle>
+            <a:lvl1pPr marL="0" indent="0">
+              <a:buNone/>
+              <a:defRPr sz="1400"/>
+            </a:lvl1pPr>
+            <a:lvl2pPr marL="457200" indent="0">
+              <a:buNone/>
+              <a:defRPr sz="1200"/>
+            </a:lvl2pPr>
+            <a:lvl3pPr marL="914400" indent="0">
+              <a:buNone/>
+              <a:defRPr sz="1000"/>
+            </a:lvl3pPr>
+            <a:lvl4pPr marL="1371600" indent="0">
+              <a:buNone/>
+              <a:defRPr sz="900"/>
+            </a:lvl4pPr>
+            <a:lvl5pPr marL="1828800" indent="0">
+              <a:buNone/>
+              <a:defRPr sz="900"/>
+            </a:lvl5pPr>
+            <a:lvl6pPr marL="2286000" indent="0">
+              <a:buNone/>
+              <a:defRPr sz="900"/>
+            </a:lvl6pPr>
+            <a:lvl7pPr marL="2743200" indent="0">
+              <a:buNone/>
+              <a:defRPr sz="900"/>
+            </a:lvl7pPr>
+            <a:lvl8pPr marL="3200400" indent="0">
+              <a:buNone/>
+              <a:defRPr sz="900"/>
+            </a:lvl8pPr>
+            <a:lvl9pPr marL="3657600" indent="0">
+              <a:buNone/>
+              <a:defRPr sz="900"/>
+            </a:lvl9pPr>
+          </a:lstStyle>
+          <a:p>
+            <a:pPr lvl="0"/>
+            <a:r>
+              <a:rPr lang="hu-HU" smtClean="0"/>
+              <a:t>Mintaszöveg szerkesztése</a:t>
+            </a:r>
+          </a:p>
+        </p:txBody>
+      </p:sp>
+      <p:sp>
+        <p:nvSpPr>
+          <p:cNvPr id="5" name="Text Placeholder 4"/>
+          <p:cNvSpPr>
+            <a:spLocks noGrp="1"/>
+          </p:cNvSpPr>
+          <p:nvPr>
+            <p:ph type="body" sz="quarter" idx="3"/>
+          </p:nvPr>
+        </p:nvSpPr>
+        <p:spPr>
+          <a:xfrm>
+            <a:off x="3883659" y="1981200"/>
+            <a:ext cx="2936241" cy="576262"/>
+          </a:xfrm>
+        </p:spPr>
+        <p:txBody>
+          <a:bodyPr anchor="b">
+            <a:noAutofit/>
+          </a:bodyPr>
+          <a:lstStyle>
+            <a:lvl1pPr marL="0" indent="0">
+              <a:buNone/>
+              <a:defRPr sz="2400" b="0">
+                <a:solidFill>
+                  <a:schemeClr val="bg2">
+                    <a:lumMod val="40000"/>
+                    <a:lumOff val="60000"/>
+                  </a:schemeClr>
+                </a:solidFill>
+              </a:defRPr>
+            </a:lvl1pPr>
+            <a:lvl2pPr marL="457200" indent="0">
+              <a:buNone/>
+              <a:defRPr sz="2000" b="1"/>
+            </a:lvl2pPr>
+            <a:lvl3pPr marL="914400" indent="0">
+              <a:buNone/>
+              <a:defRPr sz="1800" b="1"/>
+            </a:lvl3pPr>
+            <a:lvl4pPr marL="1371600" indent="0">
+              <a:buNone/>
+              <a:defRPr sz="1600" b="1"/>
+            </a:lvl4pPr>
+            <a:lvl5pPr marL="1828800" indent="0">
+              <a:buNone/>
+              <a:defRPr sz="1600" b="1"/>
+            </a:lvl5pPr>
+            <a:lvl6pPr marL="2286000" indent="0">
+              <a:buNone/>
+              <a:defRPr sz="1600" b="1"/>
+            </a:lvl6pPr>
+            <a:lvl7pPr marL="2743200" indent="0">
+              <a:buNone/>
+              <a:defRPr sz="1600" b="1"/>
+            </a:lvl7pPr>
+            <a:lvl8pPr marL="3200400" indent="0">
+              <a:buNone/>
+              <a:defRPr sz="1600" b="1"/>
+            </a:lvl8pPr>
+            <a:lvl9pPr marL="3657600" indent="0">
+              <a:buNone/>
+              <a:defRPr sz="1600" b="1"/>
+            </a:lvl9pPr>
+          </a:lstStyle>
+          <a:p>
+            <a:pPr lvl="0"/>
+            <a:r>
+              <a:rPr lang="hu-HU" smtClean="0"/>
+              <a:t>Mintaszöveg szerkesztése</a:t>
+            </a:r>
+          </a:p>
+        </p:txBody>
+      </p:sp>
+      <p:sp>
+        <p:nvSpPr>
+          <p:cNvPr id="19" name="Text Placeholder 3"/>
+          <p:cNvSpPr>
+            <a:spLocks noGrp="1"/>
+          </p:cNvSpPr>
+          <p:nvPr>
+            <p:ph type="body" sz="half" idx="16"/>
+          </p:nvPr>
+        </p:nvSpPr>
+        <p:spPr>
+          <a:xfrm>
+            <a:off x="3873106" y="2667000"/>
+            <a:ext cx="2946794" cy="3589338"/>
+          </a:xfrm>
+        </p:spPr>
+        <p:txBody>
+          <a:bodyPr anchor="t">
+            <a:normAutofit/>
+          </a:bodyPr>
+          <a:lstStyle>
+            <a:lvl1pPr marL="0" indent="0">
+              <a:buNone/>
+              <a:defRPr sz="1400"/>
+            </a:lvl1pPr>
+            <a:lvl2pPr marL="457200" indent="0">
+              <a:buNone/>
+              <a:defRPr sz="1200"/>
+            </a:lvl2pPr>
+            <a:lvl3pPr marL="914400" indent="0">
+              <a:buNone/>
+              <a:defRPr sz="1000"/>
+            </a:lvl3pPr>
+            <a:lvl4pPr marL="1371600" indent="0">
+              <a:buNone/>
+              <a:defRPr sz="900"/>
+            </a:lvl4pPr>
+            <a:lvl5pPr marL="1828800" indent="0">
+              <a:buNone/>
+              <a:defRPr sz="900"/>
+            </a:lvl5pPr>
+            <a:lvl6pPr marL="2286000" indent="0">
+              <a:buNone/>
+              <a:defRPr sz="900"/>
+            </a:lvl6pPr>
+            <a:lvl7pPr marL="2743200" indent="0">
+              <a:buNone/>
+              <a:defRPr sz="900"/>
+            </a:lvl7pPr>
+            <a:lvl8pPr marL="3200400" indent="0">
+              <a:buNone/>
+              <a:defRPr sz="900"/>
+            </a:lvl8pPr>
+            <a:lvl9pPr marL="3657600" indent="0">
+              <a:buNone/>
+              <a:defRPr sz="900"/>
+            </a:lvl9pPr>
+          </a:lstStyle>
+          <a:p>
+            <a:pPr lvl="0"/>
+            <a:r>
+              <a:rPr lang="hu-HU" smtClean="0"/>
+              <a:t>Mintaszöveg szerkesztése</a:t>
+            </a:r>
+          </a:p>
+        </p:txBody>
+      </p:sp>
+      <p:sp>
+        <p:nvSpPr>
+          <p:cNvPr id="14" name="Text Placeholder 4"/>
+          <p:cNvSpPr>
+            <a:spLocks noGrp="1"/>
+          </p:cNvSpPr>
+          <p:nvPr>
+            <p:ph type="body" sz="quarter" idx="13"/>
+          </p:nvPr>
+        </p:nvSpPr>
+        <p:spPr>
+          <a:xfrm>
+            <a:off x="7124700" y="1981200"/>
+            <a:ext cx="2932113" cy="576262"/>
+          </a:xfrm>
+        </p:spPr>
+        <p:txBody>
+          <a:bodyPr anchor="b">
+            <a:noAutofit/>
+          </a:bodyPr>
+          <a:lstStyle>
+            <a:lvl1pPr marL="0" indent="0">
+              <a:buNone/>
+              <a:defRPr sz="2400" b="0">
+                <a:solidFill>
+                  <a:schemeClr val="bg2">
+                    <a:lumMod val="40000"/>
+                    <a:lumOff val="60000"/>
+                  </a:schemeClr>
+                </a:solidFill>
+              </a:defRPr>
+            </a:lvl1pPr>
+            <a:lvl2pPr marL="457200" indent="0">
+              <a:buNone/>
+              <a:defRPr sz="2000" b="1"/>
+            </a:lvl2pPr>
+            <a:lvl3pPr marL="914400" indent="0">
+              <a:buNone/>
+              <a:defRPr sz="1800" b="1"/>
+            </a:lvl3pPr>
+            <a:lvl4pPr marL="1371600" indent="0">
+              <a:buNone/>
+              <a:defRPr sz="1600" b="1"/>
+            </a:lvl4pPr>
+            <a:lvl5pPr marL="1828800" indent="0">
+              <a:buNone/>
+              <a:defRPr sz="1600" b="1"/>
+            </a:lvl5pPr>
+            <a:lvl6pPr marL="2286000" indent="0">
+              <a:buNone/>
+              <a:defRPr sz="1600" b="1"/>
+            </a:lvl6pPr>
+            <a:lvl7pPr marL="2743200" indent="0">
+              <a:buNone/>
+              <a:defRPr sz="1600" b="1"/>
+            </a:lvl7pPr>
+            <a:lvl8pPr marL="3200400" indent="0">
+              <a:buNone/>
+              <a:defRPr sz="1600" b="1"/>
+            </a:lvl8pPr>
+            <a:lvl9pPr marL="3657600" indent="0">
+              <a:buNone/>
+              <a:defRPr sz="1600" b="1"/>
+            </a:lvl9pPr>
+          </a:lstStyle>
+          <a:p>
+            <a:pPr lvl="0"/>
+            <a:r>
+              <a:rPr lang="hu-HU" smtClean="0"/>
+              <a:t>Mintaszöveg szerkesztése</a:t>
+            </a:r>
+          </a:p>
+        </p:txBody>
+      </p:sp>
+      <p:sp>
+        <p:nvSpPr>
+          <p:cNvPr id="20" name="Text Placeholder 3"/>
+          <p:cNvSpPr>
+            <a:spLocks noGrp="1"/>
+          </p:cNvSpPr>
+          <p:nvPr>
+            <p:ph type="body" sz="half" idx="17"/>
+          </p:nvPr>
+        </p:nvSpPr>
+        <p:spPr>
+          <a:xfrm>
+            <a:off x="7124700" y="2667000"/>
+            <a:ext cx="2932113" cy="3589338"/>
+          </a:xfrm>
+        </p:spPr>
+        <p:txBody>
+          <a:bodyPr anchor="t">
+            <a:normAutofit/>
+          </a:bodyPr>
+          <a:lstStyle>
+            <a:lvl1pPr marL="0" indent="0">
+              <a:buNone/>
+              <a:defRPr sz="1400"/>
+            </a:lvl1pPr>
+            <a:lvl2pPr marL="457200" indent="0">
+              <a:buNone/>
+              <a:defRPr sz="1200"/>
+            </a:lvl2pPr>
+            <a:lvl3pPr marL="914400" indent="0">
+              <a:buNone/>
+              <a:defRPr sz="1000"/>
+            </a:lvl3pPr>
+            <a:lvl4pPr marL="1371600" indent="0">
+              <a:buNone/>
+              <a:defRPr sz="900"/>
+            </a:lvl4pPr>
+            <a:lvl5pPr marL="1828800" indent="0">
+              <a:buNone/>
+              <a:defRPr sz="900"/>
+            </a:lvl5pPr>
+            <a:lvl6pPr marL="2286000" indent="0">
+              <a:buNone/>
+              <a:defRPr sz="900"/>
+            </a:lvl6pPr>
+            <a:lvl7pPr marL="2743200" indent="0">
+              <a:buNone/>
+              <a:defRPr sz="900"/>
+            </a:lvl7pPr>
+            <a:lvl8pPr marL="3200400" indent="0">
+              <a:buNone/>
+              <a:defRPr sz="900"/>
+            </a:lvl8pPr>
+            <a:lvl9pPr marL="3657600" indent="0">
+              <a:buNone/>
+              <a:defRPr sz="900"/>
+            </a:lvl9pPr>
+          </a:lstStyle>
+          <a:p>
+            <a:pPr lvl="0"/>
+            <a:r>
+              <a:rPr lang="hu-HU" smtClean="0"/>
+              <a:t>Mintaszöveg szerkesztése</a:t>
+            </a:r>
+          </a:p>
+        </p:txBody>
+      </p:sp>
+      <p:cxnSp>
+        <p:nvCxnSpPr>
+          <p:cNvPr id="17" name="Straight Connector 16"/>
+          <p:cNvCxnSpPr/>
+          <p:nvPr/>
+        </p:nvCxnSpPr>
+        <p:spPr>
+          <a:xfrm>
+            <a:off x="3726142" y="2133600"/>
+            <a:ext cx="0" cy="3962400"/>
+          </a:xfrm>
+          <a:prstGeom prst="line">
+            <a:avLst/>
+          </a:prstGeom>
+          <a:ln w="12700" cmpd="sng">
+            <a:solidFill>
+              <a:schemeClr val="bg2">
+                <a:lumMod val="40000"/>
+                <a:lumOff val="60000"/>
+                <a:alpha val="40000"/>
+              </a:schemeClr>
+            </a:solidFill>
+          </a:ln>
+        </p:spPr>
+        <p:style>
+          <a:lnRef idx="2">
+            <a:schemeClr val="accent1"/>
+          </a:lnRef>
+          <a:fillRef idx="0">
+            <a:schemeClr val="accent1"/>
+          </a:fillRef>
+          <a:effectRef idx="1">
+            <a:schemeClr val="accent1"/>
+          </a:effectRef>
+          <a:fontRef idx="minor">
+            <a:schemeClr val="tx1"/>
+          </a:fontRef>
+        </p:style>
+      </p:cxnSp>
+      <p:cxnSp>
+        <p:nvCxnSpPr>
+          <p:cNvPr id="18" name="Straight Connector 17"/>
+          <p:cNvCxnSpPr/>
+          <p:nvPr/>
+        </p:nvCxnSpPr>
+        <p:spPr>
+          <a:xfrm>
+            <a:off x="6962227" y="2133600"/>
+            <a:ext cx="0" cy="3966882"/>
+          </a:xfrm>
+          <a:prstGeom prst="line">
+            <a:avLst/>
+          </a:prstGeom>
+          <a:ln w="12700" cmpd="sng">
+            <a:solidFill>
+              <a:schemeClr val="bg2">
+                <a:lumMod val="40000"/>
+                <a:lumOff val="60000"/>
+                <a:alpha val="40000"/>
+              </a:schemeClr>
+            </a:solidFill>
+          </a:ln>
+        </p:spPr>
+        <p:style>
+          <a:lnRef idx="2">
+            <a:schemeClr val="accent1"/>
+          </a:lnRef>
+          <a:fillRef idx="0">
+            <a:schemeClr val="accent1"/>
+          </a:fillRef>
+          <a:effectRef idx="1">
+            <a:schemeClr val="accent1"/>
+          </a:effectRef>
+          <a:fontRef idx="minor">
+            <a:schemeClr val="tx1"/>
+          </a:fontRef>
+        </p:style>
+      </p:cxnSp>
+      <p:sp>
+        <p:nvSpPr>
+          <p:cNvPr id="7" name="Date Placeholder 3"/>
+          <p:cNvSpPr>
+            <a:spLocks noGrp="1"/>
+          </p:cNvSpPr>
+          <p:nvPr>
+            <p:ph type="dt" sz="half" idx="10"/>
+          </p:nvPr>
+        </p:nvSpPr>
+        <p:spPr/>
+        <p:txBody>
+          <a:bodyPr/>
+          <a:lstStyle/>
+          <a:p>
+            <a:fld id="{8A946B64-D034-4954-AA20-D2A99A6A760F}" type="datetimeFigureOut">
+              <a:rPr lang="hu-HU" smtClean="0"/>
+              <a:t>2022.09.20.</a:t>
+            </a:fld>
+            <a:endParaRPr lang="hu-HU"/>
+          </a:p>
+        </p:txBody>
+      </p:sp>
+      <p:sp>
+        <p:nvSpPr>
+          <p:cNvPr id="4" name="Footer Placeholder 4"/>
+          <p:cNvSpPr>
+            <a:spLocks noGrp="1"/>
+          </p:cNvSpPr>
+          <p:nvPr>
+            <p:ph type="ftr" sz="quarter" idx="11"/>
+          </p:nvPr>
+        </p:nvSpPr>
+        <p:spPr/>
+        <p:txBody>
+          <a:bodyPr/>
+          <a:lstStyle/>
+          <a:p>
+            <a:endParaRPr lang="hu-HU"/>
+          </a:p>
+        </p:txBody>
+      </p:sp>
+      <p:sp>
+        <p:nvSpPr>
+          <p:cNvPr id="6" name="Slide Number Placeholder 5"/>
+          <p:cNvSpPr>
+            <a:spLocks noGrp="1"/>
+          </p:cNvSpPr>
+          <p:nvPr>
+            <p:ph type="sldNum" sz="quarter" idx="12"/>
+          </p:nvPr>
+        </p:nvSpPr>
+        <p:spPr/>
+        <p:txBody>
+          <a:bodyPr/>
+          <a:lstStyle/>
+          <a:p>
+            <a:fld id="{B49BCFE7-6D2F-453C-ABA6-692E767B1381}" type="slidenum">
+              <a:rPr lang="hu-HU" smtClean="0"/>
+              <a:t>‹#›</a:t>
+            </a:fld>
+            <a:endParaRPr lang="hu-HU"/>
+          </a:p>
+        </p:txBody>
+      </p:sp>
+    </p:spTree>
+    <p:extLst>
+      <p:ext uri="{BB962C8B-B14F-4D97-AF65-F5344CB8AC3E}">
+        <p14:creationId xmlns:p14="http://schemas.microsoft.com/office/powerpoint/2010/main" val="3511134052"/>
+      </p:ext>
+    </p:extLst>
+  </p:cSld>
+  <p:clrMapOvr>
+    <a:masterClrMapping/>
+  </p:clrMapOvr>
+</p:sldLayout>
+</file>
+
+<file path=ppt/slideLayouts/slideLayout15.xml><?xml version="1.0" encoding="utf-8"?>
+<p:sldLayout xmlns:a="http://schemas.openxmlformats.org/drawingml/2006/main" xmlns:r="http://schemas.openxmlformats.org/officeDocument/2006/relationships" xmlns:p="http://schemas.openxmlformats.org/presentationml/2006/main" preserve="1">
+  <p:cSld name="3 képhasáb">
+    <p:spTree>
+      <p:nvGrpSpPr>
+        <p:cNvPr id="1" name=""/>
+        <p:cNvGrpSpPr/>
+        <p:nvPr/>
+      </p:nvGrpSpPr>
+      <p:grpSpPr>
+        <a:xfrm>
+          <a:off x="0" y="0"/>
+          <a:ext cx="0" cy="0"/>
+          <a:chOff x="0" y="0"/>
+          <a:chExt cx="0" cy="0"/>
+        </a:xfrm>
+      </p:grpSpPr>
+      <p:sp>
+        <p:nvSpPr>
+          <p:cNvPr id="2" name="Title 1"/>
+          <p:cNvSpPr>
+            <a:spLocks noGrp="1"/>
+          </p:cNvSpPr>
+          <p:nvPr>
+            <p:ph type="title"/>
+          </p:nvPr>
+        </p:nvSpPr>
+        <p:spPr/>
+        <p:txBody>
+          <a:bodyPr/>
+          <a:lstStyle>
+            <a:lvl1pPr>
+              <a:defRPr sz="4200"/>
+            </a:lvl1pPr>
+          </a:lstStyle>
+          <a:p>
+            <a:r>
+              <a:rPr lang="hu-HU" smtClean="0"/>
+              <a:t>Mintacím szerkesztése</a:t>
+            </a:r>
+            <a:endParaRPr lang="en-US" dirty="0"/>
+          </a:p>
+        </p:txBody>
+      </p:sp>
+      <p:sp>
+        <p:nvSpPr>
+          <p:cNvPr id="3" name="Text Placeholder 2"/>
+          <p:cNvSpPr>
+            <a:spLocks noGrp="1"/>
+          </p:cNvSpPr>
+          <p:nvPr>
+            <p:ph type="body" idx="1"/>
+          </p:nvPr>
+        </p:nvSpPr>
+        <p:spPr>
+          <a:xfrm>
+            <a:off x="652463" y="4250949"/>
+            <a:ext cx="2940050" cy="576262"/>
+          </a:xfrm>
+        </p:spPr>
+        <p:txBody>
+          <a:bodyPr anchor="b">
+            <a:noAutofit/>
+          </a:bodyPr>
+          <a:lstStyle>
+            <a:lvl1pPr marL="0" indent="0">
+              <a:buNone/>
+              <a:defRPr sz="2400" b="0">
+                <a:solidFill>
+                  <a:schemeClr val="bg2">
+                    <a:lumMod val="40000"/>
+                    <a:lumOff val="60000"/>
+                  </a:schemeClr>
+                </a:solidFill>
+              </a:defRPr>
+            </a:lvl1pPr>
+            <a:lvl2pPr marL="457200" indent="0">
+              <a:buNone/>
+              <a:defRPr sz="2000" b="1"/>
+            </a:lvl2pPr>
+            <a:lvl3pPr marL="914400" indent="0">
+              <a:buNone/>
+              <a:defRPr sz="1800" b="1"/>
+            </a:lvl3pPr>
+            <a:lvl4pPr marL="1371600" indent="0">
+              <a:buNone/>
+              <a:defRPr sz="1600" b="1"/>
+            </a:lvl4pPr>
+            <a:lvl5pPr marL="1828800" indent="0">
+              <a:buNone/>
+              <a:defRPr sz="1600" b="1"/>
+            </a:lvl5pPr>
+            <a:lvl6pPr marL="2286000" indent="0">
+              <a:buNone/>
+              <a:defRPr sz="1600" b="1"/>
+            </a:lvl6pPr>
+            <a:lvl7pPr marL="2743200" indent="0">
+              <a:buNone/>
+              <a:defRPr sz="1600" b="1"/>
+            </a:lvl7pPr>
+            <a:lvl8pPr marL="3200400" indent="0">
+              <a:buNone/>
+              <a:defRPr sz="1600" b="1"/>
+            </a:lvl8pPr>
+            <a:lvl9pPr marL="3657600" indent="0">
+              <a:buNone/>
+              <a:defRPr sz="1600" b="1"/>
+            </a:lvl9pPr>
+          </a:lstStyle>
+          <a:p>
+            <a:pPr lvl="0"/>
+            <a:r>
+              <a:rPr lang="hu-HU" smtClean="0"/>
+              <a:t>Mintaszöveg szerkesztése</a:t>
+            </a:r>
+          </a:p>
+        </p:txBody>
+      </p:sp>
+      <p:sp>
+        <p:nvSpPr>
+          <p:cNvPr id="29" name="Picture Placeholder 2"/>
+          <p:cNvSpPr>
+            <a:spLocks noGrp="1" noChangeAspect="1"/>
+          </p:cNvSpPr>
+          <p:nvPr>
+            <p:ph type="pic" idx="15"/>
+          </p:nvPr>
+        </p:nvSpPr>
+        <p:spPr>
+          <a:xfrm>
+            <a:off x="652463" y="2209800"/>
+            <a:ext cx="2940050" cy="1524000"/>
+          </a:xfrm>
+          <a:prstGeom prst="roundRect">
+            <a:avLst>
+              <a:gd name="adj" fmla="val 1858"/>
+            </a:avLst>
+          </a:prstGeom>
+          <a:effectLst>
+            <a:outerShdw blurRad="50800" dist="50800" dir="5400000" algn="tl" rotWithShape="0">
+              <a:srgbClr val="000000">
+                <a:alpha val="43000"/>
+              </a:srgbClr>
+            </a:outerShdw>
+          </a:effectLst>
+        </p:spPr>
+        <p:txBody>
+          <a:bodyPr anchor="t">
+            <a:normAutofit/>
+          </a:bodyPr>
+          <a:lstStyle>
+            <a:lvl1pPr marL="0" indent="0" algn="ctr">
+              <a:buNone/>
+              <a:defRPr sz="1600"/>
+            </a:lvl1pPr>
+            <a:lvl2pPr marL="457200" indent="0">
+              <a:buNone/>
+              <a:defRPr sz="1600"/>
+            </a:lvl2pPr>
+            <a:lvl3pPr marL="914400" indent="0">
+              <a:buNone/>
+              <a:defRPr sz="1600"/>
+            </a:lvl3pPr>
+            <a:lvl4pPr marL="1371600" indent="0">
+              <a:buNone/>
+              <a:defRPr sz="1600"/>
+            </a:lvl4pPr>
+            <a:lvl5pPr marL="1828800" indent="0">
+              <a:buNone/>
+              <a:defRPr sz="1600"/>
+            </a:lvl5pPr>
+            <a:lvl6pPr marL="2286000" indent="0">
+              <a:buNone/>
+              <a:defRPr sz="1600"/>
+            </a:lvl6pPr>
+            <a:lvl7pPr marL="2743200" indent="0">
+              <a:buNone/>
+              <a:defRPr sz="1600"/>
+            </a:lvl7pPr>
+            <a:lvl8pPr marL="3200400" indent="0">
+              <a:buNone/>
+              <a:defRPr sz="1600"/>
+            </a:lvl8pPr>
+            <a:lvl9pPr marL="3657600" indent="0">
+              <a:buNone/>
+              <a:defRPr sz="1600"/>
+            </a:lvl9pPr>
+          </a:lstStyle>
+          <a:p>
+            <a:r>
+              <a:rPr lang="hu-HU" smtClean="0"/>
+              <a:t>Kép beszúrásához kattintson az ikonra</a:t>
+            </a:r>
+            <a:endParaRPr lang="en-US" dirty="0"/>
+          </a:p>
+        </p:txBody>
+      </p:sp>
+      <p:sp>
+        <p:nvSpPr>
+          <p:cNvPr id="22" name="Text Placeholder 3"/>
+          <p:cNvSpPr>
+            <a:spLocks noGrp="1"/>
+          </p:cNvSpPr>
+          <p:nvPr>
+            <p:ph type="body" sz="half" idx="18"/>
+          </p:nvPr>
+        </p:nvSpPr>
+        <p:spPr>
+          <a:xfrm>
+            <a:off x="652463" y="4827211"/>
+            <a:ext cx="2940050" cy="659189"/>
+          </a:xfrm>
+        </p:spPr>
+        <p:txBody>
+          <a:bodyPr anchor="t">
+            <a:normAutofit/>
+          </a:bodyPr>
+          <a:lstStyle>
+            <a:lvl1pPr marL="0" indent="0">
+              <a:buNone/>
+              <a:defRPr sz="1400"/>
+            </a:lvl1pPr>
+            <a:lvl2pPr marL="457200" indent="0">
+              <a:buNone/>
+              <a:defRPr sz="1200"/>
+            </a:lvl2pPr>
+            <a:lvl3pPr marL="914400" indent="0">
+              <a:buNone/>
+              <a:defRPr sz="1000"/>
+            </a:lvl3pPr>
+            <a:lvl4pPr marL="1371600" indent="0">
+              <a:buNone/>
+              <a:defRPr sz="900"/>
+            </a:lvl4pPr>
+            <a:lvl5pPr marL="1828800" indent="0">
+              <a:buNone/>
+              <a:defRPr sz="900"/>
+            </a:lvl5pPr>
+            <a:lvl6pPr marL="2286000" indent="0">
+              <a:buNone/>
+              <a:defRPr sz="900"/>
+            </a:lvl6pPr>
+            <a:lvl7pPr marL="2743200" indent="0">
+              <a:buNone/>
+              <a:defRPr sz="900"/>
+            </a:lvl7pPr>
+            <a:lvl8pPr marL="3200400" indent="0">
+              <a:buNone/>
+              <a:defRPr sz="900"/>
+            </a:lvl8pPr>
+            <a:lvl9pPr marL="3657600" indent="0">
+              <a:buNone/>
+              <a:defRPr sz="900"/>
+            </a:lvl9pPr>
+          </a:lstStyle>
+          <a:p>
+            <a:pPr lvl="0"/>
+            <a:r>
+              <a:rPr lang="hu-HU" smtClean="0"/>
+              <a:t>Mintaszöveg szerkesztése</a:t>
+            </a:r>
+          </a:p>
+        </p:txBody>
+      </p:sp>
+      <p:sp>
+        <p:nvSpPr>
+          <p:cNvPr id="5" name="Text Placeholder 4"/>
+          <p:cNvSpPr>
+            <a:spLocks noGrp="1"/>
+          </p:cNvSpPr>
+          <p:nvPr>
+            <p:ph type="body" sz="quarter" idx="3"/>
+          </p:nvPr>
+        </p:nvSpPr>
+        <p:spPr>
+          <a:xfrm>
+            <a:off x="3889375" y="4250949"/>
+            <a:ext cx="2930525" cy="576262"/>
+          </a:xfrm>
+        </p:spPr>
+        <p:txBody>
+          <a:bodyPr anchor="b">
+            <a:noAutofit/>
+          </a:bodyPr>
+          <a:lstStyle>
+            <a:lvl1pPr marL="0" indent="0">
+              <a:buNone/>
+              <a:defRPr sz="2400" b="0">
+                <a:solidFill>
+                  <a:schemeClr val="bg2">
+                    <a:lumMod val="40000"/>
+                    <a:lumOff val="60000"/>
+                  </a:schemeClr>
+                </a:solidFill>
+              </a:defRPr>
+            </a:lvl1pPr>
+            <a:lvl2pPr marL="457200" indent="0">
+              <a:buNone/>
+              <a:defRPr sz="2000" b="1"/>
+            </a:lvl2pPr>
+            <a:lvl3pPr marL="914400" indent="0">
+              <a:buNone/>
+              <a:defRPr sz="1800" b="1"/>
+            </a:lvl3pPr>
+            <a:lvl4pPr marL="1371600" indent="0">
+              <a:buNone/>
+              <a:defRPr sz="1600" b="1"/>
+            </a:lvl4pPr>
+            <a:lvl5pPr marL="1828800" indent="0">
+              <a:buNone/>
+              <a:defRPr sz="1600" b="1"/>
+            </a:lvl5pPr>
+            <a:lvl6pPr marL="2286000" indent="0">
+              <a:buNone/>
+              <a:defRPr sz="1600" b="1"/>
+            </a:lvl6pPr>
+            <a:lvl7pPr marL="2743200" indent="0">
+              <a:buNone/>
+              <a:defRPr sz="1600" b="1"/>
+            </a:lvl7pPr>
+            <a:lvl8pPr marL="3200400" indent="0">
+              <a:buNone/>
+              <a:defRPr sz="1600" b="1"/>
+            </a:lvl8pPr>
+            <a:lvl9pPr marL="3657600" indent="0">
+              <a:buNone/>
+              <a:defRPr sz="1600" b="1"/>
+            </a:lvl9pPr>
+          </a:lstStyle>
+          <a:p>
+            <a:pPr lvl="0"/>
+            <a:r>
+              <a:rPr lang="hu-HU" smtClean="0"/>
+              <a:t>Mintaszöveg szerkesztése</a:t>
+            </a:r>
+          </a:p>
+        </p:txBody>
+      </p:sp>
+      <p:sp>
+        <p:nvSpPr>
+          <p:cNvPr id="30" name="Picture Placeholder 2"/>
+          <p:cNvSpPr>
+            <a:spLocks noGrp="1" noChangeAspect="1"/>
+          </p:cNvSpPr>
+          <p:nvPr>
+            <p:ph type="pic" idx="21"/>
+          </p:nvPr>
+        </p:nvSpPr>
+        <p:spPr>
+          <a:xfrm>
+            <a:off x="3889374" y="2209800"/>
+            <a:ext cx="2930525" cy="1524000"/>
+          </a:xfrm>
+          <a:prstGeom prst="roundRect">
+            <a:avLst>
+              <a:gd name="adj" fmla="val 1858"/>
+            </a:avLst>
+          </a:prstGeom>
+          <a:effectLst>
+            <a:outerShdw blurRad="50800" dist="50800" dir="5400000" algn="tl" rotWithShape="0">
+              <a:srgbClr val="000000">
+                <a:alpha val="43000"/>
+              </a:srgbClr>
+            </a:outerShdw>
+          </a:effectLst>
+        </p:spPr>
+        <p:txBody>
+          <a:bodyPr anchor="t">
+            <a:normAutofit/>
+          </a:bodyPr>
+          <a:lstStyle>
+            <a:lvl1pPr marL="0" indent="0" algn="ctr">
+              <a:buNone/>
+              <a:defRPr sz="1600"/>
+            </a:lvl1pPr>
+            <a:lvl2pPr marL="457200" indent="0">
+              <a:buNone/>
+              <a:defRPr sz="1600"/>
+            </a:lvl2pPr>
+            <a:lvl3pPr marL="914400" indent="0">
+              <a:buNone/>
+              <a:defRPr sz="1600"/>
+            </a:lvl3pPr>
+            <a:lvl4pPr marL="1371600" indent="0">
+              <a:buNone/>
+              <a:defRPr sz="1600"/>
+            </a:lvl4pPr>
+            <a:lvl5pPr marL="1828800" indent="0">
+              <a:buNone/>
+              <a:defRPr sz="1600"/>
+            </a:lvl5pPr>
+            <a:lvl6pPr marL="2286000" indent="0">
+              <a:buNone/>
+              <a:defRPr sz="1600"/>
+            </a:lvl6pPr>
+            <a:lvl7pPr marL="2743200" indent="0">
+              <a:buNone/>
+              <a:defRPr sz="1600"/>
+            </a:lvl7pPr>
+            <a:lvl8pPr marL="3200400" indent="0">
+              <a:buNone/>
+              <a:defRPr sz="1600"/>
+            </a:lvl8pPr>
+            <a:lvl9pPr marL="3657600" indent="0">
+              <a:buNone/>
+              <a:defRPr sz="1600"/>
+            </a:lvl9pPr>
+          </a:lstStyle>
+          <a:p>
+            <a:r>
+              <a:rPr lang="hu-HU" smtClean="0"/>
+              <a:t>Kép beszúrásához kattintson az ikonra</a:t>
+            </a:r>
+            <a:endParaRPr lang="en-US" dirty="0"/>
+          </a:p>
+        </p:txBody>
+      </p:sp>
+      <p:sp>
+        <p:nvSpPr>
+          <p:cNvPr id="23" name="Text Placeholder 3"/>
+          <p:cNvSpPr>
+            <a:spLocks noGrp="1"/>
+          </p:cNvSpPr>
+          <p:nvPr>
+            <p:ph type="body" sz="half" idx="19"/>
+          </p:nvPr>
+        </p:nvSpPr>
+        <p:spPr>
+          <a:xfrm>
+            <a:off x="3888022" y="4827210"/>
+            <a:ext cx="2934406" cy="659189"/>
+          </a:xfrm>
+        </p:spPr>
+        <p:txBody>
+          <a:bodyPr anchor="t">
+            <a:normAutofit/>
+          </a:bodyPr>
+          <a:lstStyle>
+            <a:lvl1pPr marL="0" indent="0">
+              <a:buNone/>
+              <a:defRPr sz="1400"/>
+            </a:lvl1pPr>
+            <a:lvl2pPr marL="457200" indent="0">
+              <a:buNone/>
+              <a:defRPr sz="1200"/>
+            </a:lvl2pPr>
+            <a:lvl3pPr marL="914400" indent="0">
+              <a:buNone/>
+              <a:defRPr sz="1000"/>
+            </a:lvl3pPr>
+            <a:lvl4pPr marL="1371600" indent="0">
+              <a:buNone/>
+              <a:defRPr sz="900"/>
+            </a:lvl4pPr>
+            <a:lvl5pPr marL="1828800" indent="0">
+              <a:buNone/>
+              <a:defRPr sz="900"/>
+            </a:lvl5pPr>
+            <a:lvl6pPr marL="2286000" indent="0">
+              <a:buNone/>
+              <a:defRPr sz="900"/>
+            </a:lvl6pPr>
+            <a:lvl7pPr marL="2743200" indent="0">
+              <a:buNone/>
+              <a:defRPr sz="900"/>
+            </a:lvl7pPr>
+            <a:lvl8pPr marL="3200400" indent="0">
+              <a:buNone/>
+              <a:defRPr sz="900"/>
+            </a:lvl8pPr>
+            <a:lvl9pPr marL="3657600" indent="0">
+              <a:buNone/>
+              <a:defRPr sz="900"/>
+            </a:lvl9pPr>
+          </a:lstStyle>
+          <a:p>
+            <a:pPr lvl="0"/>
+            <a:r>
+              <a:rPr lang="hu-HU" smtClean="0"/>
+              <a:t>Mintaszöveg szerkesztése</a:t>
+            </a:r>
+          </a:p>
+        </p:txBody>
+      </p:sp>
+      <p:sp>
+        <p:nvSpPr>
+          <p:cNvPr id="14" name="Text Placeholder 4"/>
+          <p:cNvSpPr>
+            <a:spLocks noGrp="1"/>
+          </p:cNvSpPr>
+          <p:nvPr>
+            <p:ph type="body" sz="quarter" idx="13"/>
+          </p:nvPr>
+        </p:nvSpPr>
+        <p:spPr>
+          <a:xfrm>
+            <a:off x="7124700" y="4250949"/>
+            <a:ext cx="2932113" cy="576262"/>
+          </a:xfrm>
+        </p:spPr>
+        <p:txBody>
+          <a:bodyPr anchor="b">
+            <a:noAutofit/>
+          </a:bodyPr>
+          <a:lstStyle>
+            <a:lvl1pPr marL="0" indent="0">
+              <a:buNone/>
+              <a:defRPr sz="2400" b="0">
+                <a:solidFill>
+                  <a:schemeClr val="bg2">
+                    <a:lumMod val="40000"/>
+                    <a:lumOff val="60000"/>
+                  </a:schemeClr>
+                </a:solidFill>
+              </a:defRPr>
+            </a:lvl1pPr>
+            <a:lvl2pPr marL="457200" indent="0">
+              <a:buNone/>
+              <a:defRPr sz="2000" b="1"/>
+            </a:lvl2pPr>
+            <a:lvl3pPr marL="914400" indent="0">
+              <a:buNone/>
+              <a:defRPr sz="1800" b="1"/>
+            </a:lvl3pPr>
+            <a:lvl4pPr marL="1371600" indent="0">
+              <a:buNone/>
+              <a:defRPr sz="1600" b="1"/>
+            </a:lvl4pPr>
+            <a:lvl5pPr marL="1828800" indent="0">
+              <a:buNone/>
+              <a:defRPr sz="1600" b="1"/>
+            </a:lvl5pPr>
+            <a:lvl6pPr marL="2286000" indent="0">
+              <a:buNone/>
+              <a:defRPr sz="1600" b="1"/>
+            </a:lvl6pPr>
+            <a:lvl7pPr marL="2743200" indent="0">
+              <a:buNone/>
+              <a:defRPr sz="1600" b="1"/>
+            </a:lvl7pPr>
+            <a:lvl8pPr marL="3200400" indent="0">
+              <a:buNone/>
+              <a:defRPr sz="1600" b="1"/>
+            </a:lvl8pPr>
+            <a:lvl9pPr marL="3657600" indent="0">
+              <a:buNone/>
+              <a:defRPr sz="1600" b="1"/>
+            </a:lvl9pPr>
+          </a:lstStyle>
+          <a:p>
+            <a:pPr lvl="0"/>
+            <a:r>
+              <a:rPr lang="hu-HU" smtClean="0"/>
+              <a:t>Mintaszöveg szerkesztése</a:t>
+            </a:r>
+          </a:p>
+        </p:txBody>
+      </p:sp>
+      <p:sp>
+        <p:nvSpPr>
+          <p:cNvPr id="31" name="Picture Placeholder 2"/>
+          <p:cNvSpPr>
+            <a:spLocks noGrp="1" noChangeAspect="1"/>
+          </p:cNvSpPr>
+          <p:nvPr>
+            <p:ph type="pic" idx="22"/>
+          </p:nvPr>
+        </p:nvSpPr>
+        <p:spPr>
+          <a:xfrm>
+            <a:off x="7124699" y="2209800"/>
+            <a:ext cx="2932113" cy="1524000"/>
+          </a:xfrm>
+          <a:prstGeom prst="roundRect">
+            <a:avLst>
+              <a:gd name="adj" fmla="val 1858"/>
+            </a:avLst>
+          </a:prstGeom>
+          <a:effectLst>
+            <a:outerShdw blurRad="50800" dist="50800" dir="5400000" algn="tl" rotWithShape="0">
+              <a:srgbClr val="000000">
+                <a:alpha val="43000"/>
+              </a:srgbClr>
+            </a:outerShdw>
+          </a:effectLst>
+        </p:spPr>
+        <p:txBody>
+          <a:bodyPr anchor="t">
+            <a:normAutofit/>
+          </a:bodyPr>
+          <a:lstStyle>
+            <a:lvl1pPr marL="0" indent="0" algn="ctr">
+              <a:buNone/>
+              <a:defRPr sz="1600"/>
+            </a:lvl1pPr>
+            <a:lvl2pPr marL="457200" indent="0">
+              <a:buNone/>
+              <a:defRPr sz="1600"/>
+            </a:lvl2pPr>
+            <a:lvl3pPr marL="914400" indent="0">
+              <a:buNone/>
+              <a:defRPr sz="1600"/>
+            </a:lvl3pPr>
+            <a:lvl4pPr marL="1371600" indent="0">
+              <a:buNone/>
+              <a:defRPr sz="1600"/>
+            </a:lvl4pPr>
+            <a:lvl5pPr marL="1828800" indent="0">
+              <a:buNone/>
+              <a:defRPr sz="1600"/>
+            </a:lvl5pPr>
+            <a:lvl6pPr marL="2286000" indent="0">
+              <a:buNone/>
+              <a:defRPr sz="1600"/>
+            </a:lvl6pPr>
+            <a:lvl7pPr marL="2743200" indent="0">
+              <a:buNone/>
+              <a:defRPr sz="1600"/>
+            </a:lvl7pPr>
+            <a:lvl8pPr marL="3200400" indent="0">
+              <a:buNone/>
+              <a:defRPr sz="1600"/>
+            </a:lvl8pPr>
+            <a:lvl9pPr marL="3657600" indent="0">
+              <a:buNone/>
+              <a:defRPr sz="1600"/>
+            </a:lvl9pPr>
+          </a:lstStyle>
+          <a:p>
+            <a:r>
+              <a:rPr lang="hu-HU" smtClean="0"/>
+              <a:t>Kép beszúrásához kattintson az ikonra</a:t>
+            </a:r>
+            <a:endParaRPr lang="en-US" dirty="0"/>
+          </a:p>
+        </p:txBody>
+      </p:sp>
+      <p:sp>
+        <p:nvSpPr>
+          <p:cNvPr id="24" name="Text Placeholder 3"/>
+          <p:cNvSpPr>
+            <a:spLocks noGrp="1"/>
+          </p:cNvSpPr>
+          <p:nvPr>
+            <p:ph type="body" sz="half" idx="20"/>
+          </p:nvPr>
+        </p:nvSpPr>
+        <p:spPr>
+          <a:xfrm>
+            <a:off x="7124575" y="4827208"/>
+            <a:ext cx="2935997" cy="659189"/>
+          </a:xfrm>
+        </p:spPr>
+        <p:txBody>
+          <a:bodyPr anchor="t">
+            <a:normAutofit/>
+          </a:bodyPr>
+          <a:lstStyle>
+            <a:lvl1pPr marL="0" indent="0">
+              <a:buNone/>
+              <a:defRPr sz="1400"/>
+            </a:lvl1pPr>
+            <a:lvl2pPr marL="457200" indent="0">
+              <a:buNone/>
+              <a:defRPr sz="1200"/>
+            </a:lvl2pPr>
+            <a:lvl3pPr marL="914400" indent="0">
+              <a:buNone/>
+              <a:defRPr sz="1000"/>
+            </a:lvl3pPr>
+            <a:lvl4pPr marL="1371600" indent="0">
+              <a:buNone/>
+              <a:defRPr sz="900"/>
+            </a:lvl4pPr>
+            <a:lvl5pPr marL="1828800" indent="0">
+              <a:buNone/>
+              <a:defRPr sz="900"/>
+            </a:lvl5pPr>
+            <a:lvl6pPr marL="2286000" indent="0">
+              <a:buNone/>
+              <a:defRPr sz="900"/>
+            </a:lvl6pPr>
+            <a:lvl7pPr marL="2743200" indent="0">
+              <a:buNone/>
+              <a:defRPr sz="900"/>
+            </a:lvl7pPr>
+            <a:lvl8pPr marL="3200400" indent="0">
+              <a:buNone/>
+              <a:defRPr sz="900"/>
+            </a:lvl8pPr>
+            <a:lvl9pPr marL="3657600" indent="0">
+              <a:buNone/>
+              <a:defRPr sz="900"/>
+            </a:lvl9pPr>
+          </a:lstStyle>
+          <a:p>
+            <a:pPr lvl="0"/>
+            <a:r>
+              <a:rPr lang="hu-HU" smtClean="0"/>
+              <a:t>Mintaszöveg szerkesztése</a:t>
+            </a:r>
+          </a:p>
+        </p:txBody>
+      </p:sp>
+      <p:cxnSp>
+        <p:nvCxnSpPr>
+          <p:cNvPr id="19" name="Straight Connector 18"/>
+          <p:cNvCxnSpPr/>
+          <p:nvPr/>
+        </p:nvCxnSpPr>
+        <p:spPr>
+          <a:xfrm>
+            <a:off x="3726142" y="2133600"/>
+            <a:ext cx="0" cy="3962400"/>
+          </a:xfrm>
+          <a:prstGeom prst="line">
+            <a:avLst/>
+          </a:prstGeom>
+          <a:ln w="12700" cmpd="sng">
+            <a:solidFill>
+              <a:schemeClr val="bg2">
+                <a:lumMod val="40000"/>
+                <a:lumOff val="60000"/>
+                <a:alpha val="40000"/>
+              </a:schemeClr>
+            </a:solidFill>
+          </a:ln>
+        </p:spPr>
+        <p:style>
+          <a:lnRef idx="2">
+            <a:schemeClr val="accent1"/>
+          </a:lnRef>
+          <a:fillRef idx="0">
+            <a:schemeClr val="accent1"/>
+          </a:fillRef>
+          <a:effectRef idx="1">
+            <a:schemeClr val="accent1"/>
+          </a:effectRef>
+          <a:fontRef idx="minor">
+            <a:schemeClr val="tx1"/>
+          </a:fontRef>
+        </p:style>
+      </p:cxnSp>
+      <p:cxnSp>
+        <p:nvCxnSpPr>
+          <p:cNvPr id="20" name="Straight Connector 19"/>
+          <p:cNvCxnSpPr/>
+          <p:nvPr/>
+        </p:nvCxnSpPr>
+        <p:spPr>
+          <a:xfrm>
+            <a:off x="6962227" y="2133600"/>
+            <a:ext cx="0" cy="3966882"/>
+          </a:xfrm>
+          <a:prstGeom prst="line">
+            <a:avLst/>
+          </a:prstGeom>
+          <a:ln w="12700" cmpd="sng">
+            <a:solidFill>
+              <a:schemeClr val="bg2">
+                <a:lumMod val="40000"/>
+                <a:lumOff val="60000"/>
+                <a:alpha val="40000"/>
+              </a:schemeClr>
+            </a:solidFill>
+          </a:ln>
+        </p:spPr>
+        <p:style>
+          <a:lnRef idx="2">
+            <a:schemeClr val="accent1"/>
+          </a:lnRef>
+          <a:fillRef idx="0">
+            <a:schemeClr val="accent1"/>
+          </a:fillRef>
+          <a:effectRef idx="1">
+            <a:schemeClr val="accent1"/>
+          </a:effectRef>
+          <a:fontRef idx="minor">
+            <a:schemeClr val="tx1"/>
+          </a:fontRef>
+        </p:style>
+      </p:cxnSp>
+      <p:sp>
+        <p:nvSpPr>
+          <p:cNvPr id="7" name="Date Placeholder 3"/>
+          <p:cNvSpPr>
+            <a:spLocks noGrp="1"/>
+          </p:cNvSpPr>
+          <p:nvPr>
+            <p:ph type="dt" sz="half" idx="10"/>
+          </p:nvPr>
+        </p:nvSpPr>
+        <p:spPr/>
+        <p:txBody>
+          <a:bodyPr/>
+          <a:lstStyle/>
+          <a:p>
+            <a:fld id="{8A946B64-D034-4954-AA20-D2A99A6A760F}" type="datetimeFigureOut">
+              <a:rPr lang="hu-HU" smtClean="0"/>
+              <a:t>2022.09.20.</a:t>
+            </a:fld>
+            <a:endParaRPr lang="hu-HU"/>
+          </a:p>
+        </p:txBody>
+      </p:sp>
+      <p:sp>
+        <p:nvSpPr>
+          <p:cNvPr id="4" name="Footer Placeholder 4"/>
+          <p:cNvSpPr>
+            <a:spLocks noGrp="1"/>
+          </p:cNvSpPr>
+          <p:nvPr>
+            <p:ph type="ftr" sz="quarter" idx="11"/>
+          </p:nvPr>
+        </p:nvSpPr>
+        <p:spPr/>
+        <p:txBody>
+          <a:bodyPr/>
+          <a:lstStyle/>
+          <a:p>
+            <a:endParaRPr lang="hu-HU"/>
+          </a:p>
+        </p:txBody>
+      </p:sp>
+      <p:sp>
+        <p:nvSpPr>
+          <p:cNvPr id="6" name="Slide Number Placeholder 5"/>
+          <p:cNvSpPr>
+            <a:spLocks noGrp="1"/>
+          </p:cNvSpPr>
+          <p:nvPr>
+            <p:ph type="sldNum" sz="quarter" idx="12"/>
+          </p:nvPr>
+        </p:nvSpPr>
+        <p:spPr/>
+        <p:txBody>
+          <a:bodyPr/>
+          <a:lstStyle/>
+          <a:p>
+            <a:fld id="{B49BCFE7-6D2F-453C-ABA6-692E767B1381}" type="slidenum">
+              <a:rPr lang="hu-HU" smtClean="0"/>
+              <a:t>‹#›</a:t>
+            </a:fld>
+            <a:endParaRPr lang="hu-HU"/>
+          </a:p>
+        </p:txBody>
+      </p:sp>
+    </p:spTree>
+    <p:extLst>
+      <p:ext uri="{BB962C8B-B14F-4D97-AF65-F5344CB8AC3E}">
+        <p14:creationId xmlns:p14="http://schemas.microsoft.com/office/powerpoint/2010/main" val="1195201173"/>
+      </p:ext>
+    </p:extLst>
+  </p:cSld>
+  <p:clrMapOvr>
+    <a:masterClrMapping/>
+  </p:clrMapOvr>
+</p:sldLayout>
+</file>
+
+<file path=ppt/slideLayouts/slideLayout16.xml><?xml version="1.0" encoding="utf-8"?>
 <p:sldLayout xmlns:a="http://schemas.openxmlformats.org/drawingml/2006/main" xmlns:r="http://schemas.openxmlformats.org/officeDocument/2006/relationships" xmlns:p="http://schemas.openxmlformats.org/presentationml/2006/main" type="vertTx" preserve="1">
   <p:cSld name="Cím és függőleges szöveg">
     <p:spTree>
@@ -769,7 +3390,7 @@
       </p:grpSpPr>
       <p:sp>
         <p:nvSpPr>
-          <p:cNvPr id="2" name="Cím 1"/>
+          <p:cNvPr id="2" name="Title 1"/>
           <p:cNvSpPr>
             <a:spLocks noGrp="1"/>
           </p:cNvSpPr>
@@ -786,13 +3407,13 @@
               <a:rPr lang="hu-HU" smtClean="0"/>
               <a:t>Mintacím szerkesztése</a:t>
             </a:r>
-            <a:endParaRPr lang="hu-HU"/>
-          </a:p>
-        </p:txBody>
-      </p:sp>
-      <p:sp>
-        <p:nvSpPr>
-          <p:cNvPr id="3" name="Függőleges szöveg helye 2"/>
+            <a:endParaRPr lang="en-US" dirty="0"/>
+          </a:p>
+        </p:txBody>
+      </p:sp>
+      <p:sp>
+        <p:nvSpPr>
+          <p:cNvPr id="3" name="Vertical Text Placeholder 2"/>
           <p:cNvSpPr>
             <a:spLocks noGrp="1"/>
           </p:cNvSpPr>
@@ -802,7 +3423,7 @@
         </p:nvSpPr>
         <p:spPr/>
         <p:txBody>
-          <a:bodyPr vert="eaVert"/>
+          <a:bodyPr vert="eaVert" anchor="t" anchorCtr="0"/>
           <a:lstStyle/>
           <a:p>
             <a:pPr lvl="0"/>
@@ -838,13 +3459,13 @@
               <a:rPr lang="hu-HU" smtClean="0"/>
               <a:t>Ötödik szint</a:t>
             </a:r>
-            <a:endParaRPr lang="hu-HU"/>
-          </a:p>
-        </p:txBody>
-      </p:sp>
-      <p:sp>
-        <p:nvSpPr>
-          <p:cNvPr id="4" name="Dátum helye 3"/>
+            <a:endParaRPr lang="en-US" dirty="0"/>
+          </a:p>
+        </p:txBody>
+      </p:sp>
+      <p:sp>
+        <p:nvSpPr>
+          <p:cNvPr id="4" name="Date Placeholder 3"/>
           <p:cNvSpPr>
             <a:spLocks noGrp="1"/>
           </p:cNvSpPr>
@@ -859,7 +3480,7 @@
           <a:p>
             <a:fld id="{8A946B64-D034-4954-AA20-D2A99A6A760F}" type="datetimeFigureOut">
               <a:rPr lang="hu-HU" smtClean="0"/>
-              <a:t>2022.09.15.</a:t>
+              <a:t>2022.09.20.</a:t>
             </a:fld>
             <a:endParaRPr lang="hu-HU"/>
           </a:p>
@@ -867,7 +3488,7 @@
       </p:sp>
       <p:sp>
         <p:nvSpPr>
-          <p:cNvPr id="5" name="Élőláb helye 4"/>
+          <p:cNvPr id="5" name="Footer Placeholder 4"/>
           <p:cNvSpPr>
             <a:spLocks noGrp="1"/>
           </p:cNvSpPr>
@@ -886,7 +3507,7 @@
       </p:sp>
       <p:sp>
         <p:nvSpPr>
-          <p:cNvPr id="6" name="Dia számának helye 5"/>
+          <p:cNvPr id="6" name="Slide Number Placeholder 5"/>
           <p:cNvSpPr>
             <a:spLocks noGrp="1"/>
           </p:cNvSpPr>
@@ -910,7 +3531,7 @@
     </p:spTree>
     <p:extLst>
       <p:ext uri="{BB962C8B-B14F-4D97-AF65-F5344CB8AC3E}">
-        <p14:creationId xmlns:p14="http://schemas.microsoft.com/office/powerpoint/2010/main" val="1675609869"/>
+        <p14:creationId xmlns:p14="http://schemas.microsoft.com/office/powerpoint/2010/main" val="3412398885"/>
       </p:ext>
     </p:extLst>
   </p:cSld>
@@ -920,7 +3541,7 @@
 </p:sldLayout>
 </file>
 
-<file path=ppt/slideLayouts/slideLayout11.xml><?xml version="1.0" encoding="utf-8"?>
+<file path=ppt/slideLayouts/slideLayout17.xml><?xml version="1.0" encoding="utf-8"?>
 <p:sldLayout xmlns:a="http://schemas.openxmlformats.org/drawingml/2006/main" xmlns:r="http://schemas.openxmlformats.org/officeDocument/2006/relationships" xmlns:p="http://schemas.openxmlformats.org/presentationml/2006/main" type="vertTitleAndTx" preserve="1">
   <p:cSld name="Függőleges cím és szöveg">
     <p:spTree>
@@ -939,7 +3560,7 @@
       </p:grpSpPr>
       <p:sp>
         <p:nvSpPr>
-          <p:cNvPr id="2" name="Függőleges cím 1"/>
+          <p:cNvPr id="2" name="Vertical Title 1"/>
           <p:cNvSpPr>
             <a:spLocks noGrp="1"/>
           </p:cNvSpPr>
@@ -949,42 +3570,42 @@
         </p:nvSpPr>
         <p:spPr>
           <a:xfrm>
-            <a:off x="8724900" y="365125"/>
-            <a:ext cx="2628900" cy="5811838"/>
+            <a:off x="8304212" y="430213"/>
+            <a:ext cx="1752601" cy="5826125"/>
+          </a:xfrm>
+        </p:spPr>
+        <p:txBody>
+          <a:bodyPr vert="eaVert" anchor="b" anchorCtr="0"/>
+          <a:lstStyle/>
+          <a:p>
+            <a:r>
+              <a:rPr lang="hu-HU" smtClean="0"/>
+              <a:t>Mintacím szerkesztése</a:t>
+            </a:r>
+            <a:endParaRPr lang="en-US" dirty="0"/>
+          </a:p>
+        </p:txBody>
+      </p:sp>
+      <p:sp>
+        <p:nvSpPr>
+          <p:cNvPr id="3" name="Vertical Text Placeholder 2"/>
+          <p:cNvSpPr>
+            <a:spLocks noGrp="1"/>
+          </p:cNvSpPr>
+          <p:nvPr>
+            <p:ph type="body" orient="vert" idx="1"/>
+          </p:nvPr>
+        </p:nvSpPr>
+        <p:spPr>
+          <a:xfrm>
+            <a:off x="652463" y="887414"/>
+            <a:ext cx="7423149" cy="5368924"/>
           </a:xfrm>
         </p:spPr>
         <p:txBody>
           <a:bodyPr vert="eaVert"/>
           <a:lstStyle/>
           <a:p>
-            <a:r>
-              <a:rPr lang="hu-HU" smtClean="0"/>
-              <a:t>Mintacím szerkesztése</a:t>
-            </a:r>
-            <a:endParaRPr lang="hu-HU"/>
-          </a:p>
-        </p:txBody>
-      </p:sp>
-      <p:sp>
-        <p:nvSpPr>
-          <p:cNvPr id="3" name="Függőleges szöveg helye 2"/>
-          <p:cNvSpPr>
-            <a:spLocks noGrp="1"/>
-          </p:cNvSpPr>
-          <p:nvPr>
-            <p:ph type="body" orient="vert" idx="1"/>
-          </p:nvPr>
-        </p:nvSpPr>
-        <p:spPr>
-          <a:xfrm>
-            <a:off x="838200" y="365125"/>
-            <a:ext cx="7734300" cy="5811838"/>
-          </a:xfrm>
-        </p:spPr>
-        <p:txBody>
-          <a:bodyPr vert="eaVert"/>
-          <a:lstStyle/>
-          <a:p>
             <a:pPr lvl="0"/>
             <a:r>
               <a:rPr lang="hu-HU" smtClean="0"/>
@@ -1018,13 +3639,13 @@
               <a:rPr lang="hu-HU" smtClean="0"/>
               <a:t>Ötödik szint</a:t>
             </a:r>
-            <a:endParaRPr lang="hu-HU"/>
-          </a:p>
-        </p:txBody>
-      </p:sp>
-      <p:sp>
-        <p:nvSpPr>
-          <p:cNvPr id="4" name="Dátum helye 3"/>
+            <a:endParaRPr lang="en-US" dirty="0"/>
+          </a:p>
+        </p:txBody>
+      </p:sp>
+      <p:sp>
+        <p:nvSpPr>
+          <p:cNvPr id="4" name="Date Placeholder 3"/>
           <p:cNvSpPr>
             <a:spLocks noGrp="1"/>
           </p:cNvSpPr>
@@ -1039,7 +3660,7 @@
           <a:p>
             <a:fld id="{8A946B64-D034-4954-AA20-D2A99A6A760F}" type="datetimeFigureOut">
               <a:rPr lang="hu-HU" smtClean="0"/>
-              <a:t>2022.09.15.</a:t>
+              <a:t>2022.09.20.</a:t>
             </a:fld>
             <a:endParaRPr lang="hu-HU"/>
           </a:p>
@@ -1047,7 +3668,7 @@
       </p:sp>
       <p:sp>
         <p:nvSpPr>
-          <p:cNvPr id="5" name="Élőláb helye 4"/>
+          <p:cNvPr id="5" name="Footer Placeholder 4"/>
           <p:cNvSpPr>
             <a:spLocks noGrp="1"/>
           </p:cNvSpPr>
@@ -1066,7 +3687,7 @@
       </p:sp>
       <p:sp>
         <p:nvSpPr>
-          <p:cNvPr id="6" name="Dia számának helye 5"/>
+          <p:cNvPr id="6" name="Slide Number Placeholder 5"/>
           <p:cNvSpPr>
             <a:spLocks noGrp="1"/>
           </p:cNvSpPr>
@@ -1090,7 +3711,7 @@
     </p:spTree>
     <p:extLst>
       <p:ext uri="{BB962C8B-B14F-4D97-AF65-F5344CB8AC3E}">
-        <p14:creationId xmlns:p14="http://schemas.microsoft.com/office/powerpoint/2010/main" val="290697500"/>
+        <p14:creationId xmlns:p14="http://schemas.microsoft.com/office/powerpoint/2010/main" val="1795913836"/>
       </p:ext>
     </p:extLst>
   </p:cSld>
@@ -1119,7 +3740,7 @@
       </p:grpSpPr>
       <p:sp>
         <p:nvSpPr>
-          <p:cNvPr id="2" name="Cím 1"/>
+          <p:cNvPr id="2" name="Title 1"/>
           <p:cNvSpPr>
             <a:spLocks noGrp="1"/>
           </p:cNvSpPr>
@@ -1136,13 +3757,13 @@
               <a:rPr lang="hu-HU" smtClean="0"/>
               <a:t>Mintacím szerkesztése</a:t>
             </a:r>
-            <a:endParaRPr lang="hu-HU"/>
-          </a:p>
-        </p:txBody>
-      </p:sp>
-      <p:sp>
-        <p:nvSpPr>
-          <p:cNvPr id="3" name="Tartalom helye 2"/>
+            <a:endParaRPr lang="en-US" dirty="0"/>
+          </a:p>
+        </p:txBody>
+      </p:sp>
+      <p:sp>
+        <p:nvSpPr>
+          <p:cNvPr id="3" name="Content Placeholder 2"/>
           <p:cNvSpPr>
             <a:spLocks noGrp="1"/>
           </p:cNvSpPr>
@@ -1188,13 +3809,13 @@
               <a:rPr lang="hu-HU" smtClean="0"/>
               <a:t>Ötödik szint</a:t>
             </a:r>
-            <a:endParaRPr lang="hu-HU"/>
-          </a:p>
-        </p:txBody>
-      </p:sp>
-      <p:sp>
-        <p:nvSpPr>
-          <p:cNvPr id="4" name="Dátum helye 3"/>
+            <a:endParaRPr lang="en-US" dirty="0"/>
+          </a:p>
+        </p:txBody>
+      </p:sp>
+      <p:sp>
+        <p:nvSpPr>
+          <p:cNvPr id="7" name="Date Placeholder 3"/>
           <p:cNvSpPr>
             <a:spLocks noGrp="1"/>
           </p:cNvSpPr>
@@ -1209,7 +3830,7 @@
           <a:p>
             <a:fld id="{8A946B64-D034-4954-AA20-D2A99A6A760F}" type="datetimeFigureOut">
               <a:rPr lang="hu-HU" smtClean="0"/>
-              <a:t>2022.09.15.</a:t>
+              <a:t>2022.09.20.</a:t>
             </a:fld>
             <a:endParaRPr lang="hu-HU"/>
           </a:p>
@@ -1217,7 +3838,7 @@
       </p:sp>
       <p:sp>
         <p:nvSpPr>
-          <p:cNvPr id="5" name="Élőláb helye 4"/>
+          <p:cNvPr id="5" name="Footer Placeholder 4"/>
           <p:cNvSpPr>
             <a:spLocks noGrp="1"/>
           </p:cNvSpPr>
@@ -1236,7 +3857,7 @@
       </p:sp>
       <p:sp>
         <p:nvSpPr>
-          <p:cNvPr id="6" name="Dia számának helye 5"/>
+          <p:cNvPr id="6" name="Slide Number Placeholder 5"/>
           <p:cNvSpPr>
             <a:spLocks noGrp="1"/>
           </p:cNvSpPr>
@@ -1260,7 +3881,7 @@
     </p:spTree>
     <p:extLst>
       <p:ext uri="{BB962C8B-B14F-4D97-AF65-F5344CB8AC3E}">
-        <p14:creationId xmlns:p14="http://schemas.microsoft.com/office/powerpoint/2010/main" val="732787073"/>
+        <p14:creationId xmlns:p14="http://schemas.microsoft.com/office/powerpoint/2010/main" val="1060975497"/>
       </p:ext>
     </p:extLst>
   </p:cSld>
@@ -1289,7 +3910,7 @@
       </p:grpSpPr>
       <p:sp>
         <p:nvSpPr>
-          <p:cNvPr id="2" name="Cím 1"/>
+          <p:cNvPr id="2" name="Title 1"/>
           <p:cNvSpPr>
             <a:spLocks noGrp="1"/>
           </p:cNvSpPr>
@@ -1299,15 +3920,15 @@
         </p:nvSpPr>
         <p:spPr>
           <a:xfrm>
-            <a:off x="831850" y="1709738"/>
-            <a:ext cx="10515600" cy="2852737"/>
+            <a:off x="1154956" y="2861733"/>
+            <a:ext cx="8825657" cy="1915647"/>
           </a:xfrm>
         </p:spPr>
         <p:txBody>
           <a:bodyPr anchor="b"/>
           <a:lstStyle>
-            <a:lvl1pPr>
-              <a:defRPr sz="6000"/>
+            <a:lvl1pPr algn="l">
+              <a:defRPr sz="4000" b="0" cap="none"/>
             </a:lvl1pPr>
           </a:lstStyle>
           <a:p>
@@ -1315,13 +3936,13 @@
               <a:rPr lang="hu-HU" smtClean="0"/>
               <a:t>Mintacím szerkesztése</a:t>
             </a:r>
-            <a:endParaRPr lang="hu-HU"/>
-          </a:p>
-        </p:txBody>
-      </p:sp>
-      <p:sp>
-        <p:nvSpPr>
-          <p:cNvPr id="3" name="Szöveg helye 2"/>
+            <a:endParaRPr lang="en-US" dirty="0"/>
+          </a:p>
+        </p:txBody>
+      </p:sp>
+      <p:sp>
+        <p:nvSpPr>
+          <p:cNvPr id="3" name="Text Placeholder 2"/>
           <p:cNvSpPr>
             <a:spLocks noGrp="1"/>
           </p:cNvSpPr>
@@ -1331,26 +3952,27 @@
         </p:nvSpPr>
         <p:spPr>
           <a:xfrm>
-            <a:off x="831850" y="4589463"/>
-            <a:ext cx="10515600" cy="1500187"/>
-          </a:xfrm>
-        </p:spPr>
-        <p:txBody>
-          <a:bodyPr/>
+            <a:off x="1154955" y="4777381"/>
+            <a:ext cx="8825658" cy="860400"/>
+          </a:xfrm>
+        </p:spPr>
+        <p:txBody>
+          <a:bodyPr anchor="t"/>
           <a:lstStyle>
-            <a:lvl1pPr marL="0" indent="0">
-              <a:buNone/>
-              <a:defRPr sz="2400">
+            <a:lvl1pPr marL="0" indent="0" algn="l">
+              <a:buNone/>
+              <a:defRPr sz="2000" cap="all">
                 <a:solidFill>
-                  <a:schemeClr val="tx1">
-                    <a:tint val="75000"/>
+                  <a:schemeClr val="bg2">
+                    <a:lumMod val="40000"/>
+                    <a:lumOff val="60000"/>
                   </a:schemeClr>
                 </a:solidFill>
               </a:defRPr>
             </a:lvl1pPr>
             <a:lvl2pPr marL="457200" indent="0">
               <a:buNone/>
-              <a:defRPr sz="2000">
+              <a:defRPr sz="1800">
                 <a:solidFill>
                   <a:schemeClr val="tx1">
                     <a:tint val="75000"/>
@@ -1360,7 +3982,7 @@
             </a:lvl2pPr>
             <a:lvl3pPr marL="914400" indent="0">
               <a:buNone/>
-              <a:defRPr sz="1800">
+              <a:defRPr sz="1600">
                 <a:solidFill>
                   <a:schemeClr val="tx1">
                     <a:tint val="75000"/>
@@ -1370,7 +3992,7 @@
             </a:lvl3pPr>
             <a:lvl4pPr marL="1371600" indent="0">
               <a:buNone/>
-              <a:defRPr sz="1600">
+              <a:defRPr sz="1400">
                 <a:solidFill>
                   <a:schemeClr val="tx1">
                     <a:tint val="75000"/>
@@ -1380,7 +4002,7 @@
             </a:lvl4pPr>
             <a:lvl5pPr marL="1828800" indent="0">
               <a:buNone/>
-              <a:defRPr sz="1600">
+              <a:defRPr sz="1400">
                 <a:solidFill>
                   <a:schemeClr val="tx1">
                     <a:tint val="75000"/>
@@ -1390,7 +4012,7 @@
             </a:lvl5pPr>
             <a:lvl6pPr marL="2286000" indent="0">
               <a:buNone/>
-              <a:defRPr sz="1600">
+              <a:defRPr sz="1400">
                 <a:solidFill>
                   <a:schemeClr val="tx1">
                     <a:tint val="75000"/>
@@ -1400,7 +4022,7 @@
             </a:lvl6pPr>
             <a:lvl7pPr marL="2743200" indent="0">
               <a:buNone/>
-              <a:defRPr sz="1600">
+              <a:defRPr sz="1400">
                 <a:solidFill>
                   <a:schemeClr val="tx1">
                     <a:tint val="75000"/>
@@ -1410,7 +4032,7 @@
             </a:lvl7pPr>
             <a:lvl8pPr marL="3200400" indent="0">
               <a:buNone/>
-              <a:defRPr sz="1600">
+              <a:defRPr sz="1400">
                 <a:solidFill>
                   <a:schemeClr val="tx1">
                     <a:tint val="75000"/>
@@ -1420,7 +4042,7 @@
             </a:lvl8pPr>
             <a:lvl9pPr marL="3657600" indent="0">
               <a:buNone/>
-              <a:defRPr sz="1600">
+              <a:defRPr sz="1400">
                 <a:solidFill>
                   <a:schemeClr val="tx1">
                     <a:tint val="75000"/>
@@ -1440,7 +4062,7 @@
       </p:sp>
       <p:sp>
         <p:nvSpPr>
-          <p:cNvPr id="4" name="Dátum helye 3"/>
+          <p:cNvPr id="4" name="Date Placeholder 3"/>
           <p:cNvSpPr>
             <a:spLocks noGrp="1"/>
           </p:cNvSpPr>
@@ -1455,7 +4077,7 @@
           <a:p>
             <a:fld id="{8A946B64-D034-4954-AA20-D2A99A6A760F}" type="datetimeFigureOut">
               <a:rPr lang="hu-HU" smtClean="0"/>
-              <a:t>2022.09.15.</a:t>
+              <a:t>2022.09.20.</a:t>
             </a:fld>
             <a:endParaRPr lang="hu-HU"/>
           </a:p>
@@ -1463,7 +4085,7 @@
       </p:sp>
       <p:sp>
         <p:nvSpPr>
-          <p:cNvPr id="5" name="Élőláb helye 4"/>
+          <p:cNvPr id="5" name="Footer Placeholder 4"/>
           <p:cNvSpPr>
             <a:spLocks noGrp="1"/>
           </p:cNvSpPr>
@@ -1482,7 +4104,7 @@
       </p:sp>
       <p:sp>
         <p:nvSpPr>
-          <p:cNvPr id="6" name="Dia számának helye 5"/>
+          <p:cNvPr id="6" name="Slide Number Placeholder 5"/>
           <p:cNvSpPr>
             <a:spLocks noGrp="1"/>
           </p:cNvSpPr>
@@ -1506,7 +4128,7 @@
     </p:spTree>
     <p:extLst>
       <p:ext uri="{BB962C8B-B14F-4D97-AF65-F5344CB8AC3E}">
-        <p14:creationId xmlns:p14="http://schemas.microsoft.com/office/powerpoint/2010/main" val="1844959075"/>
+        <p14:creationId xmlns:p14="http://schemas.microsoft.com/office/powerpoint/2010/main" val="3845588780"/>
       </p:ext>
     </p:extLst>
   </p:cSld>
@@ -1535,7 +4157,7 @@
       </p:grpSpPr>
       <p:sp>
         <p:nvSpPr>
-          <p:cNvPr id="2" name="Cím 1"/>
+          <p:cNvPr id="2" name="Title 1"/>
           <p:cNvSpPr>
             <a:spLocks noGrp="1"/>
           </p:cNvSpPr>
@@ -1552,13 +4174,13 @@
               <a:rPr lang="hu-HU" smtClean="0"/>
               <a:t>Mintacím szerkesztése</a:t>
             </a:r>
-            <a:endParaRPr lang="hu-HU"/>
-          </a:p>
-        </p:txBody>
-      </p:sp>
-      <p:sp>
-        <p:nvSpPr>
-          <p:cNvPr id="3" name="Tartalom helye 2"/>
+            <a:endParaRPr lang="en-US" dirty="0"/>
+          </a:p>
+        </p:txBody>
+      </p:sp>
+      <p:sp>
+        <p:nvSpPr>
+          <p:cNvPr id="3" name="Content Placeholder 2"/>
           <p:cNvSpPr>
             <a:spLocks noGrp="1"/>
           </p:cNvSpPr>
@@ -1568,126 +4190,186 @@
         </p:nvSpPr>
         <p:spPr>
           <a:xfrm>
-            <a:off x="838200" y="1825625"/>
-            <a:ext cx="5181600" cy="4351338"/>
-          </a:xfrm>
-        </p:spPr>
+            <a:off x="1103312" y="2060575"/>
+            <a:ext cx="4396339" cy="4195763"/>
+          </a:xfrm>
+        </p:spPr>
+        <p:txBody>
+          <a:bodyPr>
+            <a:normAutofit/>
+          </a:bodyPr>
+          <a:lstStyle>
+            <a:lvl1pPr>
+              <a:defRPr sz="1800"/>
+            </a:lvl1pPr>
+            <a:lvl2pPr>
+              <a:defRPr sz="1600"/>
+            </a:lvl2pPr>
+            <a:lvl3pPr>
+              <a:defRPr sz="1400"/>
+            </a:lvl3pPr>
+            <a:lvl4pPr>
+              <a:defRPr sz="1200"/>
+            </a:lvl4pPr>
+            <a:lvl5pPr>
+              <a:defRPr sz="1200"/>
+            </a:lvl5pPr>
+            <a:lvl6pPr>
+              <a:defRPr sz="1200"/>
+            </a:lvl6pPr>
+            <a:lvl7pPr>
+              <a:defRPr sz="1200"/>
+            </a:lvl7pPr>
+            <a:lvl8pPr>
+              <a:defRPr sz="1200"/>
+            </a:lvl8pPr>
+            <a:lvl9pPr>
+              <a:defRPr sz="1200"/>
+            </a:lvl9pPr>
+          </a:lstStyle>
+          <a:p>
+            <a:pPr lvl="0"/>
+            <a:r>
+              <a:rPr lang="hu-HU" smtClean="0"/>
+              <a:t>Mintaszöveg szerkesztése</a:t>
+            </a:r>
+          </a:p>
+          <a:p>
+            <a:pPr lvl="1"/>
+            <a:r>
+              <a:rPr lang="hu-HU" smtClean="0"/>
+              <a:t>Második szint</a:t>
+            </a:r>
+          </a:p>
+          <a:p>
+            <a:pPr lvl="2"/>
+            <a:r>
+              <a:rPr lang="hu-HU" smtClean="0"/>
+              <a:t>Harmadik szint</a:t>
+            </a:r>
+          </a:p>
+          <a:p>
+            <a:pPr lvl="3"/>
+            <a:r>
+              <a:rPr lang="hu-HU" smtClean="0"/>
+              <a:t>Negyedik szint</a:t>
+            </a:r>
+          </a:p>
+          <a:p>
+            <a:pPr lvl="4"/>
+            <a:r>
+              <a:rPr lang="hu-HU" smtClean="0"/>
+              <a:t>Ötödik szint</a:t>
+            </a:r>
+            <a:endParaRPr lang="en-US" dirty="0"/>
+          </a:p>
+        </p:txBody>
+      </p:sp>
+      <p:sp>
+        <p:nvSpPr>
+          <p:cNvPr id="4" name="Content Placeholder 3"/>
+          <p:cNvSpPr>
+            <a:spLocks noGrp="1"/>
+          </p:cNvSpPr>
+          <p:nvPr>
+            <p:ph sz="half" idx="2"/>
+          </p:nvPr>
+        </p:nvSpPr>
+        <p:spPr>
+          <a:xfrm>
+            <a:off x="5654493" y="2056092"/>
+            <a:ext cx="4396341" cy="4200245"/>
+          </a:xfrm>
+        </p:spPr>
+        <p:txBody>
+          <a:bodyPr>
+            <a:normAutofit/>
+          </a:bodyPr>
+          <a:lstStyle>
+            <a:lvl1pPr>
+              <a:defRPr sz="1800"/>
+            </a:lvl1pPr>
+            <a:lvl2pPr>
+              <a:defRPr sz="1600"/>
+            </a:lvl2pPr>
+            <a:lvl3pPr>
+              <a:defRPr sz="1400"/>
+            </a:lvl3pPr>
+            <a:lvl4pPr>
+              <a:defRPr sz="1200"/>
+            </a:lvl4pPr>
+            <a:lvl5pPr>
+              <a:defRPr sz="1200"/>
+            </a:lvl5pPr>
+            <a:lvl6pPr>
+              <a:defRPr sz="1200"/>
+            </a:lvl6pPr>
+            <a:lvl7pPr>
+              <a:defRPr sz="1200"/>
+            </a:lvl7pPr>
+            <a:lvl8pPr>
+              <a:defRPr sz="1200"/>
+            </a:lvl8pPr>
+            <a:lvl9pPr>
+              <a:defRPr sz="1200"/>
+            </a:lvl9pPr>
+          </a:lstStyle>
+          <a:p>
+            <a:pPr lvl="0"/>
+            <a:r>
+              <a:rPr lang="hu-HU" smtClean="0"/>
+              <a:t>Mintaszöveg szerkesztése</a:t>
+            </a:r>
+          </a:p>
+          <a:p>
+            <a:pPr lvl="1"/>
+            <a:r>
+              <a:rPr lang="hu-HU" smtClean="0"/>
+              <a:t>Második szint</a:t>
+            </a:r>
+          </a:p>
+          <a:p>
+            <a:pPr lvl="2"/>
+            <a:r>
+              <a:rPr lang="hu-HU" smtClean="0"/>
+              <a:t>Harmadik szint</a:t>
+            </a:r>
+          </a:p>
+          <a:p>
+            <a:pPr lvl="3"/>
+            <a:r>
+              <a:rPr lang="hu-HU" smtClean="0"/>
+              <a:t>Negyedik szint</a:t>
+            </a:r>
+          </a:p>
+          <a:p>
+            <a:pPr lvl="4"/>
+            <a:r>
+              <a:rPr lang="hu-HU" smtClean="0"/>
+              <a:t>Ötödik szint</a:t>
+            </a:r>
+            <a:endParaRPr lang="en-US" dirty="0"/>
+          </a:p>
+        </p:txBody>
+      </p:sp>
+      <p:sp>
+        <p:nvSpPr>
+          <p:cNvPr id="5" name="Date Placeholder 4"/>
+          <p:cNvSpPr>
+            <a:spLocks noGrp="1"/>
+          </p:cNvSpPr>
+          <p:nvPr>
+            <p:ph type="dt" sz="half" idx="10"/>
+          </p:nvPr>
+        </p:nvSpPr>
+        <p:spPr/>
         <p:txBody>
           <a:bodyPr/>
           <a:lstStyle/>
           <a:p>
-            <a:pPr lvl="0"/>
-            <a:r>
-              <a:rPr lang="hu-HU" smtClean="0"/>
-              <a:t>Mintaszöveg szerkesztése</a:t>
-            </a:r>
-          </a:p>
-          <a:p>
-            <a:pPr lvl="1"/>
-            <a:r>
-              <a:rPr lang="hu-HU" smtClean="0"/>
-              <a:t>Második szint</a:t>
-            </a:r>
-          </a:p>
-          <a:p>
-            <a:pPr lvl="2"/>
-            <a:r>
-              <a:rPr lang="hu-HU" smtClean="0"/>
-              <a:t>Harmadik szint</a:t>
-            </a:r>
-          </a:p>
-          <a:p>
-            <a:pPr lvl="3"/>
-            <a:r>
-              <a:rPr lang="hu-HU" smtClean="0"/>
-              <a:t>Negyedik szint</a:t>
-            </a:r>
-          </a:p>
-          <a:p>
-            <a:pPr lvl="4"/>
-            <a:r>
-              <a:rPr lang="hu-HU" smtClean="0"/>
-              <a:t>Ötödik szint</a:t>
-            </a:r>
-            <a:endParaRPr lang="hu-HU"/>
-          </a:p>
-        </p:txBody>
-      </p:sp>
-      <p:sp>
-        <p:nvSpPr>
-          <p:cNvPr id="4" name="Tartalom helye 3"/>
-          <p:cNvSpPr>
-            <a:spLocks noGrp="1"/>
-          </p:cNvSpPr>
-          <p:nvPr>
-            <p:ph sz="half" idx="2"/>
-          </p:nvPr>
-        </p:nvSpPr>
-        <p:spPr>
-          <a:xfrm>
-            <a:off x="6172200" y="1825625"/>
-            <a:ext cx="5181600" cy="4351338"/>
-          </a:xfrm>
-        </p:spPr>
-        <p:txBody>
-          <a:bodyPr/>
-          <a:lstStyle/>
-          <a:p>
-            <a:pPr lvl="0"/>
-            <a:r>
-              <a:rPr lang="hu-HU" smtClean="0"/>
-              <a:t>Mintaszöveg szerkesztése</a:t>
-            </a:r>
-          </a:p>
-          <a:p>
-            <a:pPr lvl="1"/>
-            <a:r>
-              <a:rPr lang="hu-HU" smtClean="0"/>
-              <a:t>Második szint</a:t>
-            </a:r>
-          </a:p>
-          <a:p>
-            <a:pPr lvl="2"/>
-            <a:r>
-              <a:rPr lang="hu-HU" smtClean="0"/>
-              <a:t>Harmadik szint</a:t>
-            </a:r>
-          </a:p>
-          <a:p>
-            <a:pPr lvl="3"/>
-            <a:r>
-              <a:rPr lang="hu-HU" smtClean="0"/>
-              <a:t>Negyedik szint</a:t>
-            </a:r>
-          </a:p>
-          <a:p>
-            <a:pPr lvl="4"/>
-            <a:r>
-              <a:rPr lang="hu-HU" smtClean="0"/>
-              <a:t>Ötödik szint</a:t>
-            </a:r>
-            <a:endParaRPr lang="hu-HU"/>
-          </a:p>
-        </p:txBody>
-      </p:sp>
-      <p:sp>
-        <p:nvSpPr>
-          <p:cNvPr id="5" name="Dátum helye 4"/>
-          <p:cNvSpPr>
-            <a:spLocks noGrp="1"/>
-          </p:cNvSpPr>
-          <p:nvPr>
-            <p:ph type="dt" sz="half" idx="10"/>
-          </p:nvPr>
-        </p:nvSpPr>
-        <p:spPr/>
-        <p:txBody>
-          <a:bodyPr/>
-          <a:lstStyle/>
-          <a:p>
             <a:fld id="{8A946B64-D034-4954-AA20-D2A99A6A760F}" type="datetimeFigureOut">
               <a:rPr lang="hu-HU" smtClean="0"/>
-              <a:t>2022.09.15.</a:t>
+              <a:t>2022.09.20.</a:t>
             </a:fld>
             <a:endParaRPr lang="hu-HU"/>
           </a:p>
@@ -1695,7 +4377,7 @@
       </p:sp>
       <p:sp>
         <p:nvSpPr>
-          <p:cNvPr id="6" name="Élőláb helye 5"/>
+          <p:cNvPr id="6" name="Footer Placeholder 5"/>
           <p:cNvSpPr>
             <a:spLocks noGrp="1"/>
           </p:cNvSpPr>
@@ -1714,7 +4396,7 @@
       </p:sp>
       <p:sp>
         <p:nvSpPr>
-          <p:cNvPr id="7" name="Dia számának helye 6"/>
+          <p:cNvPr id="7" name="Slide Number Placeholder 6"/>
           <p:cNvSpPr>
             <a:spLocks noGrp="1"/>
           </p:cNvSpPr>
@@ -1738,7 +4420,7 @@
     </p:spTree>
     <p:extLst>
       <p:ext uri="{BB962C8B-B14F-4D97-AF65-F5344CB8AC3E}">
-        <p14:creationId xmlns:p14="http://schemas.microsoft.com/office/powerpoint/2010/main" val="2620567883"/>
+        <p14:creationId xmlns:p14="http://schemas.microsoft.com/office/powerpoint/2010/main" val="2522737538"/>
       </p:ext>
     </p:extLst>
   </p:cSld>
@@ -1767,7 +4449,7 @@
       </p:grpSpPr>
       <p:sp>
         <p:nvSpPr>
-          <p:cNvPr id="2" name="Cím 1"/>
+          <p:cNvPr id="2" name="Title 1"/>
           <p:cNvSpPr>
             <a:spLocks noGrp="1"/>
           </p:cNvSpPr>
@@ -1775,27 +4457,26 @@
             <p:ph type="title"/>
           </p:nvPr>
         </p:nvSpPr>
-        <p:spPr>
-          <a:xfrm>
-            <a:off x="839788" y="365125"/>
-            <a:ext cx="10515600" cy="1325563"/>
-          </a:xfrm>
-        </p:spPr>
+        <p:spPr/>
         <p:txBody>
           <a:bodyPr/>
-          <a:lstStyle/>
+          <a:lstStyle>
+            <a:lvl1pPr>
+              <a:defRPr/>
+            </a:lvl1pPr>
+          </a:lstStyle>
           <a:p>
             <a:r>
               <a:rPr lang="hu-HU" smtClean="0"/>
               <a:t>Mintacím szerkesztése</a:t>
             </a:r>
-            <a:endParaRPr lang="hu-HU"/>
-          </a:p>
-        </p:txBody>
-      </p:sp>
-      <p:sp>
-        <p:nvSpPr>
-          <p:cNvPr id="3" name="Szöveg helye 2"/>
+            <a:endParaRPr lang="en-US" dirty="0"/>
+          </a:p>
+        </p:txBody>
+      </p:sp>
+      <p:sp>
+        <p:nvSpPr>
+          <p:cNvPr id="3" name="Text Placeholder 2"/>
           <p:cNvSpPr>
             <a:spLocks noGrp="1"/>
           </p:cNvSpPr>
@@ -1805,16 +4486,25 @@
         </p:nvSpPr>
         <p:spPr>
           <a:xfrm>
-            <a:off x="839788" y="1681163"/>
-            <a:ext cx="5157787" cy="823912"/>
-          </a:xfrm>
-        </p:spPr>
-        <p:txBody>
-          <a:bodyPr anchor="b"/>
+            <a:off x="1103313" y="1905000"/>
+            <a:ext cx="4396338" cy="576262"/>
+          </a:xfrm>
+        </p:spPr>
+        <p:txBody>
+          <a:bodyPr anchor="b">
+            <a:noAutofit/>
+          </a:bodyPr>
           <a:lstStyle>
             <a:lvl1pPr marL="0" indent="0">
               <a:buNone/>
-              <a:defRPr sz="2400" b="1"/>
+              <a:defRPr sz="2400" b="0">
+                <a:solidFill>
+                  <a:schemeClr val="bg2">
+                    <a:lumMod val="40000"/>
+                    <a:lumOff val="60000"/>
+                  </a:schemeClr>
+                </a:solidFill>
+              </a:defRPr>
             </a:lvl1pPr>
             <a:lvl2pPr marL="457200" indent="0">
               <a:buNone/>
@@ -1860,7 +4550,7 @@
       </p:sp>
       <p:sp>
         <p:nvSpPr>
-          <p:cNvPr id="4" name="Tartalom helye 3"/>
+          <p:cNvPr id="4" name="Content Placeholder 3"/>
           <p:cNvSpPr>
             <a:spLocks noGrp="1"/>
           </p:cNvSpPr>
@@ -1870,13 +4560,43 @@
         </p:nvSpPr>
         <p:spPr>
           <a:xfrm>
-            <a:off x="839788" y="2505075"/>
-            <a:ext cx="5157787" cy="3684588"/>
-          </a:xfrm>
-        </p:spPr>
-        <p:txBody>
-          <a:bodyPr/>
-          <a:lstStyle/>
+            <a:off x="1103312" y="2514600"/>
+            <a:ext cx="4396339" cy="3741738"/>
+          </a:xfrm>
+        </p:spPr>
+        <p:txBody>
+          <a:bodyPr>
+            <a:normAutofit/>
+          </a:bodyPr>
+          <a:lstStyle>
+            <a:lvl1pPr>
+              <a:defRPr sz="1800"/>
+            </a:lvl1pPr>
+            <a:lvl2pPr>
+              <a:defRPr sz="1600"/>
+            </a:lvl2pPr>
+            <a:lvl3pPr>
+              <a:defRPr sz="1400"/>
+            </a:lvl3pPr>
+            <a:lvl4pPr>
+              <a:defRPr sz="1200"/>
+            </a:lvl4pPr>
+            <a:lvl5pPr>
+              <a:defRPr sz="1200"/>
+            </a:lvl5pPr>
+            <a:lvl6pPr>
+              <a:defRPr sz="1200"/>
+            </a:lvl6pPr>
+            <a:lvl7pPr>
+              <a:defRPr sz="1200"/>
+            </a:lvl7pPr>
+            <a:lvl8pPr>
+              <a:defRPr sz="1200"/>
+            </a:lvl8pPr>
+            <a:lvl9pPr>
+              <a:defRPr sz="1200"/>
+            </a:lvl9pPr>
+          </a:lstStyle>
           <a:p>
             <a:pPr lvl="0"/>
             <a:r>
@@ -1911,13 +4631,13 @@
               <a:rPr lang="hu-HU" smtClean="0"/>
               <a:t>Ötödik szint</a:t>
             </a:r>
-            <a:endParaRPr lang="hu-HU"/>
-          </a:p>
-        </p:txBody>
-      </p:sp>
-      <p:sp>
-        <p:nvSpPr>
-          <p:cNvPr id="5" name="Szöveg helye 4"/>
+            <a:endParaRPr lang="en-US" dirty="0"/>
+          </a:p>
+        </p:txBody>
+      </p:sp>
+      <p:sp>
+        <p:nvSpPr>
+          <p:cNvPr id="5" name="Text Placeholder 4"/>
           <p:cNvSpPr>
             <a:spLocks noGrp="1"/>
           </p:cNvSpPr>
@@ -1927,16 +4647,25 @@
         </p:nvSpPr>
         <p:spPr>
           <a:xfrm>
-            <a:off x="6172200" y="1681163"/>
-            <a:ext cx="5183188" cy="823912"/>
-          </a:xfrm>
-        </p:spPr>
-        <p:txBody>
-          <a:bodyPr anchor="b"/>
+            <a:off x="5654495" y="1905000"/>
+            <a:ext cx="4396339" cy="576262"/>
+          </a:xfrm>
+        </p:spPr>
+        <p:txBody>
+          <a:bodyPr anchor="b">
+            <a:noAutofit/>
+          </a:bodyPr>
           <a:lstStyle>
             <a:lvl1pPr marL="0" indent="0">
               <a:buNone/>
-              <a:defRPr sz="2400" b="1"/>
+              <a:defRPr sz="2400" b="0">
+                <a:solidFill>
+                  <a:schemeClr val="bg2">
+                    <a:lumMod val="40000"/>
+                    <a:lumOff val="60000"/>
+                  </a:schemeClr>
+                </a:solidFill>
+              </a:defRPr>
             </a:lvl1pPr>
             <a:lvl2pPr marL="457200" indent="0">
               <a:buNone/>
@@ -1982,7 +4711,7 @@
       </p:sp>
       <p:sp>
         <p:nvSpPr>
-          <p:cNvPr id="6" name="Tartalom helye 5"/>
+          <p:cNvPr id="6" name="Content Placeholder 5"/>
           <p:cNvSpPr>
             <a:spLocks noGrp="1"/>
           </p:cNvSpPr>
@@ -1992,69 +4721,99 @@
         </p:nvSpPr>
         <p:spPr>
           <a:xfrm>
-            <a:off x="6172200" y="2505075"/>
-            <a:ext cx="5183188" cy="3684588"/>
-          </a:xfrm>
-        </p:spPr>
+            <a:off x="5654495" y="2514600"/>
+            <a:ext cx="4396339" cy="3741738"/>
+          </a:xfrm>
+        </p:spPr>
+        <p:txBody>
+          <a:bodyPr>
+            <a:normAutofit/>
+          </a:bodyPr>
+          <a:lstStyle>
+            <a:lvl1pPr>
+              <a:defRPr sz="1800"/>
+            </a:lvl1pPr>
+            <a:lvl2pPr>
+              <a:defRPr sz="1600"/>
+            </a:lvl2pPr>
+            <a:lvl3pPr>
+              <a:defRPr sz="1400"/>
+            </a:lvl3pPr>
+            <a:lvl4pPr>
+              <a:defRPr sz="1200"/>
+            </a:lvl4pPr>
+            <a:lvl5pPr>
+              <a:defRPr sz="1200"/>
+            </a:lvl5pPr>
+            <a:lvl6pPr>
+              <a:defRPr sz="1200"/>
+            </a:lvl6pPr>
+            <a:lvl7pPr>
+              <a:defRPr sz="1200"/>
+            </a:lvl7pPr>
+            <a:lvl8pPr>
+              <a:defRPr sz="1200"/>
+            </a:lvl8pPr>
+            <a:lvl9pPr>
+              <a:defRPr sz="1200"/>
+            </a:lvl9pPr>
+          </a:lstStyle>
+          <a:p>
+            <a:pPr lvl="0"/>
+            <a:r>
+              <a:rPr lang="hu-HU" smtClean="0"/>
+              <a:t>Mintaszöveg szerkesztése</a:t>
+            </a:r>
+          </a:p>
+          <a:p>
+            <a:pPr lvl="1"/>
+            <a:r>
+              <a:rPr lang="hu-HU" smtClean="0"/>
+              <a:t>Második szint</a:t>
+            </a:r>
+          </a:p>
+          <a:p>
+            <a:pPr lvl="2"/>
+            <a:r>
+              <a:rPr lang="hu-HU" smtClean="0"/>
+              <a:t>Harmadik szint</a:t>
+            </a:r>
+          </a:p>
+          <a:p>
+            <a:pPr lvl="3"/>
+            <a:r>
+              <a:rPr lang="hu-HU" smtClean="0"/>
+              <a:t>Negyedik szint</a:t>
+            </a:r>
+          </a:p>
+          <a:p>
+            <a:pPr lvl="4"/>
+            <a:r>
+              <a:rPr lang="hu-HU" smtClean="0"/>
+              <a:t>Ötödik szint</a:t>
+            </a:r>
+            <a:endParaRPr lang="en-US" dirty="0"/>
+          </a:p>
+        </p:txBody>
+      </p:sp>
+      <p:sp>
+        <p:nvSpPr>
+          <p:cNvPr id="7" name="Date Placeholder 6"/>
+          <p:cNvSpPr>
+            <a:spLocks noGrp="1"/>
+          </p:cNvSpPr>
+          <p:nvPr>
+            <p:ph type="dt" sz="half" idx="10"/>
+          </p:nvPr>
+        </p:nvSpPr>
+        <p:spPr/>
         <p:txBody>
           <a:bodyPr/>
           <a:lstStyle/>
           <a:p>
-            <a:pPr lvl="0"/>
-            <a:r>
-              <a:rPr lang="hu-HU" smtClean="0"/>
-              <a:t>Mintaszöveg szerkesztése</a:t>
-            </a:r>
-          </a:p>
-          <a:p>
-            <a:pPr lvl="1"/>
-            <a:r>
-              <a:rPr lang="hu-HU" smtClean="0"/>
-              <a:t>Második szint</a:t>
-            </a:r>
-          </a:p>
-          <a:p>
-            <a:pPr lvl="2"/>
-            <a:r>
-              <a:rPr lang="hu-HU" smtClean="0"/>
-              <a:t>Harmadik szint</a:t>
-            </a:r>
-          </a:p>
-          <a:p>
-            <a:pPr lvl="3"/>
-            <a:r>
-              <a:rPr lang="hu-HU" smtClean="0"/>
-              <a:t>Negyedik szint</a:t>
-            </a:r>
-          </a:p>
-          <a:p>
-            <a:pPr lvl="4"/>
-            <a:r>
-              <a:rPr lang="hu-HU" smtClean="0"/>
-              <a:t>Ötödik szint</a:t>
-            </a:r>
-            <a:endParaRPr lang="hu-HU"/>
-          </a:p>
-        </p:txBody>
-      </p:sp>
-      <p:sp>
-        <p:nvSpPr>
-          <p:cNvPr id="7" name="Dátum helye 6"/>
-          <p:cNvSpPr>
-            <a:spLocks noGrp="1"/>
-          </p:cNvSpPr>
-          <p:nvPr>
-            <p:ph type="dt" sz="half" idx="10"/>
-          </p:nvPr>
-        </p:nvSpPr>
-        <p:spPr/>
-        <p:txBody>
-          <a:bodyPr/>
-          <a:lstStyle/>
-          <a:p>
             <a:fld id="{8A946B64-D034-4954-AA20-D2A99A6A760F}" type="datetimeFigureOut">
               <a:rPr lang="hu-HU" smtClean="0"/>
-              <a:t>2022.09.15.</a:t>
+              <a:t>2022.09.20.</a:t>
             </a:fld>
             <a:endParaRPr lang="hu-HU"/>
           </a:p>
@@ -2062,7 +4821,7 @@
       </p:sp>
       <p:sp>
         <p:nvSpPr>
-          <p:cNvPr id="8" name="Élőláb helye 7"/>
+          <p:cNvPr id="8" name="Footer Placeholder 7"/>
           <p:cNvSpPr>
             <a:spLocks noGrp="1"/>
           </p:cNvSpPr>
@@ -2081,7 +4840,7 @@
       </p:sp>
       <p:sp>
         <p:nvSpPr>
-          <p:cNvPr id="9" name="Dia számának helye 8"/>
+          <p:cNvPr id="9" name="Slide Number Placeholder 8"/>
           <p:cNvSpPr>
             <a:spLocks noGrp="1"/>
           </p:cNvSpPr>
@@ -2105,7 +4864,7 @@
     </p:spTree>
     <p:extLst>
       <p:ext uri="{BB962C8B-B14F-4D97-AF65-F5344CB8AC3E}">
-        <p14:creationId xmlns:p14="http://schemas.microsoft.com/office/powerpoint/2010/main" val="1207219936"/>
+        <p14:creationId xmlns:p14="http://schemas.microsoft.com/office/powerpoint/2010/main" val="365565867"/>
       </p:ext>
     </p:extLst>
   </p:cSld>
@@ -2134,7 +4893,7 @@
       </p:grpSpPr>
       <p:sp>
         <p:nvSpPr>
-          <p:cNvPr id="2" name="Cím 1"/>
+          <p:cNvPr id="2" name="Title 1"/>
           <p:cNvSpPr>
             <a:spLocks noGrp="1"/>
           </p:cNvSpPr>
@@ -2151,13 +4910,13 @@
               <a:rPr lang="hu-HU" smtClean="0"/>
               <a:t>Mintacím szerkesztése</a:t>
             </a:r>
-            <a:endParaRPr lang="hu-HU"/>
-          </a:p>
-        </p:txBody>
-      </p:sp>
-      <p:sp>
-        <p:nvSpPr>
-          <p:cNvPr id="3" name="Dátum helye 2"/>
+            <a:endParaRPr lang="en-US" dirty="0"/>
+          </a:p>
+        </p:txBody>
+      </p:sp>
+      <p:sp>
+        <p:nvSpPr>
+          <p:cNvPr id="7" name="Date Placeholder 2"/>
           <p:cNvSpPr>
             <a:spLocks noGrp="1"/>
           </p:cNvSpPr>
@@ -2172,7 +4931,7 @@
           <a:p>
             <a:fld id="{8A946B64-D034-4954-AA20-D2A99A6A760F}" type="datetimeFigureOut">
               <a:rPr lang="hu-HU" smtClean="0"/>
-              <a:t>2022.09.15.</a:t>
+              <a:t>2022.09.20.</a:t>
             </a:fld>
             <a:endParaRPr lang="hu-HU"/>
           </a:p>
@@ -2180,7 +4939,7 @@
       </p:sp>
       <p:sp>
         <p:nvSpPr>
-          <p:cNvPr id="4" name="Élőláb helye 3"/>
+          <p:cNvPr id="5" name="Footer Placeholder 3"/>
           <p:cNvSpPr>
             <a:spLocks noGrp="1"/>
           </p:cNvSpPr>
@@ -2199,7 +4958,7 @@
       </p:sp>
       <p:sp>
         <p:nvSpPr>
-          <p:cNvPr id="5" name="Dia számának helye 4"/>
+          <p:cNvPr id="6" name="Slide Number Placeholder 4"/>
           <p:cNvSpPr>
             <a:spLocks noGrp="1"/>
           </p:cNvSpPr>
@@ -2223,7 +4982,7 @@
     </p:spTree>
     <p:extLst>
       <p:ext uri="{BB962C8B-B14F-4D97-AF65-F5344CB8AC3E}">
-        <p14:creationId xmlns:p14="http://schemas.microsoft.com/office/powerpoint/2010/main" val="1204247607"/>
+        <p14:creationId xmlns:p14="http://schemas.microsoft.com/office/powerpoint/2010/main" val="3776753835"/>
       </p:ext>
     </p:extLst>
   </p:cSld>
@@ -2252,7 +5011,7 @@
       </p:grpSpPr>
       <p:sp>
         <p:nvSpPr>
-          <p:cNvPr id="2" name="Dátum helye 1"/>
+          <p:cNvPr id="7" name="Date Placeholder 1"/>
           <p:cNvSpPr>
             <a:spLocks noGrp="1"/>
           </p:cNvSpPr>
@@ -2267,7 +5026,7 @@
           <a:p>
             <a:fld id="{8A946B64-D034-4954-AA20-D2A99A6A760F}" type="datetimeFigureOut">
               <a:rPr lang="hu-HU" smtClean="0"/>
-              <a:t>2022.09.15.</a:t>
+              <a:t>2022.09.20.</a:t>
             </a:fld>
             <a:endParaRPr lang="hu-HU"/>
           </a:p>
@@ -2275,7 +5034,7 @@
       </p:sp>
       <p:sp>
         <p:nvSpPr>
-          <p:cNvPr id="3" name="Élőláb helye 2"/>
+          <p:cNvPr id="5" name="Footer Placeholder 2"/>
           <p:cNvSpPr>
             <a:spLocks noGrp="1"/>
           </p:cNvSpPr>
@@ -2294,7 +5053,7 @@
       </p:sp>
       <p:sp>
         <p:nvSpPr>
-          <p:cNvPr id="4" name="Dia számának helye 3"/>
+          <p:cNvPr id="6" name="Slide Number Placeholder 3"/>
           <p:cNvSpPr>
             <a:spLocks noGrp="1"/>
           </p:cNvSpPr>
@@ -2318,7 +5077,7 @@
     </p:spTree>
     <p:extLst>
       <p:ext uri="{BB962C8B-B14F-4D97-AF65-F5344CB8AC3E}">
-        <p14:creationId xmlns:p14="http://schemas.microsoft.com/office/powerpoint/2010/main" val="3026900018"/>
+        <p14:creationId xmlns:p14="http://schemas.microsoft.com/office/powerpoint/2010/main" val="3690022125"/>
       </p:ext>
     </p:extLst>
   </p:cSld>
@@ -2347,7 +5106,7 @@
       </p:grpSpPr>
       <p:sp>
         <p:nvSpPr>
-          <p:cNvPr id="2" name="Cím 1"/>
+          <p:cNvPr id="2" name="Title 1"/>
           <p:cNvSpPr>
             <a:spLocks noGrp="1"/>
           </p:cNvSpPr>
@@ -2357,15 +5116,15 @@
         </p:nvSpPr>
         <p:spPr>
           <a:xfrm>
-            <a:off x="839788" y="457200"/>
-            <a:ext cx="3932237" cy="1600200"/>
+            <a:off x="1154953" y="1447800"/>
+            <a:ext cx="3401064" cy="1447800"/>
           </a:xfrm>
         </p:spPr>
         <p:txBody>
           <a:bodyPr anchor="b"/>
           <a:lstStyle>
-            <a:lvl1pPr>
-              <a:defRPr sz="3200"/>
+            <a:lvl1pPr algn="l">
+              <a:defRPr sz="2400" b="0"/>
             </a:lvl1pPr>
           </a:lstStyle>
           <a:p>
@@ -2373,13 +5132,13 @@
               <a:rPr lang="hu-HU" smtClean="0"/>
               <a:t>Mintacím szerkesztése</a:t>
             </a:r>
-            <a:endParaRPr lang="hu-HU"/>
-          </a:p>
-        </p:txBody>
-      </p:sp>
-      <p:sp>
-        <p:nvSpPr>
-          <p:cNvPr id="3" name="Tartalom helye 2"/>
+            <a:endParaRPr lang="en-US" dirty="0"/>
+          </a:p>
+        </p:txBody>
+      </p:sp>
+      <p:sp>
+        <p:nvSpPr>
+          <p:cNvPr id="3" name="Content Placeholder 2"/>
           <p:cNvSpPr>
             <a:spLocks noGrp="1"/>
           </p:cNvSpPr>
@@ -2389,39 +5148,41 @@
         </p:nvSpPr>
         <p:spPr>
           <a:xfrm>
-            <a:off x="5183188" y="987425"/>
-            <a:ext cx="6172200" cy="4873625"/>
-          </a:xfrm>
-        </p:spPr>
-        <p:txBody>
-          <a:bodyPr/>
+            <a:off x="4784616" y="1447800"/>
+            <a:ext cx="5195997" cy="4572000"/>
+          </a:xfrm>
+        </p:spPr>
+        <p:txBody>
+          <a:bodyPr anchor="ctr">
+            <a:normAutofit/>
+          </a:bodyPr>
           <a:lstStyle>
             <a:lvl1pPr>
-              <a:defRPr sz="3200"/>
+              <a:defRPr sz="2000"/>
             </a:lvl1pPr>
             <a:lvl2pPr>
-              <a:defRPr sz="2800"/>
+              <a:defRPr sz="1800"/>
             </a:lvl2pPr>
             <a:lvl3pPr>
-              <a:defRPr sz="2400"/>
+              <a:defRPr sz="1600"/>
             </a:lvl3pPr>
             <a:lvl4pPr>
-              <a:defRPr sz="2000"/>
+              <a:defRPr sz="1400"/>
             </a:lvl4pPr>
             <a:lvl5pPr>
-              <a:defRPr sz="2000"/>
+              <a:defRPr sz="1400"/>
             </a:lvl5pPr>
             <a:lvl6pPr>
-              <a:defRPr sz="2000"/>
+              <a:defRPr sz="1400"/>
             </a:lvl6pPr>
             <a:lvl7pPr>
-              <a:defRPr sz="2000"/>
+              <a:defRPr sz="1400"/>
             </a:lvl7pPr>
             <a:lvl8pPr>
-              <a:defRPr sz="2000"/>
+              <a:defRPr sz="1400"/>
             </a:lvl8pPr>
             <a:lvl9pPr>
-              <a:defRPr sz="2000"/>
+              <a:defRPr sz="1400"/>
             </a:lvl9pPr>
           </a:lstStyle>
           <a:p>
@@ -2458,13 +5219,13 @@
               <a:rPr lang="hu-HU" smtClean="0"/>
               <a:t>Ötödik szint</a:t>
             </a:r>
-            <a:endParaRPr lang="hu-HU"/>
-          </a:p>
-        </p:txBody>
-      </p:sp>
-      <p:sp>
-        <p:nvSpPr>
-          <p:cNvPr id="4" name="Szöveg helye 3"/>
+            <a:endParaRPr lang="en-US" dirty="0"/>
+          </a:p>
+        </p:txBody>
+      </p:sp>
+      <p:sp>
+        <p:nvSpPr>
+          <p:cNvPr id="4" name="Text Placeholder 3"/>
           <p:cNvSpPr>
             <a:spLocks noGrp="1"/>
           </p:cNvSpPr>
@@ -2474,8 +5235,8 @@
         </p:nvSpPr>
         <p:spPr>
           <a:xfrm>
-            <a:off x="839788" y="2057400"/>
-            <a:ext cx="3932237" cy="3811588"/>
+            <a:off x="1154953" y="3129280"/>
+            <a:ext cx="3401063" cy="2895599"/>
           </a:xfrm>
         </p:spPr>
         <p:txBody>
@@ -2483,39 +5244,39 @@
           <a:lstStyle>
             <a:lvl1pPr marL="0" indent="0">
               <a:buNone/>
-              <a:defRPr sz="1600"/>
+              <a:defRPr sz="1400"/>
             </a:lvl1pPr>
             <a:lvl2pPr marL="457200" indent="0">
               <a:buNone/>
-              <a:defRPr sz="1400"/>
+              <a:defRPr sz="1200"/>
             </a:lvl2pPr>
             <a:lvl3pPr marL="914400" indent="0">
               <a:buNone/>
-              <a:defRPr sz="1200"/>
+              <a:defRPr sz="1000"/>
             </a:lvl3pPr>
             <a:lvl4pPr marL="1371600" indent="0">
               <a:buNone/>
-              <a:defRPr sz="1000"/>
+              <a:defRPr sz="900"/>
             </a:lvl4pPr>
             <a:lvl5pPr marL="1828800" indent="0">
               <a:buNone/>
-              <a:defRPr sz="1000"/>
+              <a:defRPr sz="900"/>
             </a:lvl5pPr>
             <a:lvl6pPr marL="2286000" indent="0">
               <a:buNone/>
-              <a:defRPr sz="1000"/>
+              <a:defRPr sz="900"/>
             </a:lvl6pPr>
             <a:lvl7pPr marL="2743200" indent="0">
               <a:buNone/>
-              <a:defRPr sz="1000"/>
+              <a:defRPr sz="900"/>
             </a:lvl7pPr>
             <a:lvl8pPr marL="3200400" indent="0">
               <a:buNone/>
-              <a:defRPr sz="1000"/>
+              <a:defRPr sz="900"/>
             </a:lvl8pPr>
             <a:lvl9pPr marL="3657600" indent="0">
               <a:buNone/>
-              <a:defRPr sz="1000"/>
+              <a:defRPr sz="900"/>
             </a:lvl9pPr>
           </a:lstStyle>
           <a:p>
@@ -2529,7 +5290,7 @@
       </p:sp>
       <p:sp>
         <p:nvSpPr>
-          <p:cNvPr id="5" name="Dátum helye 4"/>
+          <p:cNvPr id="7" name="Date Placeholder 4"/>
           <p:cNvSpPr>
             <a:spLocks noGrp="1"/>
           </p:cNvSpPr>
@@ -2544,7 +5305,7 @@
           <a:p>
             <a:fld id="{8A946B64-D034-4954-AA20-D2A99A6A760F}" type="datetimeFigureOut">
               <a:rPr lang="hu-HU" smtClean="0"/>
-              <a:t>2022.09.15.</a:t>
+              <a:t>2022.09.20.</a:t>
             </a:fld>
             <a:endParaRPr lang="hu-HU"/>
           </a:p>
@@ -2552,7 +5313,7 @@
       </p:sp>
       <p:sp>
         <p:nvSpPr>
-          <p:cNvPr id="6" name="Élőláb helye 5"/>
+          <p:cNvPr id="5" name="Footer Placeholder 5"/>
           <p:cNvSpPr>
             <a:spLocks noGrp="1"/>
           </p:cNvSpPr>
@@ -2571,7 +5332,7 @@
       </p:sp>
       <p:sp>
         <p:nvSpPr>
-          <p:cNvPr id="7" name="Dia számának helye 6"/>
+          <p:cNvPr id="6" name="Slide Number Placeholder 6"/>
           <p:cNvSpPr>
             <a:spLocks noGrp="1"/>
           </p:cNvSpPr>
@@ -2595,7 +5356,7 @@
     </p:spTree>
     <p:extLst>
       <p:ext uri="{BB962C8B-B14F-4D97-AF65-F5344CB8AC3E}">
-        <p14:creationId xmlns:p14="http://schemas.microsoft.com/office/powerpoint/2010/main" val="2821320403"/>
+        <p14:creationId xmlns:p14="http://schemas.microsoft.com/office/powerpoint/2010/main" val="1395188494"/>
       </p:ext>
     </p:extLst>
   </p:cSld>
@@ -2624,7 +5385,7 @@
       </p:grpSpPr>
       <p:sp>
         <p:nvSpPr>
-          <p:cNvPr id="2" name="Cím 1"/>
+          <p:cNvPr id="2" name="Title 1"/>
           <p:cNvSpPr>
             <a:spLocks noGrp="1"/>
           </p:cNvSpPr>
@@ -2634,15 +5395,17 @@
         </p:nvSpPr>
         <p:spPr>
           <a:xfrm>
-            <a:off x="839788" y="457200"/>
-            <a:ext cx="3932237" cy="1600200"/>
-          </a:xfrm>
-        </p:spPr>
-        <p:txBody>
-          <a:bodyPr anchor="b"/>
+            <a:off x="1153907" y="1854192"/>
+            <a:ext cx="5092906" cy="1574808"/>
+          </a:xfrm>
+        </p:spPr>
+        <p:txBody>
+          <a:bodyPr anchor="b">
+            <a:normAutofit/>
+          </a:bodyPr>
           <a:lstStyle>
-            <a:lvl1pPr>
-              <a:defRPr sz="3200"/>
+            <a:lvl1pPr algn="l">
+              <a:defRPr sz="3600" b="0"/>
             </a:lvl1pPr>
           </a:lstStyle>
           <a:p>
@@ -2650,15 +5413,15 @@
               <a:rPr lang="hu-HU" smtClean="0"/>
               <a:t>Mintacím szerkesztése</a:t>
             </a:r>
-            <a:endParaRPr lang="hu-HU"/>
-          </a:p>
-        </p:txBody>
-      </p:sp>
-      <p:sp>
-        <p:nvSpPr>
-          <p:cNvPr id="3" name="Kép helye 2"/>
-          <p:cNvSpPr>
-            <a:spLocks noGrp="1"/>
+            <a:endParaRPr lang="en-US" dirty="0"/>
+          </a:p>
+        </p:txBody>
+      </p:sp>
+      <p:sp>
+        <p:nvSpPr>
+          <p:cNvPr id="3" name="Picture Placeholder 2"/>
+          <p:cNvSpPr>
+            <a:spLocks noGrp="1" noChangeAspect="1"/>
           </p:cNvSpPr>
           <p:nvPr>
             <p:ph type="pic" idx="1"/>
@@ -2666,112 +5429,132 @@
         </p:nvSpPr>
         <p:spPr>
           <a:xfrm>
-            <a:off x="5183188" y="987425"/>
-            <a:ext cx="6172200" cy="4873625"/>
-          </a:xfrm>
-        </p:spPr>
-        <p:txBody>
-          <a:bodyPr/>
+            <a:off x="6949546" y="1143000"/>
+            <a:ext cx="3200400" cy="4572000"/>
+          </a:xfrm>
+          <a:prstGeom prst="roundRect">
+            <a:avLst>
+              <a:gd name="adj" fmla="val 1858"/>
+            </a:avLst>
+          </a:prstGeom>
+          <a:effectLst>
+            <a:outerShdw blurRad="50800" dist="50800" dir="5400000" algn="tl" rotWithShape="0">
+              <a:srgbClr val="000000">
+                <a:alpha val="43000"/>
+              </a:srgbClr>
+            </a:outerShdw>
+          </a:effectLst>
+        </p:spPr>
+        <p:txBody>
+          <a:bodyPr anchor="t">
+            <a:normAutofit/>
+          </a:bodyPr>
           <a:lstStyle>
-            <a:lvl1pPr marL="0" indent="0">
-              <a:buNone/>
-              <a:defRPr sz="3200"/>
-            </a:lvl1pPr>
-            <a:lvl2pPr marL="457200" indent="0">
-              <a:buNone/>
-              <a:defRPr sz="2800"/>
-            </a:lvl2pPr>
-            <a:lvl3pPr marL="914400" indent="0">
-              <a:buNone/>
-              <a:defRPr sz="2400"/>
-            </a:lvl3pPr>
-            <a:lvl4pPr marL="1371600" indent="0">
-              <a:buNone/>
-              <a:defRPr sz="2000"/>
-            </a:lvl4pPr>
-            <a:lvl5pPr marL="1828800" indent="0">
-              <a:buNone/>
-              <a:defRPr sz="2000"/>
-            </a:lvl5pPr>
-            <a:lvl6pPr marL="2286000" indent="0">
-              <a:buNone/>
-              <a:defRPr sz="2000"/>
-            </a:lvl6pPr>
-            <a:lvl7pPr marL="2743200" indent="0">
-              <a:buNone/>
-              <a:defRPr sz="2000"/>
-            </a:lvl7pPr>
-            <a:lvl8pPr marL="3200400" indent="0">
-              <a:buNone/>
-              <a:defRPr sz="2000"/>
-            </a:lvl8pPr>
-            <a:lvl9pPr marL="3657600" indent="0">
-              <a:buNone/>
-              <a:defRPr sz="2000"/>
-            </a:lvl9pPr>
-          </a:lstStyle>
-          <a:p>
-            <a:endParaRPr lang="hu-HU"/>
-          </a:p>
-        </p:txBody>
-      </p:sp>
-      <p:sp>
-        <p:nvSpPr>
-          <p:cNvPr id="4" name="Szöveg helye 3"/>
-          <p:cNvSpPr>
-            <a:spLocks noGrp="1"/>
-          </p:cNvSpPr>
-          <p:nvPr>
-            <p:ph type="body" sz="half" idx="2"/>
-          </p:nvPr>
-        </p:nvSpPr>
-        <p:spPr>
-          <a:xfrm>
-            <a:off x="839788" y="2057400"/>
-            <a:ext cx="3932237" cy="3811588"/>
-          </a:xfrm>
-        </p:spPr>
-        <p:txBody>
-          <a:bodyPr/>
-          <a:lstStyle>
-            <a:lvl1pPr marL="0" indent="0">
+            <a:lvl1pPr marL="0" indent="0" algn="ctr">
               <a:buNone/>
               <a:defRPr sz="1600"/>
             </a:lvl1pPr>
             <a:lvl2pPr marL="457200" indent="0">
               <a:buNone/>
-              <a:defRPr sz="1400"/>
+              <a:defRPr sz="1600"/>
             </a:lvl2pPr>
             <a:lvl3pPr marL="914400" indent="0">
               <a:buNone/>
-              <a:defRPr sz="1200"/>
+              <a:defRPr sz="1600"/>
             </a:lvl3pPr>
             <a:lvl4pPr marL="1371600" indent="0">
               <a:buNone/>
-              <a:defRPr sz="1000"/>
+              <a:defRPr sz="1600"/>
             </a:lvl4pPr>
             <a:lvl5pPr marL="1828800" indent="0">
               <a:buNone/>
-              <a:defRPr sz="1000"/>
+              <a:defRPr sz="1600"/>
             </a:lvl5pPr>
             <a:lvl6pPr marL="2286000" indent="0">
               <a:buNone/>
-              <a:defRPr sz="1000"/>
+              <a:defRPr sz="1600"/>
             </a:lvl6pPr>
             <a:lvl7pPr marL="2743200" indent="0">
               <a:buNone/>
-              <a:defRPr sz="1000"/>
+              <a:defRPr sz="1600"/>
             </a:lvl7pPr>
             <a:lvl8pPr marL="3200400" indent="0">
               <a:buNone/>
-              <a:defRPr sz="1000"/>
+              <a:defRPr sz="1600"/>
             </a:lvl8pPr>
             <a:lvl9pPr marL="3657600" indent="0">
               <a:buNone/>
-              <a:defRPr sz="1000"/>
+              <a:defRPr sz="1600"/>
             </a:lvl9pPr>
           </a:lstStyle>
           <a:p>
+            <a:r>
+              <a:rPr lang="hu-HU" smtClean="0"/>
+              <a:t>Kép beszúrásához kattintson az ikonra</a:t>
+            </a:r>
+            <a:endParaRPr lang="en-US" dirty="0"/>
+          </a:p>
+        </p:txBody>
+      </p:sp>
+      <p:sp>
+        <p:nvSpPr>
+          <p:cNvPr id="4" name="Text Placeholder 3"/>
+          <p:cNvSpPr>
+            <a:spLocks noGrp="1"/>
+          </p:cNvSpPr>
+          <p:nvPr>
+            <p:ph type="body" sz="half" idx="2"/>
+          </p:nvPr>
+        </p:nvSpPr>
+        <p:spPr>
+          <a:xfrm>
+            <a:off x="1154954" y="3657600"/>
+            <a:ext cx="5084979" cy="1371600"/>
+          </a:xfrm>
+        </p:spPr>
+        <p:txBody>
+          <a:bodyPr>
+            <a:normAutofit/>
+          </a:bodyPr>
+          <a:lstStyle>
+            <a:lvl1pPr marL="0" indent="0">
+              <a:buNone/>
+              <a:defRPr sz="1400"/>
+            </a:lvl1pPr>
+            <a:lvl2pPr marL="457200" indent="0">
+              <a:buNone/>
+              <a:defRPr sz="1200"/>
+            </a:lvl2pPr>
+            <a:lvl3pPr marL="914400" indent="0">
+              <a:buNone/>
+              <a:defRPr sz="1000"/>
+            </a:lvl3pPr>
+            <a:lvl4pPr marL="1371600" indent="0">
+              <a:buNone/>
+              <a:defRPr sz="900"/>
+            </a:lvl4pPr>
+            <a:lvl5pPr marL="1828800" indent="0">
+              <a:buNone/>
+              <a:defRPr sz="900"/>
+            </a:lvl5pPr>
+            <a:lvl6pPr marL="2286000" indent="0">
+              <a:buNone/>
+              <a:defRPr sz="900"/>
+            </a:lvl6pPr>
+            <a:lvl7pPr marL="2743200" indent="0">
+              <a:buNone/>
+              <a:defRPr sz="900"/>
+            </a:lvl7pPr>
+            <a:lvl8pPr marL="3200400" indent="0">
+              <a:buNone/>
+              <a:defRPr sz="900"/>
+            </a:lvl8pPr>
+            <a:lvl9pPr marL="3657600" indent="0">
+              <a:buNone/>
+              <a:defRPr sz="900"/>
+            </a:lvl9pPr>
+          </a:lstStyle>
+          <a:p>
             <a:pPr lvl="0"/>
             <a:r>
               <a:rPr lang="hu-HU" smtClean="0"/>
@@ -2782,7 +5565,7 @@
       </p:sp>
       <p:sp>
         <p:nvSpPr>
-          <p:cNvPr id="5" name="Dátum helye 4"/>
+          <p:cNvPr id="5" name="Date Placeholder 4"/>
           <p:cNvSpPr>
             <a:spLocks noGrp="1"/>
           </p:cNvSpPr>
@@ -2797,7 +5580,7 @@
           <a:p>
             <a:fld id="{8A946B64-D034-4954-AA20-D2A99A6A760F}" type="datetimeFigureOut">
               <a:rPr lang="hu-HU" smtClean="0"/>
-              <a:t>2022.09.15.</a:t>
+              <a:t>2022.09.20.</a:t>
             </a:fld>
             <a:endParaRPr lang="hu-HU"/>
           </a:p>
@@ -2805,7 +5588,7 @@
       </p:sp>
       <p:sp>
         <p:nvSpPr>
-          <p:cNvPr id="6" name="Élőláb helye 5"/>
+          <p:cNvPr id="6" name="Footer Placeholder 5"/>
           <p:cNvSpPr>
             <a:spLocks noGrp="1"/>
           </p:cNvSpPr>
@@ -2824,7 +5607,7 @@
       </p:sp>
       <p:sp>
         <p:nvSpPr>
-          <p:cNvPr id="7" name="Dia számának helye 6"/>
+          <p:cNvPr id="7" name="Slide Number Placeholder 6"/>
           <p:cNvSpPr>
             <a:spLocks noGrp="1"/>
           </p:cNvSpPr>
@@ -2848,7 +5631,7 @@
     </p:spTree>
     <p:extLst>
       <p:ext uri="{BB962C8B-B14F-4D97-AF65-F5344CB8AC3E}">
-        <p14:creationId xmlns:p14="http://schemas.microsoft.com/office/powerpoint/2010/main" val="1635740345"/>
+        <p14:creationId xmlns:p14="http://schemas.microsoft.com/office/powerpoint/2010/main" val="977134301"/>
       </p:ext>
     </p:extLst>
   </p:cSld>
@@ -2862,8 +5645,8 @@
 <p:sldMaster xmlns:a="http://schemas.openxmlformats.org/drawingml/2006/main" xmlns:r="http://schemas.openxmlformats.org/officeDocument/2006/relationships" xmlns:p="http://schemas.openxmlformats.org/presentationml/2006/main">
   <p:cSld>
     <p:bg>
-      <p:bgRef idx="1001">
-        <a:schemeClr val="bg1"/>
+      <p:bgRef idx="1003">
+        <a:schemeClr val="bg2"/>
       </p:bgRef>
     </p:bg>
     <p:spTree>
@@ -2880,58 +5663,273 @@
           <a:chExt cx="0" cy="0"/>
         </a:xfrm>
       </p:grpSpPr>
-      <p:sp>
-        <p:nvSpPr>
-          <p:cNvPr id="2" name="Cím helye 1"/>
-          <p:cNvSpPr>
-            <a:spLocks noGrp="1"/>
-          </p:cNvSpPr>
-          <p:nvPr>
-            <p:ph type="title"/>
-          </p:nvPr>
-        </p:nvSpPr>
-        <p:spPr>
-          <a:xfrm>
-            <a:off x="838200" y="365125"/>
-            <a:ext cx="10515600" cy="1325563"/>
+      <p:pic>
+        <p:nvPicPr>
+          <p:cNvPr id="8" name="Picture 7"/>
+          <p:cNvPicPr>
+            <a:picLocks noChangeAspect="1"/>
+          </p:cNvPicPr>
+          <p:nvPr/>
+        </p:nvPicPr>
+        <p:blipFill rotWithShape="1">
+          <a:blip r:embed="rId19">
+            <a:extLst>
+              <a:ext uri="{28A0092B-C50C-407E-A947-70E740481C1C}">
+                <a14:useLocalDpi xmlns:a14="http://schemas.microsoft.com/office/drawing/2010/main" val="0"/>
+              </a:ext>
+            </a:extLst>
+          </a:blip>
+          <a:srcRect l="3613"/>
+          <a:stretch/>
+        </p:blipFill>
+        <p:spPr>
+          <a:xfrm>
+            <a:off x="0" y="2669685"/>
+            <a:ext cx="4037012" cy="4188315"/>
           </a:xfrm>
           <a:prstGeom prst="rect">
             <a:avLst/>
           </a:prstGeom>
         </p:spPr>
-        <p:txBody>
-          <a:bodyPr vert="horz" lIns="91440" tIns="45720" rIns="91440" bIns="45720" rtlCol="0" anchor="ctr">
-            <a:normAutofit/>
-          </a:bodyPr>
-          <a:lstStyle/>
-          <a:p>
-            <a:r>
-              <a:rPr lang="hu-HU" smtClean="0"/>
-              <a:t>Mintacím szerkesztése</a:t>
-            </a:r>
-            <a:endParaRPr lang="hu-HU"/>
-          </a:p>
-        </p:txBody>
-      </p:sp>
-      <p:sp>
-        <p:nvSpPr>
-          <p:cNvPr id="3" name="Szöveg helye 2"/>
-          <p:cNvSpPr>
-            <a:spLocks noGrp="1"/>
-          </p:cNvSpPr>
-          <p:nvPr>
-            <p:ph type="body" idx="1"/>
-          </p:nvPr>
-        </p:nvSpPr>
-        <p:spPr>
-          <a:xfrm>
-            <a:off x="838200" y="1825625"/>
-            <a:ext cx="10515600" cy="4351338"/>
+      </p:pic>
+      <p:pic>
+        <p:nvPicPr>
+          <p:cNvPr id="7" name="Picture 6"/>
+          <p:cNvPicPr>
+            <a:picLocks noChangeAspect="1"/>
+          </p:cNvPicPr>
+          <p:nvPr/>
+        </p:nvPicPr>
+        <p:blipFill rotWithShape="1">
+          <a:blip r:embed="rId20">
+            <a:extLst>
+              <a:ext uri="{28A0092B-C50C-407E-A947-70E740481C1C}">
+                <a14:useLocalDpi xmlns:a14="http://schemas.microsoft.com/office/drawing/2010/main" val="0"/>
+              </a:ext>
+            </a:extLst>
+          </a:blip>
+          <a:srcRect l="35640"/>
+          <a:stretch/>
+        </p:blipFill>
+        <p:spPr>
+          <a:xfrm>
+            <a:off x="0" y="2892347"/>
+            <a:ext cx="1522412" cy="2365453"/>
           </a:xfrm>
           <a:prstGeom prst="rect">
             <a:avLst/>
           </a:prstGeom>
         </p:spPr>
+      </p:pic>
+      <p:sp>
+        <p:nvSpPr>
+          <p:cNvPr id="16" name="Oval 15"/>
+          <p:cNvSpPr/>
+          <p:nvPr/>
+        </p:nvSpPr>
+        <p:spPr>
+          <a:xfrm>
+            <a:off x="8609012" y="1676400"/>
+            <a:ext cx="2819400" cy="2819400"/>
+          </a:xfrm>
+          <a:prstGeom prst="ellipse">
+            <a:avLst/>
+          </a:prstGeom>
+          <a:gradFill flip="none" rotWithShape="1">
+            <a:gsLst>
+              <a:gs pos="0">
+                <a:schemeClr val="bg2">
+                  <a:lumMod val="60000"/>
+                  <a:lumOff val="40000"/>
+                  <a:alpha val="7000"/>
+                </a:schemeClr>
+              </a:gs>
+              <a:gs pos="69000">
+                <a:schemeClr val="bg2">
+                  <a:lumMod val="60000"/>
+                  <a:lumOff val="40000"/>
+                  <a:alpha val="0"/>
+                </a:schemeClr>
+              </a:gs>
+              <a:gs pos="36000">
+                <a:schemeClr val="bg2">
+                  <a:lumMod val="60000"/>
+                  <a:lumOff val="40000"/>
+                  <a:alpha val="6000"/>
+                </a:schemeClr>
+              </a:gs>
+            </a:gsLst>
+            <a:path path="circle">
+              <a:fillToRect l="50000" t="50000" r="50000" b="50000"/>
+            </a:path>
+            <a:tileRect/>
+          </a:gradFill>
+          <a:ln>
+            <a:noFill/>
+          </a:ln>
+          <a:effectLst/>
+        </p:spPr>
+        <p:style>
+          <a:lnRef idx="1">
+            <a:schemeClr val="accent1"/>
+          </a:lnRef>
+          <a:fillRef idx="3">
+            <a:schemeClr val="accent1"/>
+          </a:fillRef>
+          <a:effectRef idx="2">
+            <a:schemeClr val="accent1"/>
+          </a:effectRef>
+          <a:fontRef idx="minor">
+            <a:schemeClr val="lt1"/>
+          </a:fontRef>
+        </p:style>
+      </p:sp>
+      <p:pic>
+        <p:nvPicPr>
+          <p:cNvPr id="9" name="Picture 8"/>
+          <p:cNvPicPr>
+            <a:picLocks noChangeAspect="1"/>
+          </p:cNvPicPr>
+          <p:nvPr/>
+        </p:nvPicPr>
+        <p:blipFill rotWithShape="1">
+          <a:blip r:embed="rId21">
+            <a:extLst>
+              <a:ext uri="{28A0092B-C50C-407E-A947-70E740481C1C}">
+                <a14:useLocalDpi xmlns:a14="http://schemas.microsoft.com/office/drawing/2010/main" val="0"/>
+              </a:ext>
+            </a:extLst>
+          </a:blip>
+          <a:srcRect t="28813"/>
+          <a:stretch/>
+        </p:blipFill>
+        <p:spPr>
+          <a:xfrm>
+            <a:off x="7999412" y="0"/>
+            <a:ext cx="1603387" cy="1141407"/>
+          </a:xfrm>
+          <a:prstGeom prst="rect">
+            <a:avLst/>
+          </a:prstGeom>
+        </p:spPr>
+      </p:pic>
+      <p:pic>
+        <p:nvPicPr>
+          <p:cNvPr id="10" name="Picture 9"/>
+          <p:cNvPicPr>
+            <a:picLocks noChangeAspect="1"/>
+          </p:cNvPicPr>
+          <p:nvPr/>
+        </p:nvPicPr>
+        <p:blipFill rotWithShape="1">
+          <a:blip r:embed="rId22">
+            <a:extLst>
+              <a:ext uri="{28A0092B-C50C-407E-A947-70E740481C1C}">
+                <a14:useLocalDpi xmlns:a14="http://schemas.microsoft.com/office/drawing/2010/main" val="0"/>
+              </a:ext>
+            </a:extLst>
+          </a:blip>
+          <a:srcRect b="23320"/>
+          <a:stretch/>
+        </p:blipFill>
+        <p:spPr>
+          <a:xfrm>
+            <a:off x="8605878" y="6096000"/>
+            <a:ext cx="993734" cy="762000"/>
+          </a:xfrm>
+          <a:prstGeom prst="rect">
+            <a:avLst/>
+          </a:prstGeom>
+        </p:spPr>
+      </p:pic>
+      <p:sp>
+        <p:nvSpPr>
+          <p:cNvPr id="14" name="Rectangle 13"/>
+          <p:cNvSpPr/>
+          <p:nvPr/>
+        </p:nvSpPr>
+        <p:spPr>
+          <a:xfrm>
+            <a:off x="10437812" y="0"/>
+            <a:ext cx="685800" cy="1143000"/>
+          </a:xfrm>
+          <a:prstGeom prst="rect">
+            <a:avLst/>
+          </a:prstGeom>
+          <a:solidFill>
+            <a:schemeClr val="accent1"/>
+          </a:solidFill>
+          <a:ln>
+            <a:noFill/>
+          </a:ln>
+        </p:spPr>
+        <p:style>
+          <a:lnRef idx="1">
+            <a:schemeClr val="accent1"/>
+          </a:lnRef>
+          <a:fillRef idx="3">
+            <a:schemeClr val="accent1"/>
+          </a:fillRef>
+          <a:effectRef idx="2">
+            <a:schemeClr val="accent1"/>
+          </a:effectRef>
+          <a:fontRef idx="minor">
+            <a:schemeClr val="lt1"/>
+          </a:fontRef>
+        </p:style>
+      </p:sp>
+      <p:sp>
+        <p:nvSpPr>
+          <p:cNvPr id="2" name="Title Placeholder 1"/>
+          <p:cNvSpPr>
+            <a:spLocks noGrp="1"/>
+          </p:cNvSpPr>
+          <p:nvPr>
+            <p:ph type="title"/>
+          </p:nvPr>
+        </p:nvSpPr>
+        <p:spPr>
+          <a:xfrm>
+            <a:off x="646111" y="452718"/>
+            <a:ext cx="9404723" cy="1400530"/>
+          </a:xfrm>
+          <a:prstGeom prst="rect">
+            <a:avLst/>
+          </a:prstGeom>
+        </p:spPr>
+        <p:txBody>
+          <a:bodyPr vert="horz" lIns="91440" tIns="45720" rIns="91440" bIns="45720" rtlCol="0" anchor="t">
+            <a:noAutofit/>
+          </a:bodyPr>
+          <a:lstStyle/>
+          <a:p>
+            <a:r>
+              <a:rPr lang="hu-HU" smtClean="0"/>
+              <a:t>Mintacím szerkesztése</a:t>
+            </a:r>
+            <a:endParaRPr lang="en-US" dirty="0"/>
+          </a:p>
+        </p:txBody>
+      </p:sp>
+      <p:sp>
+        <p:nvSpPr>
+          <p:cNvPr id="3" name="Text Placeholder 2"/>
+          <p:cNvSpPr>
+            <a:spLocks noGrp="1"/>
+          </p:cNvSpPr>
+          <p:nvPr>
+            <p:ph type="body" idx="1"/>
+          </p:nvPr>
+        </p:nvSpPr>
+        <p:spPr>
+          <a:xfrm>
+            <a:off x="1103312" y="2052918"/>
+            <a:ext cx="8946541" cy="4195481"/>
+          </a:xfrm>
+          <a:prstGeom prst="rect">
+            <a:avLst/>
+          </a:prstGeom>
+        </p:spPr>
         <p:txBody>
           <a:bodyPr vert="horz" lIns="91440" tIns="45720" rIns="91440" bIns="45720" rtlCol="0">
             <a:normAutofit/>
@@ -2971,13 +5969,13 @@
               <a:rPr lang="hu-HU" smtClean="0"/>
               <a:t>Ötödik szint</a:t>
             </a:r>
-            <a:endParaRPr lang="hu-HU"/>
-          </a:p>
-        </p:txBody>
-      </p:sp>
-      <p:sp>
-        <p:nvSpPr>
-          <p:cNvPr id="4" name="Dátum helye 3"/>
+            <a:endParaRPr lang="en-US" dirty="0"/>
+          </a:p>
+        </p:txBody>
+      </p:sp>
+      <p:sp>
+        <p:nvSpPr>
+          <p:cNvPr id="4" name="Date Placeholder 3"/>
           <p:cNvSpPr>
             <a:spLocks noGrp="1"/>
           </p:cNvSpPr>
@@ -2986,19 +5984,99 @@
           </p:nvPr>
         </p:nvSpPr>
         <p:spPr>
-          <a:xfrm>
-            <a:off x="838200" y="6356350"/>
-            <a:ext cx="2743200" cy="365125"/>
+          <a:xfrm rot="5400000">
+            <a:off x="10155639" y="1790701"/>
+            <a:ext cx="990599" cy="304799"/>
           </a:xfrm>
           <a:prstGeom prst="rect">
             <a:avLst/>
           </a:prstGeom>
         </p:spPr>
         <p:txBody>
-          <a:bodyPr vert="horz" lIns="91440" tIns="45720" rIns="91440" bIns="45720" rtlCol="0" anchor="ctr"/>
+          <a:bodyPr vert="horz" lIns="91440" tIns="45720" rIns="91440" bIns="45720" rtlCol="0" anchor="t"/>
           <a:lstStyle>
             <a:lvl1pPr algn="l">
-              <a:defRPr sz="1200">
+              <a:defRPr sz="1100" b="0" i="0">
+                <a:solidFill>
+                  <a:schemeClr val="tx1">
+                    <a:tint val="75000"/>
+                    <a:alpha val="60000"/>
+                  </a:schemeClr>
+                </a:solidFill>
+              </a:defRPr>
+            </a:lvl1pPr>
+          </a:lstStyle>
+          <a:p>
+            <a:fld id="{8A946B64-D034-4954-AA20-D2A99A6A760F}" type="datetimeFigureOut">
+              <a:rPr lang="hu-HU" smtClean="0"/>
+              <a:t>2022.09.20.</a:t>
+            </a:fld>
+            <a:endParaRPr lang="hu-HU"/>
+          </a:p>
+        </p:txBody>
+      </p:sp>
+      <p:sp>
+        <p:nvSpPr>
+          <p:cNvPr id="5" name="Footer Placeholder 4"/>
+          <p:cNvSpPr>
+            <a:spLocks noGrp="1"/>
+          </p:cNvSpPr>
+          <p:nvPr>
+            <p:ph type="ftr" sz="quarter" idx="3"/>
+          </p:nvPr>
+        </p:nvSpPr>
+        <p:spPr>
+          <a:xfrm rot="5400000">
+            <a:off x="8951573" y="3225297"/>
+            <a:ext cx="3859795" cy="304801"/>
+          </a:xfrm>
+          <a:prstGeom prst="rect">
+            <a:avLst/>
+          </a:prstGeom>
+        </p:spPr>
+        <p:txBody>
+          <a:bodyPr vert="horz" lIns="91440" tIns="45720" rIns="91440" bIns="45720" rtlCol="0" anchor="b"/>
+          <a:lstStyle>
+            <a:lvl1pPr algn="l">
+              <a:defRPr sz="1100" b="0" i="0">
+                <a:solidFill>
+                  <a:schemeClr val="tx1">
+                    <a:tint val="75000"/>
+                    <a:alpha val="60000"/>
+                  </a:schemeClr>
+                </a:solidFill>
+              </a:defRPr>
+            </a:lvl1pPr>
+          </a:lstStyle>
+          <a:p>
+            <a:endParaRPr lang="hu-HU"/>
+          </a:p>
+        </p:txBody>
+      </p:sp>
+      <p:sp>
+        <p:nvSpPr>
+          <p:cNvPr id="6" name="Slide Number Placeholder 5"/>
+          <p:cNvSpPr>
+            <a:spLocks noGrp="1"/>
+          </p:cNvSpPr>
+          <p:nvPr>
+            <p:ph type="sldNum" sz="quarter" idx="4"/>
+          </p:nvPr>
+        </p:nvSpPr>
+        <p:spPr bwMode="gray">
+          <a:xfrm>
+            <a:off x="10352540" y="295729"/>
+            <a:ext cx="838199" cy="767687"/>
+          </a:xfrm>
+          <a:prstGeom prst="rect">
+            <a:avLst/>
+          </a:prstGeom>
+        </p:spPr>
+        <p:txBody>
+          <a:bodyPr vert="horz" lIns="91440" tIns="45720" rIns="91440" bIns="45720" rtlCol="0" anchor="b"/>
+          <a:lstStyle>
+            <a:lvl1pPr algn="ctr">
+              <a:defRPr sz="2800" b="0" i="0">
                 <a:solidFill>
                   <a:schemeClr val="tx1">
                     <a:tint val="75000"/>
@@ -3008,84 +6086,6 @@
             </a:lvl1pPr>
           </a:lstStyle>
           <a:p>
-            <a:fld id="{8A946B64-D034-4954-AA20-D2A99A6A760F}" type="datetimeFigureOut">
-              <a:rPr lang="hu-HU" smtClean="0"/>
-              <a:t>2022.09.15.</a:t>
-            </a:fld>
-            <a:endParaRPr lang="hu-HU"/>
-          </a:p>
-        </p:txBody>
-      </p:sp>
-      <p:sp>
-        <p:nvSpPr>
-          <p:cNvPr id="5" name="Élőláb helye 4"/>
-          <p:cNvSpPr>
-            <a:spLocks noGrp="1"/>
-          </p:cNvSpPr>
-          <p:nvPr>
-            <p:ph type="ftr" sz="quarter" idx="3"/>
-          </p:nvPr>
-        </p:nvSpPr>
-        <p:spPr>
-          <a:xfrm>
-            <a:off x="4038600" y="6356350"/>
-            <a:ext cx="4114800" cy="365125"/>
-          </a:xfrm>
-          <a:prstGeom prst="rect">
-            <a:avLst/>
-          </a:prstGeom>
-        </p:spPr>
-        <p:txBody>
-          <a:bodyPr vert="horz" lIns="91440" tIns="45720" rIns="91440" bIns="45720" rtlCol="0" anchor="ctr"/>
-          <a:lstStyle>
-            <a:lvl1pPr algn="ctr">
-              <a:defRPr sz="1200">
-                <a:solidFill>
-                  <a:schemeClr val="tx1">
-                    <a:tint val="75000"/>
-                  </a:schemeClr>
-                </a:solidFill>
-              </a:defRPr>
-            </a:lvl1pPr>
-          </a:lstStyle>
-          <a:p>
-            <a:endParaRPr lang="hu-HU"/>
-          </a:p>
-        </p:txBody>
-      </p:sp>
-      <p:sp>
-        <p:nvSpPr>
-          <p:cNvPr id="6" name="Dia számának helye 5"/>
-          <p:cNvSpPr>
-            <a:spLocks noGrp="1"/>
-          </p:cNvSpPr>
-          <p:nvPr>
-            <p:ph type="sldNum" sz="quarter" idx="4"/>
-          </p:nvPr>
-        </p:nvSpPr>
-        <p:spPr>
-          <a:xfrm>
-            <a:off x="8610600" y="6356350"/>
-            <a:ext cx="2743200" cy="365125"/>
-          </a:xfrm>
-          <a:prstGeom prst="rect">
-            <a:avLst/>
-          </a:prstGeom>
-        </p:spPr>
-        <p:txBody>
-          <a:bodyPr vert="horz" lIns="91440" tIns="45720" rIns="91440" bIns="45720" rtlCol="0" anchor="ctr"/>
-          <a:lstStyle>
-            <a:lvl1pPr algn="r">
-              <a:defRPr sz="1200">
-                <a:solidFill>
-                  <a:schemeClr val="tx1">
-                    <a:tint val="75000"/>
-                  </a:schemeClr>
-                </a:solidFill>
-              </a:defRPr>
-            </a:lvl1pPr>
-          </a:lstStyle>
-          <a:p>
             <a:fld id="{B49BCFE7-6D2F-453C-ABA6-692E767B1381}" type="slidenum">
               <a:rPr lang="hu-HU" smtClean="0"/>
               <a:t>‹#›</a:t>
@@ -3097,35 +6097,121 @@
     </p:spTree>
     <p:extLst>
       <p:ext uri="{BB962C8B-B14F-4D97-AF65-F5344CB8AC3E}">
-        <p14:creationId xmlns:p14="http://schemas.microsoft.com/office/powerpoint/2010/main" val="100973292"/>
+        <p14:creationId xmlns:p14="http://schemas.microsoft.com/office/powerpoint/2010/main" val="2735020335"/>
       </p:ext>
     </p:extLst>
   </p:cSld>
-  <p:clrMap bg1="lt1" tx1="dk1" bg2="lt2" tx2="dk2" accent1="accent1" accent2="accent2" accent3="accent3" accent4="accent4" accent5="accent5" accent6="accent6" hlink="hlink" folHlink="folHlink"/>
+  <p:clrMap bg1="dk1" tx1="lt1" bg2="dk2" tx2="lt2" accent1="accent1" accent2="accent2" accent3="accent3" accent4="accent4" accent5="accent5" accent6="accent6" hlink="hlink" folHlink="folHlink"/>
   <p:sldLayoutIdLst>
-    <p:sldLayoutId id="2147483649" r:id="rId1"/>
-    <p:sldLayoutId id="2147483650" r:id="rId2"/>
-    <p:sldLayoutId id="2147483651" r:id="rId3"/>
-    <p:sldLayoutId id="2147483652" r:id="rId4"/>
-    <p:sldLayoutId id="2147483653" r:id="rId5"/>
-    <p:sldLayoutId id="2147483654" r:id="rId6"/>
-    <p:sldLayoutId id="2147483655" r:id="rId7"/>
-    <p:sldLayoutId id="2147483656" r:id="rId8"/>
-    <p:sldLayoutId id="2147483657" r:id="rId9"/>
-    <p:sldLayoutId id="2147483658" r:id="rId10"/>
-    <p:sldLayoutId id="2147483659" r:id="rId11"/>
+    <p:sldLayoutId id="2147483697" r:id="rId1"/>
+    <p:sldLayoutId id="2147483698" r:id="rId2"/>
+    <p:sldLayoutId id="2147483699" r:id="rId3"/>
+    <p:sldLayoutId id="2147483700" r:id="rId4"/>
+    <p:sldLayoutId id="2147483701" r:id="rId5"/>
+    <p:sldLayoutId id="2147483702" r:id="rId6"/>
+    <p:sldLayoutId id="2147483703" r:id="rId7"/>
+    <p:sldLayoutId id="2147483704" r:id="rId8"/>
+    <p:sldLayoutId id="2147483705" r:id="rId9"/>
+    <p:sldLayoutId id="2147483706" r:id="rId10"/>
+    <p:sldLayoutId id="2147483707" r:id="rId11"/>
+    <p:sldLayoutId id="2147483708" r:id="rId12"/>
+    <p:sldLayoutId id="2147483709" r:id="rId13"/>
+    <p:sldLayoutId id="2147483710" r:id="rId14"/>
+    <p:sldLayoutId id="2147483711" r:id="rId15"/>
+    <p:sldLayoutId id="2147483712" r:id="rId16"/>
+    <p:sldLayoutId id="2147483713" r:id="rId17"/>
   </p:sldLayoutIdLst>
   <p:txStyles>
     <p:titleStyle>
-      <a:lvl1pPr algn="l" defTabSz="914400" rtl="0" eaLnBrk="1" latinLnBrk="0" hangingPunct="1">
-        <a:lnSpc>
-          <a:spcPct val="90000"/>
-        </a:lnSpc>
+      <a:lvl1pPr algn="l" defTabSz="457200" rtl="0" eaLnBrk="1" latinLnBrk="0" hangingPunct="1">
         <a:spcBef>
           <a:spcPct val="0"/>
         </a:spcBef>
         <a:buNone/>
-        <a:defRPr sz="4400" kern="1200">
+        <a:defRPr sz="4200" b="0" i="0" kern="1200">
+          <a:solidFill>
+            <a:schemeClr val="tx2"/>
+          </a:solidFill>
+          <a:latin typeface="+mj-lt"/>
+          <a:ea typeface="+mj-ea"/>
+          <a:cs typeface="+mj-cs"/>
+        </a:defRPr>
+      </a:lvl1pPr>
+      <a:lvl2pPr eaLnBrk="1" hangingPunct="1">
+        <a:defRPr>
+          <a:solidFill>
+            <a:schemeClr val="tx2"/>
+          </a:solidFill>
+        </a:defRPr>
+      </a:lvl2pPr>
+      <a:lvl3pPr eaLnBrk="1" hangingPunct="1">
+        <a:defRPr>
+          <a:solidFill>
+            <a:schemeClr val="tx2"/>
+          </a:solidFill>
+        </a:defRPr>
+      </a:lvl3pPr>
+      <a:lvl4pPr eaLnBrk="1" hangingPunct="1">
+        <a:defRPr>
+          <a:solidFill>
+            <a:schemeClr val="tx2"/>
+          </a:solidFill>
+        </a:defRPr>
+      </a:lvl4pPr>
+      <a:lvl5pPr eaLnBrk="1" hangingPunct="1">
+        <a:defRPr>
+          <a:solidFill>
+            <a:schemeClr val="tx2"/>
+          </a:solidFill>
+        </a:defRPr>
+      </a:lvl5pPr>
+      <a:lvl6pPr eaLnBrk="1" hangingPunct="1">
+        <a:defRPr>
+          <a:solidFill>
+            <a:schemeClr val="tx2"/>
+          </a:solidFill>
+        </a:defRPr>
+      </a:lvl6pPr>
+      <a:lvl7pPr eaLnBrk="1" hangingPunct="1">
+        <a:defRPr>
+          <a:solidFill>
+            <a:schemeClr val="tx2"/>
+          </a:solidFill>
+        </a:defRPr>
+      </a:lvl7pPr>
+      <a:lvl8pPr eaLnBrk="1" hangingPunct="1">
+        <a:defRPr>
+          <a:solidFill>
+            <a:schemeClr val="tx2"/>
+          </a:solidFill>
+        </a:defRPr>
+      </a:lvl8pPr>
+      <a:lvl9pPr eaLnBrk="1" hangingPunct="1">
+        <a:defRPr>
+          <a:solidFill>
+            <a:schemeClr val="tx2"/>
+          </a:solidFill>
+        </a:defRPr>
+      </a:lvl9pPr>
+    </p:titleStyle>
+    <p:bodyStyle>
+      <a:lvl1pPr marL="342900" indent="-342900" algn="l" defTabSz="457200" rtl="0" eaLnBrk="1" latinLnBrk="0" hangingPunct="1">
+        <a:spcBef>
+          <a:spcPts val="1000"/>
+        </a:spcBef>
+        <a:spcAft>
+          <a:spcPts val="0"/>
+        </a:spcAft>
+        <a:buClr>
+          <a:schemeClr val="bg2">
+            <a:lumMod val="40000"/>
+            <a:lumOff val="60000"/>
+          </a:schemeClr>
+        </a:buClr>
+        <a:buSzPct val="80000"/>
+        <a:buFont typeface="Wingdings 3" charset="2"/>
+        <a:buChar char=""/>
+        <a:defRPr sz="2000" b="0" i="0" kern="1200">
           <a:solidFill>
             <a:schemeClr val="tx1"/>
           </a:solidFill>
@@ -3134,18 +6220,213 @@
           <a:cs typeface="+mj-cs"/>
         </a:defRPr>
       </a:lvl1pPr>
-    </p:titleStyle>
-    <p:bodyStyle>
-      <a:lvl1pPr marL="228600" indent="-228600" algn="l" defTabSz="914400" rtl="0" eaLnBrk="1" latinLnBrk="0" hangingPunct="1">
-        <a:lnSpc>
-          <a:spcPct val="90000"/>
-        </a:lnSpc>
+      <a:lvl2pPr marL="742950" indent="-285750" algn="l" defTabSz="457200" rtl="0" eaLnBrk="1" latinLnBrk="0" hangingPunct="1">
         <a:spcBef>
           <a:spcPts val="1000"/>
         </a:spcBef>
-        <a:buFont typeface="Arial" panose="020B0604020202020204" pitchFamily="34" charset="0"/>
-        <a:buChar char="•"/>
-        <a:defRPr sz="2800" kern="1200">
+        <a:spcAft>
+          <a:spcPts val="0"/>
+        </a:spcAft>
+        <a:buClr>
+          <a:schemeClr val="bg2">
+            <a:lumMod val="40000"/>
+            <a:lumOff val="60000"/>
+          </a:schemeClr>
+        </a:buClr>
+        <a:buSzPct val="80000"/>
+        <a:buFont typeface="Wingdings 3" charset="2"/>
+        <a:buChar char=""/>
+        <a:defRPr sz="1800" b="0" i="0" kern="1200">
+          <a:solidFill>
+            <a:schemeClr val="tx1"/>
+          </a:solidFill>
+          <a:latin typeface="+mj-lt"/>
+          <a:ea typeface="+mj-ea"/>
+          <a:cs typeface="+mj-cs"/>
+        </a:defRPr>
+      </a:lvl2pPr>
+      <a:lvl3pPr marL="1143000" indent="-228600" algn="l" defTabSz="457200" rtl="0" eaLnBrk="1" latinLnBrk="0" hangingPunct="1">
+        <a:spcBef>
+          <a:spcPts val="1000"/>
+        </a:spcBef>
+        <a:spcAft>
+          <a:spcPts val="0"/>
+        </a:spcAft>
+        <a:buClr>
+          <a:schemeClr val="bg2">
+            <a:lumMod val="40000"/>
+            <a:lumOff val="60000"/>
+          </a:schemeClr>
+        </a:buClr>
+        <a:buSzPct val="80000"/>
+        <a:buFont typeface="Wingdings 3" charset="2"/>
+        <a:buChar char=""/>
+        <a:defRPr sz="1600" b="0" i="0" kern="1200">
+          <a:solidFill>
+            <a:schemeClr val="tx1"/>
+          </a:solidFill>
+          <a:latin typeface="+mj-lt"/>
+          <a:ea typeface="+mj-ea"/>
+          <a:cs typeface="+mj-cs"/>
+        </a:defRPr>
+      </a:lvl3pPr>
+      <a:lvl4pPr marL="1600200" indent="-228600" algn="l" defTabSz="457200" rtl="0" eaLnBrk="1" latinLnBrk="0" hangingPunct="1">
+        <a:spcBef>
+          <a:spcPts val="1000"/>
+        </a:spcBef>
+        <a:spcAft>
+          <a:spcPts val="0"/>
+        </a:spcAft>
+        <a:buClr>
+          <a:schemeClr val="bg2">
+            <a:lumMod val="40000"/>
+            <a:lumOff val="60000"/>
+          </a:schemeClr>
+        </a:buClr>
+        <a:buSzPct val="80000"/>
+        <a:buFont typeface="Wingdings 3" charset="2"/>
+        <a:buChar char=""/>
+        <a:defRPr sz="1400" b="0" i="0" kern="1200">
+          <a:solidFill>
+            <a:schemeClr val="tx1"/>
+          </a:solidFill>
+          <a:latin typeface="+mj-lt"/>
+          <a:ea typeface="+mj-ea"/>
+          <a:cs typeface="+mj-cs"/>
+        </a:defRPr>
+      </a:lvl4pPr>
+      <a:lvl5pPr marL="2057400" indent="-228600" algn="l" defTabSz="457200" rtl="0" eaLnBrk="1" latinLnBrk="0" hangingPunct="1">
+        <a:spcBef>
+          <a:spcPts val="1000"/>
+        </a:spcBef>
+        <a:spcAft>
+          <a:spcPts val="0"/>
+        </a:spcAft>
+        <a:buClr>
+          <a:schemeClr val="bg2">
+            <a:lumMod val="40000"/>
+            <a:lumOff val="60000"/>
+          </a:schemeClr>
+        </a:buClr>
+        <a:buSzPct val="80000"/>
+        <a:buFont typeface="Wingdings 3" charset="2"/>
+        <a:buChar char=""/>
+        <a:defRPr sz="1400" b="0" i="0" kern="1200">
+          <a:solidFill>
+            <a:schemeClr val="tx1"/>
+          </a:solidFill>
+          <a:latin typeface="+mj-lt"/>
+          <a:ea typeface="+mj-ea"/>
+          <a:cs typeface="+mj-cs"/>
+        </a:defRPr>
+      </a:lvl5pPr>
+      <a:lvl6pPr marL="2506000" indent="-228600" algn="l" defTabSz="457200" rtl="0" eaLnBrk="1" latinLnBrk="0" hangingPunct="1">
+        <a:spcBef>
+          <a:spcPts val="1000"/>
+        </a:spcBef>
+        <a:spcAft>
+          <a:spcPts val="0"/>
+        </a:spcAft>
+        <a:buClr>
+          <a:schemeClr val="bg2">
+            <a:lumMod val="40000"/>
+            <a:lumOff val="60000"/>
+          </a:schemeClr>
+        </a:buClr>
+        <a:buSzPct val="80000"/>
+        <a:buFont typeface="Wingdings 3" charset="2"/>
+        <a:buChar char=""/>
+        <a:defRPr sz="1400" b="0" i="0" kern="1200">
+          <a:solidFill>
+            <a:schemeClr val="tx1"/>
+          </a:solidFill>
+          <a:latin typeface="+mj-lt"/>
+          <a:ea typeface="+mj-ea"/>
+          <a:cs typeface="+mj-cs"/>
+        </a:defRPr>
+      </a:lvl6pPr>
+      <a:lvl7pPr marL="2971800" indent="-228600" algn="l" defTabSz="457200" rtl="0" eaLnBrk="1" latinLnBrk="0" hangingPunct="1">
+        <a:spcBef>
+          <a:spcPts val="1000"/>
+        </a:spcBef>
+        <a:spcAft>
+          <a:spcPts val="0"/>
+        </a:spcAft>
+        <a:buClr>
+          <a:schemeClr val="bg2">
+            <a:lumMod val="40000"/>
+            <a:lumOff val="60000"/>
+          </a:schemeClr>
+        </a:buClr>
+        <a:buSzPct val="80000"/>
+        <a:buFont typeface="Wingdings 3" charset="2"/>
+        <a:buChar char=""/>
+        <a:defRPr sz="1400" b="0" i="0" kern="1200">
+          <a:solidFill>
+            <a:schemeClr val="tx1"/>
+          </a:solidFill>
+          <a:latin typeface="+mj-lt"/>
+          <a:ea typeface="+mj-ea"/>
+          <a:cs typeface="+mj-cs"/>
+        </a:defRPr>
+      </a:lvl7pPr>
+      <a:lvl8pPr marL="3429000" indent="-228600" algn="l" defTabSz="457200" rtl="0" eaLnBrk="1" latinLnBrk="0" hangingPunct="1">
+        <a:spcBef>
+          <a:spcPts val="1000"/>
+        </a:spcBef>
+        <a:spcAft>
+          <a:spcPts val="0"/>
+        </a:spcAft>
+        <a:buClr>
+          <a:schemeClr val="bg2">
+            <a:lumMod val="40000"/>
+            <a:lumOff val="60000"/>
+          </a:schemeClr>
+        </a:buClr>
+        <a:buSzPct val="80000"/>
+        <a:buFont typeface="Wingdings 3" charset="2"/>
+        <a:buChar char=""/>
+        <a:defRPr sz="1400" b="0" i="0" kern="1200">
+          <a:solidFill>
+            <a:schemeClr val="tx1"/>
+          </a:solidFill>
+          <a:latin typeface="+mj-lt"/>
+          <a:ea typeface="+mj-ea"/>
+          <a:cs typeface="+mj-cs"/>
+        </a:defRPr>
+      </a:lvl8pPr>
+      <a:lvl9pPr marL="3886200" indent="-228600" algn="l" defTabSz="457200" rtl="0" eaLnBrk="1" latinLnBrk="0" hangingPunct="1">
+        <a:spcBef>
+          <a:spcPts val="1000"/>
+        </a:spcBef>
+        <a:spcAft>
+          <a:spcPts val="0"/>
+        </a:spcAft>
+        <a:buClr>
+          <a:schemeClr val="bg2">
+            <a:lumMod val="40000"/>
+            <a:lumOff val="60000"/>
+          </a:schemeClr>
+        </a:buClr>
+        <a:buSzPct val="80000"/>
+        <a:buFont typeface="Wingdings 3" charset="2"/>
+        <a:buChar char=""/>
+        <a:defRPr sz="1400" b="0" i="0" kern="1200">
+          <a:solidFill>
+            <a:schemeClr val="tx1"/>
+          </a:solidFill>
+          <a:latin typeface="+mj-lt"/>
+          <a:ea typeface="+mj-ea"/>
+          <a:cs typeface="+mj-cs"/>
+        </a:defRPr>
+      </a:lvl9pPr>
+    </p:bodyStyle>
+    <p:otherStyle>
+      <a:defPPr>
+        <a:defRPr lang="en-US"/>
+      </a:defPPr>
+      <a:lvl1pPr marL="0" algn="l" defTabSz="457200" rtl="0" eaLnBrk="1" latinLnBrk="0" hangingPunct="1">
+        <a:defRPr sz="1800" kern="1200">
           <a:solidFill>
             <a:schemeClr val="tx1"/>
           </a:solidFill>
@@ -3154,16 +6435,8 @@
           <a:cs typeface="+mn-cs"/>
         </a:defRPr>
       </a:lvl1pPr>
-      <a:lvl2pPr marL="685800" indent="-228600" algn="l" defTabSz="914400" rtl="0" eaLnBrk="1" latinLnBrk="0" hangingPunct="1">
-        <a:lnSpc>
-          <a:spcPct val="90000"/>
-        </a:lnSpc>
-        <a:spcBef>
-          <a:spcPts val="500"/>
-        </a:spcBef>
-        <a:buFont typeface="Arial" panose="020B0604020202020204" pitchFamily="34" charset="0"/>
-        <a:buChar char="•"/>
-        <a:defRPr sz="2400" kern="1200">
+      <a:lvl2pPr marL="457200" algn="l" defTabSz="457200" rtl="0" eaLnBrk="1" latinLnBrk="0" hangingPunct="1">
+        <a:defRPr sz="1800" kern="1200">
           <a:solidFill>
             <a:schemeClr val="tx1"/>
           </a:solidFill>
@@ -3172,16 +6445,8 @@
           <a:cs typeface="+mn-cs"/>
         </a:defRPr>
       </a:lvl2pPr>
-      <a:lvl3pPr marL="1143000" indent="-228600" algn="l" defTabSz="914400" rtl="0" eaLnBrk="1" latinLnBrk="0" hangingPunct="1">
-        <a:lnSpc>
-          <a:spcPct val="90000"/>
-        </a:lnSpc>
-        <a:spcBef>
-          <a:spcPts val="500"/>
-        </a:spcBef>
-        <a:buFont typeface="Arial" panose="020B0604020202020204" pitchFamily="34" charset="0"/>
-        <a:buChar char="•"/>
-        <a:defRPr sz="2000" kern="1200">
+      <a:lvl3pPr marL="914400" algn="l" defTabSz="457200" rtl="0" eaLnBrk="1" latinLnBrk="0" hangingPunct="1">
+        <a:defRPr sz="1800" kern="1200">
           <a:solidFill>
             <a:schemeClr val="tx1"/>
           </a:solidFill>
@@ -3190,15 +6455,7 @@
           <a:cs typeface="+mn-cs"/>
         </a:defRPr>
       </a:lvl3pPr>
-      <a:lvl4pPr marL="1600200" indent="-228600" algn="l" defTabSz="914400" rtl="0" eaLnBrk="1" latinLnBrk="0" hangingPunct="1">
-        <a:lnSpc>
-          <a:spcPct val="90000"/>
-        </a:lnSpc>
-        <a:spcBef>
-          <a:spcPts val="500"/>
-        </a:spcBef>
-        <a:buFont typeface="Arial" panose="020B0604020202020204" pitchFamily="34" charset="0"/>
-        <a:buChar char="•"/>
+      <a:lvl4pPr marL="1371600" algn="l" defTabSz="457200" rtl="0" eaLnBrk="1" latinLnBrk="0" hangingPunct="1">
         <a:defRPr sz="1800" kern="1200">
           <a:solidFill>
             <a:schemeClr val="tx1"/>
@@ -3208,15 +6465,7 @@
           <a:cs typeface="+mn-cs"/>
         </a:defRPr>
       </a:lvl4pPr>
-      <a:lvl5pPr marL="2057400" indent="-228600" algn="l" defTabSz="914400" rtl="0" eaLnBrk="1" latinLnBrk="0" hangingPunct="1">
-        <a:lnSpc>
-          <a:spcPct val="90000"/>
-        </a:lnSpc>
-        <a:spcBef>
-          <a:spcPts val="500"/>
-        </a:spcBef>
-        <a:buFont typeface="Arial" panose="020B0604020202020204" pitchFamily="34" charset="0"/>
-        <a:buChar char="•"/>
+      <a:lvl5pPr marL="1828800" algn="l" defTabSz="457200" rtl="0" eaLnBrk="1" latinLnBrk="0" hangingPunct="1">
         <a:defRPr sz="1800" kern="1200">
           <a:solidFill>
             <a:schemeClr val="tx1"/>
@@ -3226,15 +6475,7 @@
           <a:cs typeface="+mn-cs"/>
         </a:defRPr>
       </a:lvl5pPr>
-      <a:lvl6pPr marL="2514600" indent="-228600" algn="l" defTabSz="914400" rtl="0" eaLnBrk="1" latinLnBrk="0" hangingPunct="1">
-        <a:lnSpc>
-          <a:spcPct val="90000"/>
-        </a:lnSpc>
-        <a:spcBef>
-          <a:spcPts val="500"/>
-        </a:spcBef>
-        <a:buFont typeface="Arial" panose="020B0604020202020204" pitchFamily="34" charset="0"/>
-        <a:buChar char="•"/>
+      <a:lvl6pPr marL="2286000" algn="l" defTabSz="457200" rtl="0" eaLnBrk="1" latinLnBrk="0" hangingPunct="1">
         <a:defRPr sz="1800" kern="1200">
           <a:solidFill>
             <a:schemeClr val="tx1"/>
@@ -3244,15 +6485,7 @@
           <a:cs typeface="+mn-cs"/>
         </a:defRPr>
       </a:lvl6pPr>
-      <a:lvl7pPr marL="2971800" indent="-228600" algn="l" defTabSz="914400" rtl="0" eaLnBrk="1" latinLnBrk="0" hangingPunct="1">
-        <a:lnSpc>
-          <a:spcPct val="90000"/>
-        </a:lnSpc>
-        <a:spcBef>
-          <a:spcPts val="500"/>
-        </a:spcBef>
-        <a:buFont typeface="Arial" panose="020B0604020202020204" pitchFamily="34" charset="0"/>
-        <a:buChar char="•"/>
+      <a:lvl7pPr marL="2743200" algn="l" defTabSz="457200" rtl="0" eaLnBrk="1" latinLnBrk="0" hangingPunct="1">
         <a:defRPr sz="1800" kern="1200">
           <a:solidFill>
             <a:schemeClr val="tx1"/>
@@ -3262,15 +6495,7 @@
           <a:cs typeface="+mn-cs"/>
         </a:defRPr>
       </a:lvl7pPr>
-      <a:lvl8pPr marL="3429000" indent="-228600" algn="l" defTabSz="914400" rtl="0" eaLnBrk="1" latinLnBrk="0" hangingPunct="1">
-        <a:lnSpc>
-          <a:spcPct val="90000"/>
-        </a:lnSpc>
-        <a:spcBef>
-          <a:spcPts val="500"/>
-        </a:spcBef>
-        <a:buFont typeface="Arial" panose="020B0604020202020204" pitchFamily="34" charset="0"/>
-        <a:buChar char="•"/>
+      <a:lvl8pPr marL="3200400" algn="l" defTabSz="457200" rtl="0" eaLnBrk="1" latinLnBrk="0" hangingPunct="1">
         <a:defRPr sz="1800" kern="1200">
           <a:solidFill>
             <a:schemeClr val="tx1"/>
@@ -3280,110 +6505,7 @@
           <a:cs typeface="+mn-cs"/>
         </a:defRPr>
       </a:lvl8pPr>
-      <a:lvl9pPr marL="3886200" indent="-228600" algn="l" defTabSz="914400" rtl="0" eaLnBrk="1" latinLnBrk="0" hangingPunct="1">
-        <a:lnSpc>
-          <a:spcPct val="90000"/>
-        </a:lnSpc>
-        <a:spcBef>
-          <a:spcPts val="500"/>
-        </a:spcBef>
-        <a:buFont typeface="Arial" panose="020B0604020202020204" pitchFamily="34" charset="0"/>
-        <a:buChar char="•"/>
-        <a:defRPr sz="1800" kern="1200">
-          <a:solidFill>
-            <a:schemeClr val="tx1"/>
-          </a:solidFill>
-          <a:latin typeface="+mn-lt"/>
-          <a:ea typeface="+mn-ea"/>
-          <a:cs typeface="+mn-cs"/>
-        </a:defRPr>
-      </a:lvl9pPr>
-    </p:bodyStyle>
-    <p:otherStyle>
-      <a:defPPr>
-        <a:defRPr lang="hu-HU"/>
-      </a:defPPr>
-      <a:lvl1pPr marL="0" algn="l" defTabSz="914400" rtl="0" eaLnBrk="1" latinLnBrk="0" hangingPunct="1">
-        <a:defRPr sz="1800" kern="1200">
-          <a:solidFill>
-            <a:schemeClr val="tx1"/>
-          </a:solidFill>
-          <a:latin typeface="+mn-lt"/>
-          <a:ea typeface="+mn-ea"/>
-          <a:cs typeface="+mn-cs"/>
-        </a:defRPr>
-      </a:lvl1pPr>
-      <a:lvl2pPr marL="457200" algn="l" defTabSz="914400" rtl="0" eaLnBrk="1" latinLnBrk="0" hangingPunct="1">
-        <a:defRPr sz="1800" kern="1200">
-          <a:solidFill>
-            <a:schemeClr val="tx1"/>
-          </a:solidFill>
-          <a:latin typeface="+mn-lt"/>
-          <a:ea typeface="+mn-ea"/>
-          <a:cs typeface="+mn-cs"/>
-        </a:defRPr>
-      </a:lvl2pPr>
-      <a:lvl3pPr marL="914400" algn="l" defTabSz="914400" rtl="0" eaLnBrk="1" latinLnBrk="0" hangingPunct="1">
-        <a:defRPr sz="1800" kern="1200">
-          <a:solidFill>
-            <a:schemeClr val="tx1"/>
-          </a:solidFill>
-          <a:latin typeface="+mn-lt"/>
-          <a:ea typeface="+mn-ea"/>
-          <a:cs typeface="+mn-cs"/>
-        </a:defRPr>
-      </a:lvl3pPr>
-      <a:lvl4pPr marL="1371600" algn="l" defTabSz="914400" rtl="0" eaLnBrk="1" latinLnBrk="0" hangingPunct="1">
-        <a:defRPr sz="1800" kern="1200">
-          <a:solidFill>
-            <a:schemeClr val="tx1"/>
-          </a:solidFill>
-          <a:latin typeface="+mn-lt"/>
-          <a:ea typeface="+mn-ea"/>
-          <a:cs typeface="+mn-cs"/>
-        </a:defRPr>
-      </a:lvl4pPr>
-      <a:lvl5pPr marL="1828800" algn="l" defTabSz="914400" rtl="0" eaLnBrk="1" latinLnBrk="0" hangingPunct="1">
-        <a:defRPr sz="1800" kern="1200">
-          <a:solidFill>
-            <a:schemeClr val="tx1"/>
-          </a:solidFill>
-          <a:latin typeface="+mn-lt"/>
-          <a:ea typeface="+mn-ea"/>
-          <a:cs typeface="+mn-cs"/>
-        </a:defRPr>
-      </a:lvl5pPr>
-      <a:lvl6pPr marL="2286000" algn="l" defTabSz="914400" rtl="0" eaLnBrk="1" latinLnBrk="0" hangingPunct="1">
-        <a:defRPr sz="1800" kern="1200">
-          <a:solidFill>
-            <a:schemeClr val="tx1"/>
-          </a:solidFill>
-          <a:latin typeface="+mn-lt"/>
-          <a:ea typeface="+mn-ea"/>
-          <a:cs typeface="+mn-cs"/>
-        </a:defRPr>
-      </a:lvl6pPr>
-      <a:lvl7pPr marL="2743200" algn="l" defTabSz="914400" rtl="0" eaLnBrk="1" latinLnBrk="0" hangingPunct="1">
-        <a:defRPr sz="1800" kern="1200">
-          <a:solidFill>
-            <a:schemeClr val="tx1"/>
-          </a:solidFill>
-          <a:latin typeface="+mn-lt"/>
-          <a:ea typeface="+mn-ea"/>
-          <a:cs typeface="+mn-cs"/>
-        </a:defRPr>
-      </a:lvl7pPr>
-      <a:lvl8pPr marL="3200400" algn="l" defTabSz="914400" rtl="0" eaLnBrk="1" latinLnBrk="0" hangingPunct="1">
-        <a:defRPr sz="1800" kern="1200">
-          <a:solidFill>
-            <a:schemeClr val="tx1"/>
-          </a:solidFill>
-          <a:latin typeface="+mn-lt"/>
-          <a:ea typeface="+mn-ea"/>
-          <a:cs typeface="+mn-cs"/>
-        </a:defRPr>
-      </a:lvl8pPr>
-      <a:lvl9pPr marL="3657600" algn="l" defTabSz="914400" rtl="0" eaLnBrk="1" latinLnBrk="0" hangingPunct="1">
+      <a:lvl9pPr marL="3657600" algn="l" defTabSz="457200" rtl="0" eaLnBrk="1" latinLnBrk="0" hangingPunct="1">
         <a:defRPr sz="1800" kern="1200">
           <a:solidFill>
             <a:schemeClr val="tx1"/>
@@ -3427,8 +6549,8 @@
         </p:nvSpPr>
         <p:spPr>
           <a:xfrm>
-            <a:off x="1060367" y="2263696"/>
-            <a:ext cx="10167410" cy="2167627"/>
+            <a:off x="1309748" y="2465577"/>
+            <a:ext cx="9924308" cy="2376476"/>
           </a:xfrm>
         </p:spPr>
         <p:txBody>
@@ -3443,14 +6565,14 @@
               </a:lnSpc>
             </a:pPr>
             <a:r>
-              <a:rPr lang="hu-HU" sz="9600" dirty="0" err="1" smtClean="0"/>
+              <a:rPr lang="hu-HU" sz="8000" b="1" dirty="0" err="1" smtClean="0"/>
               <a:t>Scrum</a:t>
             </a:r>
             <a:r>
-              <a:rPr lang="hu-HU" sz="9600" dirty="0" smtClean="0"/>
+              <a:rPr lang="hu-HU" sz="8000" b="1" dirty="0" smtClean="0"/>
               <a:t> bemutatása</a:t>
             </a:r>
-            <a:endParaRPr lang="hu-HU" sz="9600" dirty="0"/>
+            <a:endParaRPr lang="hu-HU" sz="8000" b="1" dirty="0"/>
           </a:p>
         </p:txBody>
       </p:sp>
@@ -3466,8 +6588,8 @@
         </p:nvSpPr>
         <p:spPr>
           <a:xfrm>
-            <a:off x="7997284" y="736556"/>
-            <a:ext cx="4194716" cy="1159234"/>
+            <a:off x="0" y="0"/>
+            <a:ext cx="1609853" cy="427511"/>
           </a:xfrm>
         </p:spPr>
         <p:txBody>
@@ -3477,10 +6599,14 @@
           <a:lstStyle/>
           <a:p>
             <a:r>
-              <a:rPr lang="hu-HU" sz="4400" dirty="0" smtClean="0"/>
-              <a:t>Szevasztok Barik!</a:t>
-            </a:r>
-            <a:endParaRPr lang="hu-HU" sz="4400" dirty="0"/>
+              <a:rPr lang="hu-HU" sz="1100" dirty="0" smtClean="0"/>
+              <a:t>Szevasztok </a:t>
+            </a:r>
+            <a:r>
+              <a:rPr lang="hu-HU" sz="1100" dirty="0" smtClean="0"/>
+              <a:t>Barik és tanár úr!</a:t>
+            </a:r>
+            <a:endParaRPr lang="hu-HU" sz="1100" dirty="0"/>
           </a:p>
         </p:txBody>
       </p:sp>
@@ -3524,6 +6650,13 @@
   <p:clrMapOvr>
     <a:masterClrMapping/>
   </p:clrMapOvr>
+  <p:timing>
+    <p:tnLst>
+      <p:par>
+        <p:cTn id="1" dur="indefinite" restart="never" nodeType="tmRoot"/>
+      </p:par>
+    </p:tnLst>
+  </p:timing>
 </p:sld>
 </file>
 
@@ -3567,33 +6700,38 @@
           <a:lstStyle/>
           <a:p>
             <a:r>
-              <a:rPr lang="hu-HU" dirty="0" smtClean="0"/>
-              <a:t>Kösz mán, hogy végig nézted bástya! Legye’ szé</a:t>
-            </a:r>
-            <a:r>
-              <a:rPr lang="hu-HU" dirty="0"/>
+              <a:rPr lang="hu-HU" sz="5400" b="1" dirty="0" smtClean="0"/>
+              <a:t>Kösz mán, hogy végig nézted bástya! </a:t>
+            </a:r>
+            <a:r>
+              <a:rPr lang="hu-HU" sz="5400" b="1" dirty="0" smtClean="0"/>
+              <a:t>Legyen </a:t>
+            </a:r>
+            <a:r>
+              <a:rPr lang="hu-HU" sz="5400" b="1" dirty="0" smtClean="0"/>
+              <a:t>szé</a:t>
+            </a:r>
+            <a:r>
+              <a:rPr lang="hu-HU" sz="5400" b="1" dirty="0"/>
               <a:t>p</a:t>
             </a:r>
             <a:r>
-              <a:rPr lang="hu-HU" dirty="0" smtClean="0"/>
+              <a:rPr lang="hu-HU" sz="5400" b="1" dirty="0" smtClean="0"/>
               <a:t> </a:t>
             </a:r>
             <a:r>
-              <a:rPr lang="hu-HU" dirty="0" err="1" smtClean="0"/>
-              <a:t>napeszod</a:t>
-            </a:r>
-            <a:r>
-              <a:rPr lang="hu-HU" dirty="0" smtClean="0"/>
-              <a:t> </a:t>
-            </a:r>
-            <a:r>
-              <a:rPr lang="hu-HU" dirty="0" err="1" smtClean="0"/>
-              <a:t>bareszom</a:t>
-            </a:r>
-            <a:r>
-              <a:rPr lang="hu-HU" dirty="0"/>
+              <a:rPr lang="hu-HU" sz="5400" b="1" dirty="0" smtClean="0"/>
+              <a:t>napod </a:t>
+            </a:r>
+            <a:r>
+              <a:rPr lang="hu-HU" sz="5400" b="1" dirty="0" err="1" smtClean="0"/>
+              <a:t>tesim</a:t>
+            </a:r>
+            <a:r>
+              <a:rPr lang="hu-HU" sz="5400" b="1" dirty="0" smtClean="0"/>
               <a:t>!</a:t>
             </a:r>
+            <a:endParaRPr lang="hu-HU" sz="5400" b="1" dirty="0"/>
           </a:p>
         </p:txBody>
       </p:sp>
@@ -3609,8 +6747,8 @@
         </p:nvSpPr>
         <p:spPr>
           <a:xfrm>
-            <a:off x="-835269" y="0"/>
-            <a:ext cx="2971800" cy="650631"/>
+            <a:off x="0" y="-45217"/>
+            <a:ext cx="1223158" cy="413352"/>
           </a:xfrm>
         </p:spPr>
         <p:txBody>
@@ -3661,8 +6799,8 @@
         </p:blipFill>
         <p:spPr>
           <a:xfrm>
-            <a:off x="1301262" y="18511"/>
-            <a:ext cx="180460" cy="174920"/>
+            <a:off x="1116279" y="0"/>
+            <a:ext cx="415637" cy="402877"/>
           </a:xfrm>
           <a:prstGeom prst="rect">
             <a:avLst/>
@@ -3691,14 +6829,44 @@
         </p:blipFill>
         <p:spPr>
           <a:xfrm>
-            <a:off x="6822831" y="1497779"/>
-            <a:ext cx="5369169" cy="5360221"/>
+            <a:off x="7095392" y="1753098"/>
+            <a:ext cx="5113424" cy="5104902"/>
           </a:xfrm>
           <a:prstGeom prst="rect">
             <a:avLst/>
           </a:prstGeom>
         </p:spPr>
       </p:pic>
+      <p:sp>
+        <p:nvSpPr>
+          <p:cNvPr id="6" name="Szövegdoboz 5"/>
+          <p:cNvSpPr txBox="1"/>
+          <p:nvPr/>
+        </p:nvSpPr>
+        <p:spPr>
+          <a:xfrm>
+            <a:off x="9393382" y="5284520"/>
+            <a:ext cx="1974706" cy="461665"/>
+          </a:xfrm>
+          <a:prstGeom prst="rect">
+            <a:avLst/>
+          </a:prstGeom>
+          <a:noFill/>
+        </p:spPr>
+        <p:txBody>
+          <a:bodyPr wrap="square" rtlCol="0">
+            <a:spAutoFit/>
+          </a:bodyPr>
+          <a:lstStyle/>
+          <a:p>
+            <a:r>
+              <a:rPr lang="hu-HU" sz="800" dirty="0" smtClean="0"/>
+              <a:t>Köszönöm szépen, hogy végig nézte tanár úr! Remélem tetszett magának a bemutató!</a:t>
+            </a:r>
+            <a:endParaRPr lang="hu-HU" sz="800" dirty="0"/>
+          </a:p>
+        </p:txBody>
+      </p:sp>
     </p:spTree>
     <p:extLst>
       <p:ext uri="{BB962C8B-B14F-4D97-AF65-F5344CB8AC3E}">
@@ -3709,6 +6877,13 @@
   <p:clrMapOvr>
     <a:masterClrMapping/>
   </p:clrMapOvr>
+  <p:timing>
+    <p:tnLst>
+      <p:par>
+        <p:cTn id="1" dur="indefinite" restart="never" nodeType="tmRoot"/>
+      </p:par>
+    </p:tnLst>
+  </p:timing>
 </p:sld>
 </file>
 
@@ -3731,6 +6906,38 @@
       </p:grpSpPr>
       <p:sp>
         <p:nvSpPr>
+          <p:cNvPr id="4" name="Cím 3"/>
+          <p:cNvSpPr>
+            <a:spLocks noGrp="1"/>
+          </p:cNvSpPr>
+          <p:nvPr>
+            <p:ph type="title"/>
+          </p:nvPr>
+        </p:nvSpPr>
+        <p:spPr>
+          <a:xfrm>
+            <a:off x="0" y="5414639"/>
+            <a:ext cx="3522785" cy="1075226"/>
+          </a:xfrm>
+        </p:spPr>
+        <p:txBody>
+          <a:bodyPr/>
+          <a:lstStyle/>
+          <a:p>
+            <a:r>
+              <a:rPr lang="hu-HU" dirty="0" err="1" smtClean="0"/>
+              <a:t>Scrum</a:t>
+            </a:r>
+            <a:r>
+              <a:rPr lang="hu-HU" dirty="0" smtClean="0"/>
+              <a:t> Csapat</a:t>
+            </a:r>
+            <a:endParaRPr lang="hu-HU" dirty="0"/>
+          </a:p>
+        </p:txBody>
+      </p:sp>
+      <p:sp>
+        <p:nvSpPr>
           <p:cNvPr id="3" name="Tartalom helye 2"/>
           <p:cNvSpPr>
             <a:spLocks noGrp="1"/>
@@ -3750,14 +6957,14 @@
           <a:lstStyle/>
           <a:p>
             <a:r>
-              <a:rPr lang="hu-HU" dirty="0" smtClean="0"/>
+              <a:rPr lang="hu-HU" b="1" dirty="0" smtClean="0"/>
               <a:t>Terméktulajdonos</a:t>
             </a:r>
             <a:r>
-              <a:rPr lang="hu-HU" dirty="0"/>
+              <a:rPr lang="hu-HU" b="1" dirty="0"/>
               <a:t> </a:t>
             </a:r>
-            <a:endParaRPr lang="hu-HU" dirty="0" smtClean="0"/>
+            <a:endParaRPr lang="hu-HU" b="1" dirty="0" smtClean="0"/>
           </a:p>
           <a:p>
             <a:pPr lvl="1"/>
@@ -3777,7 +6984,7 @@
           </a:p>
           <a:p>
             <a:r>
-              <a:rPr lang="hu-HU" dirty="0" smtClean="0"/>
+              <a:rPr lang="hu-HU" b="1" dirty="0" smtClean="0"/>
               <a:t>Fejlesztők</a:t>
             </a:r>
           </a:p>
@@ -3791,17 +6998,17 @@
           </a:p>
           <a:p>
             <a:r>
-              <a:rPr lang="hu-HU" dirty="0" err="1" smtClean="0"/>
+              <a:rPr lang="hu-HU" b="1" dirty="0" err="1" smtClean="0"/>
               <a:t>Scrum</a:t>
             </a:r>
             <a:r>
-              <a:rPr lang="hu-HU" dirty="0" smtClean="0"/>
+              <a:rPr lang="hu-HU" b="1" dirty="0" smtClean="0"/>
               <a:t> Mester</a:t>
             </a:r>
           </a:p>
           <a:p>
             <a:r>
-              <a:rPr lang="hu-HU" dirty="0" smtClean="0"/>
+              <a:rPr lang="hu-HU" b="1" dirty="0" smtClean="0"/>
               <a:t>Más érintettek</a:t>
             </a:r>
           </a:p>
@@ -3818,42 +7025,9 @@
               <a:rPr lang="hu-HU" dirty="0" smtClean="0"/>
               <a:t>Menedzserek és üzleti szereplők</a:t>
             </a:r>
-            <a:endParaRPr lang="hu-HU" dirty="0" smtClean="0"/>
           </a:p>
           <a:p>
             <a:pPr lvl="1"/>
-            <a:endParaRPr lang="hu-HU" dirty="0"/>
-          </a:p>
-        </p:txBody>
-      </p:sp>
-      <p:sp>
-        <p:nvSpPr>
-          <p:cNvPr id="4" name="Cím 3"/>
-          <p:cNvSpPr>
-            <a:spLocks noGrp="1"/>
-          </p:cNvSpPr>
-          <p:nvPr>
-            <p:ph type="title"/>
-          </p:nvPr>
-        </p:nvSpPr>
-        <p:spPr>
-          <a:xfrm>
-            <a:off x="0" y="5782774"/>
-            <a:ext cx="3522785" cy="1075226"/>
-          </a:xfrm>
-        </p:spPr>
-        <p:txBody>
-          <a:bodyPr/>
-          <a:lstStyle/>
-          <a:p>
-            <a:r>
-              <a:rPr lang="hu-HU" dirty="0" err="1" smtClean="0"/>
-              <a:t>Scrum</a:t>
-            </a:r>
-            <a:r>
-              <a:rPr lang="hu-HU" dirty="0" smtClean="0"/>
-              <a:t> Csapat</a:t>
-            </a:r>
             <a:endParaRPr lang="hu-HU" dirty="0"/>
           </a:p>
         </p:txBody>
@@ -3928,6 +7102,13 @@
   <p:clrMapOvr>
     <a:masterClrMapping/>
   </p:clrMapOvr>
+  <p:timing>
+    <p:tnLst>
+      <p:par>
+        <p:cTn id="1" dur="indefinite" restart="never" nodeType="tmRoot"/>
+      </p:par>
+    </p:tnLst>
+  </p:timing>
 </p:sld>
 </file>
 
@@ -3958,9 +7139,16 @@
             <p:ph type="title"/>
           </p:nvPr>
         </p:nvSpPr>
-        <p:spPr/>
-        <p:txBody>
-          <a:bodyPr/>
+        <p:spPr>
+          <a:xfrm>
+            <a:off x="6930242" y="5654200"/>
+            <a:ext cx="5261758" cy="1203800"/>
+          </a:xfrm>
+        </p:spPr>
+        <p:txBody>
+          <a:bodyPr>
+            <a:normAutofit fontScale="90000"/>
+          </a:bodyPr>
           <a:lstStyle/>
           <a:p>
             <a:r>
@@ -3995,8 +7183,8 @@
         </p:blipFill>
         <p:spPr>
           <a:xfrm>
-            <a:off x="161192" y="2120063"/>
-            <a:ext cx="5820138" cy="3041022"/>
+            <a:off x="4737251" y="0"/>
+            <a:ext cx="7454749" cy="3895106"/>
           </a:xfrm>
         </p:spPr>
       </p:pic>
@@ -4010,12 +7198,35 @@
             <p:ph sz="half" idx="2"/>
           </p:nvPr>
         </p:nvSpPr>
-        <p:spPr/>
+        <p:spPr>
+          <a:xfrm>
+            <a:off x="0" y="0"/>
+            <a:ext cx="3326081" cy="2425741"/>
+          </a:xfrm>
+        </p:spPr>
         <p:txBody>
           <a:bodyPr/>
           <a:lstStyle/>
           <a:p>
-            <a:endParaRPr lang="hu-HU"/>
+            <a:r>
+              <a:rPr lang="hu-HU" b="1" dirty="0" smtClean="0"/>
+              <a:t>Termék backlog kitöltése</a:t>
+            </a:r>
+          </a:p>
+          <a:p>
+            <a:r>
+              <a:rPr lang="hu-HU" b="1" dirty="0" smtClean="0"/>
+              <a:t>Munka értékek optimalizálása</a:t>
+            </a:r>
+          </a:p>
+          <a:p>
+            <a:r>
+              <a:rPr lang="hu-HU" b="1" dirty="0" smtClean="0"/>
+              <a:t>Következő munka</a:t>
+            </a:r>
+          </a:p>
+          <a:p>
+            <a:endParaRPr lang="hu-HU" b="1" dirty="0"/>
           </a:p>
         </p:txBody>
       </p:sp>
@@ -4029,6 +7240,13 @@
   <p:clrMapOvr>
     <a:masterClrMapping/>
   </p:clrMapOvr>
+  <p:timing>
+    <p:tnLst>
+      <p:par>
+        <p:cTn id="1" dur="indefinite" restart="never" nodeType="tmRoot"/>
+      </p:par>
+    </p:tnLst>
+  </p:timing>
 </p:sld>
 </file>
 
@@ -4059,7 +7277,12 @@
             <p:ph type="title"/>
           </p:nvPr>
         </p:nvSpPr>
-        <p:spPr/>
+        <p:spPr>
+          <a:xfrm>
+            <a:off x="8505701" y="5487946"/>
+            <a:ext cx="3686299" cy="1370054"/>
+          </a:xfrm>
+        </p:spPr>
         <p:txBody>
           <a:bodyPr/>
           <a:lstStyle/>
@@ -4100,8 +7323,8 @@
         </p:blipFill>
         <p:spPr>
           <a:xfrm>
-            <a:off x="284285" y="2104353"/>
-            <a:ext cx="5621758" cy="3162239"/>
+            <a:off x="5180330" y="1"/>
+            <a:ext cx="7114638" cy="4001984"/>
           </a:xfrm>
         </p:spPr>
       </p:pic>
@@ -4115,12 +7338,39 @@
             <p:ph sz="half" idx="2"/>
           </p:nvPr>
         </p:nvSpPr>
-        <p:spPr/>
+        <p:spPr>
+          <a:xfrm>
+            <a:off x="0" y="0"/>
+            <a:ext cx="5181600" cy="4351338"/>
+          </a:xfrm>
+        </p:spPr>
         <p:txBody>
           <a:bodyPr/>
           <a:lstStyle/>
           <a:p>
-            <a:endParaRPr lang="hu-HU"/>
+            <a:r>
+              <a:rPr lang="hu-HU" b="1" dirty="0" smtClean="0"/>
+              <a:t>Akadálymentesítés</a:t>
+            </a:r>
+          </a:p>
+          <a:p>
+            <a:r>
+              <a:rPr lang="hu-HU" b="1" dirty="0" smtClean="0"/>
+              <a:t>Fejlődés segítő</a:t>
+            </a:r>
+          </a:p>
+          <a:p>
+            <a:r>
+              <a:rPr lang="hu-HU" b="1" dirty="0" smtClean="0"/>
+              <a:t>Támogató vezető</a:t>
+            </a:r>
+          </a:p>
+          <a:p>
+            <a:r>
+              <a:rPr lang="hu-HU" b="1" dirty="0" smtClean="0"/>
+              <a:t>Változás kezelő</a:t>
+            </a:r>
+            <a:endParaRPr lang="hu-HU" b="1" dirty="0"/>
           </a:p>
         </p:txBody>
       </p:sp>
@@ -4134,6 +7384,13 @@
   <p:clrMapOvr>
     <a:masterClrMapping/>
   </p:clrMapOvr>
+  <p:timing>
+    <p:tnLst>
+      <p:par>
+        <p:cTn id="1" dur="indefinite" restart="never" nodeType="tmRoot"/>
+      </p:par>
+    </p:tnLst>
+  </p:timing>
 </p:sld>
 </file>
 
@@ -4164,7 +7421,12 @@
             <p:ph type="title"/>
           </p:nvPr>
         </p:nvSpPr>
-        <p:spPr/>
+        <p:spPr>
+          <a:xfrm>
+            <a:off x="7793182" y="5404818"/>
+            <a:ext cx="4398818" cy="1453182"/>
+          </a:xfrm>
+        </p:spPr>
         <p:txBody>
           <a:bodyPr/>
           <a:lstStyle/>
@@ -4174,25 +7436,6 @@
               <a:t>Fejlesztők feladata</a:t>
             </a:r>
             <a:endParaRPr lang="hu-HU" dirty="0"/>
-          </a:p>
-        </p:txBody>
-      </p:sp>
-      <p:sp>
-        <p:nvSpPr>
-          <p:cNvPr id="4" name="Tartalom helye 3"/>
-          <p:cNvSpPr>
-            <a:spLocks noGrp="1"/>
-          </p:cNvSpPr>
-          <p:nvPr>
-            <p:ph sz="half" idx="2"/>
-          </p:nvPr>
-        </p:nvSpPr>
-        <p:spPr/>
-        <p:txBody>
-          <a:bodyPr/>
-          <a:lstStyle/>
-          <a:p>
-            <a:endParaRPr lang="hu-HU"/>
           </a:p>
         </p:txBody>
       </p:sp>
@@ -4220,11 +7463,58 @@
         </p:blipFill>
         <p:spPr>
           <a:xfrm>
-            <a:off x="127245" y="2274032"/>
-            <a:ext cx="5880832" cy="2968902"/>
+            <a:off x="5182215" y="-1"/>
+            <a:ext cx="7009785" cy="3538847"/>
           </a:xfrm>
         </p:spPr>
       </p:pic>
+      <p:sp>
+        <p:nvSpPr>
+          <p:cNvPr id="4" name="Tartalom helye 3"/>
+          <p:cNvSpPr>
+            <a:spLocks noGrp="1"/>
+          </p:cNvSpPr>
+          <p:nvPr>
+            <p:ph sz="half" idx="2"/>
+          </p:nvPr>
+        </p:nvSpPr>
+        <p:spPr>
+          <a:xfrm>
+            <a:off x="0" y="0"/>
+            <a:ext cx="5181600" cy="4351338"/>
+          </a:xfrm>
+        </p:spPr>
+        <p:txBody>
+          <a:bodyPr/>
+          <a:lstStyle/>
+          <a:p>
+            <a:r>
+              <a:rPr lang="hu-HU" b="1" dirty="0" smtClean="0"/>
+              <a:t>Munka anyagok kitöltése</a:t>
+            </a:r>
+          </a:p>
+          <a:p>
+            <a:pPr lvl="1"/>
+            <a:r>
+              <a:rPr lang="hu-HU" dirty="0" smtClean="0"/>
+              <a:t>Sprint Backlog</a:t>
+            </a:r>
+            <a:endParaRPr lang="hu-HU" dirty="0"/>
+          </a:p>
+          <a:p>
+            <a:r>
+              <a:rPr lang="hu-HU" b="1" dirty="0" smtClean="0"/>
+              <a:t>Sprint események elvégzése</a:t>
+            </a:r>
+          </a:p>
+          <a:p>
+            <a:r>
+              <a:rPr lang="hu-HU" b="1" dirty="0" smtClean="0"/>
+              <a:t>Feladat elkészítése</a:t>
+            </a:r>
+          </a:p>
+        </p:txBody>
+      </p:sp>
     </p:spTree>
     <p:extLst>
       <p:ext uri="{BB962C8B-B14F-4D97-AF65-F5344CB8AC3E}">
@@ -4235,6 +7525,13 @@
   <p:clrMapOvr>
     <a:masterClrMapping/>
   </p:clrMapOvr>
+  <p:timing>
+    <p:tnLst>
+      <p:par>
+        <p:cTn id="1" dur="indefinite" restart="never" nodeType="tmRoot"/>
+      </p:par>
+    </p:tnLst>
+  </p:timing>
 </p:sld>
 </file>
 
@@ -4267,7 +7564,7 @@
         </p:nvSpPr>
         <p:spPr>
           <a:xfrm>
-            <a:off x="0" y="5501420"/>
+            <a:off x="0" y="5145161"/>
             <a:ext cx="4806462" cy="1356580"/>
           </a:xfrm>
         </p:spPr>
@@ -4309,7 +7606,7 @@
         </p:blipFill>
         <p:spPr>
           <a:xfrm>
-            <a:off x="0" y="0"/>
+            <a:off x="1163988" y="2544590"/>
             <a:ext cx="2646424" cy="2646424"/>
           </a:xfrm>
         </p:spPr>
@@ -4336,7 +7633,7 @@
         </p:blipFill>
         <p:spPr>
           <a:xfrm>
-            <a:off x="0" y="2646424"/>
+            <a:off x="0" y="2411486"/>
             <a:ext cx="1676400" cy="2733675"/>
           </a:xfrm>
           <a:prstGeom prst="rect">
@@ -4366,7 +7663,7 @@
         </p:blipFill>
         <p:spPr>
           <a:xfrm>
-            <a:off x="2646424" y="0"/>
+            <a:off x="-179800" y="712519"/>
             <a:ext cx="1900969" cy="1900969"/>
           </a:xfrm>
           <a:prstGeom prst="rect">
@@ -4374,6 +7671,55 @@
           </a:prstGeom>
         </p:spPr>
       </p:pic>
+      <p:sp>
+        <p:nvSpPr>
+          <p:cNvPr id="3" name="Szövegdoboz 2"/>
+          <p:cNvSpPr txBox="1"/>
+          <p:nvPr/>
+        </p:nvSpPr>
+        <p:spPr>
+          <a:xfrm>
+            <a:off x="8926285" y="5657671"/>
+            <a:ext cx="3265715" cy="1200329"/>
+          </a:xfrm>
+          <a:prstGeom prst="rect">
+            <a:avLst/>
+          </a:prstGeom>
+          <a:noFill/>
+        </p:spPr>
+        <p:txBody>
+          <a:bodyPr wrap="square" rtlCol="0">
+            <a:spAutoFit/>
+          </a:bodyPr>
+          <a:lstStyle/>
+          <a:p>
+            <a:r>
+              <a:rPr lang="hu-HU" b="1" dirty="0" err="1" smtClean="0"/>
+              <a:t>User</a:t>
+            </a:r>
+            <a:r>
+              <a:rPr lang="hu-HU" b="1" dirty="0" smtClean="0"/>
+              <a:t> – Felhasználó</a:t>
+            </a:r>
+            <a:br>
+              <a:rPr lang="hu-HU" b="1" dirty="0" smtClean="0"/>
+            </a:br>
+            <a:r>
+              <a:rPr lang="hu-HU" b="1" dirty="0" smtClean="0"/>
+              <a:t>Manager – Menedzser</a:t>
+            </a:r>
+          </a:p>
+          <a:p>
+            <a:r>
+              <a:rPr lang="hu-HU" b="1" dirty="0" smtClean="0"/>
+              <a:t>Üzlet emberek</a:t>
+            </a:r>
+          </a:p>
+          <a:p>
+            <a:endParaRPr lang="hu-HU" b="1" dirty="0"/>
+          </a:p>
+        </p:txBody>
+      </p:sp>
     </p:spTree>
     <p:extLst>
       <p:ext uri="{BB962C8B-B14F-4D97-AF65-F5344CB8AC3E}">
@@ -4384,6 +7730,13 @@
   <p:clrMapOvr>
     <a:masterClrMapping/>
   </p:clrMapOvr>
+  <p:timing>
+    <p:tnLst>
+      <p:par>
+        <p:cTn id="1" dur="indefinite" restart="never" nodeType="tmRoot"/>
+      </p:par>
+    </p:tnLst>
+  </p:timing>
 </p:sld>
 </file>
 
@@ -4457,28 +7810,28 @@
           <a:lstStyle/>
           <a:p>
             <a:r>
-              <a:rPr lang="hu-HU" dirty="0" smtClean="0"/>
+              <a:rPr lang="hu-HU" b="1" dirty="0" smtClean="0"/>
               <a:t>Sprint Tervezés (Sprint </a:t>
             </a:r>
             <a:r>
-              <a:rPr lang="hu-HU" dirty="0" err="1" smtClean="0"/>
+              <a:rPr lang="hu-HU" b="1" dirty="0" err="1" smtClean="0"/>
               <a:t>Planning</a:t>
             </a:r>
             <a:r>
-              <a:rPr lang="hu-HU" dirty="0" smtClean="0"/>
+              <a:rPr lang="hu-HU" b="1" dirty="0" smtClean="0"/>
               <a:t>)</a:t>
             </a:r>
           </a:p>
           <a:p>
             <a:r>
-              <a:rPr lang="hu-HU" dirty="0" smtClean="0"/>
+              <a:rPr lang="hu-HU" b="1" dirty="0" smtClean="0"/>
               <a:t>Napi </a:t>
             </a:r>
             <a:r>
-              <a:rPr lang="hu-HU" dirty="0" err="1" smtClean="0"/>
+              <a:rPr lang="hu-HU" b="1" dirty="0" err="1" smtClean="0"/>
               <a:t>Scrum</a:t>
             </a:r>
-            <a:endParaRPr lang="hu-HU" dirty="0"/>
+            <a:endParaRPr lang="hu-HU" b="1" dirty="0"/>
           </a:p>
           <a:p>
             <a:pPr lvl="1"/>
@@ -4489,37 +7842,37 @@
           </a:p>
           <a:p>
             <a:r>
-              <a:rPr lang="hu-HU" dirty="0" smtClean="0"/>
+              <a:rPr lang="hu-HU" b="1" dirty="0" smtClean="0"/>
               <a:t>Sprint Áttekintés (Sprint </a:t>
             </a:r>
             <a:r>
-              <a:rPr lang="hu-HU" dirty="0" err="1" smtClean="0"/>
+              <a:rPr lang="hu-HU" b="1" dirty="0" err="1" smtClean="0"/>
               <a:t>Demo</a:t>
             </a:r>
             <a:r>
-              <a:rPr lang="hu-HU" dirty="0" smtClean="0"/>
+              <a:rPr lang="hu-HU" b="1" dirty="0" smtClean="0"/>
               <a:t>)</a:t>
             </a:r>
           </a:p>
           <a:p>
             <a:r>
-              <a:rPr lang="hu-HU" dirty="0" smtClean="0"/>
+              <a:rPr lang="hu-HU" b="1" dirty="0" smtClean="0"/>
               <a:t>Sprint </a:t>
             </a:r>
             <a:r>
-              <a:rPr lang="hu-HU" dirty="0" err="1" smtClean="0"/>
+              <a:rPr lang="hu-HU" b="1" dirty="0" err="1" smtClean="0"/>
               <a:t>Visszatekintás</a:t>
             </a:r>
             <a:r>
-              <a:rPr lang="hu-HU" dirty="0" smtClean="0"/>
+              <a:rPr lang="hu-HU" b="1" dirty="0" smtClean="0"/>
               <a:t> (Sprint </a:t>
             </a:r>
             <a:r>
-              <a:rPr lang="hu-HU" dirty="0" err="1" smtClean="0"/>
-              <a:t>Retospektív</a:t>
-            </a:r>
-            <a:r>
-              <a:rPr lang="hu-HU" dirty="0" smtClean="0"/>
+              <a:rPr lang="hu-HU" b="1" dirty="0" smtClean="0"/>
+              <a:t>Retrospektív</a:t>
+            </a:r>
+            <a:r>
+              <a:rPr lang="hu-HU" b="1" dirty="0" smtClean="0"/>
               <a:t>)</a:t>
             </a:r>
           </a:p>
@@ -4535,6 +7888,13 @@
   <p:clrMapOvr>
     <a:masterClrMapping/>
   </p:clrMapOvr>
+  <p:timing>
+    <p:tnLst>
+      <p:par>
+        <p:cTn id="1" dur="indefinite" restart="never" nodeType="tmRoot"/>
+      </p:par>
+    </p:tnLst>
+  </p:timing>
 </p:sld>
 </file>
 
@@ -4565,7 +7925,12 @@
             <p:ph type="title"/>
           </p:nvPr>
         </p:nvSpPr>
-        <p:spPr/>
+        <p:spPr>
+          <a:xfrm>
+            <a:off x="6183580" y="419945"/>
+            <a:ext cx="5158839" cy="1405680"/>
+          </a:xfrm>
+        </p:spPr>
         <p:txBody>
           <a:bodyPr/>
           <a:lstStyle/>
@@ -4592,12 +7957,58 @@
             <p:ph sz="half" idx="1"/>
           </p:nvPr>
         </p:nvSpPr>
-        <p:spPr/>
+        <p:spPr>
+          <a:xfrm>
+            <a:off x="0" y="0"/>
+            <a:ext cx="3543795" cy="4351338"/>
+          </a:xfrm>
+        </p:spPr>
         <p:txBody>
           <a:bodyPr/>
           <a:lstStyle/>
           <a:p>
-            <a:endParaRPr lang="hu-HU"/>
+            <a:r>
+              <a:rPr lang="hu-HU" dirty="0" smtClean="0"/>
+              <a:t>Termék követelménylista</a:t>
+            </a:r>
+          </a:p>
+          <a:p>
+            <a:pPr lvl="1"/>
+            <a:r>
+              <a:rPr lang="hu-HU" dirty="0" err="1" smtClean="0"/>
+              <a:t>Product</a:t>
+            </a:r>
+            <a:r>
+              <a:rPr lang="hu-HU" dirty="0" smtClean="0"/>
+              <a:t> Backlog</a:t>
+            </a:r>
+          </a:p>
+          <a:p>
+            <a:r>
+              <a:rPr lang="hu-HU" dirty="0" smtClean="0"/>
+              <a:t>Sprint teendőlistája</a:t>
+            </a:r>
+          </a:p>
+          <a:p>
+            <a:pPr lvl="1"/>
+            <a:r>
+              <a:rPr lang="hu-HU" dirty="0" smtClean="0"/>
+              <a:t>Sprint Backlog</a:t>
+            </a:r>
+          </a:p>
+          <a:p>
+            <a:r>
+              <a:rPr lang="hu-HU" dirty="0" smtClean="0"/>
+              <a:t>Növekmény</a:t>
+            </a:r>
+          </a:p>
+          <a:p>
+            <a:pPr lvl="1"/>
+            <a:r>
+              <a:rPr lang="hu-HU" dirty="0" err="1" smtClean="0"/>
+              <a:t>Increment</a:t>
+            </a:r>
+            <a:endParaRPr lang="hu-HU" dirty="0"/>
           </a:p>
         </p:txBody>
       </p:sp>
@@ -4630,6 +8041,13 @@
   <p:clrMapOvr>
     <a:masterClrMapping/>
   </p:clrMapOvr>
+  <p:timing>
+    <p:tnLst>
+      <p:par>
+        <p:cTn id="1" dur="indefinite" restart="never" nodeType="tmRoot"/>
+      </p:par>
+    </p:tnLst>
+  </p:timing>
 </p:sld>
 </file>
 
@@ -4660,7 +8078,12 @@
             <p:ph type="title"/>
           </p:nvPr>
         </p:nvSpPr>
-        <p:spPr/>
+        <p:spPr>
+          <a:xfrm>
+            <a:off x="9761517" y="0"/>
+            <a:ext cx="2430483" cy="783771"/>
+          </a:xfrm>
+        </p:spPr>
         <p:txBody>
           <a:bodyPr/>
           <a:lstStyle/>
@@ -4688,7 +8111,66 @@
           <a:bodyPr/>
           <a:lstStyle/>
           <a:p>
-            <a:endParaRPr lang="hu-HU"/>
+            <a:r>
+              <a:rPr lang="hu-HU" dirty="0" smtClean="0"/>
+              <a:t>Információk:</a:t>
+            </a:r>
+          </a:p>
+          <a:p>
+            <a:pPr lvl="1"/>
+            <a:r>
+              <a:rPr lang="hu-HU" dirty="0" smtClean="0"/>
+              <a:t>Órai tanulmányok</a:t>
+            </a:r>
+            <a:r>
+              <a:rPr lang="hu-HU" dirty="0"/>
+              <a:t> </a:t>
+            </a:r>
+            <a:r>
+              <a:rPr lang="hu-HU" dirty="0" smtClean="0"/>
+              <a:t>(Foki Zoltán tanár úr tudása)</a:t>
+            </a:r>
+          </a:p>
+          <a:p>
+            <a:pPr lvl="1"/>
+            <a:r>
+              <a:rPr lang="hu-HU" dirty="0" err="1" smtClean="0"/>
+              <a:t>Wikipédia</a:t>
+            </a:r>
+            <a:r>
+              <a:rPr lang="hu-HU" dirty="0"/>
+              <a:t> (</a:t>
+            </a:r>
+            <a:r>
+              <a:rPr lang="hu-HU" dirty="0">
+                <a:hlinkClick r:id="rId2"/>
+              </a:rPr>
+              <a:t>https://hu.wikipedia.org/wiki/Scrum#Scrum_munkaanyagok_(Scrum_artifacts</a:t>
+            </a:r>
+            <a:r>
+              <a:rPr lang="hu-HU" dirty="0" smtClean="0">
+                <a:hlinkClick r:id="rId2"/>
+              </a:rPr>
+              <a:t>)</a:t>
+            </a:r>
+            <a:r>
+              <a:rPr lang="hu-HU" dirty="0" smtClean="0"/>
+              <a:t> )</a:t>
+            </a:r>
+          </a:p>
+          <a:p>
+            <a:pPr lvl="1"/>
+            <a:endParaRPr lang="hu-HU" dirty="0" smtClean="0"/>
+          </a:p>
+          <a:p>
+            <a:pPr marL="457200" lvl="1" indent="0">
+              <a:buNone/>
+            </a:pPr>
+            <a:endParaRPr lang="hu-HU" dirty="0" smtClean="0"/>
+          </a:p>
+          <a:p>
+            <a:pPr lvl="1"/>
+            <a:endParaRPr lang="hu-HU" dirty="0" smtClean="0"/>
           </a:p>
         </p:txBody>
       </p:sp>
@@ -4707,7 +8189,17 @@
           <a:bodyPr/>
           <a:lstStyle/>
           <a:p>
-            <a:endParaRPr lang="hu-HU"/>
+            <a:r>
+              <a:rPr lang="hu-HU" dirty="0" smtClean="0"/>
+              <a:t>Képek:</a:t>
+            </a:r>
+          </a:p>
+          <a:p>
+            <a:pPr lvl="1"/>
+            <a:r>
+              <a:rPr lang="hu-HU" dirty="0" smtClean="0"/>
+              <a:t>Google</a:t>
+            </a:r>
           </a:p>
         </p:txBody>
       </p:sp>
@@ -4721,13 +8213,20 @@
   <p:clrMapOvr>
     <a:masterClrMapping/>
   </p:clrMapOvr>
+  <p:timing>
+    <p:tnLst>
+      <p:par>
+        <p:cTn id="1" dur="indefinite" restart="never" nodeType="tmRoot"/>
+      </p:par>
+    </p:tnLst>
+  </p:timing>
 </p:sld>
 </file>
 
 <file path=ppt/theme/theme1.xml><?xml version="1.0" encoding="utf-8"?>
-<a:theme xmlns:a="http://schemas.openxmlformats.org/drawingml/2006/main" name="Office-téma">
+<a:theme xmlns:a="http://schemas.openxmlformats.org/drawingml/2006/main" name="Ion">
   <a:themeElements>
-    <a:clrScheme name="Office">
+    <a:clrScheme name="Ion">
       <a:dk1>
         <a:sysClr val="windowText" lastClr="000000"/>
       </a:dk1>
@@ -4735,44 +8234,44 @@
         <a:sysClr val="window" lastClr="FFFFFF"/>
       </a:lt1>
       <a:dk2>
-        <a:srgbClr val="44546A"/>
+        <a:srgbClr val="1E5155"/>
       </a:dk2>
       <a:lt2>
-        <a:srgbClr val="E7E6E6"/>
+        <a:srgbClr val="EBEBEB"/>
       </a:lt2>
       <a:accent1>
-        <a:srgbClr val="5B9BD5"/>
+        <a:srgbClr val="B01513"/>
       </a:accent1>
       <a:accent2>
-        <a:srgbClr val="ED7D31"/>
+        <a:srgbClr val="EA6312"/>
       </a:accent2>
       <a:accent3>
-        <a:srgbClr val="A5A5A5"/>
+        <a:srgbClr val="E6B729"/>
       </a:accent3>
       <a:accent4>
-        <a:srgbClr val="FFC000"/>
+        <a:srgbClr val="6AAC90"/>
       </a:accent4>
       <a:accent5>
-        <a:srgbClr val="4472C4"/>
+        <a:srgbClr val="54849A"/>
       </a:accent5>
       <a:accent6>
-        <a:srgbClr val="70AD47"/>
+        <a:srgbClr val="9E5E9B"/>
       </a:accent6>
       <a:hlink>
-        <a:srgbClr val="0563C1"/>
+        <a:srgbClr val="58C1BA"/>
       </a:hlink>
       <a:folHlink>
-        <a:srgbClr val="954F72"/>
+        <a:srgbClr val="9DFFCB"/>
       </a:folHlink>
     </a:clrScheme>
-    <a:fontScheme name="Office">
+    <a:fontScheme name="Ion">
       <a:majorFont>
-        <a:latin typeface="Calibri Light" panose="020F0302020204030204"/>
+        <a:latin typeface="Century Gothic" panose="020B0502020202020204"/>
         <a:ea typeface=""/>
         <a:cs typeface=""/>
-        <a:font script="Jpan" typeface="游ゴシック Light"/>
+        <a:font script="Jpan" typeface="メイリオ"/>
         <a:font script="Hang" typeface="맑은 고딕"/>
-        <a:font script="Hans" typeface="等线 Light"/>
+        <a:font script="Hans" typeface="宋体"/>
         <a:font script="Hant" typeface="新細明體"/>
         <a:font script="Arab" typeface="Times New Roman"/>
         <a:font script="Hebr" typeface="Times New Roman"/>
@@ -4802,12 +8301,12 @@
         <a:font script="Geor" typeface="Sylfaen"/>
       </a:majorFont>
       <a:minorFont>
-        <a:latin typeface="Calibri" panose="020F0502020204030204"/>
+        <a:latin typeface="Century Gothic" panose="020B0502020202020204"/>
         <a:ea typeface=""/>
         <a:cs typeface=""/>
-        <a:font script="Jpan" typeface="游ゴシック"/>
+        <a:font script="Jpan" typeface="メイリオ"/>
         <a:font script="Hang" typeface="맑은 고딕"/>
-        <a:font script="Hans" typeface="等线"/>
+        <a:font script="Hans" typeface="宋体"/>
         <a:font script="Hant" typeface="新細明體"/>
         <a:font script="Arab" typeface="Arial"/>
         <a:font script="Hebr" typeface="Arial"/>
@@ -4837,7 +8336,7 @@
         <a:font script="Geor" typeface="Sylfaen"/>
       </a:minorFont>
     </a:fontScheme>
-    <a:fmtScheme name="Office">
+    <a:fmtScheme name="Ion">
       <a:fillStyleLst>
         <a:solidFill>
           <a:schemeClr val="phClr"/>
@@ -4846,23 +8345,15 @@
           <a:gsLst>
             <a:gs pos="0">
               <a:schemeClr val="phClr">
-                <a:lumMod val="110000"/>
-                <a:satMod val="105000"/>
-                <a:tint val="67000"/>
-              </a:schemeClr>
-            </a:gs>
-            <a:gs pos="50000">
-              <a:schemeClr val="phClr">
-                <a:lumMod val="105000"/>
-                <a:satMod val="103000"/>
-                <a:tint val="73000"/>
+                <a:tint val="64000"/>
+                <a:lumMod val="118000"/>
               </a:schemeClr>
             </a:gs>
             <a:gs pos="100000">
               <a:schemeClr val="phClr">
-                <a:lumMod val="105000"/>
-                <a:satMod val="109000"/>
-                <a:tint val="81000"/>
+                <a:tint val="92000"/>
+                <a:alpha val="100000"/>
+                <a:lumMod val="110000"/>
               </a:schemeClr>
             </a:gs>
           </a:gsLst>
@@ -4872,23 +8363,14 @@
           <a:gsLst>
             <a:gs pos="0">
               <a:schemeClr val="phClr">
-                <a:satMod val="103000"/>
-                <a:lumMod val="102000"/>
-                <a:tint val="94000"/>
-              </a:schemeClr>
-            </a:gs>
-            <a:gs pos="50000">
-              <a:schemeClr val="phClr">
-                <a:satMod val="110000"/>
-                <a:lumMod val="100000"/>
-                <a:shade val="100000"/>
+                <a:tint val="98000"/>
+                <a:lumMod val="114000"/>
               </a:schemeClr>
             </a:gs>
             <a:gs pos="100000">
               <a:schemeClr val="phClr">
-                <a:lumMod val="99000"/>
-                <a:satMod val="120000"/>
-                <a:shade val="78000"/>
+                <a:shade val="90000"/>
+                <a:lumMod val="84000"/>
               </a:schemeClr>
             </a:gs>
           </a:gsLst>
@@ -4896,26 +8378,23 @@
         </a:gradFill>
       </a:fillStyleLst>
       <a:lnStyleLst>
-        <a:ln w="6350" cap="flat" cmpd="sng" algn="ctr">
+        <a:ln w="9525" cap="rnd" cmpd="sng" algn="ctr">
           <a:solidFill>
             <a:schemeClr val="phClr"/>
           </a:solidFill>
           <a:prstDash val="solid"/>
-          <a:miter lim="800000"/>
         </a:ln>
-        <a:ln w="12700" cap="flat" cmpd="sng" algn="ctr">
+        <a:ln w="19050" cap="rnd" cmpd="sng" algn="ctr">
           <a:solidFill>
             <a:schemeClr val="phClr"/>
           </a:solidFill>
           <a:prstDash val="solid"/>
-          <a:miter lim="800000"/>
         </a:ln>
-        <a:ln w="19050" cap="flat" cmpd="sng" algn="ctr">
+        <a:ln w="28575" cap="rnd" cmpd="sng" algn="ctr">
           <a:solidFill>
             <a:schemeClr val="phClr"/>
           </a:solidFill>
           <a:prstDash val="solid"/>
-          <a:miter lim="800000"/>
         </a:ln>
       </a:lnStyleLst>
       <a:effectStyleLst>
@@ -4923,55 +8402,80 @@
           <a:effectLst/>
         </a:effectStyle>
         <a:effectStyle>
-          <a:effectLst/>
+          <a:effectLst>
+            <a:outerShdw blurRad="38100" dist="25400" dir="5400000" rotWithShape="0">
+              <a:srgbClr val="000000">
+                <a:alpha val="45000"/>
+              </a:srgbClr>
+            </a:outerShdw>
+          </a:effectLst>
         </a:effectStyle>
         <a:effectStyle>
           <a:effectLst>
-            <a:outerShdw blurRad="57150" dist="19050" dir="5400000" algn="ctr" rotWithShape="0">
+            <a:outerShdw blurRad="63500" dist="38100" dir="5400000" rotWithShape="0">
               <a:srgbClr val="000000">
-                <a:alpha val="63000"/>
+                <a:alpha val="60000"/>
               </a:srgbClr>
             </a:outerShdw>
           </a:effectLst>
+          <a:scene3d>
+            <a:camera prst="orthographicFront">
+              <a:rot lat="0" lon="0" rev="0"/>
+            </a:camera>
+            <a:lightRig rig="threePt" dir="tl"/>
+          </a:scene3d>
+          <a:sp3d prstMaterial="plastic">
+            <a:bevelT w="0" h="0"/>
+          </a:sp3d>
         </a:effectStyle>
       </a:effectStyleLst>
       <a:bgFillStyleLst>
         <a:solidFill>
           <a:schemeClr val="phClr"/>
         </a:solidFill>
-        <a:solidFill>
-          <a:schemeClr val="phClr">
-            <a:tint val="95000"/>
-            <a:satMod val="170000"/>
-          </a:schemeClr>
-        </a:solidFill>
         <a:gradFill rotWithShape="1">
           <a:gsLst>
             <a:gs pos="0">
               <a:schemeClr val="phClr">
-                <a:tint val="93000"/>
-                <a:satMod val="150000"/>
-                <a:shade val="98000"/>
-                <a:lumMod val="102000"/>
-              </a:schemeClr>
-            </a:gs>
-            <a:gs pos="50000">
-              <a:schemeClr val="phClr">
-                <a:tint val="98000"/>
+                <a:tint val="97000"/>
+                <a:hueMod val="88000"/>
                 <a:satMod val="130000"/>
-                <a:shade val="90000"/>
-                <a:lumMod val="103000"/>
+                <a:lumMod val="124000"/>
               </a:schemeClr>
             </a:gs>
             <a:gs pos="100000">
               <a:schemeClr val="phClr">
-                <a:shade val="63000"/>
-                <a:satMod val="120000"/>
+                <a:tint val="96000"/>
+                <a:shade val="88000"/>
+                <a:hueMod val="108000"/>
+                <a:satMod val="164000"/>
+                <a:lumMod val="76000"/>
               </a:schemeClr>
             </a:gs>
           </a:gsLst>
-          <a:lin ang="5400000" scaled="0"/>
+          <a:path path="circle">
+            <a:fillToRect l="45000" t="65000" r="125000" b="100000"/>
+          </a:path>
         </a:gradFill>
+        <a:blipFill rotWithShape="1">
+          <a:blip xmlns:r="http://schemas.openxmlformats.org/officeDocument/2006/relationships" r:embed="rId1">
+            <a:duotone>
+              <a:schemeClr val="phClr">
+                <a:shade val="69000"/>
+                <a:hueMod val="108000"/>
+                <a:satMod val="164000"/>
+                <a:lumMod val="74000"/>
+              </a:schemeClr>
+              <a:schemeClr val="phClr">
+                <a:tint val="96000"/>
+                <a:hueMod val="88000"/>
+                <a:satMod val="140000"/>
+                <a:lumMod val="132000"/>
+              </a:schemeClr>
+            </a:duotone>
+          </a:blip>
+          <a:stretch/>
+        </a:blipFill>
       </a:bgFillStyleLst>
     </a:fmtScheme>
   </a:themeElements>
@@ -4979,7 +8483,7 @@
   <a:extraClrSchemeLst/>
   <a:extLst>
     <a:ext uri="{05A4C25C-085E-4340-85A3-A5531E510DB2}">
-      <thm15:themeFamily xmlns:thm15="http://schemas.microsoft.com/office/thememl/2012/main" name="Office Theme" id="{62F939B6-93AF-4DB8-9C6B-D6C7DFDC589F}" vid="{4A3C46E8-61CC-4603-A589-7422A47A8E4A}"/>
+      <thm15:themeFamily xmlns:thm15="http://schemas.microsoft.com/office/thememl/2012/main" name="Ion" id="{B8441ADB-2E43-4AF7-B97A-BD870242C6A8}" vid="{292E63A9-BB86-4E3D-B92A-7223C6510D2E}"/>
     </a:ext>
   </a:extLst>
 </a:theme>

--- a/IKT Projekt feladat.pptx
+++ b/IKT Projekt feladat.pptx
@@ -5,7 +5,7 @@
     <p:sldMasterId id="2147483696" r:id="rId1"/>
   </p:sldMasterIdLst>
   <p:notesMasterIdLst>
-    <p:notesMasterId r:id="rId12"/>
+    <p:notesMasterId r:id="rId13"/>
   </p:notesMasterIdLst>
   <p:sldIdLst>
     <p:sldId id="256" r:id="rId2"/>
@@ -18,6 +18,7 @@
     <p:sldId id="259" r:id="rId9"/>
     <p:sldId id="264" r:id="rId10"/>
     <p:sldId id="265" r:id="rId11"/>
+    <p:sldId id="266" r:id="rId12"/>
   </p:sldIdLst>
   <p:sldSz cx="12192000" cy="6858000"/>
   <p:notesSz cx="6858000" cy="9144000"/>
@@ -206,7 +207,7 @@
           <a:p>
             <a:fld id="{47028C79-CE99-4F5E-B915-9B4C86903075}" type="datetimeFigureOut">
               <a:rPr lang="hu-HU" smtClean="0"/>
-              <a:t>2022.09.20.</a:t>
+              <a:t>2022.09.21.</a:t>
             </a:fld>
             <a:endParaRPr lang="hu-HU"/>
           </a:p>
@@ -744,7 +745,7 @@
           <a:p>
             <a:fld id="{8A946B64-D034-4954-AA20-D2A99A6A760F}" type="datetimeFigureOut">
               <a:rPr lang="hu-HU" smtClean="0"/>
-              <a:t>2022.09.20.</a:t>
+              <a:t>2022.09.21.</a:t>
             </a:fld>
             <a:endParaRPr lang="hu-HU"/>
           </a:p>
@@ -1019,7 +1020,7 @@
           <a:p>
             <a:fld id="{8A946B64-D034-4954-AA20-D2A99A6A760F}" type="datetimeFigureOut">
               <a:rPr lang="hu-HU" smtClean="0"/>
-              <a:t>2022.09.20.</a:t>
+              <a:t>2022.09.21.</a:t>
             </a:fld>
             <a:endParaRPr lang="hu-HU"/>
           </a:p>
@@ -1213,7 +1214,7 @@
           <a:p>
             <a:fld id="{8A946B64-D034-4954-AA20-D2A99A6A760F}" type="datetimeFigureOut">
               <a:rPr lang="hu-HU" smtClean="0"/>
-              <a:t>2022.09.20.</a:t>
+              <a:t>2022.09.21.</a:t>
             </a:fld>
             <a:endParaRPr lang="hu-HU"/>
           </a:p>
@@ -1486,7 +1487,7 @@
           <a:p>
             <a:fld id="{8A946B64-D034-4954-AA20-D2A99A6A760F}" type="datetimeFigureOut">
               <a:rPr lang="hu-HU" smtClean="0"/>
-              <a:t>2022.09.20.</a:t>
+              <a:t>2022.09.21.</a:t>
             </a:fld>
             <a:endParaRPr lang="hu-HU"/>
           </a:p>
@@ -1827,7 +1828,7 @@
           <a:p>
             <a:fld id="{8A946B64-D034-4954-AA20-D2A99A6A760F}" type="datetimeFigureOut">
               <a:rPr lang="hu-HU" smtClean="0"/>
-              <a:t>2022.09.20.</a:t>
+              <a:t>2022.09.21.</a:t>
             </a:fld>
             <a:endParaRPr lang="hu-HU"/>
           </a:p>
@@ -2450,7 +2451,7 @@
           <a:p>
             <a:fld id="{8A946B64-D034-4954-AA20-D2A99A6A760F}" type="datetimeFigureOut">
               <a:rPr lang="hu-HU" smtClean="0"/>
-              <a:t>2022.09.20.</a:t>
+              <a:t>2022.09.21.</a:t>
             </a:fld>
             <a:endParaRPr lang="hu-HU"/>
           </a:p>
@@ -3310,7 +3311,7 @@
           <a:p>
             <a:fld id="{8A946B64-D034-4954-AA20-D2A99A6A760F}" type="datetimeFigureOut">
               <a:rPr lang="hu-HU" smtClean="0"/>
-              <a:t>2022.09.20.</a:t>
+              <a:t>2022.09.21.</a:t>
             </a:fld>
             <a:endParaRPr lang="hu-HU"/>
           </a:p>
@@ -3480,7 +3481,7 @@
           <a:p>
             <a:fld id="{8A946B64-D034-4954-AA20-D2A99A6A760F}" type="datetimeFigureOut">
               <a:rPr lang="hu-HU" smtClean="0"/>
-              <a:t>2022.09.20.</a:t>
+              <a:t>2022.09.21.</a:t>
             </a:fld>
             <a:endParaRPr lang="hu-HU"/>
           </a:p>
@@ -3660,7 +3661,7 @@
           <a:p>
             <a:fld id="{8A946B64-D034-4954-AA20-D2A99A6A760F}" type="datetimeFigureOut">
               <a:rPr lang="hu-HU" smtClean="0"/>
-              <a:t>2022.09.20.</a:t>
+              <a:t>2022.09.21.</a:t>
             </a:fld>
             <a:endParaRPr lang="hu-HU"/>
           </a:p>
@@ -3830,7 +3831,7 @@
           <a:p>
             <a:fld id="{8A946B64-D034-4954-AA20-D2A99A6A760F}" type="datetimeFigureOut">
               <a:rPr lang="hu-HU" smtClean="0"/>
-              <a:t>2022.09.20.</a:t>
+              <a:t>2022.09.21.</a:t>
             </a:fld>
             <a:endParaRPr lang="hu-HU"/>
           </a:p>
@@ -4077,7 +4078,7 @@
           <a:p>
             <a:fld id="{8A946B64-D034-4954-AA20-D2A99A6A760F}" type="datetimeFigureOut">
               <a:rPr lang="hu-HU" smtClean="0"/>
-              <a:t>2022.09.20.</a:t>
+              <a:t>2022.09.21.</a:t>
             </a:fld>
             <a:endParaRPr lang="hu-HU"/>
           </a:p>
@@ -4369,7 +4370,7 @@
           <a:p>
             <a:fld id="{8A946B64-D034-4954-AA20-D2A99A6A760F}" type="datetimeFigureOut">
               <a:rPr lang="hu-HU" smtClean="0"/>
-              <a:t>2022.09.20.</a:t>
+              <a:t>2022.09.21.</a:t>
             </a:fld>
             <a:endParaRPr lang="hu-HU"/>
           </a:p>
@@ -4813,7 +4814,7 @@
           <a:p>
             <a:fld id="{8A946B64-D034-4954-AA20-D2A99A6A760F}" type="datetimeFigureOut">
               <a:rPr lang="hu-HU" smtClean="0"/>
-              <a:t>2022.09.20.</a:t>
+              <a:t>2022.09.21.</a:t>
             </a:fld>
             <a:endParaRPr lang="hu-HU"/>
           </a:p>
@@ -4931,7 +4932,7 @@
           <a:p>
             <a:fld id="{8A946B64-D034-4954-AA20-D2A99A6A760F}" type="datetimeFigureOut">
               <a:rPr lang="hu-HU" smtClean="0"/>
-              <a:t>2022.09.20.</a:t>
+              <a:t>2022.09.21.</a:t>
             </a:fld>
             <a:endParaRPr lang="hu-HU"/>
           </a:p>
@@ -5026,7 +5027,7 @@
           <a:p>
             <a:fld id="{8A946B64-D034-4954-AA20-D2A99A6A760F}" type="datetimeFigureOut">
               <a:rPr lang="hu-HU" smtClean="0"/>
-              <a:t>2022.09.20.</a:t>
+              <a:t>2022.09.21.</a:t>
             </a:fld>
             <a:endParaRPr lang="hu-HU"/>
           </a:p>
@@ -5305,7 +5306,7 @@
           <a:p>
             <a:fld id="{8A946B64-D034-4954-AA20-D2A99A6A760F}" type="datetimeFigureOut">
               <a:rPr lang="hu-HU" smtClean="0"/>
-              <a:t>2022.09.20.</a:t>
+              <a:t>2022.09.21.</a:t>
             </a:fld>
             <a:endParaRPr lang="hu-HU"/>
           </a:p>
@@ -5580,7 +5581,7 @@
           <a:p>
             <a:fld id="{8A946B64-D034-4954-AA20-D2A99A6A760F}" type="datetimeFigureOut">
               <a:rPr lang="hu-HU" smtClean="0"/>
-              <a:t>2022.09.20.</a:t>
+              <a:t>2022.09.21.</a:t>
             </a:fld>
             <a:endParaRPr lang="hu-HU"/>
           </a:p>
@@ -6009,7 +6010,7 @@
           <a:p>
             <a:fld id="{8A946B64-D034-4954-AA20-D2A99A6A760F}" type="datetimeFigureOut">
               <a:rPr lang="hu-HU" smtClean="0"/>
-              <a:t>2022.09.20.</a:t>
+              <a:t>2022.09.21.</a:t>
             </a:fld>
             <a:endParaRPr lang="hu-HU"/>
           </a:p>
@@ -6600,11 +6601,7 @@
           <a:p>
             <a:r>
               <a:rPr lang="hu-HU" sz="1100" dirty="0" smtClean="0"/>
-              <a:t>Szevasztok </a:t>
-            </a:r>
-            <a:r>
-              <a:rPr lang="hu-HU" sz="1100" dirty="0" smtClean="0"/>
-              <a:t>Barik és tanár úr!</a:t>
+              <a:t>Üdvözlök mindenkit!</a:t>
             </a:r>
             <a:endParaRPr lang="hu-HU" sz="1100" dirty="0"/>
           </a:p>
@@ -6689,7 +6686,7 @@
         </p:nvSpPr>
         <p:spPr>
           <a:xfrm>
-            <a:off x="0" y="1600201"/>
+            <a:off x="0" y="0"/>
             <a:ext cx="7095392" cy="3464169"/>
           </a:xfrm>
         </p:spPr>
@@ -6701,92 +6698,22 @@
           <a:p>
             <a:r>
               <a:rPr lang="hu-HU" sz="5400" b="1" dirty="0" smtClean="0"/>
-              <a:t>Kösz mán, hogy végig nézted bástya! </a:t>
-            </a:r>
-            <a:r>
-              <a:rPr lang="hu-HU" sz="5400" b="1" dirty="0" smtClean="0"/>
-              <a:t>Legyen </a:t>
-            </a:r>
-            <a:r>
-              <a:rPr lang="hu-HU" sz="5400" b="1" dirty="0" smtClean="0"/>
-              <a:t>szé</a:t>
-            </a:r>
-            <a:r>
-              <a:rPr lang="hu-HU" sz="5400" b="1" dirty="0"/>
-              <a:t>p</a:t>
-            </a:r>
-            <a:r>
-              <a:rPr lang="hu-HU" sz="5400" b="1" dirty="0" smtClean="0"/>
-              <a:t> </a:t>
-            </a:r>
-            <a:r>
-              <a:rPr lang="hu-HU" sz="5400" b="1" dirty="0" smtClean="0"/>
-              <a:t>napod </a:t>
-            </a:r>
-            <a:r>
-              <a:rPr lang="hu-HU" sz="5400" b="1" dirty="0" err="1" smtClean="0"/>
-              <a:t>tesim</a:t>
-            </a:r>
-            <a:r>
-              <a:rPr lang="hu-HU" sz="5400" b="1" dirty="0" smtClean="0"/>
-              <a:t>!</a:t>
+              <a:t>Nagyon szépen köszönöm, hogy végig nézted a prezentációmat.</a:t>
             </a:r>
             <a:endParaRPr lang="hu-HU" sz="5400" b="1" dirty="0"/>
-          </a:p>
-        </p:txBody>
-      </p:sp>
-      <p:sp>
-        <p:nvSpPr>
-          <p:cNvPr id="3" name="Alcím 2"/>
-          <p:cNvSpPr>
-            <a:spLocks noGrp="1"/>
-          </p:cNvSpPr>
-          <p:nvPr>
-            <p:ph type="subTitle" idx="1"/>
-          </p:nvPr>
-        </p:nvSpPr>
-        <p:spPr>
-          <a:xfrm>
-            <a:off x="0" y="-45217"/>
-            <a:ext cx="1223158" cy="413352"/>
-          </a:xfrm>
-        </p:spPr>
-        <p:txBody>
-          <a:bodyPr>
-            <a:normAutofit/>
-          </a:bodyPr>
-          <a:lstStyle/>
-          <a:p>
-            <a:r>
-              <a:rPr lang="hu-HU" sz="1050" dirty="0" err="1" smtClean="0"/>
-              <a:t>Puszcsi</a:t>
-            </a:r>
-            <a:r>
-              <a:rPr lang="hu-HU" sz="1050" dirty="0" smtClean="0"/>
-              <a:t> a </a:t>
-            </a:r>
-            <a:r>
-              <a:rPr lang="hu-HU" sz="1050" dirty="0" err="1" smtClean="0"/>
-              <a:t>poszcsitokra</a:t>
-            </a:r>
-            <a:r>
-              <a:rPr lang="hu-HU" sz="1050" dirty="0" smtClean="0"/>
-              <a:t>!</a:t>
-            </a:r>
-            <a:endParaRPr lang="hu-HU" sz="1050" dirty="0"/>
           </a:p>
         </p:txBody>
       </p:sp>
       <p:pic>
         <p:nvPicPr>
-          <p:cNvPr id="4" name="Kép 3"/>
+          <p:cNvPr id="5" name="Kép 4"/>
           <p:cNvPicPr>
             <a:picLocks noChangeAspect="1"/>
           </p:cNvPicPr>
           <p:nvPr/>
         </p:nvPicPr>
         <p:blipFill>
-          <a:blip r:embed="rId2" cstate="print">
+          <a:blip r:embed="rId2">
             <a:extLst>
               <a:ext uri="{28A0092B-C50C-407E-A947-70E740481C1C}">
                 <a14:useLocalDpi xmlns:a14="http://schemas.microsoft.com/office/drawing/2010/main" val="0"/>
@@ -6799,38 +6726,8 @@
         </p:blipFill>
         <p:spPr>
           <a:xfrm>
-            <a:off x="1116279" y="0"/>
-            <a:ext cx="415637" cy="402877"/>
-          </a:xfrm>
-          <a:prstGeom prst="rect">
-            <a:avLst/>
-          </a:prstGeom>
-        </p:spPr>
-      </p:pic>
-      <p:pic>
-        <p:nvPicPr>
-          <p:cNvPr id="5" name="Kép 4"/>
-          <p:cNvPicPr>
-            <a:picLocks noChangeAspect="1"/>
-          </p:cNvPicPr>
-          <p:nvPr/>
-        </p:nvPicPr>
-        <p:blipFill>
-          <a:blip r:embed="rId3">
-            <a:extLst>
-              <a:ext uri="{28A0092B-C50C-407E-A947-70E740481C1C}">
-                <a14:useLocalDpi xmlns:a14="http://schemas.microsoft.com/office/drawing/2010/main" val="0"/>
-              </a:ext>
-            </a:extLst>
-          </a:blip>
-          <a:stretch>
-            <a:fillRect/>
-          </a:stretch>
-        </p:blipFill>
-        <p:spPr>
-          <a:xfrm>
-            <a:off x="7095392" y="1753098"/>
-            <a:ext cx="5113424" cy="5104902"/>
+            <a:off x="5618613" y="278780"/>
+            <a:ext cx="6590203" cy="6579220"/>
           </a:xfrm>
           <a:prstGeom prst="rect">
             <a:avLst/>
@@ -6871,6 +6768,112 @@
     <p:extLst>
       <p:ext uri="{BB962C8B-B14F-4D97-AF65-F5344CB8AC3E}">
         <p14:creationId xmlns:p14="http://schemas.microsoft.com/office/powerpoint/2010/main" val="4153753542"/>
+      </p:ext>
+    </p:extLst>
+  </p:cSld>
+  <p:clrMapOvr>
+    <a:masterClrMapping/>
+  </p:clrMapOvr>
+  <p:timing>
+    <p:tnLst>
+      <p:par>
+        <p:cTn id="1" dur="indefinite" restart="never" nodeType="tmRoot"/>
+      </p:par>
+    </p:tnLst>
+  </p:timing>
+</p:sld>
+</file>
+
+<file path=ppt/slides/slide11.xml><?xml version="1.0" encoding="utf-8"?>
+<p:sld xmlns:a="http://schemas.openxmlformats.org/drawingml/2006/main" xmlns:r="http://schemas.openxmlformats.org/officeDocument/2006/relationships" xmlns:p="http://schemas.openxmlformats.org/presentationml/2006/main">
+  <p:cSld>
+    <p:bg>
+      <p:bgPr>
+        <a:blipFill dpi="0" rotWithShape="1">
+          <a:blip r:embed="rId2">
+            <a:lum/>
+          </a:blip>
+          <a:srcRect/>
+          <a:stretch>
+            <a:fillRect/>
+          </a:stretch>
+        </a:blipFill>
+        <a:effectLst/>
+      </p:bgPr>
+    </p:bg>
+    <p:spTree>
+      <p:nvGrpSpPr>
+        <p:cNvPr id="1" name=""/>
+        <p:cNvGrpSpPr/>
+        <p:nvPr/>
+      </p:nvGrpSpPr>
+      <p:grpSpPr>
+        <a:xfrm>
+          <a:off x="0" y="0"/>
+          <a:ext cx="0" cy="0"/>
+          <a:chOff x="0" y="0"/>
+          <a:chExt cx="0" cy="0"/>
+        </a:xfrm>
+      </p:grpSpPr>
+      <p:sp>
+        <p:nvSpPr>
+          <p:cNvPr id="2" name="Cím 1"/>
+          <p:cNvSpPr>
+            <a:spLocks noGrp="1"/>
+          </p:cNvSpPr>
+          <p:nvPr>
+            <p:ph type="ctrTitle"/>
+          </p:nvPr>
+        </p:nvSpPr>
+        <p:spPr>
+          <a:xfrm>
+            <a:off x="2098568" y="4680457"/>
+            <a:ext cx="7446265" cy="2071072"/>
+          </a:xfrm>
+        </p:spPr>
+        <p:txBody>
+          <a:bodyPr/>
+          <a:lstStyle/>
+          <a:p>
+            <a:r>
+              <a:rPr lang="hu-HU" sz="6600" dirty="0" smtClean="0"/>
+              <a:t>Tanár úr, megvan az ötös?</a:t>
+            </a:r>
+            <a:endParaRPr lang="hu-HU" sz="6600" dirty="0"/>
+          </a:p>
+        </p:txBody>
+      </p:sp>
+      <p:sp>
+        <p:nvSpPr>
+          <p:cNvPr id="3" name="Alcím 2"/>
+          <p:cNvSpPr>
+            <a:spLocks noGrp="1"/>
+          </p:cNvSpPr>
+          <p:nvPr>
+            <p:ph type="subTitle" idx="1"/>
+          </p:nvPr>
+        </p:nvSpPr>
+        <p:spPr>
+          <a:xfrm>
+            <a:off x="0" y="0"/>
+            <a:ext cx="6059884" cy="396786"/>
+          </a:xfrm>
+        </p:spPr>
+        <p:txBody>
+          <a:bodyPr/>
+          <a:lstStyle/>
+          <a:p>
+            <a:r>
+              <a:rPr lang="hu-HU" dirty="0"/>
+              <a:t>Ez a dia már nem része a prezentációnak!</a:t>
+            </a:r>
+          </a:p>
+        </p:txBody>
+      </p:sp>
+    </p:spTree>
+    <p:extLst>
+      <p:ext uri="{BB962C8B-B14F-4D97-AF65-F5344CB8AC3E}">
+        <p14:creationId xmlns:p14="http://schemas.microsoft.com/office/powerpoint/2010/main" val="1786990328"/>
       </p:ext>
     </p:extLst>
   </p:cSld>
@@ -7679,8 +7682,8 @@
         </p:nvSpPr>
         <p:spPr>
           <a:xfrm>
-            <a:off x="8926285" y="5657671"/>
-            <a:ext cx="3265715" cy="1200329"/>
+            <a:off x="8926285" y="5145161"/>
+            <a:ext cx="3265715" cy="1754326"/>
           </a:xfrm>
           <a:prstGeom prst="rect">
             <a:avLst/>
@@ -7699,15 +7702,32 @@
             </a:r>
             <a:r>
               <a:rPr lang="hu-HU" b="1" dirty="0" smtClean="0"/>
-              <a:t> – Felhasználó</a:t>
+              <a:t> – </a:t>
+            </a:r>
+            <a:r>
+              <a:rPr lang="hu-HU" b="1" dirty="0" smtClean="0"/>
+              <a:t>Felhasználó</a:t>
+            </a:r>
+          </a:p>
+          <a:p>
+            <a:r>
+              <a:rPr lang="hu-HU" b="1" dirty="0" smtClean="0"/>
+              <a:t/>
             </a:r>
             <a:br>
               <a:rPr lang="hu-HU" b="1" dirty="0" smtClean="0"/>
             </a:br>
             <a:r>
               <a:rPr lang="hu-HU" b="1" dirty="0" smtClean="0"/>
-              <a:t>Manager – Menedzser</a:t>
-            </a:r>
+              <a:t>Manager – </a:t>
+            </a:r>
+            <a:r>
+              <a:rPr lang="hu-HU" b="1" dirty="0" smtClean="0"/>
+              <a:t>Menedzser</a:t>
+            </a:r>
+          </a:p>
+          <a:p>
+            <a:endParaRPr lang="hu-HU" b="1" dirty="0" smtClean="0"/>
           </a:p>
           <a:p>
             <a:r>
@@ -7733,7 +7753,544 @@
   <p:timing>
     <p:tnLst>
       <p:par>
-        <p:cTn id="1" dur="indefinite" restart="never" nodeType="tmRoot"/>
+        <p:cTn id="1" dur="indefinite" restart="never" nodeType="tmRoot">
+          <p:childTnLst>
+            <p:seq concurrent="1" nextAc="seek">
+              <p:cTn id="2" dur="indefinite" nodeType="mainSeq">
+                <p:childTnLst>
+                  <p:par>
+                    <p:cTn id="3" fill="hold">
+                      <p:stCondLst>
+                        <p:cond delay="indefinite"/>
+                      </p:stCondLst>
+                      <p:childTnLst>
+                        <p:par>
+                          <p:cTn id="4" fill="hold">
+                            <p:stCondLst>
+                              <p:cond delay="0"/>
+                            </p:stCondLst>
+                            <p:childTnLst>
+                              <p:par>
+                                <p:cTn id="5" presetID="42" presetClass="entr" presetSubtype="0" fill="hold" nodeType="clickEffect">
+                                  <p:stCondLst>
+                                    <p:cond delay="0"/>
+                                  </p:stCondLst>
+                                  <p:childTnLst>
+                                    <p:set>
+                                      <p:cBhvr>
+                                        <p:cTn id="6" dur="1" fill="hold">
+                                          <p:stCondLst>
+                                            <p:cond delay="0"/>
+                                          </p:stCondLst>
+                                        </p:cTn>
+                                        <p:tgtEl>
+                                          <p:spTgt spid="7"/>
+                                        </p:tgtEl>
+                                        <p:attrNameLst>
+                                          <p:attrName>style.visibility</p:attrName>
+                                        </p:attrNameLst>
+                                      </p:cBhvr>
+                                      <p:to>
+                                        <p:strVal val="visible"/>
+                                      </p:to>
+                                    </p:set>
+                                    <p:animEffect transition="in" filter="fade">
+                                      <p:cBhvr>
+                                        <p:cTn id="7" dur="2000"/>
+                                        <p:tgtEl>
+                                          <p:spTgt spid="7"/>
+                                        </p:tgtEl>
+                                      </p:cBhvr>
+                                    </p:animEffect>
+                                    <p:anim calcmode="lin" valueType="num">
+                                      <p:cBhvr>
+                                        <p:cTn id="8" dur="2000" fill="hold"/>
+                                        <p:tgtEl>
+                                          <p:spTgt spid="7"/>
+                                        </p:tgtEl>
+                                        <p:attrNameLst>
+                                          <p:attrName>ppt_x</p:attrName>
+                                        </p:attrNameLst>
+                                      </p:cBhvr>
+                                      <p:tavLst>
+                                        <p:tav tm="0">
+                                          <p:val>
+                                            <p:strVal val="#ppt_x"/>
+                                          </p:val>
+                                        </p:tav>
+                                        <p:tav tm="100000">
+                                          <p:val>
+                                            <p:strVal val="#ppt_x"/>
+                                          </p:val>
+                                        </p:tav>
+                                      </p:tavLst>
+                                    </p:anim>
+                                    <p:anim calcmode="lin" valueType="num">
+                                      <p:cBhvr>
+                                        <p:cTn id="9" dur="2000" fill="hold"/>
+                                        <p:tgtEl>
+                                          <p:spTgt spid="7"/>
+                                        </p:tgtEl>
+                                        <p:attrNameLst>
+                                          <p:attrName>ppt_y</p:attrName>
+                                        </p:attrNameLst>
+                                      </p:cBhvr>
+                                      <p:tavLst>
+                                        <p:tav tm="0">
+                                          <p:val>
+                                            <p:strVal val="#ppt_y+.1"/>
+                                          </p:val>
+                                        </p:tav>
+                                        <p:tav tm="100000">
+                                          <p:val>
+                                            <p:strVal val="#ppt_y"/>
+                                          </p:val>
+                                        </p:tav>
+                                      </p:tavLst>
+                                    </p:anim>
+                                  </p:childTnLst>
+                                </p:cTn>
+                              </p:par>
+                              <p:par>
+                                <p:cTn id="10" presetID="42" presetClass="entr" presetSubtype="0" fill="hold" nodeType="withEffect">
+                                  <p:stCondLst>
+                                    <p:cond delay="0"/>
+                                  </p:stCondLst>
+                                  <p:childTnLst>
+                                    <p:set>
+                                      <p:cBhvr>
+                                        <p:cTn id="11" dur="1" fill="hold">
+                                          <p:stCondLst>
+                                            <p:cond delay="0"/>
+                                          </p:stCondLst>
+                                        </p:cTn>
+                                        <p:tgtEl>
+                                          <p:spTgt spid="3">
+                                            <p:txEl>
+                                              <p:pRg st="0" end="0"/>
+                                            </p:txEl>
+                                          </p:spTgt>
+                                        </p:tgtEl>
+                                        <p:attrNameLst>
+                                          <p:attrName>style.visibility</p:attrName>
+                                        </p:attrNameLst>
+                                      </p:cBhvr>
+                                      <p:to>
+                                        <p:strVal val="visible"/>
+                                      </p:to>
+                                    </p:set>
+                                    <p:animEffect transition="in" filter="fade">
+                                      <p:cBhvr>
+                                        <p:cTn id="12" dur="2000"/>
+                                        <p:tgtEl>
+                                          <p:spTgt spid="3">
+                                            <p:txEl>
+                                              <p:pRg st="0" end="0"/>
+                                            </p:txEl>
+                                          </p:spTgt>
+                                        </p:tgtEl>
+                                      </p:cBhvr>
+                                    </p:animEffect>
+                                    <p:anim calcmode="lin" valueType="num">
+                                      <p:cBhvr>
+                                        <p:cTn id="13" dur="2000" fill="hold"/>
+                                        <p:tgtEl>
+                                          <p:spTgt spid="3">
+                                            <p:txEl>
+                                              <p:pRg st="0" end="0"/>
+                                            </p:txEl>
+                                          </p:spTgt>
+                                        </p:tgtEl>
+                                        <p:attrNameLst>
+                                          <p:attrName>ppt_x</p:attrName>
+                                        </p:attrNameLst>
+                                      </p:cBhvr>
+                                      <p:tavLst>
+                                        <p:tav tm="0">
+                                          <p:val>
+                                            <p:strVal val="#ppt_x"/>
+                                          </p:val>
+                                        </p:tav>
+                                        <p:tav tm="100000">
+                                          <p:val>
+                                            <p:strVal val="#ppt_x"/>
+                                          </p:val>
+                                        </p:tav>
+                                      </p:tavLst>
+                                    </p:anim>
+                                    <p:anim calcmode="lin" valueType="num">
+                                      <p:cBhvr>
+                                        <p:cTn id="14" dur="2000" fill="hold"/>
+                                        <p:tgtEl>
+                                          <p:spTgt spid="3">
+                                            <p:txEl>
+                                              <p:pRg st="0" end="0"/>
+                                            </p:txEl>
+                                          </p:spTgt>
+                                        </p:tgtEl>
+                                        <p:attrNameLst>
+                                          <p:attrName>ppt_y</p:attrName>
+                                        </p:attrNameLst>
+                                      </p:cBhvr>
+                                      <p:tavLst>
+                                        <p:tav tm="0">
+                                          <p:val>
+                                            <p:strVal val="#ppt_y+.1"/>
+                                          </p:val>
+                                        </p:tav>
+                                        <p:tav tm="100000">
+                                          <p:val>
+                                            <p:strVal val="#ppt_y"/>
+                                          </p:val>
+                                        </p:tav>
+                                      </p:tavLst>
+                                    </p:anim>
+                                  </p:childTnLst>
+                                </p:cTn>
+                              </p:par>
+                            </p:childTnLst>
+                          </p:cTn>
+                        </p:par>
+                      </p:childTnLst>
+                    </p:cTn>
+                  </p:par>
+                  <p:par>
+                    <p:cTn id="15" fill="hold">
+                      <p:stCondLst>
+                        <p:cond delay="indefinite"/>
+                      </p:stCondLst>
+                      <p:childTnLst>
+                        <p:par>
+                          <p:cTn id="16" fill="hold">
+                            <p:stCondLst>
+                              <p:cond delay="0"/>
+                            </p:stCondLst>
+                            <p:childTnLst>
+                              <p:par>
+                                <p:cTn id="17" presetID="2" presetClass="entr" presetSubtype="4" fill="hold" nodeType="clickEffect">
+                                  <p:stCondLst>
+                                    <p:cond delay="0"/>
+                                  </p:stCondLst>
+                                  <p:childTnLst>
+                                    <p:set>
+                                      <p:cBhvr>
+                                        <p:cTn id="18" dur="1" fill="hold">
+                                          <p:stCondLst>
+                                            <p:cond delay="0"/>
+                                          </p:stCondLst>
+                                        </p:cTn>
+                                        <p:tgtEl>
+                                          <p:spTgt spid="6"/>
+                                        </p:tgtEl>
+                                        <p:attrNameLst>
+                                          <p:attrName>style.visibility</p:attrName>
+                                        </p:attrNameLst>
+                                      </p:cBhvr>
+                                      <p:to>
+                                        <p:strVal val="visible"/>
+                                      </p:to>
+                                    </p:set>
+                                    <p:anim calcmode="lin" valueType="num">
+                                      <p:cBhvr additive="base">
+                                        <p:cTn id="19" dur="2000" fill="hold"/>
+                                        <p:tgtEl>
+                                          <p:spTgt spid="6"/>
+                                        </p:tgtEl>
+                                        <p:attrNameLst>
+                                          <p:attrName>ppt_x</p:attrName>
+                                        </p:attrNameLst>
+                                      </p:cBhvr>
+                                      <p:tavLst>
+                                        <p:tav tm="0">
+                                          <p:val>
+                                            <p:strVal val="#ppt_x"/>
+                                          </p:val>
+                                        </p:tav>
+                                        <p:tav tm="100000">
+                                          <p:val>
+                                            <p:strVal val="#ppt_x"/>
+                                          </p:val>
+                                        </p:tav>
+                                      </p:tavLst>
+                                    </p:anim>
+                                    <p:anim calcmode="lin" valueType="num">
+                                      <p:cBhvr additive="base">
+                                        <p:cTn id="20" dur="2000" fill="hold"/>
+                                        <p:tgtEl>
+                                          <p:spTgt spid="6"/>
+                                        </p:tgtEl>
+                                        <p:attrNameLst>
+                                          <p:attrName>ppt_y</p:attrName>
+                                        </p:attrNameLst>
+                                      </p:cBhvr>
+                                      <p:tavLst>
+                                        <p:tav tm="0">
+                                          <p:val>
+                                            <p:strVal val="1+#ppt_h/2"/>
+                                          </p:val>
+                                        </p:tav>
+                                        <p:tav tm="100000">
+                                          <p:val>
+                                            <p:strVal val="#ppt_y"/>
+                                          </p:val>
+                                        </p:tav>
+                                      </p:tavLst>
+                                    </p:anim>
+                                  </p:childTnLst>
+                                </p:cTn>
+                              </p:par>
+                              <p:par>
+                                <p:cTn id="21" presetID="10" presetClass="entr" presetSubtype="0" fill="hold" nodeType="withEffect">
+                                  <p:stCondLst>
+                                    <p:cond delay="0"/>
+                                  </p:stCondLst>
+                                  <p:childTnLst>
+                                    <p:set>
+                                      <p:cBhvr>
+                                        <p:cTn id="22" dur="1" fill="hold">
+                                          <p:stCondLst>
+                                            <p:cond delay="0"/>
+                                          </p:stCondLst>
+                                        </p:cTn>
+                                        <p:tgtEl>
+                                          <p:spTgt spid="3">
+                                            <p:txEl>
+                                              <p:pRg st="3" end="3"/>
+                                            </p:txEl>
+                                          </p:spTgt>
+                                        </p:tgtEl>
+                                        <p:attrNameLst>
+                                          <p:attrName>style.visibility</p:attrName>
+                                        </p:attrNameLst>
+                                      </p:cBhvr>
+                                      <p:to>
+                                        <p:strVal val="visible"/>
+                                      </p:to>
+                                    </p:set>
+                                    <p:animEffect transition="in" filter="fade">
+                                      <p:cBhvr>
+                                        <p:cTn id="23" dur="2000"/>
+                                        <p:tgtEl>
+                                          <p:spTgt spid="3">
+                                            <p:txEl>
+                                              <p:pRg st="3" end="3"/>
+                                            </p:txEl>
+                                          </p:spTgt>
+                                        </p:tgtEl>
+                                      </p:cBhvr>
+                                    </p:animEffect>
+                                  </p:childTnLst>
+                                </p:cTn>
+                              </p:par>
+                            </p:childTnLst>
+                          </p:cTn>
+                        </p:par>
+                      </p:childTnLst>
+                    </p:cTn>
+                  </p:par>
+                  <p:par>
+                    <p:cTn id="24" fill="hold">
+                      <p:stCondLst>
+                        <p:cond delay="indefinite"/>
+                      </p:stCondLst>
+                      <p:childTnLst>
+                        <p:par>
+                          <p:cTn id="25" fill="hold">
+                            <p:stCondLst>
+                              <p:cond delay="0"/>
+                            </p:stCondLst>
+                            <p:childTnLst>
+                              <p:par>
+                                <p:cTn id="26" presetID="42" presetClass="entr" presetSubtype="0" fill="hold" nodeType="clickEffect">
+                                  <p:stCondLst>
+                                    <p:cond delay="0"/>
+                                  </p:stCondLst>
+                                  <p:childTnLst>
+                                    <p:set>
+                                      <p:cBhvr>
+                                        <p:cTn id="27" dur="1" fill="hold">
+                                          <p:stCondLst>
+                                            <p:cond delay="0"/>
+                                          </p:stCondLst>
+                                        </p:cTn>
+                                        <p:tgtEl>
+                                          <p:spTgt spid="5"/>
+                                        </p:tgtEl>
+                                        <p:attrNameLst>
+                                          <p:attrName>style.visibility</p:attrName>
+                                        </p:attrNameLst>
+                                      </p:cBhvr>
+                                      <p:to>
+                                        <p:strVal val="visible"/>
+                                      </p:to>
+                                    </p:set>
+                                    <p:animEffect transition="in" filter="fade">
+                                      <p:cBhvr>
+                                        <p:cTn id="28" dur="2000"/>
+                                        <p:tgtEl>
+                                          <p:spTgt spid="5"/>
+                                        </p:tgtEl>
+                                      </p:cBhvr>
+                                    </p:animEffect>
+                                    <p:anim calcmode="lin" valueType="num">
+                                      <p:cBhvr>
+                                        <p:cTn id="29" dur="2000" fill="hold"/>
+                                        <p:tgtEl>
+                                          <p:spTgt spid="5"/>
+                                        </p:tgtEl>
+                                        <p:attrNameLst>
+                                          <p:attrName>ppt_x</p:attrName>
+                                        </p:attrNameLst>
+                                      </p:cBhvr>
+                                      <p:tavLst>
+                                        <p:tav tm="0">
+                                          <p:val>
+                                            <p:strVal val="#ppt_x"/>
+                                          </p:val>
+                                        </p:tav>
+                                        <p:tav tm="100000">
+                                          <p:val>
+                                            <p:strVal val="#ppt_x"/>
+                                          </p:val>
+                                        </p:tav>
+                                      </p:tavLst>
+                                    </p:anim>
+                                    <p:anim calcmode="lin" valueType="num">
+                                      <p:cBhvr>
+                                        <p:cTn id="30" dur="2000" fill="hold"/>
+                                        <p:tgtEl>
+                                          <p:spTgt spid="5"/>
+                                        </p:tgtEl>
+                                        <p:attrNameLst>
+                                          <p:attrName>ppt_y</p:attrName>
+                                        </p:attrNameLst>
+                                      </p:cBhvr>
+                                      <p:tavLst>
+                                        <p:tav tm="0">
+                                          <p:val>
+                                            <p:strVal val="#ppt_y+.1"/>
+                                          </p:val>
+                                        </p:tav>
+                                        <p:tav tm="100000">
+                                          <p:val>
+                                            <p:strVal val="#ppt_y"/>
+                                          </p:val>
+                                        </p:tav>
+                                      </p:tavLst>
+                                    </p:anim>
+                                  </p:childTnLst>
+                                </p:cTn>
+                              </p:par>
+                              <p:par>
+                                <p:cTn id="31" presetID="2" presetClass="entr" presetSubtype="4" fill="hold" nodeType="withEffect">
+                                  <p:stCondLst>
+                                    <p:cond delay="0"/>
+                                  </p:stCondLst>
+                                  <p:childTnLst>
+                                    <p:set>
+                                      <p:cBhvr>
+                                        <p:cTn id="32" dur="1" fill="hold">
+                                          <p:stCondLst>
+                                            <p:cond delay="0"/>
+                                          </p:stCondLst>
+                                        </p:cTn>
+                                        <p:tgtEl>
+                                          <p:spTgt spid="3">
+                                            <p:txEl>
+                                              <p:pRg st="1" end="1"/>
+                                            </p:txEl>
+                                          </p:spTgt>
+                                        </p:tgtEl>
+                                        <p:attrNameLst>
+                                          <p:attrName>style.visibility</p:attrName>
+                                        </p:attrNameLst>
+                                      </p:cBhvr>
+                                      <p:to>
+                                        <p:strVal val="visible"/>
+                                      </p:to>
+                                    </p:set>
+                                    <p:anim calcmode="lin" valueType="num">
+                                      <p:cBhvr additive="base">
+                                        <p:cTn id="33" dur="2000" fill="hold"/>
+                                        <p:tgtEl>
+                                          <p:spTgt spid="3">
+                                            <p:txEl>
+                                              <p:pRg st="1" end="1"/>
+                                            </p:txEl>
+                                          </p:spTgt>
+                                        </p:tgtEl>
+                                        <p:attrNameLst>
+                                          <p:attrName>ppt_x</p:attrName>
+                                        </p:attrNameLst>
+                                      </p:cBhvr>
+                                      <p:tavLst>
+                                        <p:tav tm="0">
+                                          <p:val>
+                                            <p:strVal val="#ppt_x"/>
+                                          </p:val>
+                                        </p:tav>
+                                        <p:tav tm="100000">
+                                          <p:val>
+                                            <p:strVal val="#ppt_x"/>
+                                          </p:val>
+                                        </p:tav>
+                                      </p:tavLst>
+                                    </p:anim>
+                                    <p:anim calcmode="lin" valueType="num">
+                                      <p:cBhvr additive="base">
+                                        <p:cTn id="34" dur="2000" fill="hold"/>
+                                        <p:tgtEl>
+                                          <p:spTgt spid="3">
+                                            <p:txEl>
+                                              <p:pRg st="1" end="1"/>
+                                            </p:txEl>
+                                          </p:spTgt>
+                                        </p:tgtEl>
+                                        <p:attrNameLst>
+                                          <p:attrName>ppt_y</p:attrName>
+                                        </p:attrNameLst>
+                                      </p:cBhvr>
+                                      <p:tavLst>
+                                        <p:tav tm="0">
+                                          <p:val>
+                                            <p:strVal val="1+#ppt_h/2"/>
+                                          </p:val>
+                                        </p:tav>
+                                        <p:tav tm="100000">
+                                          <p:val>
+                                            <p:strVal val="#ppt_y"/>
+                                          </p:val>
+                                        </p:tav>
+                                      </p:tavLst>
+                                    </p:anim>
+                                  </p:childTnLst>
+                                </p:cTn>
+                              </p:par>
+                            </p:childTnLst>
+                          </p:cTn>
+                        </p:par>
+                      </p:childTnLst>
+                    </p:cTn>
+                  </p:par>
+                </p:childTnLst>
+              </p:cTn>
+              <p:prevCondLst>
+                <p:cond evt="onPrev" delay="0">
+                  <p:tgtEl>
+                    <p:sldTgt/>
+                  </p:tgtEl>
+                </p:cond>
+              </p:prevCondLst>
+              <p:nextCondLst>
+                <p:cond evt="onNext" delay="0">
+                  <p:tgtEl>
+                    <p:sldTgt/>
+                  </p:tgtEl>
+                </p:cond>
+              </p:nextCondLst>
+            </p:seq>
+          </p:childTnLst>
+        </p:cTn>
       </p:par>
     </p:tnLst>
   </p:timing>
@@ -7783,7 +8340,11 @@
             </a:r>
             <a:r>
               <a:rPr lang="hu-HU" dirty="0" smtClean="0"/>
-              <a:t> megbeszélések</a:t>
+              <a:t> </a:t>
+            </a:r>
+            <a:r>
+              <a:rPr lang="hu-HU" dirty="0" smtClean="0"/>
+              <a:t>események</a:t>
             </a:r>
             <a:endParaRPr lang="hu-HU" dirty="0"/>
           </a:p>
@@ -7865,19 +8426,131 @@
             </a:r>
             <a:r>
               <a:rPr lang="hu-HU" b="1" dirty="0" smtClean="0"/>
-              <a:t> (Sprint </a:t>
-            </a:r>
-            <a:r>
-              <a:rPr lang="hu-HU" b="1" dirty="0" smtClean="0"/>
-              <a:t>Retrospektív</a:t>
-            </a:r>
-            <a:r>
-              <a:rPr lang="hu-HU" b="1" dirty="0" smtClean="0"/>
-              <a:t>)</a:t>
-            </a:r>
-          </a:p>
-        </p:txBody>
-      </p:sp>
+              <a:t> (Sprint Retrospektív)</a:t>
+            </a:r>
+          </a:p>
+        </p:txBody>
+      </p:sp>
+      <p:pic>
+        <p:nvPicPr>
+          <p:cNvPr id="4" name="Kép 3"/>
+          <p:cNvPicPr>
+            <a:picLocks noChangeAspect="1"/>
+          </p:cNvPicPr>
+          <p:nvPr/>
+        </p:nvPicPr>
+        <p:blipFill>
+          <a:blip r:embed="rId2" cstate="print">
+            <a:extLst>
+              <a:ext uri="{28A0092B-C50C-407E-A947-70E740481C1C}">
+                <a14:useLocalDpi xmlns:a14="http://schemas.microsoft.com/office/drawing/2010/main" val="0"/>
+              </a:ext>
+            </a:extLst>
+          </a:blip>
+          <a:stretch>
+            <a:fillRect/>
+          </a:stretch>
+        </p:blipFill>
+        <p:spPr>
+          <a:xfrm>
+            <a:off x="0" y="3546088"/>
+            <a:ext cx="4475343" cy="3311912"/>
+          </a:xfrm>
+          <a:prstGeom prst="rect">
+            <a:avLst/>
+          </a:prstGeom>
+        </p:spPr>
+      </p:pic>
+      <p:pic>
+        <p:nvPicPr>
+          <p:cNvPr id="5" name="Kép 4"/>
+          <p:cNvPicPr>
+            <a:picLocks noChangeAspect="1"/>
+          </p:cNvPicPr>
+          <p:nvPr/>
+        </p:nvPicPr>
+        <p:blipFill>
+          <a:blip r:embed="rId3">
+            <a:extLst>
+              <a:ext uri="{28A0092B-C50C-407E-A947-70E740481C1C}">
+                <a14:useLocalDpi xmlns:a14="http://schemas.microsoft.com/office/drawing/2010/main" val="0"/>
+              </a:ext>
+            </a:extLst>
+          </a:blip>
+          <a:stretch>
+            <a:fillRect/>
+          </a:stretch>
+        </p:blipFill>
+        <p:spPr>
+          <a:xfrm>
+            <a:off x="8910447" y="4400002"/>
+            <a:ext cx="3281554" cy="2457998"/>
+          </a:xfrm>
+          <a:prstGeom prst="rect">
+            <a:avLst/>
+          </a:prstGeom>
+        </p:spPr>
+      </p:pic>
+      <p:pic>
+        <p:nvPicPr>
+          <p:cNvPr id="6" name="Kép 5"/>
+          <p:cNvPicPr>
+            <a:picLocks noChangeAspect="1"/>
+          </p:cNvPicPr>
+          <p:nvPr/>
+        </p:nvPicPr>
+        <p:blipFill>
+          <a:blip r:embed="rId4">
+            <a:extLst>
+              <a:ext uri="{28A0092B-C50C-407E-A947-70E740481C1C}">
+                <a14:useLocalDpi xmlns:a14="http://schemas.microsoft.com/office/drawing/2010/main" val="0"/>
+              </a:ext>
+            </a:extLst>
+          </a:blip>
+          <a:stretch>
+            <a:fillRect/>
+          </a:stretch>
+        </p:blipFill>
+        <p:spPr>
+          <a:xfrm>
+            <a:off x="5628892" y="1325563"/>
+            <a:ext cx="6563107" cy="1694521"/>
+          </a:xfrm>
+          <a:prstGeom prst="rect">
+            <a:avLst/>
+          </a:prstGeom>
+        </p:spPr>
+      </p:pic>
+      <p:pic>
+        <p:nvPicPr>
+          <p:cNvPr id="7" name="Kép 6"/>
+          <p:cNvPicPr>
+            <a:picLocks noChangeAspect="1"/>
+          </p:cNvPicPr>
+          <p:nvPr/>
+        </p:nvPicPr>
+        <p:blipFill>
+          <a:blip r:embed="rId5">
+            <a:extLst>
+              <a:ext uri="{28A0092B-C50C-407E-A947-70E740481C1C}">
+                <a14:useLocalDpi xmlns:a14="http://schemas.microsoft.com/office/drawing/2010/main" val="0"/>
+              </a:ext>
+            </a:extLst>
+          </a:blip>
+          <a:stretch>
+            <a:fillRect/>
+          </a:stretch>
+        </p:blipFill>
+        <p:spPr>
+          <a:xfrm>
+            <a:off x="4475343" y="4527839"/>
+            <a:ext cx="4435103" cy="2330161"/>
+          </a:xfrm>
+          <a:prstGeom prst="rect">
+            <a:avLst/>
+          </a:prstGeom>
+        </p:spPr>
+      </p:pic>
     </p:spTree>
     <p:extLst>
       <p:ext uri="{BB962C8B-B14F-4D97-AF65-F5344CB8AC3E}">
@@ -7891,7 +8564,831 @@
   <p:timing>
     <p:tnLst>
       <p:par>
-        <p:cTn id="1" dur="indefinite" restart="never" nodeType="tmRoot"/>
+        <p:cTn id="1" dur="indefinite" restart="never" nodeType="tmRoot">
+          <p:childTnLst>
+            <p:seq concurrent="1" nextAc="seek">
+              <p:cTn id="2" dur="indefinite" nodeType="mainSeq">
+                <p:childTnLst>
+                  <p:par>
+                    <p:cTn id="3" fill="hold">
+                      <p:stCondLst>
+                        <p:cond delay="indefinite"/>
+                      </p:stCondLst>
+                      <p:childTnLst>
+                        <p:par>
+                          <p:cTn id="4" fill="hold">
+                            <p:stCondLst>
+                              <p:cond delay="0"/>
+                            </p:stCondLst>
+                            <p:childTnLst>
+                              <p:par>
+                                <p:cTn id="5" presetID="2" presetClass="entr" presetSubtype="4" fill="hold" nodeType="clickEffect">
+                                  <p:stCondLst>
+                                    <p:cond delay="0"/>
+                                  </p:stCondLst>
+                                  <p:childTnLst>
+                                    <p:set>
+                                      <p:cBhvr>
+                                        <p:cTn id="6" dur="1" fill="hold">
+                                          <p:stCondLst>
+                                            <p:cond delay="0"/>
+                                          </p:stCondLst>
+                                        </p:cTn>
+                                        <p:tgtEl>
+                                          <p:spTgt spid="6"/>
+                                        </p:tgtEl>
+                                        <p:attrNameLst>
+                                          <p:attrName>style.visibility</p:attrName>
+                                        </p:attrNameLst>
+                                      </p:cBhvr>
+                                      <p:to>
+                                        <p:strVal val="visible"/>
+                                      </p:to>
+                                    </p:set>
+                                    <p:anim calcmode="lin" valueType="num">
+                                      <p:cBhvr additive="base">
+                                        <p:cTn id="7" dur="2000" fill="hold"/>
+                                        <p:tgtEl>
+                                          <p:spTgt spid="6"/>
+                                        </p:tgtEl>
+                                        <p:attrNameLst>
+                                          <p:attrName>ppt_x</p:attrName>
+                                        </p:attrNameLst>
+                                      </p:cBhvr>
+                                      <p:tavLst>
+                                        <p:tav tm="0">
+                                          <p:val>
+                                            <p:strVal val="#ppt_x"/>
+                                          </p:val>
+                                        </p:tav>
+                                        <p:tav tm="100000">
+                                          <p:val>
+                                            <p:strVal val="#ppt_x"/>
+                                          </p:val>
+                                        </p:tav>
+                                      </p:tavLst>
+                                    </p:anim>
+                                    <p:anim calcmode="lin" valueType="num">
+                                      <p:cBhvr additive="base">
+                                        <p:cTn id="8" dur="2000" fill="hold"/>
+                                        <p:tgtEl>
+                                          <p:spTgt spid="6"/>
+                                        </p:tgtEl>
+                                        <p:attrNameLst>
+                                          <p:attrName>ppt_y</p:attrName>
+                                        </p:attrNameLst>
+                                      </p:cBhvr>
+                                      <p:tavLst>
+                                        <p:tav tm="0">
+                                          <p:val>
+                                            <p:strVal val="1+#ppt_h/2"/>
+                                          </p:val>
+                                        </p:tav>
+                                        <p:tav tm="100000">
+                                          <p:val>
+                                            <p:strVal val="#ppt_y"/>
+                                          </p:val>
+                                        </p:tav>
+                                      </p:tavLst>
+                                    </p:anim>
+                                  </p:childTnLst>
+                                </p:cTn>
+                              </p:par>
+                              <p:par>
+                                <p:cTn id="9" presetID="42" presetClass="entr" presetSubtype="0" fill="hold" nodeType="withEffect">
+                                  <p:stCondLst>
+                                    <p:cond delay="0"/>
+                                  </p:stCondLst>
+                                  <p:childTnLst>
+                                    <p:set>
+                                      <p:cBhvr>
+                                        <p:cTn id="10" dur="1" fill="hold">
+                                          <p:stCondLst>
+                                            <p:cond delay="0"/>
+                                          </p:stCondLst>
+                                        </p:cTn>
+                                        <p:tgtEl>
+                                          <p:spTgt spid="3">
+                                            <p:txEl>
+                                              <p:pRg st="0" end="0"/>
+                                            </p:txEl>
+                                          </p:spTgt>
+                                        </p:tgtEl>
+                                        <p:attrNameLst>
+                                          <p:attrName>style.visibility</p:attrName>
+                                        </p:attrNameLst>
+                                      </p:cBhvr>
+                                      <p:to>
+                                        <p:strVal val="visible"/>
+                                      </p:to>
+                                    </p:set>
+                                    <p:animEffect transition="in" filter="fade">
+                                      <p:cBhvr>
+                                        <p:cTn id="11" dur="2000"/>
+                                        <p:tgtEl>
+                                          <p:spTgt spid="3">
+                                            <p:txEl>
+                                              <p:pRg st="0" end="0"/>
+                                            </p:txEl>
+                                          </p:spTgt>
+                                        </p:tgtEl>
+                                      </p:cBhvr>
+                                    </p:animEffect>
+                                    <p:anim calcmode="lin" valueType="num">
+                                      <p:cBhvr>
+                                        <p:cTn id="12" dur="2000" fill="hold"/>
+                                        <p:tgtEl>
+                                          <p:spTgt spid="3">
+                                            <p:txEl>
+                                              <p:pRg st="0" end="0"/>
+                                            </p:txEl>
+                                          </p:spTgt>
+                                        </p:tgtEl>
+                                        <p:attrNameLst>
+                                          <p:attrName>ppt_x</p:attrName>
+                                        </p:attrNameLst>
+                                      </p:cBhvr>
+                                      <p:tavLst>
+                                        <p:tav tm="0">
+                                          <p:val>
+                                            <p:strVal val="#ppt_x"/>
+                                          </p:val>
+                                        </p:tav>
+                                        <p:tav tm="100000">
+                                          <p:val>
+                                            <p:strVal val="#ppt_x"/>
+                                          </p:val>
+                                        </p:tav>
+                                      </p:tavLst>
+                                    </p:anim>
+                                    <p:anim calcmode="lin" valueType="num">
+                                      <p:cBhvr>
+                                        <p:cTn id="13" dur="2000" fill="hold"/>
+                                        <p:tgtEl>
+                                          <p:spTgt spid="3">
+                                            <p:txEl>
+                                              <p:pRg st="0" end="0"/>
+                                            </p:txEl>
+                                          </p:spTgt>
+                                        </p:tgtEl>
+                                        <p:attrNameLst>
+                                          <p:attrName>ppt_y</p:attrName>
+                                        </p:attrNameLst>
+                                      </p:cBhvr>
+                                      <p:tavLst>
+                                        <p:tav tm="0">
+                                          <p:val>
+                                            <p:strVal val="#ppt_y+.1"/>
+                                          </p:val>
+                                        </p:tav>
+                                        <p:tav tm="100000">
+                                          <p:val>
+                                            <p:strVal val="#ppt_y"/>
+                                          </p:val>
+                                        </p:tav>
+                                      </p:tavLst>
+                                    </p:anim>
+                                  </p:childTnLst>
+                                </p:cTn>
+                              </p:par>
+                            </p:childTnLst>
+                          </p:cTn>
+                        </p:par>
+                      </p:childTnLst>
+                    </p:cTn>
+                  </p:par>
+                  <p:par>
+                    <p:cTn id="14" fill="hold">
+                      <p:stCondLst>
+                        <p:cond delay="indefinite"/>
+                      </p:stCondLst>
+                      <p:childTnLst>
+                        <p:par>
+                          <p:cTn id="15" fill="hold">
+                            <p:stCondLst>
+                              <p:cond delay="0"/>
+                            </p:stCondLst>
+                            <p:childTnLst>
+                              <p:par>
+                                <p:cTn id="16" presetID="2" presetClass="entr" presetSubtype="4" fill="hold" nodeType="clickEffect">
+                                  <p:stCondLst>
+                                    <p:cond delay="0"/>
+                                  </p:stCondLst>
+                                  <p:childTnLst>
+                                    <p:set>
+                                      <p:cBhvr>
+                                        <p:cTn id="17" dur="1" fill="hold">
+                                          <p:stCondLst>
+                                            <p:cond delay="0"/>
+                                          </p:stCondLst>
+                                        </p:cTn>
+                                        <p:tgtEl>
+                                          <p:spTgt spid="4"/>
+                                        </p:tgtEl>
+                                        <p:attrNameLst>
+                                          <p:attrName>style.visibility</p:attrName>
+                                        </p:attrNameLst>
+                                      </p:cBhvr>
+                                      <p:to>
+                                        <p:strVal val="visible"/>
+                                      </p:to>
+                                    </p:set>
+                                    <p:anim calcmode="lin" valueType="num">
+                                      <p:cBhvr additive="base">
+                                        <p:cTn id="18" dur="2000" fill="hold"/>
+                                        <p:tgtEl>
+                                          <p:spTgt spid="4"/>
+                                        </p:tgtEl>
+                                        <p:attrNameLst>
+                                          <p:attrName>ppt_x</p:attrName>
+                                        </p:attrNameLst>
+                                      </p:cBhvr>
+                                      <p:tavLst>
+                                        <p:tav tm="0">
+                                          <p:val>
+                                            <p:strVal val="#ppt_x"/>
+                                          </p:val>
+                                        </p:tav>
+                                        <p:tav tm="100000">
+                                          <p:val>
+                                            <p:strVal val="#ppt_x"/>
+                                          </p:val>
+                                        </p:tav>
+                                      </p:tavLst>
+                                    </p:anim>
+                                    <p:anim calcmode="lin" valueType="num">
+                                      <p:cBhvr additive="base">
+                                        <p:cTn id="19" dur="2000" fill="hold"/>
+                                        <p:tgtEl>
+                                          <p:spTgt spid="4"/>
+                                        </p:tgtEl>
+                                        <p:attrNameLst>
+                                          <p:attrName>ppt_y</p:attrName>
+                                        </p:attrNameLst>
+                                      </p:cBhvr>
+                                      <p:tavLst>
+                                        <p:tav tm="0">
+                                          <p:val>
+                                            <p:strVal val="1+#ppt_h/2"/>
+                                          </p:val>
+                                        </p:tav>
+                                        <p:tav tm="100000">
+                                          <p:val>
+                                            <p:strVal val="#ppt_y"/>
+                                          </p:val>
+                                        </p:tav>
+                                      </p:tavLst>
+                                    </p:anim>
+                                  </p:childTnLst>
+                                </p:cTn>
+                              </p:par>
+                              <p:par>
+                                <p:cTn id="20" presetID="2" presetClass="entr" presetSubtype="4" fill="hold" nodeType="withEffect">
+                                  <p:stCondLst>
+                                    <p:cond delay="0"/>
+                                  </p:stCondLst>
+                                  <p:childTnLst>
+                                    <p:set>
+                                      <p:cBhvr>
+                                        <p:cTn id="21" dur="1" fill="hold">
+                                          <p:stCondLst>
+                                            <p:cond delay="0"/>
+                                          </p:stCondLst>
+                                        </p:cTn>
+                                        <p:tgtEl>
+                                          <p:spTgt spid="3">
+                                            <p:txEl>
+                                              <p:pRg st="1" end="1"/>
+                                            </p:txEl>
+                                          </p:spTgt>
+                                        </p:tgtEl>
+                                        <p:attrNameLst>
+                                          <p:attrName>style.visibility</p:attrName>
+                                        </p:attrNameLst>
+                                      </p:cBhvr>
+                                      <p:to>
+                                        <p:strVal val="visible"/>
+                                      </p:to>
+                                    </p:set>
+                                    <p:anim calcmode="lin" valueType="num">
+                                      <p:cBhvr additive="base">
+                                        <p:cTn id="22" dur="2000" fill="hold"/>
+                                        <p:tgtEl>
+                                          <p:spTgt spid="3">
+                                            <p:txEl>
+                                              <p:pRg st="1" end="1"/>
+                                            </p:txEl>
+                                          </p:spTgt>
+                                        </p:tgtEl>
+                                        <p:attrNameLst>
+                                          <p:attrName>ppt_x</p:attrName>
+                                        </p:attrNameLst>
+                                      </p:cBhvr>
+                                      <p:tavLst>
+                                        <p:tav tm="0">
+                                          <p:val>
+                                            <p:strVal val="#ppt_x"/>
+                                          </p:val>
+                                        </p:tav>
+                                        <p:tav tm="100000">
+                                          <p:val>
+                                            <p:strVal val="#ppt_x"/>
+                                          </p:val>
+                                        </p:tav>
+                                      </p:tavLst>
+                                    </p:anim>
+                                    <p:anim calcmode="lin" valueType="num">
+                                      <p:cBhvr additive="base">
+                                        <p:cTn id="23" dur="2000" fill="hold"/>
+                                        <p:tgtEl>
+                                          <p:spTgt spid="3">
+                                            <p:txEl>
+                                              <p:pRg st="1" end="1"/>
+                                            </p:txEl>
+                                          </p:spTgt>
+                                        </p:tgtEl>
+                                        <p:attrNameLst>
+                                          <p:attrName>ppt_y</p:attrName>
+                                        </p:attrNameLst>
+                                      </p:cBhvr>
+                                      <p:tavLst>
+                                        <p:tav tm="0">
+                                          <p:val>
+                                            <p:strVal val="1+#ppt_h/2"/>
+                                          </p:val>
+                                        </p:tav>
+                                        <p:tav tm="100000">
+                                          <p:val>
+                                            <p:strVal val="#ppt_y"/>
+                                          </p:val>
+                                        </p:tav>
+                                      </p:tavLst>
+                                    </p:anim>
+                                  </p:childTnLst>
+                                </p:cTn>
+                              </p:par>
+                              <p:par>
+                                <p:cTn id="24" presetID="2" presetClass="entr" presetSubtype="4" fill="hold" nodeType="withEffect">
+                                  <p:stCondLst>
+                                    <p:cond delay="0"/>
+                                  </p:stCondLst>
+                                  <p:childTnLst>
+                                    <p:set>
+                                      <p:cBhvr>
+                                        <p:cTn id="25" dur="1" fill="hold">
+                                          <p:stCondLst>
+                                            <p:cond delay="0"/>
+                                          </p:stCondLst>
+                                        </p:cTn>
+                                        <p:tgtEl>
+                                          <p:spTgt spid="3">
+                                            <p:txEl>
+                                              <p:pRg st="2" end="2"/>
+                                            </p:txEl>
+                                          </p:spTgt>
+                                        </p:tgtEl>
+                                        <p:attrNameLst>
+                                          <p:attrName>style.visibility</p:attrName>
+                                        </p:attrNameLst>
+                                      </p:cBhvr>
+                                      <p:to>
+                                        <p:strVal val="visible"/>
+                                      </p:to>
+                                    </p:set>
+                                    <p:anim calcmode="lin" valueType="num">
+                                      <p:cBhvr additive="base">
+                                        <p:cTn id="26" dur="2000" fill="hold"/>
+                                        <p:tgtEl>
+                                          <p:spTgt spid="3">
+                                            <p:txEl>
+                                              <p:pRg st="2" end="2"/>
+                                            </p:txEl>
+                                          </p:spTgt>
+                                        </p:tgtEl>
+                                        <p:attrNameLst>
+                                          <p:attrName>ppt_x</p:attrName>
+                                        </p:attrNameLst>
+                                      </p:cBhvr>
+                                      <p:tavLst>
+                                        <p:tav tm="0">
+                                          <p:val>
+                                            <p:strVal val="#ppt_x"/>
+                                          </p:val>
+                                        </p:tav>
+                                        <p:tav tm="100000">
+                                          <p:val>
+                                            <p:strVal val="#ppt_x"/>
+                                          </p:val>
+                                        </p:tav>
+                                      </p:tavLst>
+                                    </p:anim>
+                                    <p:anim calcmode="lin" valueType="num">
+                                      <p:cBhvr additive="base">
+                                        <p:cTn id="27" dur="2000" fill="hold"/>
+                                        <p:tgtEl>
+                                          <p:spTgt spid="3">
+                                            <p:txEl>
+                                              <p:pRg st="2" end="2"/>
+                                            </p:txEl>
+                                          </p:spTgt>
+                                        </p:tgtEl>
+                                        <p:attrNameLst>
+                                          <p:attrName>ppt_y</p:attrName>
+                                        </p:attrNameLst>
+                                      </p:cBhvr>
+                                      <p:tavLst>
+                                        <p:tav tm="0">
+                                          <p:val>
+                                            <p:strVal val="1+#ppt_h/2"/>
+                                          </p:val>
+                                        </p:tav>
+                                        <p:tav tm="100000">
+                                          <p:val>
+                                            <p:strVal val="#ppt_y"/>
+                                          </p:val>
+                                        </p:tav>
+                                      </p:tavLst>
+                                    </p:anim>
+                                  </p:childTnLst>
+                                </p:cTn>
+                              </p:par>
+                            </p:childTnLst>
+                          </p:cTn>
+                        </p:par>
+                      </p:childTnLst>
+                    </p:cTn>
+                  </p:par>
+                  <p:par>
+                    <p:cTn id="28" fill="hold">
+                      <p:stCondLst>
+                        <p:cond delay="indefinite"/>
+                      </p:stCondLst>
+                      <p:childTnLst>
+                        <p:par>
+                          <p:cTn id="29" fill="hold">
+                            <p:stCondLst>
+                              <p:cond delay="0"/>
+                            </p:stCondLst>
+                            <p:childTnLst>
+                              <p:par>
+                                <p:cTn id="30" presetID="2" presetClass="entr" presetSubtype="4" fill="hold" nodeType="clickEffect">
+                                  <p:stCondLst>
+                                    <p:cond delay="0"/>
+                                  </p:stCondLst>
+                                  <p:childTnLst>
+                                    <p:set>
+                                      <p:cBhvr>
+                                        <p:cTn id="31" dur="1" fill="hold">
+                                          <p:stCondLst>
+                                            <p:cond delay="0"/>
+                                          </p:stCondLst>
+                                        </p:cTn>
+                                        <p:tgtEl>
+                                          <p:spTgt spid="7"/>
+                                        </p:tgtEl>
+                                        <p:attrNameLst>
+                                          <p:attrName>style.visibility</p:attrName>
+                                        </p:attrNameLst>
+                                      </p:cBhvr>
+                                      <p:to>
+                                        <p:strVal val="visible"/>
+                                      </p:to>
+                                    </p:set>
+                                    <p:anim calcmode="lin" valueType="num">
+                                      <p:cBhvr additive="base">
+                                        <p:cTn id="32" dur="2000" fill="hold"/>
+                                        <p:tgtEl>
+                                          <p:spTgt spid="7"/>
+                                        </p:tgtEl>
+                                        <p:attrNameLst>
+                                          <p:attrName>ppt_x</p:attrName>
+                                        </p:attrNameLst>
+                                      </p:cBhvr>
+                                      <p:tavLst>
+                                        <p:tav tm="0">
+                                          <p:val>
+                                            <p:strVal val="#ppt_x"/>
+                                          </p:val>
+                                        </p:tav>
+                                        <p:tav tm="100000">
+                                          <p:val>
+                                            <p:strVal val="#ppt_x"/>
+                                          </p:val>
+                                        </p:tav>
+                                      </p:tavLst>
+                                    </p:anim>
+                                    <p:anim calcmode="lin" valueType="num">
+                                      <p:cBhvr additive="base">
+                                        <p:cTn id="33" dur="2000" fill="hold"/>
+                                        <p:tgtEl>
+                                          <p:spTgt spid="7"/>
+                                        </p:tgtEl>
+                                        <p:attrNameLst>
+                                          <p:attrName>ppt_y</p:attrName>
+                                        </p:attrNameLst>
+                                      </p:cBhvr>
+                                      <p:tavLst>
+                                        <p:tav tm="0">
+                                          <p:val>
+                                            <p:strVal val="1+#ppt_h/2"/>
+                                          </p:val>
+                                        </p:tav>
+                                        <p:tav tm="100000">
+                                          <p:val>
+                                            <p:strVal val="#ppt_y"/>
+                                          </p:val>
+                                        </p:tav>
+                                      </p:tavLst>
+                                    </p:anim>
+                                  </p:childTnLst>
+                                </p:cTn>
+                              </p:par>
+                              <p:par>
+                                <p:cTn id="34" presetID="2" presetClass="entr" presetSubtype="4" fill="hold" nodeType="withEffect">
+                                  <p:stCondLst>
+                                    <p:cond delay="0"/>
+                                  </p:stCondLst>
+                                  <p:childTnLst>
+                                    <p:set>
+                                      <p:cBhvr>
+                                        <p:cTn id="35" dur="1" fill="hold">
+                                          <p:stCondLst>
+                                            <p:cond delay="0"/>
+                                          </p:stCondLst>
+                                        </p:cTn>
+                                        <p:tgtEl>
+                                          <p:spTgt spid="3">
+                                            <p:txEl>
+                                              <p:pRg st="3" end="3"/>
+                                            </p:txEl>
+                                          </p:spTgt>
+                                        </p:tgtEl>
+                                        <p:attrNameLst>
+                                          <p:attrName>style.visibility</p:attrName>
+                                        </p:attrNameLst>
+                                      </p:cBhvr>
+                                      <p:to>
+                                        <p:strVal val="visible"/>
+                                      </p:to>
+                                    </p:set>
+                                    <p:anim calcmode="lin" valueType="num">
+                                      <p:cBhvr additive="base">
+                                        <p:cTn id="36" dur="2000" fill="hold"/>
+                                        <p:tgtEl>
+                                          <p:spTgt spid="3">
+                                            <p:txEl>
+                                              <p:pRg st="3" end="3"/>
+                                            </p:txEl>
+                                          </p:spTgt>
+                                        </p:tgtEl>
+                                        <p:attrNameLst>
+                                          <p:attrName>ppt_x</p:attrName>
+                                        </p:attrNameLst>
+                                      </p:cBhvr>
+                                      <p:tavLst>
+                                        <p:tav tm="0">
+                                          <p:val>
+                                            <p:strVal val="#ppt_x"/>
+                                          </p:val>
+                                        </p:tav>
+                                        <p:tav tm="100000">
+                                          <p:val>
+                                            <p:strVal val="#ppt_x"/>
+                                          </p:val>
+                                        </p:tav>
+                                      </p:tavLst>
+                                    </p:anim>
+                                    <p:anim calcmode="lin" valueType="num">
+                                      <p:cBhvr additive="base">
+                                        <p:cTn id="37" dur="2000" fill="hold"/>
+                                        <p:tgtEl>
+                                          <p:spTgt spid="3">
+                                            <p:txEl>
+                                              <p:pRg st="3" end="3"/>
+                                            </p:txEl>
+                                          </p:spTgt>
+                                        </p:tgtEl>
+                                        <p:attrNameLst>
+                                          <p:attrName>ppt_y</p:attrName>
+                                        </p:attrNameLst>
+                                      </p:cBhvr>
+                                      <p:tavLst>
+                                        <p:tav tm="0">
+                                          <p:val>
+                                            <p:strVal val="1+#ppt_h/2"/>
+                                          </p:val>
+                                        </p:tav>
+                                        <p:tav tm="100000">
+                                          <p:val>
+                                            <p:strVal val="#ppt_y"/>
+                                          </p:val>
+                                        </p:tav>
+                                      </p:tavLst>
+                                    </p:anim>
+                                  </p:childTnLst>
+                                </p:cTn>
+                              </p:par>
+                            </p:childTnLst>
+                          </p:cTn>
+                        </p:par>
+                      </p:childTnLst>
+                    </p:cTn>
+                  </p:par>
+                  <p:par>
+                    <p:cTn id="38" fill="hold">
+                      <p:stCondLst>
+                        <p:cond delay="indefinite"/>
+                      </p:stCondLst>
+                      <p:childTnLst>
+                        <p:par>
+                          <p:cTn id="39" fill="hold">
+                            <p:stCondLst>
+                              <p:cond delay="0"/>
+                            </p:stCondLst>
+                            <p:childTnLst>
+                              <p:par>
+                                <p:cTn id="40" presetID="2" presetClass="entr" presetSubtype="4" fill="hold" nodeType="clickEffect">
+                                  <p:stCondLst>
+                                    <p:cond delay="0"/>
+                                  </p:stCondLst>
+                                  <p:childTnLst>
+                                    <p:set>
+                                      <p:cBhvr>
+                                        <p:cTn id="41" dur="1" fill="hold">
+                                          <p:stCondLst>
+                                            <p:cond delay="0"/>
+                                          </p:stCondLst>
+                                        </p:cTn>
+                                        <p:tgtEl>
+                                          <p:spTgt spid="5"/>
+                                        </p:tgtEl>
+                                        <p:attrNameLst>
+                                          <p:attrName>style.visibility</p:attrName>
+                                        </p:attrNameLst>
+                                      </p:cBhvr>
+                                      <p:to>
+                                        <p:strVal val="visible"/>
+                                      </p:to>
+                                    </p:set>
+                                    <p:anim calcmode="lin" valueType="num">
+                                      <p:cBhvr additive="base">
+                                        <p:cTn id="42" dur="2000" fill="hold"/>
+                                        <p:tgtEl>
+                                          <p:spTgt spid="5"/>
+                                        </p:tgtEl>
+                                        <p:attrNameLst>
+                                          <p:attrName>ppt_x</p:attrName>
+                                        </p:attrNameLst>
+                                      </p:cBhvr>
+                                      <p:tavLst>
+                                        <p:tav tm="0">
+                                          <p:val>
+                                            <p:strVal val="#ppt_x"/>
+                                          </p:val>
+                                        </p:tav>
+                                        <p:tav tm="100000">
+                                          <p:val>
+                                            <p:strVal val="#ppt_x"/>
+                                          </p:val>
+                                        </p:tav>
+                                      </p:tavLst>
+                                    </p:anim>
+                                    <p:anim calcmode="lin" valueType="num">
+                                      <p:cBhvr additive="base">
+                                        <p:cTn id="43" dur="2000" fill="hold"/>
+                                        <p:tgtEl>
+                                          <p:spTgt spid="5"/>
+                                        </p:tgtEl>
+                                        <p:attrNameLst>
+                                          <p:attrName>ppt_y</p:attrName>
+                                        </p:attrNameLst>
+                                      </p:cBhvr>
+                                      <p:tavLst>
+                                        <p:tav tm="0">
+                                          <p:val>
+                                            <p:strVal val="1+#ppt_h/2"/>
+                                          </p:val>
+                                        </p:tav>
+                                        <p:tav tm="100000">
+                                          <p:val>
+                                            <p:strVal val="#ppt_y"/>
+                                          </p:val>
+                                        </p:tav>
+                                      </p:tavLst>
+                                    </p:anim>
+                                  </p:childTnLst>
+                                </p:cTn>
+                              </p:par>
+                              <p:par>
+                                <p:cTn id="44" presetID="2" presetClass="entr" presetSubtype="4" fill="hold" nodeType="withEffect">
+                                  <p:stCondLst>
+                                    <p:cond delay="0"/>
+                                  </p:stCondLst>
+                                  <p:childTnLst>
+                                    <p:set>
+                                      <p:cBhvr>
+                                        <p:cTn id="45" dur="1" fill="hold">
+                                          <p:stCondLst>
+                                            <p:cond delay="0"/>
+                                          </p:stCondLst>
+                                        </p:cTn>
+                                        <p:tgtEl>
+                                          <p:spTgt spid="3">
+                                            <p:txEl>
+                                              <p:pRg st="4" end="4"/>
+                                            </p:txEl>
+                                          </p:spTgt>
+                                        </p:tgtEl>
+                                        <p:attrNameLst>
+                                          <p:attrName>style.visibility</p:attrName>
+                                        </p:attrNameLst>
+                                      </p:cBhvr>
+                                      <p:to>
+                                        <p:strVal val="visible"/>
+                                      </p:to>
+                                    </p:set>
+                                    <p:anim calcmode="lin" valueType="num">
+                                      <p:cBhvr additive="base">
+                                        <p:cTn id="46" dur="2000" fill="hold"/>
+                                        <p:tgtEl>
+                                          <p:spTgt spid="3">
+                                            <p:txEl>
+                                              <p:pRg st="4" end="4"/>
+                                            </p:txEl>
+                                          </p:spTgt>
+                                        </p:tgtEl>
+                                        <p:attrNameLst>
+                                          <p:attrName>ppt_x</p:attrName>
+                                        </p:attrNameLst>
+                                      </p:cBhvr>
+                                      <p:tavLst>
+                                        <p:tav tm="0">
+                                          <p:val>
+                                            <p:strVal val="#ppt_x"/>
+                                          </p:val>
+                                        </p:tav>
+                                        <p:tav tm="100000">
+                                          <p:val>
+                                            <p:strVal val="#ppt_x"/>
+                                          </p:val>
+                                        </p:tav>
+                                      </p:tavLst>
+                                    </p:anim>
+                                    <p:anim calcmode="lin" valueType="num">
+                                      <p:cBhvr additive="base">
+                                        <p:cTn id="47" dur="2000" fill="hold"/>
+                                        <p:tgtEl>
+                                          <p:spTgt spid="3">
+                                            <p:txEl>
+                                              <p:pRg st="4" end="4"/>
+                                            </p:txEl>
+                                          </p:spTgt>
+                                        </p:tgtEl>
+                                        <p:attrNameLst>
+                                          <p:attrName>ppt_y</p:attrName>
+                                        </p:attrNameLst>
+                                      </p:cBhvr>
+                                      <p:tavLst>
+                                        <p:tav tm="0">
+                                          <p:val>
+                                            <p:strVal val="1+#ppt_h/2"/>
+                                          </p:val>
+                                        </p:tav>
+                                        <p:tav tm="100000">
+                                          <p:val>
+                                            <p:strVal val="#ppt_y"/>
+                                          </p:val>
+                                        </p:tav>
+                                      </p:tavLst>
+                                    </p:anim>
+                                  </p:childTnLst>
+                                </p:cTn>
+                              </p:par>
+                            </p:childTnLst>
+                          </p:cTn>
+                        </p:par>
+                      </p:childTnLst>
+                    </p:cTn>
+                  </p:par>
+                </p:childTnLst>
+              </p:cTn>
+              <p:prevCondLst>
+                <p:cond evt="onPrev" delay="0">
+                  <p:tgtEl>
+                    <p:sldTgt/>
+                  </p:tgtEl>
+                </p:cond>
+              </p:prevCondLst>
+              <p:nextCondLst>
+                <p:cond evt="onNext" delay="0">
+                  <p:tgtEl>
+                    <p:sldTgt/>
+                  </p:tgtEl>
+                </p:cond>
+              </p:nextCondLst>
+            </p:seq>
+          </p:childTnLst>
+        </p:cTn>
       </p:par>
     </p:tnLst>
   </p:timing>
@@ -8012,25 +9509,95 @@
           </a:p>
         </p:txBody>
       </p:sp>
-      <p:sp>
-        <p:nvSpPr>
-          <p:cNvPr id="4" name="Tartalom helye 3"/>
-          <p:cNvSpPr>
-            <a:spLocks noGrp="1"/>
-          </p:cNvSpPr>
+      <p:pic>
+        <p:nvPicPr>
+          <p:cNvPr id="5" name="Tartalom helye 4"/>
+          <p:cNvPicPr>
+            <a:picLocks noGrp="1" noChangeAspect="1"/>
+          </p:cNvPicPr>
           <p:nvPr>
             <p:ph sz="half" idx="2"/>
           </p:nvPr>
-        </p:nvSpPr>
-        <p:spPr/>
-        <p:txBody>
-          <a:bodyPr/>
-          <a:lstStyle/>
-          <a:p>
-            <a:endParaRPr lang="hu-HU"/>
-          </a:p>
-        </p:txBody>
-      </p:sp>
+        </p:nvPicPr>
+        <p:blipFill>
+          <a:blip r:embed="rId2" cstate="print">
+            <a:extLst>
+              <a:ext uri="{28A0092B-C50C-407E-A947-70E740481C1C}">
+                <a14:useLocalDpi xmlns:a14="http://schemas.microsoft.com/office/drawing/2010/main" val="0"/>
+              </a:ext>
+            </a:extLst>
+          </a:blip>
+          <a:stretch>
+            <a:fillRect/>
+          </a:stretch>
+        </p:blipFill>
+        <p:spPr>
+          <a:xfrm>
+            <a:off x="-25133" y="4266895"/>
+            <a:ext cx="5243903" cy="2591105"/>
+          </a:xfrm>
+        </p:spPr>
+      </p:pic>
+      <p:pic>
+        <p:nvPicPr>
+          <p:cNvPr id="6" name="Kép 5"/>
+          <p:cNvPicPr>
+            <a:picLocks noChangeAspect="1"/>
+          </p:cNvPicPr>
+          <p:nvPr/>
+        </p:nvPicPr>
+        <p:blipFill>
+          <a:blip r:embed="rId3" cstate="print">
+            <a:extLst>
+              <a:ext uri="{28A0092B-C50C-407E-A947-70E740481C1C}">
+                <a14:useLocalDpi xmlns:a14="http://schemas.microsoft.com/office/drawing/2010/main" val="0"/>
+              </a:ext>
+            </a:extLst>
+          </a:blip>
+          <a:stretch>
+            <a:fillRect/>
+          </a:stretch>
+        </p:blipFill>
+        <p:spPr>
+          <a:xfrm>
+            <a:off x="6824545" y="4276435"/>
+            <a:ext cx="5367455" cy="2581565"/>
+          </a:xfrm>
+          <a:prstGeom prst="rect">
+            <a:avLst/>
+          </a:prstGeom>
+        </p:spPr>
+      </p:pic>
+      <p:pic>
+        <p:nvPicPr>
+          <p:cNvPr id="7" name="Kép 6"/>
+          <p:cNvPicPr>
+            <a:picLocks noChangeAspect="1"/>
+          </p:cNvPicPr>
+          <p:nvPr/>
+        </p:nvPicPr>
+        <p:blipFill>
+          <a:blip r:embed="rId4">
+            <a:extLst>
+              <a:ext uri="{28A0092B-C50C-407E-A947-70E740481C1C}">
+                <a14:useLocalDpi xmlns:a14="http://schemas.microsoft.com/office/drawing/2010/main" val="0"/>
+              </a:ext>
+            </a:extLst>
+          </a:blip>
+          <a:stretch>
+            <a:fillRect/>
+          </a:stretch>
+        </p:blipFill>
+        <p:spPr>
+          <a:xfrm>
+            <a:off x="4202150" y="2055688"/>
+            <a:ext cx="3639015" cy="2211207"/>
+          </a:xfrm>
+          <a:prstGeom prst="rect">
+            <a:avLst/>
+          </a:prstGeom>
+        </p:spPr>
+      </p:pic>
     </p:spTree>
     <p:extLst>
       <p:ext uri="{BB962C8B-B14F-4D97-AF65-F5344CB8AC3E}">
@@ -8044,7 +9611,813 @@
   <p:timing>
     <p:tnLst>
       <p:par>
-        <p:cTn id="1" dur="indefinite" restart="never" nodeType="tmRoot"/>
+        <p:cTn id="1" dur="indefinite" restart="never" nodeType="tmRoot">
+          <p:childTnLst>
+            <p:seq concurrent="1" nextAc="seek">
+              <p:cTn id="2" dur="indefinite" nodeType="mainSeq">
+                <p:childTnLst>
+                  <p:par>
+                    <p:cTn id="3" fill="hold">
+                      <p:stCondLst>
+                        <p:cond delay="indefinite"/>
+                      </p:stCondLst>
+                      <p:childTnLst>
+                        <p:par>
+                          <p:cTn id="4" fill="hold">
+                            <p:stCondLst>
+                              <p:cond delay="0"/>
+                            </p:stCondLst>
+                            <p:childTnLst>
+                              <p:par>
+                                <p:cTn id="5" presetID="2" presetClass="entr" presetSubtype="4" fill="hold" nodeType="clickEffect">
+                                  <p:stCondLst>
+                                    <p:cond delay="0"/>
+                                  </p:stCondLst>
+                                  <p:childTnLst>
+                                    <p:set>
+                                      <p:cBhvr>
+                                        <p:cTn id="6" dur="1" fill="hold">
+                                          <p:stCondLst>
+                                            <p:cond delay="0"/>
+                                          </p:stCondLst>
+                                        </p:cTn>
+                                        <p:tgtEl>
+                                          <p:spTgt spid="6"/>
+                                        </p:tgtEl>
+                                        <p:attrNameLst>
+                                          <p:attrName>style.visibility</p:attrName>
+                                        </p:attrNameLst>
+                                      </p:cBhvr>
+                                      <p:to>
+                                        <p:strVal val="visible"/>
+                                      </p:to>
+                                    </p:set>
+                                    <p:anim calcmode="lin" valueType="num">
+                                      <p:cBhvr additive="base">
+                                        <p:cTn id="7" dur="2000" fill="hold"/>
+                                        <p:tgtEl>
+                                          <p:spTgt spid="6"/>
+                                        </p:tgtEl>
+                                        <p:attrNameLst>
+                                          <p:attrName>ppt_x</p:attrName>
+                                        </p:attrNameLst>
+                                      </p:cBhvr>
+                                      <p:tavLst>
+                                        <p:tav tm="0">
+                                          <p:val>
+                                            <p:strVal val="#ppt_x"/>
+                                          </p:val>
+                                        </p:tav>
+                                        <p:tav tm="100000">
+                                          <p:val>
+                                            <p:strVal val="#ppt_x"/>
+                                          </p:val>
+                                        </p:tav>
+                                      </p:tavLst>
+                                    </p:anim>
+                                    <p:anim calcmode="lin" valueType="num">
+                                      <p:cBhvr additive="base">
+                                        <p:cTn id="8" dur="2000" fill="hold"/>
+                                        <p:tgtEl>
+                                          <p:spTgt spid="6"/>
+                                        </p:tgtEl>
+                                        <p:attrNameLst>
+                                          <p:attrName>ppt_y</p:attrName>
+                                        </p:attrNameLst>
+                                      </p:cBhvr>
+                                      <p:tavLst>
+                                        <p:tav tm="0">
+                                          <p:val>
+                                            <p:strVal val="1+#ppt_h/2"/>
+                                          </p:val>
+                                        </p:tav>
+                                        <p:tav tm="100000">
+                                          <p:val>
+                                            <p:strVal val="#ppt_y"/>
+                                          </p:val>
+                                        </p:tav>
+                                      </p:tavLst>
+                                    </p:anim>
+                                  </p:childTnLst>
+                                </p:cTn>
+                              </p:par>
+                              <p:par>
+                                <p:cTn id="9" presetID="2" presetClass="entr" presetSubtype="4" fill="hold" nodeType="withEffect">
+                                  <p:stCondLst>
+                                    <p:cond delay="0"/>
+                                  </p:stCondLst>
+                                  <p:childTnLst>
+                                    <p:set>
+                                      <p:cBhvr>
+                                        <p:cTn id="10" dur="1" fill="hold">
+                                          <p:stCondLst>
+                                            <p:cond delay="0"/>
+                                          </p:stCondLst>
+                                        </p:cTn>
+                                        <p:tgtEl>
+                                          <p:spTgt spid="3">
+                                            <p:txEl>
+                                              <p:pRg st="0" end="0"/>
+                                            </p:txEl>
+                                          </p:spTgt>
+                                        </p:tgtEl>
+                                        <p:attrNameLst>
+                                          <p:attrName>style.visibility</p:attrName>
+                                        </p:attrNameLst>
+                                      </p:cBhvr>
+                                      <p:to>
+                                        <p:strVal val="visible"/>
+                                      </p:to>
+                                    </p:set>
+                                    <p:anim calcmode="lin" valueType="num">
+                                      <p:cBhvr additive="base">
+                                        <p:cTn id="11" dur="2000" fill="hold"/>
+                                        <p:tgtEl>
+                                          <p:spTgt spid="3">
+                                            <p:txEl>
+                                              <p:pRg st="0" end="0"/>
+                                            </p:txEl>
+                                          </p:spTgt>
+                                        </p:tgtEl>
+                                        <p:attrNameLst>
+                                          <p:attrName>ppt_x</p:attrName>
+                                        </p:attrNameLst>
+                                      </p:cBhvr>
+                                      <p:tavLst>
+                                        <p:tav tm="0">
+                                          <p:val>
+                                            <p:strVal val="#ppt_x"/>
+                                          </p:val>
+                                        </p:tav>
+                                        <p:tav tm="100000">
+                                          <p:val>
+                                            <p:strVal val="#ppt_x"/>
+                                          </p:val>
+                                        </p:tav>
+                                      </p:tavLst>
+                                    </p:anim>
+                                    <p:anim calcmode="lin" valueType="num">
+                                      <p:cBhvr additive="base">
+                                        <p:cTn id="12" dur="2000" fill="hold"/>
+                                        <p:tgtEl>
+                                          <p:spTgt spid="3">
+                                            <p:txEl>
+                                              <p:pRg st="0" end="0"/>
+                                            </p:txEl>
+                                          </p:spTgt>
+                                        </p:tgtEl>
+                                        <p:attrNameLst>
+                                          <p:attrName>ppt_y</p:attrName>
+                                        </p:attrNameLst>
+                                      </p:cBhvr>
+                                      <p:tavLst>
+                                        <p:tav tm="0">
+                                          <p:val>
+                                            <p:strVal val="1+#ppt_h/2"/>
+                                          </p:val>
+                                        </p:tav>
+                                        <p:tav tm="100000">
+                                          <p:val>
+                                            <p:strVal val="#ppt_y"/>
+                                          </p:val>
+                                        </p:tav>
+                                      </p:tavLst>
+                                    </p:anim>
+                                  </p:childTnLst>
+                                </p:cTn>
+                              </p:par>
+                              <p:par>
+                                <p:cTn id="13" presetID="2" presetClass="entr" presetSubtype="4" fill="hold" nodeType="withEffect">
+                                  <p:stCondLst>
+                                    <p:cond delay="0"/>
+                                  </p:stCondLst>
+                                  <p:childTnLst>
+                                    <p:set>
+                                      <p:cBhvr>
+                                        <p:cTn id="14" dur="1" fill="hold">
+                                          <p:stCondLst>
+                                            <p:cond delay="0"/>
+                                          </p:stCondLst>
+                                        </p:cTn>
+                                        <p:tgtEl>
+                                          <p:spTgt spid="3">
+                                            <p:txEl>
+                                              <p:pRg st="1" end="1"/>
+                                            </p:txEl>
+                                          </p:spTgt>
+                                        </p:tgtEl>
+                                        <p:attrNameLst>
+                                          <p:attrName>style.visibility</p:attrName>
+                                        </p:attrNameLst>
+                                      </p:cBhvr>
+                                      <p:to>
+                                        <p:strVal val="visible"/>
+                                      </p:to>
+                                    </p:set>
+                                    <p:anim calcmode="lin" valueType="num">
+                                      <p:cBhvr additive="base">
+                                        <p:cTn id="15" dur="2000" fill="hold"/>
+                                        <p:tgtEl>
+                                          <p:spTgt spid="3">
+                                            <p:txEl>
+                                              <p:pRg st="1" end="1"/>
+                                            </p:txEl>
+                                          </p:spTgt>
+                                        </p:tgtEl>
+                                        <p:attrNameLst>
+                                          <p:attrName>ppt_x</p:attrName>
+                                        </p:attrNameLst>
+                                      </p:cBhvr>
+                                      <p:tavLst>
+                                        <p:tav tm="0">
+                                          <p:val>
+                                            <p:strVal val="#ppt_x"/>
+                                          </p:val>
+                                        </p:tav>
+                                        <p:tav tm="100000">
+                                          <p:val>
+                                            <p:strVal val="#ppt_x"/>
+                                          </p:val>
+                                        </p:tav>
+                                      </p:tavLst>
+                                    </p:anim>
+                                    <p:anim calcmode="lin" valueType="num">
+                                      <p:cBhvr additive="base">
+                                        <p:cTn id="16" dur="2000" fill="hold"/>
+                                        <p:tgtEl>
+                                          <p:spTgt spid="3">
+                                            <p:txEl>
+                                              <p:pRg st="1" end="1"/>
+                                            </p:txEl>
+                                          </p:spTgt>
+                                        </p:tgtEl>
+                                        <p:attrNameLst>
+                                          <p:attrName>ppt_y</p:attrName>
+                                        </p:attrNameLst>
+                                      </p:cBhvr>
+                                      <p:tavLst>
+                                        <p:tav tm="0">
+                                          <p:val>
+                                            <p:strVal val="1+#ppt_h/2"/>
+                                          </p:val>
+                                        </p:tav>
+                                        <p:tav tm="100000">
+                                          <p:val>
+                                            <p:strVal val="#ppt_y"/>
+                                          </p:val>
+                                        </p:tav>
+                                      </p:tavLst>
+                                    </p:anim>
+                                  </p:childTnLst>
+                                </p:cTn>
+                              </p:par>
+                            </p:childTnLst>
+                          </p:cTn>
+                        </p:par>
+                      </p:childTnLst>
+                    </p:cTn>
+                  </p:par>
+                  <p:par>
+                    <p:cTn id="17" fill="hold">
+                      <p:stCondLst>
+                        <p:cond delay="indefinite"/>
+                      </p:stCondLst>
+                      <p:childTnLst>
+                        <p:par>
+                          <p:cTn id="18" fill="hold">
+                            <p:stCondLst>
+                              <p:cond delay="0"/>
+                            </p:stCondLst>
+                            <p:childTnLst>
+                              <p:par>
+                                <p:cTn id="19" presetID="2" presetClass="entr" presetSubtype="4" fill="hold" nodeType="clickEffect">
+                                  <p:stCondLst>
+                                    <p:cond delay="0"/>
+                                  </p:stCondLst>
+                                  <p:childTnLst>
+                                    <p:set>
+                                      <p:cBhvr>
+                                        <p:cTn id="20" dur="1" fill="hold">
+                                          <p:stCondLst>
+                                            <p:cond delay="0"/>
+                                          </p:stCondLst>
+                                        </p:cTn>
+                                        <p:tgtEl>
+                                          <p:spTgt spid="7"/>
+                                        </p:tgtEl>
+                                        <p:attrNameLst>
+                                          <p:attrName>style.visibility</p:attrName>
+                                        </p:attrNameLst>
+                                      </p:cBhvr>
+                                      <p:to>
+                                        <p:strVal val="visible"/>
+                                      </p:to>
+                                    </p:set>
+                                    <p:anim calcmode="lin" valueType="num">
+                                      <p:cBhvr additive="base">
+                                        <p:cTn id="21" dur="2000" fill="hold"/>
+                                        <p:tgtEl>
+                                          <p:spTgt spid="7"/>
+                                        </p:tgtEl>
+                                        <p:attrNameLst>
+                                          <p:attrName>ppt_x</p:attrName>
+                                        </p:attrNameLst>
+                                      </p:cBhvr>
+                                      <p:tavLst>
+                                        <p:tav tm="0">
+                                          <p:val>
+                                            <p:strVal val="#ppt_x"/>
+                                          </p:val>
+                                        </p:tav>
+                                        <p:tav tm="100000">
+                                          <p:val>
+                                            <p:strVal val="#ppt_x"/>
+                                          </p:val>
+                                        </p:tav>
+                                      </p:tavLst>
+                                    </p:anim>
+                                    <p:anim calcmode="lin" valueType="num">
+                                      <p:cBhvr additive="base">
+                                        <p:cTn id="22" dur="2000" fill="hold"/>
+                                        <p:tgtEl>
+                                          <p:spTgt spid="7"/>
+                                        </p:tgtEl>
+                                        <p:attrNameLst>
+                                          <p:attrName>ppt_y</p:attrName>
+                                        </p:attrNameLst>
+                                      </p:cBhvr>
+                                      <p:tavLst>
+                                        <p:tav tm="0">
+                                          <p:val>
+                                            <p:strVal val="1+#ppt_h/2"/>
+                                          </p:val>
+                                        </p:tav>
+                                        <p:tav tm="100000">
+                                          <p:val>
+                                            <p:strVal val="#ppt_y"/>
+                                          </p:val>
+                                        </p:tav>
+                                      </p:tavLst>
+                                    </p:anim>
+                                  </p:childTnLst>
+                                </p:cTn>
+                              </p:par>
+                              <p:par>
+                                <p:cTn id="23" presetID="2" presetClass="entr" presetSubtype="4" fill="hold" nodeType="withEffect">
+                                  <p:stCondLst>
+                                    <p:cond delay="0"/>
+                                  </p:stCondLst>
+                                  <p:childTnLst>
+                                    <p:set>
+                                      <p:cBhvr>
+                                        <p:cTn id="24" dur="1" fill="hold">
+                                          <p:stCondLst>
+                                            <p:cond delay="0"/>
+                                          </p:stCondLst>
+                                        </p:cTn>
+                                        <p:tgtEl>
+                                          <p:spTgt spid="3">
+                                            <p:txEl>
+                                              <p:pRg st="2" end="2"/>
+                                            </p:txEl>
+                                          </p:spTgt>
+                                        </p:tgtEl>
+                                        <p:attrNameLst>
+                                          <p:attrName>style.visibility</p:attrName>
+                                        </p:attrNameLst>
+                                      </p:cBhvr>
+                                      <p:to>
+                                        <p:strVal val="visible"/>
+                                      </p:to>
+                                    </p:set>
+                                    <p:anim calcmode="lin" valueType="num">
+                                      <p:cBhvr additive="base">
+                                        <p:cTn id="25" dur="2000" fill="hold"/>
+                                        <p:tgtEl>
+                                          <p:spTgt spid="3">
+                                            <p:txEl>
+                                              <p:pRg st="2" end="2"/>
+                                            </p:txEl>
+                                          </p:spTgt>
+                                        </p:tgtEl>
+                                        <p:attrNameLst>
+                                          <p:attrName>ppt_x</p:attrName>
+                                        </p:attrNameLst>
+                                      </p:cBhvr>
+                                      <p:tavLst>
+                                        <p:tav tm="0">
+                                          <p:val>
+                                            <p:strVal val="#ppt_x"/>
+                                          </p:val>
+                                        </p:tav>
+                                        <p:tav tm="100000">
+                                          <p:val>
+                                            <p:strVal val="#ppt_x"/>
+                                          </p:val>
+                                        </p:tav>
+                                      </p:tavLst>
+                                    </p:anim>
+                                    <p:anim calcmode="lin" valueType="num">
+                                      <p:cBhvr additive="base">
+                                        <p:cTn id="26" dur="2000" fill="hold"/>
+                                        <p:tgtEl>
+                                          <p:spTgt spid="3">
+                                            <p:txEl>
+                                              <p:pRg st="2" end="2"/>
+                                            </p:txEl>
+                                          </p:spTgt>
+                                        </p:tgtEl>
+                                        <p:attrNameLst>
+                                          <p:attrName>ppt_y</p:attrName>
+                                        </p:attrNameLst>
+                                      </p:cBhvr>
+                                      <p:tavLst>
+                                        <p:tav tm="0">
+                                          <p:val>
+                                            <p:strVal val="1+#ppt_h/2"/>
+                                          </p:val>
+                                        </p:tav>
+                                        <p:tav tm="100000">
+                                          <p:val>
+                                            <p:strVal val="#ppt_y"/>
+                                          </p:val>
+                                        </p:tav>
+                                      </p:tavLst>
+                                    </p:anim>
+                                  </p:childTnLst>
+                                </p:cTn>
+                              </p:par>
+                              <p:par>
+                                <p:cTn id="27" presetID="2" presetClass="entr" presetSubtype="4" fill="hold" nodeType="withEffect">
+                                  <p:stCondLst>
+                                    <p:cond delay="0"/>
+                                  </p:stCondLst>
+                                  <p:childTnLst>
+                                    <p:set>
+                                      <p:cBhvr>
+                                        <p:cTn id="28" dur="1" fill="hold">
+                                          <p:stCondLst>
+                                            <p:cond delay="0"/>
+                                          </p:stCondLst>
+                                        </p:cTn>
+                                        <p:tgtEl>
+                                          <p:spTgt spid="3">
+                                            <p:txEl>
+                                              <p:pRg st="3" end="3"/>
+                                            </p:txEl>
+                                          </p:spTgt>
+                                        </p:tgtEl>
+                                        <p:attrNameLst>
+                                          <p:attrName>style.visibility</p:attrName>
+                                        </p:attrNameLst>
+                                      </p:cBhvr>
+                                      <p:to>
+                                        <p:strVal val="visible"/>
+                                      </p:to>
+                                    </p:set>
+                                    <p:anim calcmode="lin" valueType="num">
+                                      <p:cBhvr additive="base">
+                                        <p:cTn id="29" dur="2000" fill="hold"/>
+                                        <p:tgtEl>
+                                          <p:spTgt spid="3">
+                                            <p:txEl>
+                                              <p:pRg st="3" end="3"/>
+                                            </p:txEl>
+                                          </p:spTgt>
+                                        </p:tgtEl>
+                                        <p:attrNameLst>
+                                          <p:attrName>ppt_x</p:attrName>
+                                        </p:attrNameLst>
+                                      </p:cBhvr>
+                                      <p:tavLst>
+                                        <p:tav tm="0">
+                                          <p:val>
+                                            <p:strVal val="#ppt_x"/>
+                                          </p:val>
+                                        </p:tav>
+                                        <p:tav tm="100000">
+                                          <p:val>
+                                            <p:strVal val="#ppt_x"/>
+                                          </p:val>
+                                        </p:tav>
+                                      </p:tavLst>
+                                    </p:anim>
+                                    <p:anim calcmode="lin" valueType="num">
+                                      <p:cBhvr additive="base">
+                                        <p:cTn id="30" dur="2000" fill="hold"/>
+                                        <p:tgtEl>
+                                          <p:spTgt spid="3">
+                                            <p:txEl>
+                                              <p:pRg st="3" end="3"/>
+                                            </p:txEl>
+                                          </p:spTgt>
+                                        </p:tgtEl>
+                                        <p:attrNameLst>
+                                          <p:attrName>ppt_y</p:attrName>
+                                        </p:attrNameLst>
+                                      </p:cBhvr>
+                                      <p:tavLst>
+                                        <p:tav tm="0">
+                                          <p:val>
+                                            <p:strVal val="1+#ppt_h/2"/>
+                                          </p:val>
+                                        </p:tav>
+                                        <p:tav tm="100000">
+                                          <p:val>
+                                            <p:strVal val="#ppt_y"/>
+                                          </p:val>
+                                        </p:tav>
+                                      </p:tavLst>
+                                    </p:anim>
+                                  </p:childTnLst>
+                                </p:cTn>
+                              </p:par>
+                            </p:childTnLst>
+                          </p:cTn>
+                        </p:par>
+                      </p:childTnLst>
+                    </p:cTn>
+                  </p:par>
+                  <p:par>
+                    <p:cTn id="31" fill="hold">
+                      <p:stCondLst>
+                        <p:cond delay="indefinite"/>
+                      </p:stCondLst>
+                      <p:childTnLst>
+                        <p:par>
+                          <p:cTn id="32" fill="hold">
+                            <p:stCondLst>
+                              <p:cond delay="0"/>
+                            </p:stCondLst>
+                            <p:childTnLst>
+                              <p:par>
+                                <p:cTn id="33" presetID="2" presetClass="entr" presetSubtype="4" fill="hold" nodeType="clickEffect">
+                                  <p:stCondLst>
+                                    <p:cond delay="0"/>
+                                  </p:stCondLst>
+                                  <p:childTnLst>
+                                    <p:set>
+                                      <p:cBhvr>
+                                        <p:cTn id="34" dur="1" fill="hold">
+                                          <p:stCondLst>
+                                            <p:cond delay="0"/>
+                                          </p:stCondLst>
+                                        </p:cTn>
+                                        <p:tgtEl>
+                                          <p:spTgt spid="5"/>
+                                        </p:tgtEl>
+                                        <p:attrNameLst>
+                                          <p:attrName>style.visibility</p:attrName>
+                                        </p:attrNameLst>
+                                      </p:cBhvr>
+                                      <p:to>
+                                        <p:strVal val="visible"/>
+                                      </p:to>
+                                    </p:set>
+                                    <p:anim calcmode="lin" valueType="num">
+                                      <p:cBhvr additive="base">
+                                        <p:cTn id="35" dur="2000" fill="hold"/>
+                                        <p:tgtEl>
+                                          <p:spTgt spid="5"/>
+                                        </p:tgtEl>
+                                        <p:attrNameLst>
+                                          <p:attrName>ppt_x</p:attrName>
+                                        </p:attrNameLst>
+                                      </p:cBhvr>
+                                      <p:tavLst>
+                                        <p:tav tm="0">
+                                          <p:val>
+                                            <p:strVal val="#ppt_x"/>
+                                          </p:val>
+                                        </p:tav>
+                                        <p:tav tm="100000">
+                                          <p:val>
+                                            <p:strVal val="#ppt_x"/>
+                                          </p:val>
+                                        </p:tav>
+                                      </p:tavLst>
+                                    </p:anim>
+                                    <p:anim calcmode="lin" valueType="num">
+                                      <p:cBhvr additive="base">
+                                        <p:cTn id="36" dur="2000" fill="hold"/>
+                                        <p:tgtEl>
+                                          <p:spTgt spid="5"/>
+                                        </p:tgtEl>
+                                        <p:attrNameLst>
+                                          <p:attrName>ppt_y</p:attrName>
+                                        </p:attrNameLst>
+                                      </p:cBhvr>
+                                      <p:tavLst>
+                                        <p:tav tm="0">
+                                          <p:val>
+                                            <p:strVal val="1+#ppt_h/2"/>
+                                          </p:val>
+                                        </p:tav>
+                                        <p:tav tm="100000">
+                                          <p:val>
+                                            <p:strVal val="#ppt_y"/>
+                                          </p:val>
+                                        </p:tav>
+                                      </p:tavLst>
+                                    </p:anim>
+                                  </p:childTnLst>
+                                </p:cTn>
+                              </p:par>
+                              <p:par>
+                                <p:cTn id="37" presetID="2" presetClass="entr" presetSubtype="4" fill="hold" nodeType="withEffect">
+                                  <p:stCondLst>
+                                    <p:cond delay="0"/>
+                                  </p:stCondLst>
+                                  <p:childTnLst>
+                                    <p:set>
+                                      <p:cBhvr>
+                                        <p:cTn id="38" dur="1" fill="hold">
+                                          <p:stCondLst>
+                                            <p:cond delay="0"/>
+                                          </p:stCondLst>
+                                        </p:cTn>
+                                        <p:tgtEl>
+                                          <p:spTgt spid="3">
+                                            <p:txEl>
+                                              <p:pRg st="4" end="4"/>
+                                            </p:txEl>
+                                          </p:spTgt>
+                                        </p:tgtEl>
+                                        <p:attrNameLst>
+                                          <p:attrName>style.visibility</p:attrName>
+                                        </p:attrNameLst>
+                                      </p:cBhvr>
+                                      <p:to>
+                                        <p:strVal val="visible"/>
+                                      </p:to>
+                                    </p:set>
+                                    <p:anim calcmode="lin" valueType="num">
+                                      <p:cBhvr additive="base">
+                                        <p:cTn id="39" dur="2000" fill="hold"/>
+                                        <p:tgtEl>
+                                          <p:spTgt spid="3">
+                                            <p:txEl>
+                                              <p:pRg st="4" end="4"/>
+                                            </p:txEl>
+                                          </p:spTgt>
+                                        </p:tgtEl>
+                                        <p:attrNameLst>
+                                          <p:attrName>ppt_x</p:attrName>
+                                        </p:attrNameLst>
+                                      </p:cBhvr>
+                                      <p:tavLst>
+                                        <p:tav tm="0">
+                                          <p:val>
+                                            <p:strVal val="#ppt_x"/>
+                                          </p:val>
+                                        </p:tav>
+                                        <p:tav tm="100000">
+                                          <p:val>
+                                            <p:strVal val="#ppt_x"/>
+                                          </p:val>
+                                        </p:tav>
+                                      </p:tavLst>
+                                    </p:anim>
+                                    <p:anim calcmode="lin" valueType="num">
+                                      <p:cBhvr additive="base">
+                                        <p:cTn id="40" dur="2000" fill="hold"/>
+                                        <p:tgtEl>
+                                          <p:spTgt spid="3">
+                                            <p:txEl>
+                                              <p:pRg st="4" end="4"/>
+                                            </p:txEl>
+                                          </p:spTgt>
+                                        </p:tgtEl>
+                                        <p:attrNameLst>
+                                          <p:attrName>ppt_y</p:attrName>
+                                        </p:attrNameLst>
+                                      </p:cBhvr>
+                                      <p:tavLst>
+                                        <p:tav tm="0">
+                                          <p:val>
+                                            <p:strVal val="1+#ppt_h/2"/>
+                                          </p:val>
+                                        </p:tav>
+                                        <p:tav tm="100000">
+                                          <p:val>
+                                            <p:strVal val="#ppt_y"/>
+                                          </p:val>
+                                        </p:tav>
+                                      </p:tavLst>
+                                    </p:anim>
+                                  </p:childTnLst>
+                                </p:cTn>
+                              </p:par>
+                              <p:par>
+                                <p:cTn id="41" presetID="2" presetClass="entr" presetSubtype="4" fill="hold" nodeType="withEffect">
+                                  <p:stCondLst>
+                                    <p:cond delay="0"/>
+                                  </p:stCondLst>
+                                  <p:childTnLst>
+                                    <p:set>
+                                      <p:cBhvr>
+                                        <p:cTn id="42" dur="1" fill="hold">
+                                          <p:stCondLst>
+                                            <p:cond delay="0"/>
+                                          </p:stCondLst>
+                                        </p:cTn>
+                                        <p:tgtEl>
+                                          <p:spTgt spid="3">
+                                            <p:txEl>
+                                              <p:pRg st="5" end="5"/>
+                                            </p:txEl>
+                                          </p:spTgt>
+                                        </p:tgtEl>
+                                        <p:attrNameLst>
+                                          <p:attrName>style.visibility</p:attrName>
+                                        </p:attrNameLst>
+                                      </p:cBhvr>
+                                      <p:to>
+                                        <p:strVal val="visible"/>
+                                      </p:to>
+                                    </p:set>
+                                    <p:anim calcmode="lin" valueType="num">
+                                      <p:cBhvr additive="base">
+                                        <p:cTn id="43" dur="2000" fill="hold"/>
+                                        <p:tgtEl>
+                                          <p:spTgt spid="3">
+                                            <p:txEl>
+                                              <p:pRg st="5" end="5"/>
+                                            </p:txEl>
+                                          </p:spTgt>
+                                        </p:tgtEl>
+                                        <p:attrNameLst>
+                                          <p:attrName>ppt_x</p:attrName>
+                                        </p:attrNameLst>
+                                      </p:cBhvr>
+                                      <p:tavLst>
+                                        <p:tav tm="0">
+                                          <p:val>
+                                            <p:strVal val="#ppt_x"/>
+                                          </p:val>
+                                        </p:tav>
+                                        <p:tav tm="100000">
+                                          <p:val>
+                                            <p:strVal val="#ppt_x"/>
+                                          </p:val>
+                                        </p:tav>
+                                      </p:tavLst>
+                                    </p:anim>
+                                    <p:anim calcmode="lin" valueType="num">
+                                      <p:cBhvr additive="base">
+                                        <p:cTn id="44" dur="2000" fill="hold"/>
+                                        <p:tgtEl>
+                                          <p:spTgt spid="3">
+                                            <p:txEl>
+                                              <p:pRg st="5" end="5"/>
+                                            </p:txEl>
+                                          </p:spTgt>
+                                        </p:tgtEl>
+                                        <p:attrNameLst>
+                                          <p:attrName>ppt_y</p:attrName>
+                                        </p:attrNameLst>
+                                      </p:cBhvr>
+                                      <p:tavLst>
+                                        <p:tav tm="0">
+                                          <p:val>
+                                            <p:strVal val="1+#ppt_h/2"/>
+                                          </p:val>
+                                        </p:tav>
+                                        <p:tav tm="100000">
+                                          <p:val>
+                                            <p:strVal val="#ppt_y"/>
+                                          </p:val>
+                                        </p:tav>
+                                      </p:tavLst>
+                                    </p:anim>
+                                  </p:childTnLst>
+                                </p:cTn>
+                              </p:par>
+                            </p:childTnLst>
+                          </p:cTn>
+                        </p:par>
+                      </p:childTnLst>
+                    </p:cTn>
+                  </p:par>
+                </p:childTnLst>
+              </p:cTn>
+              <p:prevCondLst>
+                <p:cond evt="onPrev" delay="0">
+                  <p:tgtEl>
+                    <p:sldTgt/>
+                  </p:tgtEl>
+                </p:cond>
+              </p:prevCondLst>
+              <p:nextCondLst>
+                <p:cond evt="onNext" delay="0">
+                  <p:tgtEl>
+                    <p:sldTgt/>
+                  </p:tgtEl>
+                </p:cond>
+              </p:nextCondLst>
+            </p:seq>
+          </p:childTnLst>
+        </p:cTn>
       </p:par>
     </p:tnLst>
   </p:timing>
